--- a/AnalogeElektronica2/PowerPoint/Klasse-A.pptx
+++ b/AnalogeElektronica2/PowerPoint/Klasse-A.pptx
@@ -5706,7 +5706,7 @@
               </a:lnSpc>
               <a:defRPr>
                 <a:solidFill>
-                  <a:srgbClr val="010101"/>
+                  <a:srgbClr val="FFFFFF"/>
                 </a:solidFill>
               </a:defRPr>
             </a:pPr>
@@ -5727,7 +5727,7 @@
               </a:lnSpc>
               <a:defRPr>
                 <a:solidFill>
-                  <a:srgbClr val="010101"/>
+                  <a:srgbClr val="FFFFFF"/>
                 </a:solidFill>
               </a:defRPr>
             </a:pPr>
@@ -5748,7 +5748,7 @@
               </a:lnSpc>
               <a:defRPr>
                 <a:solidFill>
-                  <a:srgbClr val="010101"/>
+                  <a:srgbClr val="FFFFFF"/>
                 </a:solidFill>
               </a:defRPr>
             </a:pPr>
@@ -5769,7 +5769,7 @@
               </a:lnSpc>
               <a:defRPr>
                 <a:solidFill>
-                  <a:srgbClr val="010101"/>
+                  <a:srgbClr val="FFFFFF"/>
                 </a:solidFill>
               </a:defRPr>
             </a:pPr>
@@ -5790,7 +5790,7 @@
               </a:lnSpc>
               <a:defRPr>
                 <a:solidFill>
-                  <a:srgbClr val="010101"/>
+                  <a:srgbClr val="FFFFFF"/>
                 </a:solidFill>
               </a:defRPr>
             </a:pPr>
@@ -5811,7 +5811,7 @@
               </a:lnSpc>
               <a:defRPr>
                 <a:solidFill>
-                  <a:srgbClr val="010101"/>
+                  <a:srgbClr val="FFFFFF"/>
                 </a:solidFill>
               </a:defRPr>
             </a:pPr>
@@ -5832,7 +5832,7 @@
               </a:lnSpc>
               <a:defRPr>
                 <a:solidFill>
-                  <a:srgbClr val="010101"/>
+                  <a:srgbClr val="FFFFFF"/>
                 </a:solidFill>
               </a:defRPr>
             </a:pPr>
@@ -5853,7 +5853,7 @@
               </a:lnSpc>
               <a:defRPr>
                 <a:solidFill>
-                  <a:srgbClr val="010101"/>
+                  <a:srgbClr val="FFFFFF"/>
                 </a:solidFill>
               </a:defRPr>
             </a:pPr>
@@ -5874,7 +5874,7 @@
               </a:lnSpc>
               <a:defRPr>
                 <a:solidFill>
-                  <a:srgbClr val="010101"/>
+                  <a:srgbClr val="FFFFFF"/>
                 </a:solidFill>
               </a:defRPr>
             </a:pPr>
@@ -5895,7 +5895,7 @@
               </a:lnSpc>
               <a:defRPr>
                 <a:solidFill>
-                  <a:srgbClr val="010101"/>
+                  <a:srgbClr val="FFFFFF"/>
                 </a:solidFill>
               </a:defRPr>
             </a:pPr>
@@ -5910,7 +5910,7 @@
               </a:lnSpc>
               <a:defRPr>
                 <a:solidFill>
-                  <a:srgbClr val="010101"/>
+                  <a:srgbClr val="FFFFFF"/>
                 </a:solidFill>
               </a:defRPr>
             </a:pPr>
@@ -6402,7 +6402,7 @@
               </a:lnSpc>
               <a:defRPr>
                 <a:solidFill>
-                  <a:srgbClr val="010101"/>
+                  <a:srgbClr val="FFFFFF"/>
                 </a:solidFill>
               </a:defRPr>
             </a:pPr>
@@ -6423,7 +6423,7 @@
               </a:lnSpc>
               <a:defRPr>
                 <a:solidFill>
-                  <a:srgbClr val="010101"/>
+                  <a:srgbClr val="FFFFFF"/>
                 </a:solidFill>
               </a:defRPr>
             </a:pPr>
@@ -6444,7 +6444,7 @@
               </a:lnSpc>
               <a:defRPr>
                 <a:solidFill>
-                  <a:srgbClr val="010101"/>
+                  <a:srgbClr val="FFFFFF"/>
                 </a:solidFill>
               </a:defRPr>
             </a:pPr>
@@ -6465,7 +6465,7 @@
               </a:lnSpc>
               <a:defRPr>
                 <a:solidFill>
-                  <a:srgbClr val="010101"/>
+                  <a:srgbClr val="FFFFFF"/>
                 </a:solidFill>
               </a:defRPr>
             </a:pPr>
@@ -6486,7 +6486,7 @@
               </a:lnSpc>
               <a:defRPr>
                 <a:solidFill>
-                  <a:srgbClr val="010101"/>
+                  <a:srgbClr val="FFFFFF"/>
                 </a:solidFill>
               </a:defRPr>
             </a:pPr>
@@ -6507,7 +6507,7 @@
               </a:lnSpc>
               <a:defRPr>
                 <a:solidFill>
-                  <a:srgbClr val="010101"/>
+                  <a:srgbClr val="FFFFFF"/>
                 </a:solidFill>
               </a:defRPr>
             </a:pPr>
@@ -6528,7 +6528,7 @@
               </a:lnSpc>
               <a:defRPr>
                 <a:solidFill>
-                  <a:srgbClr val="010101"/>
+                  <a:srgbClr val="FFFFFF"/>
                 </a:solidFill>
               </a:defRPr>
             </a:pPr>
@@ -6549,7 +6549,7 @@
               </a:lnSpc>
               <a:defRPr>
                 <a:solidFill>
-                  <a:srgbClr val="010101"/>
+                  <a:srgbClr val="FFFFFF"/>
                 </a:solidFill>
               </a:defRPr>
             </a:pPr>
@@ -6570,7 +6570,7 @@
               </a:lnSpc>
               <a:defRPr>
                 <a:solidFill>
-                  <a:srgbClr val="010101"/>
+                  <a:srgbClr val="FFFFFF"/>
                 </a:solidFill>
               </a:defRPr>
             </a:pPr>
@@ -6591,7 +6591,7 @@
               </a:lnSpc>
               <a:defRPr>
                 <a:solidFill>
-                  <a:srgbClr val="010101"/>
+                  <a:srgbClr val="FFFFFF"/>
                 </a:solidFill>
               </a:defRPr>
             </a:pPr>
@@ -6606,7 +6606,7 @@
               </a:lnSpc>
               <a:defRPr>
                 <a:solidFill>
-                  <a:srgbClr val="010101"/>
+                  <a:srgbClr val="FFFFFF"/>
                 </a:solidFill>
               </a:defRPr>
             </a:pPr>
@@ -6834,7 +6834,7 @@
               </a:lnSpc>
               <a:defRPr>
                 <a:solidFill>
-                  <a:srgbClr val="010101"/>
+                  <a:srgbClr val="FFFFFF"/>
                 </a:solidFill>
               </a:defRPr>
             </a:pPr>
@@ -6855,7 +6855,7 @@
               </a:lnSpc>
               <a:defRPr>
                 <a:solidFill>
-                  <a:srgbClr val="010101"/>
+                  <a:srgbClr val="FFFFFF"/>
                 </a:solidFill>
               </a:defRPr>
             </a:pPr>
@@ -6876,7 +6876,7 @@
               </a:lnSpc>
               <a:defRPr>
                 <a:solidFill>
-                  <a:srgbClr val="010101"/>
+                  <a:srgbClr val="FFFFFF"/>
                 </a:solidFill>
               </a:defRPr>
             </a:pPr>
@@ -6897,7 +6897,7 @@
               </a:lnSpc>
               <a:defRPr>
                 <a:solidFill>
-                  <a:srgbClr val="010101"/>
+                  <a:srgbClr val="FFFFFF"/>
                 </a:solidFill>
               </a:defRPr>
             </a:pPr>
@@ -6918,7 +6918,7 @@
               </a:lnSpc>
               <a:defRPr>
                 <a:solidFill>
-                  <a:srgbClr val="010101"/>
+                  <a:srgbClr val="FFFFFF"/>
                 </a:solidFill>
               </a:defRPr>
             </a:pPr>
@@ -6939,7 +6939,7 @@
               </a:lnSpc>
               <a:defRPr>
                 <a:solidFill>
-                  <a:srgbClr val="010101"/>
+                  <a:srgbClr val="FFFFFF"/>
                 </a:solidFill>
               </a:defRPr>
             </a:pPr>
@@ -6960,7 +6960,7 @@
               </a:lnSpc>
               <a:defRPr>
                 <a:solidFill>
-                  <a:srgbClr val="010101"/>
+                  <a:srgbClr val="FFFFFF"/>
                 </a:solidFill>
               </a:defRPr>
             </a:pPr>
@@ -6981,7 +6981,7 @@
               </a:lnSpc>
               <a:defRPr>
                 <a:solidFill>
-                  <a:srgbClr val="010101"/>
+                  <a:srgbClr val="FFFFFF"/>
                 </a:solidFill>
               </a:defRPr>
             </a:pPr>
@@ -7002,7 +7002,7 @@
               </a:lnSpc>
               <a:defRPr>
                 <a:solidFill>
-                  <a:srgbClr val="010101"/>
+                  <a:srgbClr val="FFFFFF"/>
                 </a:solidFill>
               </a:defRPr>
             </a:pPr>
@@ -7023,7 +7023,7 @@
               </a:lnSpc>
               <a:defRPr>
                 <a:solidFill>
-                  <a:srgbClr val="010101"/>
+                  <a:srgbClr val="FFFFFF"/>
                 </a:solidFill>
               </a:defRPr>
             </a:pPr>
@@ -7038,7 +7038,7 @@
               </a:lnSpc>
               <a:defRPr>
                 <a:solidFill>
-                  <a:srgbClr val="010101"/>
+                  <a:srgbClr val="FFFFFF"/>
                 </a:solidFill>
               </a:defRPr>
             </a:pPr>

--- a/AnalogeElektronica2/PowerPoint/Klasse-A.pptx
+++ b/AnalogeElektronica2/PowerPoint/Klasse-A.pptx
@@ -687,7 +687,7 @@
           <a:p>
             <a:fld id="{8F591CCF-F6FD-734B-854A-5BC033593B1E}" type="datetimeFigureOut">
               <a:rPr lang="nl-NL" smtClean="0"/>
-              <a:t>20-9-2025</a:t>
+              <a:t>21-9-2025</a:t>
             </a:fld>
             <a:endParaRPr lang="nl-NL"/>
           </a:p>
@@ -852,7 +852,7 @@
           <a:p>
             <a:fld id="{23C66214-DB21-4647-B5DA-0D17CA592867}" type="datetimeFigureOut">
               <a:rPr lang="nl-NL" smtClean="0"/>
-              <a:t>20-9-2025</a:t>
+              <a:t>21-9-2025</a:t>
             </a:fld>
             <a:endParaRPr lang="nl-NL"/>
           </a:p>
@@ -1463,7 +1463,7 @@
           <a:p>
             <a:fld id="{D15822B7-9EF6-9542-AF10-CD505E021A84}" type="datetime1">
               <a:rPr lang="nl-BE" smtClean="0"/>
-              <a:t>20/09/2025</a:t>
+              <a:t>21/09/2025</a:t>
             </a:fld>
             <a:endParaRPr lang="nl-NL"/>
           </a:p>
@@ -1713,7 +1713,7 @@
           <a:p>
             <a:fld id="{D15822B7-9EF6-9542-AF10-CD505E021A84}" type="datetime1">
               <a:rPr lang="nl-BE" smtClean="0"/>
-              <a:t>20/09/2025</a:t>
+              <a:t>21/09/2025</a:t>
             </a:fld>
             <a:endParaRPr lang="nl-NL"/>
           </a:p>
@@ -1996,7 +1996,7 @@
           <a:p>
             <a:fld id="{F52CA13D-CC20-034F-8D4D-5C3038626ED9}" type="datetime1">
               <a:rPr lang="nl-BE" smtClean="0"/>
-              <a:t>20/09/2025</a:t>
+              <a:t>21/09/2025</a:t>
             </a:fld>
             <a:endParaRPr lang="nl-NL"/>
           </a:p>
@@ -2276,8 +2276,8 @@
         </p:nvSpPr>
         <p:spPr>
           <a:xfrm>
-            <a:off x="576000" y="2232000"/>
-            <a:ext cx="11006400" cy="3820646"/>
+            <a:off x="576000" y="800401"/>
+            <a:ext cx="11006400" cy="5252245"/>
           </a:xfrm>
         </p:spPr>
         <p:txBody>
@@ -2348,7 +2348,7 @@
           <a:p>
             <a:fld id="{F52CA13D-CC20-034F-8D4D-5C3038626ED9}" type="datetime1">
               <a:rPr lang="nl-BE" smtClean="0"/>
-              <a:t>20/09/2025</a:t>
+              <a:t>21/09/2025</a:t>
             </a:fld>
             <a:endParaRPr lang="nl-NL"/>
           </a:p>
@@ -2466,7 +2466,7 @@
         </p:nvSpPr>
         <p:spPr>
           <a:xfrm>
-            <a:off x="576000" y="576001"/>
+            <a:off x="576000" y="4501"/>
             <a:ext cx="11041200" cy="648000"/>
           </a:xfrm>
         </p:spPr>
@@ -2526,8 +2526,8 @@
         </p:nvGrpSpPr>
         <p:grpSpPr>
           <a:xfrm>
-            <a:off x="125506" y="1312858"/>
-            <a:ext cx="11821095" cy="4739788"/>
+            <a:off x="125506" y="731855"/>
+            <a:ext cx="11821095" cy="5320791"/>
             <a:chOff x="0" y="-241102"/>
             <a:chExt cx="23088432" cy="12605757"/>
           </a:xfrm>
@@ -3472,8 +3472,8 @@
         </p:nvSpPr>
         <p:spPr>
           <a:xfrm>
-            <a:off x="245399" y="1810310"/>
-            <a:ext cx="11605942" cy="4175637"/>
+            <a:off x="245399" y="1280788"/>
+            <a:ext cx="11605942" cy="4705159"/>
           </a:xfrm>
           <a:noFill/>
         </p:spPr>
@@ -3581,7 +3581,7 @@
           <a:p>
             <a:fld id="{F52CA13D-CC20-034F-8D4D-5C3038626ED9}" type="datetime1">
               <a:rPr lang="nl-BE" smtClean="0"/>
-              <a:t>20/09/2025</a:t>
+              <a:t>21/09/2025</a:t>
             </a:fld>
             <a:endParaRPr lang="nl-NL"/>
           </a:p>
@@ -3699,7 +3699,7 @@
         </p:nvSpPr>
         <p:spPr>
           <a:xfrm>
-            <a:off x="576000" y="576000"/>
+            <a:off x="576000" y="4500"/>
             <a:ext cx="11041200" cy="579455"/>
           </a:xfrm>
         </p:spPr>
@@ -3802,7 +3802,7 @@
           <a:p>
             <a:fld id="{F52CA13D-CC20-034F-8D4D-5C3038626ED9}" type="datetime1">
               <a:rPr lang="nl-BE" smtClean="0"/>
-              <a:t>20/09/2025</a:t>
+              <a:t>21/09/2025</a:t>
             </a:fld>
             <a:endParaRPr lang="nl-NL"/>
           </a:p>
@@ -3920,7 +3920,7 @@
         </p:nvSpPr>
         <p:spPr>
           <a:xfrm>
-            <a:off x="576000" y="576001"/>
+            <a:off x="576000" y="4501"/>
             <a:ext cx="11041200" cy="648000"/>
           </a:xfrm>
         </p:spPr>
@@ -4013,8 +4013,8 @@
         </p:nvSpPr>
         <p:spPr>
           <a:xfrm>
-            <a:off x="576000" y="1688400"/>
-            <a:ext cx="11006400" cy="4364246"/>
+            <a:off x="576000" y="811831"/>
+            <a:ext cx="11006400" cy="5240815"/>
           </a:xfrm>
         </p:spPr>
         <p:txBody>
@@ -4093,7 +4093,7 @@
           <a:p>
             <a:fld id="{F52CA13D-CC20-034F-8D4D-5C3038626ED9}" type="datetime1">
               <a:rPr lang="nl-BE" smtClean="0"/>
-              <a:t>20/09/2025</a:t>
+              <a:t>21/09/2025</a:t>
             </a:fld>
             <a:endParaRPr lang="nl-NL"/>
           </a:p>
@@ -4211,7 +4211,7 @@
         </p:nvSpPr>
         <p:spPr>
           <a:xfrm>
-            <a:off x="576000" y="576000"/>
+            <a:off x="576000" y="15930"/>
             <a:ext cx="11041200" cy="648001"/>
           </a:xfrm>
         </p:spPr>
@@ -4220,10 +4220,10 @@
           <a:lstStyle/>
           <a:p>
             <a:r>
-              <a:rPr lang="en-US"/>
+              <a:rPr lang="en-US" dirty="0"/>
               <a:t>Click to edit Master title style</a:t>
             </a:r>
-            <a:endParaRPr lang="en-GB"/>
+            <a:endParaRPr lang="en-GB" dirty="0"/>
           </a:p>
         </p:txBody>
       </p:sp>
@@ -4275,8 +4275,8 @@
         </p:nvSpPr>
         <p:spPr>
           <a:xfrm>
-            <a:off x="576000" y="1531620"/>
-            <a:ext cx="11006400" cy="4521026"/>
+            <a:off x="576000" y="868680"/>
+            <a:ext cx="11006400" cy="5183966"/>
           </a:xfrm>
         </p:spPr>
         <p:txBody>
@@ -4347,7 +4347,7 @@
           <a:p>
             <a:fld id="{F52CA13D-CC20-034F-8D4D-5C3038626ED9}" type="datetime1">
               <a:rPr lang="nl-BE" smtClean="0"/>
-              <a:t>20/09/2025</a:t>
+              <a:t>21/09/2025</a:t>
             </a:fld>
             <a:endParaRPr lang="nl-NL"/>
           </a:p>
@@ -4465,7 +4465,7 @@
         </p:nvSpPr>
         <p:spPr>
           <a:xfrm>
-            <a:off x="576000" y="576001"/>
+            <a:off x="576000" y="15931"/>
             <a:ext cx="11041200" cy="650366"/>
           </a:xfrm>
         </p:spPr>
@@ -4560,7 +4560,7 @@
           <a:p>
             <a:fld id="{D15822B7-9EF6-9542-AF10-CD505E021A84}" type="datetime1">
               <a:rPr lang="nl-BE" smtClean="0"/>
-              <a:t>20/09/2025</a:t>
+              <a:t>21/09/2025</a:t>
             </a:fld>
             <a:endParaRPr lang="nl-NL"/>
           </a:p>
@@ -4626,8 +4626,8 @@
         </p:nvSpPr>
         <p:spPr>
           <a:xfrm>
-            <a:off x="576000" y="2232000"/>
-            <a:ext cx="11006402" cy="3820646"/>
+            <a:off x="576000" y="708660"/>
+            <a:ext cx="11006402" cy="5343986"/>
           </a:xfrm>
         </p:spPr>
         <p:txBody>
@@ -4688,7 +4688,7 @@
         </p:nvSpPr>
         <p:spPr>
           <a:xfrm>
-            <a:off x="576000" y="576001"/>
+            <a:off x="576000" y="15931"/>
             <a:ext cx="11041200" cy="578430"/>
           </a:xfrm>
         </p:spPr>
@@ -4697,10 +4697,10 @@
           <a:lstStyle/>
           <a:p>
             <a:r>
-              <a:rPr lang="en-US"/>
+              <a:rPr lang="en-US" dirty="0"/>
               <a:t>Click to edit Master title style</a:t>
             </a:r>
-            <a:endParaRPr lang="en-GB"/>
+            <a:endParaRPr lang="en-GB" dirty="0"/>
           </a:p>
         </p:txBody>
       </p:sp>
@@ -4751,7 +4751,7 @@
           <a:p>
             <a:fld id="{D15822B7-9EF6-9542-AF10-CD505E021A84}" type="datetime1">
               <a:rPr lang="nl-BE" smtClean="0"/>
-              <a:t>20/09/2025</a:t>
+              <a:t>21/09/2025</a:t>
             </a:fld>
             <a:endParaRPr lang="nl-NL"/>
           </a:p>
@@ -4817,8 +4817,8 @@
         </p:nvSpPr>
         <p:spPr>
           <a:xfrm>
-            <a:off x="576000" y="2232000"/>
-            <a:ext cx="11006402" cy="3820646"/>
+            <a:off x="576000" y="765810"/>
+            <a:ext cx="11006402" cy="5286836"/>
           </a:xfrm>
         </p:spPr>
         <p:txBody>
@@ -4879,7 +4879,7 @@
         </p:nvSpPr>
         <p:spPr>
           <a:xfrm>
-            <a:off x="576000" y="576001"/>
+            <a:off x="576000" y="0"/>
             <a:ext cx="11041200" cy="647010"/>
           </a:xfrm>
         </p:spPr>
@@ -5109,7 +5109,7 @@
           <a:p>
             <a:fld id="{0C33DDE8-63FF-C642-9F3A-0B773DD34821}" type="datetime1">
               <a:rPr lang="nl-BE" smtClean="0"/>
-              <a:t>20/09/2025</a:t>
+              <a:t>21/09/2025</a:t>
             </a:fld>
             <a:endParaRPr lang="nl-NL"/>
           </a:p>
@@ -5702,7 +5702,7 @@
           <a:p>
             <a:pPr>
               <a:lnSpc>
-                <a:spcPts val="1800"/>
+                <a:spcPts val="2400"/>
               </a:lnSpc>
               <a:defRPr>
                 <a:solidFill>
@@ -5711,19 +5711,19 @@
               </a:defRPr>
             </a:pPr>
             <a:r>
-              <a:rPr sz="3000" b="0" i="0">
+              <a:rPr sz="2400" b="0" i="0">
                 <a:latin typeface="Courier"/>
               </a:rPr>
               <a:t>* Spice file van een eenvoudige Klasse A versterker</a:t>
             </a:r>
-            <a:endParaRPr sz="3000" b="0" i="0">
+            <a:endParaRPr sz="2400" b="0" i="0">
               <a:latin typeface="Courier"/>
             </a:endParaRPr>
           </a:p>
           <a:p>
             <a:pPr>
               <a:lnSpc>
-                <a:spcPts val="1800"/>
+                <a:spcPts val="2400"/>
               </a:lnSpc>
               <a:defRPr>
                 <a:solidFill>
@@ -5732,19 +5732,19 @@
               </a:defRPr>
             </a:pPr>
             <a:r>
-              <a:rPr sz="3000" b="0" i="0">
+              <a:rPr sz="2400" b="0" i="0">
                 <a:latin typeface="Courier"/>
               </a:rPr>
               <a:t>R_R6         0 1  8</a:t>
             </a:r>
-            <a:endParaRPr sz="3000" b="0" i="0">
+            <a:endParaRPr sz="2400" b="0" i="0">
               <a:latin typeface="Courier"/>
             </a:endParaRPr>
           </a:p>
           <a:p>
             <a:pPr>
               <a:lnSpc>
-                <a:spcPts val="1800"/>
+                <a:spcPts val="2400"/>
               </a:lnSpc>
               <a:defRPr>
                 <a:solidFill>
@@ -5753,19 +5753,19 @@
               </a:defRPr>
             </a:pPr>
             <a:r>
-              <a:rPr sz="3000" b="0" i="0">
+              <a:rPr sz="2400" b="0" i="0">
                 <a:latin typeface="Courier"/>
               </a:rPr>
               <a:t>R_R7         3 2  1</a:t>
             </a:r>
-            <a:endParaRPr sz="3000" b="0" i="0">
+            <a:endParaRPr sz="2400" b="0" i="0">
               <a:latin typeface="Courier"/>
             </a:endParaRPr>
           </a:p>
           <a:p>
             <a:pPr>
               <a:lnSpc>
-                <a:spcPts val="1800"/>
+                <a:spcPts val="2400"/>
               </a:lnSpc>
               <a:defRPr>
                 <a:solidFill>
@@ -5774,19 +5774,19 @@
               </a:defRPr>
             </a:pPr>
             <a:r>
-              <a:rPr sz="3000" b="0" i="0">
+              <a:rPr sz="2400" b="0" i="0">
                 <a:latin typeface="Courier"/>
               </a:rPr>
               <a:t>L1_TX1       3 4 25m</a:t>
             </a:r>
-            <a:endParaRPr sz="3000" b="0" i="0">
+            <a:endParaRPr sz="2400" b="0" i="0">
               <a:latin typeface="Courier"/>
             </a:endParaRPr>
           </a:p>
           <a:p>
             <a:pPr>
               <a:lnSpc>
-                <a:spcPts val="1800"/>
+                <a:spcPts val="2400"/>
               </a:lnSpc>
               <a:defRPr>
                 <a:solidFill>
@@ -5795,19 +5795,19 @@
               </a:defRPr>
             </a:pPr>
             <a:r>
-              <a:rPr sz="3000" b="0" i="0">
+              <a:rPr sz="2400" b="0" i="0">
                 <a:latin typeface="Courier"/>
               </a:rPr>
               <a:t>L2_TX1       1 0 1m</a:t>
             </a:r>
-            <a:endParaRPr sz="3000" b="0" i="0">
+            <a:endParaRPr sz="2400" b="0" i="0">
               <a:latin typeface="Courier"/>
             </a:endParaRPr>
           </a:p>
           <a:p>
             <a:pPr>
               <a:lnSpc>
-                <a:spcPts val="1800"/>
+                <a:spcPts val="2400"/>
               </a:lnSpc>
               <a:defRPr>
                 <a:solidFill>
@@ -5816,19 +5816,19 @@
               </a:defRPr>
             </a:pPr>
             <a:r>
-              <a:rPr sz="3000" b="0" i="0">
+              <a:rPr sz="2400" b="0" i="0">
                 <a:latin typeface="Courier"/>
               </a:rPr>
               <a:t>K_TX1        L1_TX1 L2_TX1 1.</a:t>
             </a:r>
-            <a:endParaRPr sz="3000" b="0" i="0">
+            <a:endParaRPr sz="2400" b="0" i="0">
               <a:latin typeface="Courier"/>
             </a:endParaRPr>
           </a:p>
           <a:p>
             <a:pPr>
               <a:lnSpc>
-                <a:spcPts val="1800"/>
+                <a:spcPts val="2400"/>
               </a:lnSpc>
               <a:defRPr>
                 <a:solidFill>
@@ -5837,19 +5837,19 @@
               </a:defRPr>
             </a:pPr>
             <a:r>
-              <a:rPr sz="3000" b="0" i="0">
+              <a:rPr sz="2400" b="0" i="0">
                 <a:latin typeface="Courier"/>
               </a:rPr>
               <a:t>Q_Q5         4 5 0 Q2</a:t>
             </a:r>
-            <a:endParaRPr sz="3000" b="0" i="0">
+            <a:endParaRPr sz="2400" b="0" i="0">
               <a:latin typeface="Courier"/>
             </a:endParaRPr>
           </a:p>
           <a:p>
             <a:pPr>
               <a:lnSpc>
-                <a:spcPts val="1800"/>
+                <a:spcPts val="2400"/>
               </a:lnSpc>
               <a:defRPr>
                 <a:solidFill>
@@ -5858,19 +5858,19 @@
               </a:defRPr>
             </a:pPr>
             <a:r>
-              <a:rPr sz="3000" b="0" i="0">
+              <a:rPr sz="2400" b="0" i="0">
                 <a:latin typeface="Courier"/>
               </a:rPr>
               <a:t>I_I4         0 5  SIN(17m 15m 100k) DC=17m</a:t>
             </a:r>
-            <a:endParaRPr sz="3000" b="0" i="0">
+            <a:endParaRPr sz="2400" b="0" i="0">
               <a:latin typeface="Courier"/>
             </a:endParaRPr>
           </a:p>
           <a:p>
             <a:pPr>
               <a:lnSpc>
-                <a:spcPts val="1800"/>
+                <a:spcPts val="2400"/>
               </a:lnSpc>
               <a:defRPr>
                 <a:solidFill>
@@ -5879,19 +5879,19 @@
               </a:defRPr>
             </a:pPr>
             <a:r>
-              <a:rPr sz="3000" b="0" i="0">
+              <a:rPr sz="2400" b="0" i="0">
                 <a:latin typeface="Courier"/>
               </a:rPr>
               <a:t>V_VDD        2 0 66V</a:t>
             </a:r>
-            <a:endParaRPr sz="3000" b="0" i="0">
+            <a:endParaRPr sz="2400" b="0" i="0">
               <a:latin typeface="Courier"/>
             </a:endParaRPr>
           </a:p>
           <a:p>
             <a:pPr>
               <a:lnSpc>
-                <a:spcPts val="1800"/>
+                <a:spcPts val="2400"/>
               </a:lnSpc>
               <a:defRPr>
                 <a:solidFill>
@@ -5899,14 +5899,14 @@
                 </a:solidFill>
               </a:defRPr>
             </a:pPr>
-            <a:endParaRPr sz="3000" b="0" i="0">
+            <a:endParaRPr sz="2400" b="0" i="0">
               <a:latin typeface="Courier"/>
             </a:endParaRPr>
           </a:p>
           <a:p>
             <a:pPr>
               <a:lnSpc>
-                <a:spcPts val="1800"/>
+                <a:spcPts val="2400"/>
               </a:lnSpc>
               <a:defRPr>
                 <a:solidFill>
@@ -5915,12 +5915,12 @@
               </a:defRPr>
             </a:pPr>
             <a:r>
-              <a:rPr sz="3000" b="0" i="0">
+              <a:rPr sz="2400" b="0" i="0">
                 <a:latin typeface="Courier"/>
               </a:rPr>
               <a:t>.model Q2  NPN(Is=14.34p BF=20 )</a:t>
             </a:r>
-            <a:endParaRPr sz="3000" b="0" i="0">
+            <a:endParaRPr sz="2400" b="0" i="0">
               <a:latin typeface="Courier"/>
             </a:endParaRPr>
           </a:p>
@@ -6398,7 +6398,7 @@
           <a:p>
             <a:pPr>
               <a:lnSpc>
-                <a:spcPts val="1800"/>
+                <a:spcPts val="2400"/>
               </a:lnSpc>
               <a:defRPr>
                 <a:solidFill>
@@ -6407,19 +6407,19 @@
               </a:defRPr>
             </a:pPr>
             <a:r>
-              <a:rPr sz="3000" b="0" i="0">
+              <a:rPr sz="2400" b="0" i="0">
                 <a:latin typeface="Courier"/>
               </a:rPr>
               <a:t>* Spice file van een eenvoudige Klasse A versterker</a:t>
             </a:r>
-            <a:endParaRPr sz="3000" b="0" i="0">
+            <a:endParaRPr sz="2400" b="0" i="0">
               <a:latin typeface="Courier"/>
             </a:endParaRPr>
           </a:p>
           <a:p>
             <a:pPr>
               <a:lnSpc>
-                <a:spcPts val="1800"/>
+                <a:spcPts val="2400"/>
               </a:lnSpc>
               <a:defRPr>
                 <a:solidFill>
@@ -6428,19 +6428,19 @@
               </a:defRPr>
             </a:pPr>
             <a:r>
-              <a:rPr sz="3000" b="0" i="0">
+              <a:rPr sz="2400" b="0" i="0">
                 <a:latin typeface="Courier"/>
               </a:rPr>
               <a:t>R_R6         0 1  8</a:t>
             </a:r>
-            <a:endParaRPr sz="3000" b="0" i="0">
+            <a:endParaRPr sz="2400" b="0" i="0">
               <a:latin typeface="Courier"/>
             </a:endParaRPr>
           </a:p>
           <a:p>
             <a:pPr>
               <a:lnSpc>
-                <a:spcPts val="1800"/>
+                <a:spcPts val="2400"/>
               </a:lnSpc>
               <a:defRPr>
                 <a:solidFill>
@@ -6449,19 +6449,19 @@
               </a:defRPr>
             </a:pPr>
             <a:r>
-              <a:rPr sz="3000" b="0" i="0">
+              <a:rPr sz="2400" b="0" i="0">
                 <a:latin typeface="Courier"/>
               </a:rPr>
               <a:t>R_R7         3 2  1</a:t>
             </a:r>
-            <a:endParaRPr sz="3000" b="0" i="0">
+            <a:endParaRPr sz="2400" b="0" i="0">
               <a:latin typeface="Courier"/>
             </a:endParaRPr>
           </a:p>
           <a:p>
             <a:pPr>
               <a:lnSpc>
-                <a:spcPts val="1800"/>
+                <a:spcPts val="2400"/>
               </a:lnSpc>
               <a:defRPr>
                 <a:solidFill>
@@ -6470,19 +6470,19 @@
               </a:defRPr>
             </a:pPr>
             <a:r>
-              <a:rPr sz="3000" b="0" i="0">
+              <a:rPr sz="2400" b="0" i="0">
                 <a:latin typeface="Courier"/>
               </a:rPr>
               <a:t>L1_TX1       3 4 25m</a:t>
             </a:r>
-            <a:endParaRPr sz="3000" b="0" i="0">
+            <a:endParaRPr sz="2400" b="0" i="0">
               <a:latin typeface="Courier"/>
             </a:endParaRPr>
           </a:p>
           <a:p>
             <a:pPr>
               <a:lnSpc>
-                <a:spcPts val="1800"/>
+                <a:spcPts val="2400"/>
               </a:lnSpc>
               <a:defRPr>
                 <a:solidFill>
@@ -6491,19 +6491,19 @@
               </a:defRPr>
             </a:pPr>
             <a:r>
-              <a:rPr sz="3000" b="0" i="0">
+              <a:rPr sz="2400" b="0" i="0">
                 <a:latin typeface="Courier"/>
               </a:rPr>
               <a:t>L2_TX1       1 0 1m</a:t>
             </a:r>
-            <a:endParaRPr sz="3000" b="0" i="0">
+            <a:endParaRPr sz="2400" b="0" i="0">
               <a:latin typeface="Courier"/>
             </a:endParaRPr>
           </a:p>
           <a:p>
             <a:pPr>
               <a:lnSpc>
-                <a:spcPts val="1800"/>
+                <a:spcPts val="2400"/>
               </a:lnSpc>
               <a:defRPr>
                 <a:solidFill>
@@ -6512,19 +6512,19 @@
               </a:defRPr>
             </a:pPr>
             <a:r>
-              <a:rPr sz="3000" b="0" i="0">
+              <a:rPr sz="2400" b="0" i="0">
                 <a:latin typeface="Courier"/>
               </a:rPr>
               <a:t>K_TX1        L1_TX1 L2_TX1 1.</a:t>
             </a:r>
-            <a:endParaRPr sz="3000" b="0" i="0">
+            <a:endParaRPr sz="2400" b="0" i="0">
               <a:latin typeface="Courier"/>
             </a:endParaRPr>
           </a:p>
           <a:p>
             <a:pPr>
               <a:lnSpc>
-                <a:spcPts val="1800"/>
+                <a:spcPts val="2400"/>
               </a:lnSpc>
               <a:defRPr>
                 <a:solidFill>
@@ -6533,19 +6533,19 @@
               </a:defRPr>
             </a:pPr>
             <a:r>
-              <a:rPr sz="3000" b="0" i="0">
+              <a:rPr sz="2400" b="0" i="0">
                 <a:latin typeface="Courier"/>
               </a:rPr>
               <a:t>Q_Q5         4 5 0 Q2</a:t>
             </a:r>
-            <a:endParaRPr sz="3000" b="0" i="0">
+            <a:endParaRPr sz="2400" b="0" i="0">
               <a:latin typeface="Courier"/>
             </a:endParaRPr>
           </a:p>
           <a:p>
             <a:pPr>
               <a:lnSpc>
-                <a:spcPts val="1800"/>
+                <a:spcPts val="2400"/>
               </a:lnSpc>
               <a:defRPr>
                 <a:solidFill>
@@ -6554,19 +6554,19 @@
               </a:defRPr>
             </a:pPr>
             <a:r>
-              <a:rPr sz="3000" b="0" i="0">
+              <a:rPr sz="2400" b="0" i="0">
                 <a:latin typeface="Courier"/>
               </a:rPr>
               <a:t>I_I4         0 5  SIN(17m 15m 10k) DC=17m</a:t>
             </a:r>
-            <a:endParaRPr sz="3000" b="0" i="0">
+            <a:endParaRPr sz="2400" b="0" i="0">
               <a:latin typeface="Courier"/>
             </a:endParaRPr>
           </a:p>
           <a:p>
             <a:pPr>
               <a:lnSpc>
-                <a:spcPts val="1800"/>
+                <a:spcPts val="2400"/>
               </a:lnSpc>
               <a:defRPr>
                 <a:solidFill>
@@ -6575,19 +6575,19 @@
               </a:defRPr>
             </a:pPr>
             <a:r>
-              <a:rPr sz="3000" b="0" i="0">
+              <a:rPr sz="2400" b="0" i="0">
                 <a:latin typeface="Courier"/>
               </a:rPr>
               <a:t>V_VDD        2 0 66V</a:t>
             </a:r>
-            <a:endParaRPr sz="3000" b="0" i="0">
+            <a:endParaRPr sz="2400" b="0" i="0">
               <a:latin typeface="Courier"/>
             </a:endParaRPr>
           </a:p>
           <a:p>
             <a:pPr>
               <a:lnSpc>
-                <a:spcPts val="1800"/>
+                <a:spcPts val="2400"/>
               </a:lnSpc>
               <a:defRPr>
                 <a:solidFill>
@@ -6595,14 +6595,14 @@
                 </a:solidFill>
               </a:defRPr>
             </a:pPr>
-            <a:endParaRPr sz="3000" b="0" i="0">
+            <a:endParaRPr sz="2400" b="0" i="0">
               <a:latin typeface="Courier"/>
             </a:endParaRPr>
           </a:p>
           <a:p>
             <a:pPr>
               <a:lnSpc>
-                <a:spcPts val="1800"/>
+                <a:spcPts val="2400"/>
               </a:lnSpc>
               <a:defRPr>
                 <a:solidFill>
@@ -6611,12 +6611,12 @@
               </a:defRPr>
             </a:pPr>
             <a:r>
-              <a:rPr sz="3000" b="0" i="0">
+              <a:rPr sz="2400" b="0" i="0">
                 <a:latin typeface="Courier"/>
               </a:rPr>
               <a:t>.model Q2  NPN(Is=14.34p BF=20 )</a:t>
             </a:r>
-            <a:endParaRPr sz="3000" b="0" i="0">
+            <a:endParaRPr sz="2400" b="0" i="0">
               <a:latin typeface="Courier"/>
             </a:endParaRPr>
           </a:p>
@@ -6830,7 +6830,7 @@
           <a:p>
             <a:pPr>
               <a:lnSpc>
-                <a:spcPts val="1800"/>
+                <a:spcPts val="2400"/>
               </a:lnSpc>
               <a:defRPr>
                 <a:solidFill>
@@ -6839,19 +6839,19 @@
               </a:defRPr>
             </a:pPr>
             <a:r>
-              <a:rPr sz="3000" b="0" i="0">
+              <a:rPr sz="2400" b="0" i="0">
                 <a:latin typeface="Courier"/>
               </a:rPr>
               <a:t>* Spice file van een eenvoudige Klasse A versterker</a:t>
             </a:r>
-            <a:endParaRPr sz="3000" b="0" i="0">
+            <a:endParaRPr sz="2400" b="0" i="0">
               <a:latin typeface="Courier"/>
             </a:endParaRPr>
           </a:p>
           <a:p>
             <a:pPr>
               <a:lnSpc>
-                <a:spcPts val="1800"/>
+                <a:spcPts val="2400"/>
               </a:lnSpc>
               <a:defRPr>
                 <a:solidFill>
@@ -6860,19 +6860,19 @@
               </a:defRPr>
             </a:pPr>
             <a:r>
-              <a:rPr sz="3000" b="0" i="0">
+              <a:rPr sz="2400" b="0" i="0">
                 <a:latin typeface="Courier"/>
               </a:rPr>
               <a:t>R_R6         0 1  8</a:t>
             </a:r>
-            <a:endParaRPr sz="3000" b="0" i="0">
+            <a:endParaRPr sz="2400" b="0" i="0">
               <a:latin typeface="Courier"/>
             </a:endParaRPr>
           </a:p>
           <a:p>
             <a:pPr>
               <a:lnSpc>
-                <a:spcPts val="1800"/>
+                <a:spcPts val="2400"/>
               </a:lnSpc>
               <a:defRPr>
                 <a:solidFill>
@@ -6881,19 +6881,19 @@
               </a:defRPr>
             </a:pPr>
             <a:r>
-              <a:rPr sz="3000" b="0" i="0">
+              <a:rPr sz="2400" b="0" i="0">
                 <a:latin typeface="Courier"/>
               </a:rPr>
               <a:t>R_R7         3 2  1</a:t>
             </a:r>
-            <a:endParaRPr sz="3000" b="0" i="0">
+            <a:endParaRPr sz="2400" b="0" i="0">
               <a:latin typeface="Courier"/>
             </a:endParaRPr>
           </a:p>
           <a:p>
             <a:pPr>
               <a:lnSpc>
-                <a:spcPts val="1800"/>
+                <a:spcPts val="2400"/>
               </a:lnSpc>
               <a:defRPr>
                 <a:solidFill>
@@ -6902,19 +6902,19 @@
               </a:defRPr>
             </a:pPr>
             <a:r>
-              <a:rPr sz="3000" b="0" i="0">
+              <a:rPr sz="2400" b="0" i="0">
                 <a:latin typeface="Courier"/>
               </a:rPr>
               <a:t>L1_TX1       3 4 25</a:t>
             </a:r>
-            <a:endParaRPr sz="3000" b="0" i="0">
+            <a:endParaRPr sz="2400" b="0" i="0">
               <a:latin typeface="Courier"/>
             </a:endParaRPr>
           </a:p>
           <a:p>
             <a:pPr>
               <a:lnSpc>
-                <a:spcPts val="1800"/>
+                <a:spcPts val="2400"/>
               </a:lnSpc>
               <a:defRPr>
                 <a:solidFill>
@@ -6923,19 +6923,19 @@
               </a:defRPr>
             </a:pPr>
             <a:r>
-              <a:rPr sz="3000" b="0" i="0">
+              <a:rPr sz="2400" b="0" i="0">
                 <a:latin typeface="Courier"/>
               </a:rPr>
               <a:t>L2_TX1       1 0 1</a:t>
             </a:r>
-            <a:endParaRPr sz="3000" b="0" i="0">
+            <a:endParaRPr sz="2400" b="0" i="0">
               <a:latin typeface="Courier"/>
             </a:endParaRPr>
           </a:p>
           <a:p>
             <a:pPr>
               <a:lnSpc>
-                <a:spcPts val="1800"/>
+                <a:spcPts val="2400"/>
               </a:lnSpc>
               <a:defRPr>
                 <a:solidFill>
@@ -6944,19 +6944,19 @@
               </a:defRPr>
             </a:pPr>
             <a:r>
-              <a:rPr sz="3000" b="0" i="0">
+              <a:rPr sz="2400" b="0" i="0">
                 <a:latin typeface="Courier"/>
               </a:rPr>
               <a:t>K_TX1        L1_TX1 L2_TX1 1.</a:t>
             </a:r>
-            <a:endParaRPr sz="3000" b="0" i="0">
+            <a:endParaRPr sz="2400" b="0" i="0">
               <a:latin typeface="Courier"/>
             </a:endParaRPr>
           </a:p>
           <a:p>
             <a:pPr>
               <a:lnSpc>
-                <a:spcPts val="1800"/>
+                <a:spcPts val="2400"/>
               </a:lnSpc>
               <a:defRPr>
                 <a:solidFill>
@@ -6965,19 +6965,19 @@
               </a:defRPr>
             </a:pPr>
             <a:r>
-              <a:rPr sz="3000" b="0" i="0">
+              <a:rPr sz="2400" b="0" i="0">
                 <a:latin typeface="Courier"/>
               </a:rPr>
               <a:t>Q_Q5         4 5 0 Q2</a:t>
             </a:r>
-            <a:endParaRPr sz="3000" b="0" i="0">
+            <a:endParaRPr sz="2400" b="0" i="0">
               <a:latin typeface="Courier"/>
             </a:endParaRPr>
           </a:p>
           <a:p>
             <a:pPr>
               <a:lnSpc>
-                <a:spcPts val="1800"/>
+                <a:spcPts val="2400"/>
               </a:lnSpc>
               <a:defRPr>
                 <a:solidFill>
@@ -6986,19 +6986,19 @@
               </a:defRPr>
             </a:pPr>
             <a:r>
-              <a:rPr sz="3000" b="0" i="0">
+              <a:rPr sz="2400" b="0" i="0">
                 <a:latin typeface="Courier"/>
               </a:rPr>
               <a:t>I_I4         0 5  SIN(17m 15m 10k) DC=17m</a:t>
             </a:r>
-            <a:endParaRPr sz="3000" b="0" i="0">
+            <a:endParaRPr sz="2400" b="0" i="0">
               <a:latin typeface="Courier"/>
             </a:endParaRPr>
           </a:p>
           <a:p>
             <a:pPr>
               <a:lnSpc>
-                <a:spcPts val="1800"/>
+                <a:spcPts val="2400"/>
               </a:lnSpc>
               <a:defRPr>
                 <a:solidFill>
@@ -7007,19 +7007,19 @@
               </a:defRPr>
             </a:pPr>
             <a:r>
-              <a:rPr sz="3000" b="0" i="0">
+              <a:rPr sz="2400" b="0" i="0">
                 <a:latin typeface="Courier"/>
               </a:rPr>
               <a:t>V_VDD        2 0 66V</a:t>
             </a:r>
-            <a:endParaRPr sz="3000" b="0" i="0">
+            <a:endParaRPr sz="2400" b="0" i="0">
               <a:latin typeface="Courier"/>
             </a:endParaRPr>
           </a:p>
           <a:p>
             <a:pPr>
               <a:lnSpc>
-                <a:spcPts val="1800"/>
+                <a:spcPts val="2400"/>
               </a:lnSpc>
               <a:defRPr>
                 <a:solidFill>
@@ -7027,14 +7027,14 @@
                 </a:solidFill>
               </a:defRPr>
             </a:pPr>
-            <a:endParaRPr sz="3000" b="0" i="0">
+            <a:endParaRPr sz="2400" b="0" i="0">
               <a:latin typeface="Courier"/>
             </a:endParaRPr>
           </a:p>
           <a:p>
             <a:pPr>
               <a:lnSpc>
-                <a:spcPts val="1800"/>
+                <a:spcPts val="2400"/>
               </a:lnSpc>
               <a:defRPr>
                 <a:solidFill>
@@ -7043,12 +7043,12 @@
               </a:defRPr>
             </a:pPr>
             <a:r>
-              <a:rPr sz="3000" b="0" i="0">
+              <a:rPr sz="2400" b="0" i="0">
                 <a:latin typeface="Courier"/>
               </a:rPr>
               <a:t>.model Q2  NPN(Is=14.34p BF=20 )</a:t>
             </a:r>
-            <a:endParaRPr sz="3000" b="0" i="0">
+            <a:endParaRPr sz="2400" b="0" i="0">
               <a:latin typeface="Courier"/>
             </a:endParaRPr>
           </a:p>
@@ -7946,6 +7946,26 @@
 </file>
 
 <file path=customXml/item1.xml><?xml version="1.0" encoding="utf-8"?>
+<p:properties xmlns:p="http://schemas.microsoft.com/office/2006/metadata/properties" xmlns:xsi="http://www.w3.org/2001/XMLSchema-instance" xmlns:pc="http://schemas.microsoft.com/office/infopath/2007/PartnerControls">
+  <documentManagement>
+    <lcf76f155ced4ddcb4097134ff3c332f xmlns="81d41a3b-f33d-4db6-b532-757106a7a2ae">
+      <Terms xmlns="http://schemas.microsoft.com/office/infopath/2007/PartnerControls"/>
+    </lcf76f155ced4ddcb4097134ff3c332f>
+    <TaxCatchAll xmlns="bf25a9bf-a811-4965-9d0a-b88059080fed" xsi:nil="true"/>
+  </documentManagement>
+</p:properties>
+</file>
+
+<file path=customXml/item2.xml><?xml version="1.0" encoding="utf-8"?>
+<?mso-contentType ?>
+<FormTemplates xmlns="http://schemas.microsoft.com/sharepoint/v3/contenttype/forms">
+  <Display>DocumentLibraryForm</Display>
+  <Edit>DocumentLibraryForm</Edit>
+  <New>DocumentLibraryForm</New>
+</FormTemplates>
+</file>
+
+<file path=customXml/item3.xml><?xml version="1.0" encoding="utf-8"?>
 <ct:contentTypeSchema xmlns:ct="http://schemas.microsoft.com/office/2006/metadata/contentType" xmlns:ma="http://schemas.microsoft.com/office/2006/metadata/properties/metaAttributes" ct:_="" ma:_="" ma:contentTypeName="Document" ma:contentTypeID="0x010100B8C495A181F81B4C9DE5AD85CD0F70D4" ma:contentTypeVersion="18" ma:contentTypeDescription="Een nieuw document maken." ma:contentTypeScope="" ma:versionID="6ba28a59cba4a02a693681f32745d77b">
   <xsd:schema xmlns:xsd="http://www.w3.org/2001/XMLSchema" xmlns:xs="http://www.w3.org/2001/XMLSchema" xmlns:p="http://schemas.microsoft.com/office/2006/metadata/properties" xmlns:ns2="81d41a3b-f33d-4db6-b532-757106a7a2ae" xmlns:ns3="bf25a9bf-a811-4965-9d0a-b88059080fed" targetNamespace="http://schemas.microsoft.com/office/2006/metadata/properties" ma:root="true" ma:fieldsID="b996b4a4c0d83f5cfec71b22aba921d2" ns2:_="" ns3:_="">
     <xsd:import namespace="81d41a3b-f33d-4db6-b532-757106a7a2ae"/>
@@ -8200,27 +8220,32 @@
 </ct:contentTypeSchema>
 </file>
 
-<file path=customXml/item2.xml><?xml version="1.0" encoding="utf-8"?>
-<?mso-contentType ?>
-<FormTemplates xmlns="http://schemas.microsoft.com/sharepoint/v3/contenttype/forms">
-  <Display>DocumentLibraryForm</Display>
-  <Edit>DocumentLibraryForm</Edit>
-  <New>DocumentLibraryForm</New>
-</FormTemplates>
+<file path=customXml/itemProps1.xml><?xml version="1.0" encoding="utf-8"?>
+<ds:datastoreItem xmlns:ds="http://schemas.openxmlformats.org/officeDocument/2006/customXml" ds:itemID="{5EE9034D-0B43-4AB0-9535-9A62DB37A999}">
+  <ds:schemaRefs>
+    <ds:schemaRef ds:uri="http://www.w3.org/XML/1998/namespace"/>
+    <ds:schemaRef ds:uri="81d41a3b-f33d-4db6-b532-757106a7a2ae"/>
+    <ds:schemaRef ds:uri="http://purl.org/dc/dcmitype/"/>
+    <ds:schemaRef ds:uri="http://purl.org/dc/elements/1.1/"/>
+    <ds:schemaRef ds:uri="http://schemas.microsoft.com/office/2006/documentManagement/types"/>
+    <ds:schemaRef ds:uri="bf25a9bf-a811-4965-9d0a-b88059080fed"/>
+    <ds:schemaRef ds:uri="http://purl.org/dc/terms/"/>
+    <ds:schemaRef ds:uri="http://schemas.microsoft.com/office/infopath/2007/PartnerControls"/>
+    <ds:schemaRef ds:uri="http://schemas.openxmlformats.org/package/2006/metadata/core-properties"/>
+    <ds:schemaRef ds:uri="http://schemas.microsoft.com/office/2006/metadata/properties"/>
+  </ds:schemaRefs>
+</ds:datastoreItem>
 </file>
 
-<file path=customXml/item3.xml><?xml version="1.0" encoding="utf-8"?>
-<p:properties xmlns:p="http://schemas.microsoft.com/office/2006/metadata/properties" xmlns:xsi="http://www.w3.org/2001/XMLSchema-instance" xmlns:pc="http://schemas.microsoft.com/office/infopath/2007/PartnerControls">
-  <documentManagement>
-    <lcf76f155ced4ddcb4097134ff3c332f xmlns="81d41a3b-f33d-4db6-b532-757106a7a2ae">
-      <Terms xmlns="http://schemas.microsoft.com/office/infopath/2007/PartnerControls"/>
-    </lcf76f155ced4ddcb4097134ff3c332f>
-    <TaxCatchAll xmlns="bf25a9bf-a811-4965-9d0a-b88059080fed" xsi:nil="true"/>
-  </documentManagement>
-</p:properties>
+<file path=customXml/itemProps2.xml><?xml version="1.0" encoding="utf-8"?>
+<ds:datastoreItem xmlns:ds="http://schemas.openxmlformats.org/officeDocument/2006/customXml" ds:itemID="{263A7949-1B93-457F-8888-53CC8A016F77}">
+  <ds:schemaRefs>
+    <ds:schemaRef ds:uri="http://schemas.microsoft.com/sharepoint/v3/contenttype/forms"/>
+  </ds:schemaRefs>
+</ds:datastoreItem>
 </file>
 
-<file path=customXml/itemProps1.xml><?xml version="1.0" encoding="utf-8"?>
+<file path=customXml/itemProps3.xml><?xml version="1.0" encoding="utf-8"?>
 <ds:datastoreItem xmlns:ds="http://schemas.openxmlformats.org/officeDocument/2006/customXml" ds:itemID="{2A270F01-48F1-4A41-8E26-ACAC66896963}">
   <ds:schemaRefs>
     <ds:schemaRef ds:uri="http://schemas.microsoft.com/office/2006/metadata/contentType"/>
@@ -8237,29 +8262,4 @@
     <ds:schemaRef ds:uri="http://schemas.microsoft.com/internal/obd"/>
   </ds:schemaRefs>
 </ds:datastoreItem>
-</file>
-
-<file path=customXml/itemProps2.xml><?xml version="1.0" encoding="utf-8"?>
-<ds:datastoreItem xmlns:ds="http://schemas.openxmlformats.org/officeDocument/2006/customXml" ds:itemID="{263A7949-1B93-457F-8888-53CC8A016F77}">
-  <ds:schemaRefs>
-    <ds:schemaRef ds:uri="http://schemas.microsoft.com/sharepoint/v3/contenttype/forms"/>
-  </ds:schemaRefs>
-</ds:datastoreItem>
-</file>
-
-<file path=customXml/itemProps3.xml><?xml version="1.0" encoding="utf-8"?>
-<ds:datastoreItem xmlns:ds="http://schemas.openxmlformats.org/officeDocument/2006/customXml" ds:itemID="{5EE9034D-0B43-4AB0-9535-9A62DB37A999}">
-  <ds:schemaRefs>
-    <ds:schemaRef ds:uri="http://www.w3.org/XML/1998/namespace"/>
-    <ds:schemaRef ds:uri="81d41a3b-f33d-4db6-b532-757106a7a2ae"/>
-    <ds:schemaRef ds:uri="http://purl.org/dc/dcmitype/"/>
-    <ds:schemaRef ds:uri="http://purl.org/dc/elements/1.1/"/>
-    <ds:schemaRef ds:uri="http://schemas.microsoft.com/office/2006/documentManagement/types"/>
-    <ds:schemaRef ds:uri="bf25a9bf-a811-4965-9d0a-b88059080fed"/>
-    <ds:schemaRef ds:uri="http://purl.org/dc/terms/"/>
-    <ds:schemaRef ds:uri="http://schemas.microsoft.com/office/infopath/2007/PartnerControls"/>
-    <ds:schemaRef ds:uri="http://schemas.openxmlformats.org/package/2006/metadata/core-properties"/>
-    <ds:schemaRef ds:uri="http://schemas.microsoft.com/office/2006/metadata/properties"/>
-  </ds:schemaRefs>
-</ds:datastoreItem>
 </file>
--- a/AnalogeElektronica2/PowerPoint/Klasse-A.pptx
+++ b/AnalogeElektronica2/PowerPoint/Klasse-A.pptx
@@ -6166,6 +6166,12 @@
           <a:bodyPr/>
           <a:lstStyle/>
           <a:p/>
+          <a:p>
+            <a:pPr/>
+            <a:r>
+              <a:t># Klasse A versterkers</a:t>
+            </a:r>
+          </a:p>
         </p:txBody>
       </p:sp>
       <p:sp>
@@ -6183,40 +6189,6 @@
           <a:bodyPr/>
           <a:lstStyle/>
           <a:p/>
-        </p:txBody>
-      </p:sp>
-      <p:sp>
-        <p:nvSpPr>
-          <p:cNvPr id="4" name="TextBox 3"/>
-          <p:cNvSpPr txBox="1"/>
-          <p:nvPr/>
-        </p:nvSpPr>
-        <p:spPr>
-          <a:xfrm>
-            <a:off x="914400" y="2084831"/>
-            <a:ext cx="9144000" cy="1828800"/>
-          </a:xfrm>
-          <a:prstGeom prst="rect">
-            <a:avLst/>
-          </a:prstGeom>
-          <a:noFill/>
-        </p:spPr>
-        <p:txBody>
-          <a:bodyPr wrap="square">
-            <a:noAutofit/>
-          </a:bodyPr>
-          <a:lstStyle/>
-          <a:p>
-            <a:r>
-              <a:rPr sz="3000" b="0" i="0">
-                <a:latin typeface="Calibri"/>
-              </a:rPr>
-              <a:t># Klasse A versterkers</a:t>
-            </a:r>
-            <a:endParaRPr sz="3000" b="0" i="0">
-              <a:latin typeface="Calibri"/>
-            </a:endParaRPr>
-          </a:p>
         </p:txBody>
       </p:sp>
     </p:spTree>

--- a/AnalogeElektronica2/PowerPoint/Klasse-A.pptx
+++ b/AnalogeElektronica2/PowerPoint/Klasse-A.pptx
@@ -6018,8 +6018,8 @@
         </p:blipFill>
         <p:spPr>
           <a:xfrm>
-            <a:off x="2948121" y="1179576"/>
-            <a:ext cx="6295758" cy="5029200"/>
+            <a:off x="2604716" y="566928"/>
+            <a:ext cx="6982568" cy="5577840"/>
           </a:xfrm>
           <a:prstGeom prst="rect">
             <a:avLst/>
@@ -6089,8 +6089,8 @@
         </p:blipFill>
         <p:spPr>
           <a:xfrm>
-            <a:off x="2929604" y="1179576"/>
-            <a:ext cx="6332792" cy="5029200"/>
+            <a:off x="2584179" y="566928"/>
+            <a:ext cx="7023642" cy="5577840"/>
           </a:xfrm>
           <a:prstGeom prst="rect">
             <a:avLst/>
@@ -6254,8 +6254,8 @@
         </p:blipFill>
         <p:spPr>
           <a:xfrm>
-            <a:off x="4403271" y="1179576"/>
-            <a:ext cx="3385457" cy="5029200"/>
+            <a:off x="4218610" y="566928"/>
+            <a:ext cx="3754780" cy="5577840"/>
           </a:xfrm>
           <a:prstGeom prst="rect">
             <a:avLst/>
@@ -6325,8 +6325,8 @@
         </p:blipFill>
         <p:spPr>
           <a:xfrm>
-            <a:off x="4403271" y="1179576"/>
-            <a:ext cx="3385457" cy="5029200"/>
+            <a:off x="4218610" y="566928"/>
+            <a:ext cx="3754780" cy="5577840"/>
           </a:xfrm>
           <a:prstGeom prst="rect">
             <a:avLst/>
@@ -6686,8 +6686,8 @@
         </p:blipFill>
         <p:spPr>
           <a:xfrm>
-            <a:off x="2973822" y="1179576"/>
-            <a:ext cx="6244356" cy="5029200"/>
+            <a:off x="2633221" y="566928"/>
+            <a:ext cx="6925558" cy="5577840"/>
           </a:xfrm>
           <a:prstGeom prst="rect">
             <a:avLst/>
@@ -6757,8 +6757,8 @@
         </p:blipFill>
         <p:spPr>
           <a:xfrm>
-            <a:off x="2948121" y="1179576"/>
-            <a:ext cx="6295758" cy="5029200"/>
+            <a:off x="2604716" y="566928"/>
+            <a:ext cx="6982568" cy="5577840"/>
           </a:xfrm>
           <a:prstGeom prst="rect">
             <a:avLst/>
@@ -7118,8 +7118,8 @@
         </p:blipFill>
         <p:spPr>
           <a:xfrm>
-            <a:off x="2870349" y="1179576"/>
-            <a:ext cx="6451301" cy="5029200"/>
+            <a:off x="2518460" y="566928"/>
+            <a:ext cx="7155079" cy="5577840"/>
           </a:xfrm>
           <a:prstGeom prst="rect">
             <a:avLst/>

--- a/AnalogeElektronica2/PowerPoint/Klasse-A.pptx
+++ b/AnalogeElektronica2/PowerPoint/Klasse-A.pptx
@@ -25,6 +25,27 @@
     <p:sldId id="267" r:id="rId24"/>
     <p:sldId id="268" r:id="rId25"/>
     <p:sldId id="269" r:id="rId26"/>
+    <p:sldId id="270" r:id="rId27"/>
+    <p:sldId id="271" r:id="rId28"/>
+    <p:sldId id="272" r:id="rId29"/>
+    <p:sldId id="273" r:id="rId30"/>
+    <p:sldId id="274" r:id="rId31"/>
+    <p:sldId id="275" r:id="rId32"/>
+    <p:sldId id="276" r:id="rId33"/>
+    <p:sldId id="277" r:id="rId34"/>
+    <p:sldId id="278" r:id="rId35"/>
+    <p:sldId id="279" r:id="rId36"/>
+    <p:sldId id="280" r:id="rId37"/>
+    <p:sldId id="281" r:id="rId38"/>
+    <p:sldId id="282" r:id="rId39"/>
+    <p:sldId id="283" r:id="rId40"/>
+    <p:sldId id="284" r:id="rId41"/>
+    <p:sldId id="285" r:id="rId42"/>
+    <p:sldId id="286" r:id="rId43"/>
+    <p:sldId id="287" r:id="rId44"/>
+    <p:sldId id="288" r:id="rId45"/>
+    <p:sldId id="289" r:id="rId46"/>
+    <p:sldId id="290" r:id="rId47"/>
   </p:sldIdLst>
   <p:sldSz cx="12192000" cy="6858000"/>
   <p:notesSz cx="6858000" cy="9144000"/>
@@ -5695,259 +5716,33 @@
         </p:nvSpPr>
         <p:spPr/>
         <p:txBody>
+          <a:bodyPr/>
+          <a:lstStyle/>
+          <a:p/>
+        </p:txBody>
+      </p:sp>
+      <p:sp>
+        <p:nvSpPr>
+          <p:cNvPr id="3" name="Title 2"/>
+          <p:cNvSpPr>
+            <a:spLocks noGrp="1"/>
+          </p:cNvSpPr>
+          <p:nvPr>
+            <p:ph type="title"/>
+          </p:nvPr>
+        </p:nvSpPr>
+        <p:spPr/>
+        <p:txBody>
           <a:bodyPr wrap="square">
             <a:noAutofit/>
           </a:bodyPr>
           <a:lstStyle/>
           <a:p>
-            <a:pPr>
-              <a:lnSpc>
-                <a:spcPts val="2400"/>
-              </a:lnSpc>
-              <a:defRPr>
-                <a:solidFill>
-                  <a:srgbClr val="FFFFFF"/>
-                </a:solidFill>
-              </a:defRPr>
-            </a:pPr>
-            <a:r>
-              <a:rPr sz="2400" b="0" i="0">
-                <a:latin typeface="Courier"/>
-              </a:rPr>
-              <a:t>* Spice file van een eenvoudige Klasse A versterker</a:t>
-            </a:r>
-            <a:endParaRPr sz="2400" b="0" i="0">
-              <a:latin typeface="Courier"/>
-            </a:endParaRPr>
-          </a:p>
-          <a:p>
-            <a:pPr>
-              <a:lnSpc>
-                <a:spcPts val="2400"/>
-              </a:lnSpc>
-              <a:defRPr>
-                <a:solidFill>
-                  <a:srgbClr val="FFFFFF"/>
-                </a:solidFill>
-              </a:defRPr>
-            </a:pPr>
-            <a:r>
-              <a:rPr sz="2400" b="0" i="0">
-                <a:latin typeface="Courier"/>
-              </a:rPr>
-              <a:t>R_R6         0 1  8</a:t>
-            </a:r>
-            <a:endParaRPr sz="2400" b="0" i="0">
-              <a:latin typeface="Courier"/>
-            </a:endParaRPr>
-          </a:p>
-          <a:p>
-            <a:pPr>
-              <a:lnSpc>
-                <a:spcPts val="2400"/>
-              </a:lnSpc>
-              <a:defRPr>
-                <a:solidFill>
-                  <a:srgbClr val="FFFFFF"/>
-                </a:solidFill>
-              </a:defRPr>
-            </a:pPr>
-            <a:r>
-              <a:rPr sz="2400" b="0" i="0">
-                <a:latin typeface="Courier"/>
-              </a:rPr>
-              <a:t>R_R7         3 2  1</a:t>
-            </a:r>
-            <a:endParaRPr sz="2400" b="0" i="0">
-              <a:latin typeface="Courier"/>
-            </a:endParaRPr>
-          </a:p>
-          <a:p>
-            <a:pPr>
-              <a:lnSpc>
-                <a:spcPts val="2400"/>
-              </a:lnSpc>
-              <a:defRPr>
-                <a:solidFill>
-                  <a:srgbClr val="FFFFFF"/>
-                </a:solidFill>
-              </a:defRPr>
-            </a:pPr>
-            <a:r>
-              <a:rPr sz="2400" b="0" i="0">
-                <a:latin typeface="Courier"/>
-              </a:rPr>
-              <a:t>L1_TX1       3 4 25m</a:t>
-            </a:r>
-            <a:endParaRPr sz="2400" b="0" i="0">
-              <a:latin typeface="Courier"/>
-            </a:endParaRPr>
-          </a:p>
-          <a:p>
-            <a:pPr>
-              <a:lnSpc>
-                <a:spcPts val="2400"/>
-              </a:lnSpc>
-              <a:defRPr>
-                <a:solidFill>
-                  <a:srgbClr val="FFFFFF"/>
-                </a:solidFill>
-              </a:defRPr>
-            </a:pPr>
-            <a:r>
-              <a:rPr sz="2400" b="0" i="0">
-                <a:latin typeface="Courier"/>
-              </a:rPr>
-              <a:t>L2_TX1       1 0 1m</a:t>
-            </a:r>
-            <a:endParaRPr sz="2400" b="0" i="0">
-              <a:latin typeface="Courier"/>
-            </a:endParaRPr>
-          </a:p>
-          <a:p>
-            <a:pPr>
-              <a:lnSpc>
-                <a:spcPts val="2400"/>
-              </a:lnSpc>
-              <a:defRPr>
-                <a:solidFill>
-                  <a:srgbClr val="FFFFFF"/>
-                </a:solidFill>
-              </a:defRPr>
-            </a:pPr>
-            <a:r>
-              <a:rPr sz="2400" b="0" i="0">
-                <a:latin typeface="Courier"/>
-              </a:rPr>
-              <a:t>K_TX1        L1_TX1 L2_TX1 1.</a:t>
-            </a:r>
-            <a:endParaRPr sz="2400" b="0" i="0">
-              <a:latin typeface="Courier"/>
-            </a:endParaRPr>
-          </a:p>
-          <a:p>
-            <a:pPr>
-              <a:lnSpc>
-                <a:spcPts val="2400"/>
-              </a:lnSpc>
-              <a:defRPr>
-                <a:solidFill>
-                  <a:srgbClr val="FFFFFF"/>
-                </a:solidFill>
-              </a:defRPr>
-            </a:pPr>
-            <a:r>
-              <a:rPr sz="2400" b="0" i="0">
-                <a:latin typeface="Courier"/>
-              </a:rPr>
-              <a:t>Q_Q5         4 5 0 Q2</a:t>
-            </a:r>
-            <a:endParaRPr sz="2400" b="0" i="0">
-              <a:latin typeface="Courier"/>
-            </a:endParaRPr>
-          </a:p>
-          <a:p>
-            <a:pPr>
-              <a:lnSpc>
-                <a:spcPts val="2400"/>
-              </a:lnSpc>
-              <a:defRPr>
-                <a:solidFill>
-                  <a:srgbClr val="FFFFFF"/>
-                </a:solidFill>
-              </a:defRPr>
-            </a:pPr>
-            <a:r>
-              <a:rPr sz="2400" b="0" i="0">
-                <a:latin typeface="Courier"/>
-              </a:rPr>
-              <a:t>I_I4         0 5  SIN(17m 15m 100k) DC=17m</a:t>
-            </a:r>
-            <a:endParaRPr sz="2400" b="0" i="0">
-              <a:latin typeface="Courier"/>
-            </a:endParaRPr>
-          </a:p>
-          <a:p>
-            <a:pPr>
-              <a:lnSpc>
-                <a:spcPts val="2400"/>
-              </a:lnSpc>
-              <a:defRPr>
-                <a:solidFill>
-                  <a:srgbClr val="FFFFFF"/>
-                </a:solidFill>
-              </a:defRPr>
-            </a:pPr>
-            <a:r>
-              <a:rPr sz="2400" b="0" i="0">
-                <a:latin typeface="Courier"/>
-              </a:rPr>
-              <a:t>V_VDD        2 0 66V</a:t>
-            </a:r>
-            <a:endParaRPr sz="2400" b="0" i="0">
-              <a:latin typeface="Courier"/>
-            </a:endParaRPr>
-          </a:p>
-          <a:p>
-            <a:pPr>
-              <a:lnSpc>
-                <a:spcPts val="2400"/>
-              </a:lnSpc>
-              <a:defRPr>
-                <a:solidFill>
-                  <a:srgbClr val="FFFFFF"/>
-                </a:solidFill>
-              </a:defRPr>
-            </a:pPr>
-            <a:endParaRPr sz="2400" b="0" i="0">
-              <a:latin typeface="Courier"/>
-            </a:endParaRPr>
-          </a:p>
-          <a:p>
-            <a:pPr>
-              <a:lnSpc>
-                <a:spcPts val="2400"/>
-              </a:lnSpc>
-              <a:defRPr>
-                <a:solidFill>
-                  <a:srgbClr val="FFFFFF"/>
-                </a:solidFill>
-              </a:defRPr>
-            </a:pPr>
-            <a:r>
-              <a:rPr sz="2400" b="0" i="0">
-                <a:latin typeface="Courier"/>
-              </a:rPr>
-              <a:t>.model Q2  NPN(Is=14.34p BF=20 )</a:t>
-            </a:r>
-            <a:endParaRPr sz="2400" b="0" i="0">
-              <a:latin typeface="Courier"/>
-            </a:endParaRPr>
-          </a:p>
-        </p:txBody>
-      </p:sp>
-      <p:sp>
-        <p:nvSpPr>
-          <p:cNvPr id="3" name="Title 2"/>
-          <p:cNvSpPr>
-            <a:spLocks noGrp="1"/>
-          </p:cNvSpPr>
-          <p:nvPr>
-            <p:ph type="title"/>
-          </p:nvPr>
-        </p:nvSpPr>
-        <p:spPr/>
-        <p:txBody>
-          <a:bodyPr wrap="square">
-            <a:noAutofit/>
-          </a:bodyPr>
-          <a:lstStyle/>
-          <a:p>
             <a:r>
               <a:rPr sz="3200" b="1" i="0">
                 <a:latin typeface="Arial"/>
               </a:rPr>
-              <a:t>spice code 100 kHz aansturing</a:t>
+              <a:t>SPICE code</a:t>
             </a:r>
             <a:endParaRPr sz="3200" b="1" i="0">
               <a:latin typeface="Arial"/>
@@ -5975,7 +5770,313 @@
       <p:grpSpPr/>
       <p:sp>
         <p:nvSpPr>
-          <p:cNvPr id="2" name="Title 1"/>
+          <p:cNvPr id="2" name="Content Placeholder 1"/>
+          <p:cNvSpPr>
+            <a:spLocks noGrp="1"/>
+          </p:cNvSpPr>
+          <p:nvPr>
+            <p:ph idx="1"/>
+          </p:nvPr>
+        </p:nvSpPr>
+        <p:spPr/>
+        <p:txBody>
+          <a:bodyPr/>
+          <a:lstStyle/>
+          <a:p>
+            <a:r>
+              <a:rPr sz="1400">
+                <a:solidFill>
+                  <a:srgbClr val="000000"/>
+                </a:solidFill>
+                <a:latin typeface="Courier New"/>
+              </a:rPr>
+              <a:t/>
+            </a:r>
+            <a:r>
+              <a:rPr sz="1400">
+                <a:solidFill>
+                  <a:srgbClr val="000000"/>
+                </a:solidFill>
+                <a:latin typeface="Courier New"/>
+              </a:rPr>
+              <a:t>*</a:t>
+            </a:r>
+            <a:r>
+              <a:rPr sz="1400">
+                <a:solidFill>
+                  <a:srgbClr val="000000"/>
+                </a:solidFill>
+                <a:latin typeface="Courier New"/>
+              </a:rPr>
+              <a:t> </a:t>
+            </a:r>
+            <a:r>
+              <a:rPr sz="1400">
+                <a:solidFill>
+                  <a:srgbClr val="000000"/>
+                </a:solidFill>
+                <a:latin typeface="Courier New"/>
+              </a:rPr>
+              <a:t>Spice</a:t>
+            </a:r>
+            <a:r>
+              <a:rPr sz="1400">
+                <a:solidFill>
+                  <a:srgbClr val="000000"/>
+                </a:solidFill>
+                <a:latin typeface="Courier New"/>
+              </a:rPr>
+              <a:t> </a:t>
+            </a:r>
+            <a:r>
+              <a:rPr sz="1400">
+                <a:solidFill>
+                  <a:srgbClr val="000000"/>
+                </a:solidFill>
+                <a:latin typeface="Courier New"/>
+              </a:rPr>
+              <a:t>file</a:t>
+            </a:r>
+            <a:r>
+              <a:rPr sz="1400">
+                <a:solidFill>
+                  <a:srgbClr val="000000"/>
+                </a:solidFill>
+                <a:latin typeface="Courier New"/>
+              </a:rPr>
+              <a:t> </a:t>
+            </a:r>
+            <a:r>
+              <a:rPr sz="1400">
+                <a:solidFill>
+                  <a:srgbClr val="000000"/>
+                </a:solidFill>
+                <a:latin typeface="Courier New"/>
+              </a:rPr>
+              <a:t>van</a:t>
+            </a:r>
+            <a:r>
+              <a:rPr sz="1400">
+                <a:solidFill>
+                  <a:srgbClr val="000000"/>
+                </a:solidFill>
+                <a:latin typeface="Courier New"/>
+              </a:rPr>
+              <a:t> </a:t>
+            </a:r>
+            <a:r>
+              <a:rPr sz="1400">
+                <a:solidFill>
+                  <a:srgbClr val="000000"/>
+                </a:solidFill>
+                <a:latin typeface="Courier New"/>
+              </a:rPr>
+              <a:t>een</a:t>
+            </a:r>
+            <a:r>
+              <a:rPr sz="1400">
+                <a:solidFill>
+                  <a:srgbClr val="000000"/>
+                </a:solidFill>
+                <a:latin typeface="Courier New"/>
+              </a:rPr>
+              <a:t> </a:t>
+            </a:r>
+            <a:r>
+              <a:rPr sz="1400">
+                <a:solidFill>
+                  <a:srgbClr val="000000"/>
+                </a:solidFill>
+                <a:latin typeface="Courier New"/>
+              </a:rPr>
+              <a:t>eenvoudige</a:t>
+            </a:r>
+            <a:r>
+              <a:rPr sz="1400">
+                <a:solidFill>
+                  <a:srgbClr val="000000"/>
+                </a:solidFill>
+                <a:latin typeface="Courier New"/>
+              </a:rPr>
+              <a:t> </a:t>
+            </a:r>
+            <a:r>
+              <a:rPr sz="1400">
+                <a:solidFill>
+                  <a:srgbClr val="000000"/>
+                </a:solidFill>
+                <a:latin typeface="Courier New"/>
+              </a:rPr>
+              <a:t>Klasse</a:t>
+            </a:r>
+            <a:r>
+              <a:rPr sz="1400">
+                <a:solidFill>
+                  <a:srgbClr val="000000"/>
+                </a:solidFill>
+                <a:latin typeface="Courier New"/>
+              </a:rPr>
+              <a:t> </a:t>
+            </a:r>
+            <a:r>
+              <a:rPr sz="1400">
+                <a:solidFill>
+                  <a:srgbClr val="000000"/>
+                </a:solidFill>
+                <a:latin typeface="Courier New"/>
+              </a:rPr>
+              <a:t>A</a:t>
+            </a:r>
+            <a:r>
+              <a:rPr sz="1400">
+                <a:solidFill>
+                  <a:srgbClr val="000000"/>
+                </a:solidFill>
+                <a:latin typeface="Courier New"/>
+              </a:rPr>
+              <a:t> </a:t>
+            </a:r>
+            <a:r>
+              <a:rPr sz="1400">
+                <a:solidFill>
+                  <a:srgbClr val="000000"/>
+                </a:solidFill>
+                <a:latin typeface="Courier New"/>
+              </a:rPr>
+              <a:t>versterker</a:t>
+            </a:r>
+            <a:r>
+              <a:rPr sz="1400">
+                <a:solidFill>
+                  <a:srgbClr val="000000"/>
+                </a:solidFill>
+                <a:latin typeface="Courier New"/>
+              </a:rPr>
+              <a:t>R_R6</a:t>
+            </a:r>
+            <a:r>
+              <a:rPr sz="1400">
+                <a:solidFill>
+                  <a:srgbClr val="000000"/>
+                </a:solidFill>
+                <a:latin typeface="Courier New"/>
+              </a:rPr>
+              <a:t>         </a:t>
+            </a:r>
+            <a:r>
+              <a:rPr sz="1400">
+                <a:solidFill>
+                  <a:srgbClr val="000000"/>
+                </a:solidFill>
+                <a:latin typeface="Courier New"/>
+              </a:rPr>
+              <a:t>0</a:t>
+            </a:r>
+            <a:r>
+              <a:rPr sz="1400">
+                <a:solidFill>
+                  <a:srgbClr val="000000"/>
+                </a:solidFill>
+                <a:latin typeface="Courier New"/>
+              </a:rPr>
+              <a:t> </a:t>
+            </a:r>
+            <a:r>
+              <a:rPr sz="1400">
+                <a:solidFill>
+                  <a:srgbClr val="000000"/>
+                </a:solidFill>
+                <a:latin typeface="Courier New"/>
+              </a:rPr>
+              <a:t>1</a:t>
+            </a:r>
+            <a:r>
+              <a:rPr sz="1400">
+                <a:solidFill>
+                  <a:srgbClr val="000000"/>
+                </a:solidFill>
+                <a:latin typeface="Courier New"/>
+              </a:rPr>
+              <a:t>  </a:t>
+            </a:r>
+            <a:r>
+              <a:rPr sz="1400">
+                <a:solidFill>
+                  <a:srgbClr val="000000"/>
+                </a:solidFill>
+                <a:latin typeface="Courier New"/>
+              </a:rPr>
+              <a:t>8</a:t>
+            </a:r>
+            <a:r>
+              <a:rPr sz="1400">
+                <a:solidFill>
+                  <a:srgbClr val="000000"/>
+                </a:solidFill>
+                <a:latin typeface="Courier New"/>
+              </a:rPr>
+              <a:t>R_R7</a:t>
+            </a:r>
+            <a:r>
+              <a:rPr sz="1400">
+                <a:solidFill>
+                  <a:srgbClr val="000000"/>
+                </a:solidFill>
+                <a:latin typeface="Courier New"/>
+              </a:rPr>
+              <a:t>         </a:t>
+            </a:r>
+            <a:r>
+              <a:rPr sz="1400">
+                <a:solidFill>
+                  <a:srgbClr val="000000"/>
+                </a:solidFill>
+                <a:latin typeface="Courier New"/>
+              </a:rPr>
+              <a:t>3</a:t>
+            </a:r>
+            <a:r>
+              <a:rPr sz="1400">
+                <a:solidFill>
+                  <a:srgbClr val="000000"/>
+                </a:solidFill>
+                <a:latin typeface="Courier New"/>
+              </a:rPr>
+              <a:t> </a:t>
+            </a:r>
+            <a:r>
+              <a:rPr sz="1400">
+                <a:solidFill>
+                  <a:srgbClr val="000000"/>
+                </a:solidFill>
+                <a:latin typeface="Courier New"/>
+              </a:rPr>
+              <a:t>2</a:t>
+            </a:r>
+            <a:r>
+              <a:rPr sz="1400">
+                <a:solidFill>
+                  <a:srgbClr val="000000"/>
+                </a:solidFill>
+                <a:latin typeface="Courier New"/>
+              </a:rPr>
+              <a:t>  </a:t>
+            </a:r>
+            <a:r>
+              <a:rPr sz="1400">
+                <a:solidFill>
+                  <a:srgbClr val="000000"/>
+                </a:solidFill>
+                <a:latin typeface="Courier New"/>
+              </a:rPr>
+              <a:t>1</a:t>
+            </a:r>
+          </a:p>
+        </p:txBody>
+      </p:sp>
+      <p:sp>
+        <p:nvSpPr>
+          <p:cNvPr id="3" name="Title 2"/>
           <p:cNvSpPr>
             <a:spLocks noGrp="1"/>
           </p:cNvSpPr>
@@ -5994,7 +6095,910 @@
               <a:rPr sz="3200" b="1" i="0">
                 <a:latin typeface="Arial"/>
               </a:rPr>
-              <a:t>100 kHz aansturing</a:t>
+              <a:t>SPICE code</a:t>
+            </a:r>
+            <a:endParaRPr sz="3200" b="1" i="0">
+              <a:latin typeface="Arial"/>
+            </a:endParaRPr>
+          </a:p>
+        </p:txBody>
+      </p:sp>
+    </p:spTree>
+  </p:cSld>
+  <p:clrMapOvr>
+    <a:masterClrMapping/>
+  </p:clrMapOvr>
+</p:sld>
+</file>
+
+<file path=ppt/slides/slide12.xml><?xml version="1.0" encoding="utf-8"?>
+<p:sld xmlns:a="http://schemas.openxmlformats.org/drawingml/2006/main" xmlns:p="http://schemas.openxmlformats.org/presentationml/2006/main" xmlns:r="http://schemas.openxmlformats.org/officeDocument/2006/relationships">
+  <p:cSld>
+    <p:spTree>
+      <p:nvGrpSpPr>
+        <p:cNvPr id="1" name=""/>
+        <p:cNvGrpSpPr/>
+        <p:nvPr/>
+      </p:nvGrpSpPr>
+      <p:grpSpPr/>
+      <p:sp>
+        <p:nvSpPr>
+          <p:cNvPr id="2" name="Content Placeholder 1"/>
+          <p:cNvSpPr>
+            <a:spLocks noGrp="1"/>
+          </p:cNvSpPr>
+          <p:nvPr>
+            <p:ph idx="1"/>
+          </p:nvPr>
+        </p:nvSpPr>
+        <p:spPr/>
+        <p:txBody>
+          <a:bodyPr/>
+          <a:lstStyle/>
+          <a:p>
+            <a:r>
+              <a:rPr sz="1400">
+                <a:solidFill>
+                  <a:srgbClr val="000000"/>
+                </a:solidFill>
+                <a:latin typeface="Courier New"/>
+              </a:rPr>
+              <a:t>L1_TX1</a:t>
+            </a:r>
+            <a:r>
+              <a:rPr sz="1400">
+                <a:solidFill>
+                  <a:srgbClr val="000000"/>
+                </a:solidFill>
+                <a:latin typeface="Courier New"/>
+              </a:rPr>
+              <a:t> </a:t>
+            </a:r>
+            <a:r>
+              <a:rPr sz="1400">
+                <a:solidFill>
+                  <a:srgbClr val="000000"/>
+                </a:solidFill>
+                <a:latin typeface="Courier New"/>
+              </a:rPr>
+              <a:t>3</a:t>
+            </a:r>
+            <a:r>
+              <a:rPr sz="1400">
+                <a:solidFill>
+                  <a:srgbClr val="000000"/>
+                </a:solidFill>
+                <a:latin typeface="Courier New"/>
+              </a:rPr>
+              <a:t> </a:t>
+            </a:r>
+            <a:r>
+              <a:rPr sz="1400">
+                <a:solidFill>
+                  <a:srgbClr val="000000"/>
+                </a:solidFill>
+                <a:latin typeface="Courier New"/>
+              </a:rPr>
+              <a:t>4</a:t>
+            </a:r>
+            <a:r>
+              <a:rPr sz="1400">
+                <a:solidFill>
+                  <a:srgbClr val="000000"/>
+                </a:solidFill>
+                <a:latin typeface="Courier New"/>
+              </a:rPr>
+              <a:t> </a:t>
+            </a:r>
+            <a:r>
+              <a:rPr sz="1400">
+                <a:solidFill>
+                  <a:srgbClr val="000000"/>
+                </a:solidFill>
+                <a:latin typeface="Courier New"/>
+              </a:rPr>
+              <a:t>25</a:t>
+            </a:r>
+            <a:r>
+              <a:rPr sz="1400">
+                <a:solidFill>
+                  <a:srgbClr val="000000"/>
+                </a:solidFill>
+                <a:latin typeface="Courier New"/>
+              </a:rPr>
+              <a:t>m</a:t>
+            </a:r>
+            <a:r>
+              <a:rPr sz="1400">
+                <a:solidFill>
+                  <a:srgbClr val="000000"/>
+                </a:solidFill>
+                <a:latin typeface="Courier New"/>
+              </a:rPr>
+              <a:t>L2_TX1</a:t>
+            </a:r>
+            <a:r>
+              <a:rPr sz="1400">
+                <a:solidFill>
+                  <a:srgbClr val="000000"/>
+                </a:solidFill>
+                <a:latin typeface="Courier New"/>
+              </a:rPr>
+              <a:t> </a:t>
+            </a:r>
+            <a:r>
+              <a:rPr sz="1400">
+                <a:solidFill>
+                  <a:srgbClr val="000000"/>
+                </a:solidFill>
+                <a:latin typeface="Courier New"/>
+              </a:rPr>
+              <a:t>1</a:t>
+            </a:r>
+            <a:r>
+              <a:rPr sz="1400">
+                <a:solidFill>
+                  <a:srgbClr val="000000"/>
+                </a:solidFill>
+                <a:latin typeface="Courier New"/>
+              </a:rPr>
+              <a:t> </a:t>
+            </a:r>
+            <a:r>
+              <a:rPr sz="1400">
+                <a:solidFill>
+                  <a:srgbClr val="000000"/>
+                </a:solidFill>
+                <a:latin typeface="Courier New"/>
+              </a:rPr>
+              <a:t>0</a:t>
+            </a:r>
+            <a:r>
+              <a:rPr sz="1400">
+                <a:solidFill>
+                  <a:srgbClr val="000000"/>
+                </a:solidFill>
+                <a:latin typeface="Courier New"/>
+              </a:rPr>
+              <a:t> </a:t>
+            </a:r>
+            <a:r>
+              <a:rPr sz="1400">
+                <a:solidFill>
+                  <a:srgbClr val="000000"/>
+                </a:solidFill>
+                <a:latin typeface="Courier New"/>
+              </a:rPr>
+              <a:t>1</a:t>
+            </a:r>
+            <a:r>
+              <a:rPr sz="1400">
+                <a:solidFill>
+                  <a:srgbClr val="000000"/>
+                </a:solidFill>
+                <a:latin typeface="Courier New"/>
+              </a:rPr>
+              <a:t>m</a:t>
+            </a:r>
+            <a:r>
+              <a:rPr sz="1400">
+                <a:solidFill>
+                  <a:srgbClr val="000000"/>
+                </a:solidFill>
+                <a:latin typeface="Courier New"/>
+              </a:rPr>
+              <a:t>K_TX1</a:t>
+            </a:r>
+            <a:r>
+              <a:rPr sz="1400">
+                <a:solidFill>
+                  <a:srgbClr val="000000"/>
+                </a:solidFill>
+                <a:latin typeface="Courier New"/>
+              </a:rPr>
+              <a:t> </a:t>
+            </a:r>
+            <a:r>
+              <a:rPr sz="1400">
+                <a:solidFill>
+                  <a:srgbClr val="000000"/>
+                </a:solidFill>
+                <a:latin typeface="Courier New"/>
+              </a:rPr>
+              <a:t>L1_TX1</a:t>
+            </a:r>
+            <a:r>
+              <a:rPr sz="1400">
+                <a:solidFill>
+                  <a:srgbClr val="000000"/>
+                </a:solidFill>
+                <a:latin typeface="Courier New"/>
+              </a:rPr>
+              <a:t> </a:t>
+            </a:r>
+            <a:r>
+              <a:rPr sz="1400">
+                <a:solidFill>
+                  <a:srgbClr val="000000"/>
+                </a:solidFill>
+                <a:latin typeface="Courier New"/>
+              </a:rPr>
+              <a:t>L2_TX1</a:t>
+            </a:r>
+            <a:r>
+              <a:rPr sz="1400">
+                <a:solidFill>
+                  <a:srgbClr val="000000"/>
+                </a:solidFill>
+                <a:latin typeface="Courier New"/>
+              </a:rPr>
+              <a:t> </a:t>
+            </a:r>
+            <a:r>
+              <a:rPr sz="1400">
+                <a:solidFill>
+                  <a:srgbClr val="000000"/>
+                </a:solidFill>
+                <a:latin typeface="Courier New"/>
+              </a:rPr>
+              <a:t>1</a:t>
+            </a:r>
+            <a:r>
+              <a:rPr sz="1400">
+                <a:solidFill>
+                  <a:srgbClr val="000000"/>
+                </a:solidFill>
+                <a:latin typeface="Courier New"/>
+              </a:rPr>
+              <a:t>.</a:t>
+            </a:r>
+            <a:r>
+              <a:rPr sz="1400">
+                <a:solidFill>
+                  <a:srgbClr val="000000"/>
+                </a:solidFill>
+                <a:latin typeface="Courier New"/>
+              </a:rPr>
+              <a:t>Q_Q5</a:t>
+            </a:r>
+            <a:r>
+              <a:rPr sz="1400">
+                <a:solidFill>
+                  <a:srgbClr val="000000"/>
+                </a:solidFill>
+                <a:latin typeface="Courier New"/>
+              </a:rPr>
+              <a:t> </a:t>
+            </a:r>
+            <a:r>
+              <a:rPr sz="1400">
+                <a:solidFill>
+                  <a:srgbClr val="000000"/>
+                </a:solidFill>
+                <a:latin typeface="Courier New"/>
+              </a:rPr>
+              <a:t>4</a:t>
+            </a:r>
+            <a:r>
+              <a:rPr sz="1400">
+                <a:solidFill>
+                  <a:srgbClr val="000000"/>
+                </a:solidFill>
+                <a:latin typeface="Courier New"/>
+              </a:rPr>
+              <a:t> </a:t>
+            </a:r>
+            <a:r>
+              <a:rPr sz="1400">
+                <a:solidFill>
+                  <a:srgbClr val="000000"/>
+                </a:solidFill>
+                <a:latin typeface="Courier New"/>
+              </a:rPr>
+              <a:t>5</a:t>
+            </a:r>
+            <a:r>
+              <a:rPr sz="1400">
+                <a:solidFill>
+                  <a:srgbClr val="000000"/>
+                </a:solidFill>
+                <a:latin typeface="Courier New"/>
+              </a:rPr>
+              <a:t> </a:t>
+            </a:r>
+            <a:r>
+              <a:rPr sz="1400">
+                <a:solidFill>
+                  <a:srgbClr val="000000"/>
+                </a:solidFill>
+                <a:latin typeface="Courier New"/>
+              </a:rPr>
+              <a:t>0</a:t>
+            </a:r>
+            <a:r>
+              <a:rPr sz="1400">
+                <a:solidFill>
+                  <a:srgbClr val="000000"/>
+                </a:solidFill>
+                <a:latin typeface="Courier New"/>
+              </a:rPr>
+              <a:t> </a:t>
+            </a:r>
+            <a:r>
+              <a:rPr sz="1400">
+                <a:solidFill>
+                  <a:srgbClr val="000000"/>
+                </a:solidFill>
+                <a:latin typeface="Courier New"/>
+              </a:rPr>
+              <a:t>Q2</a:t>
+            </a:r>
+            <a:r>
+              <a:rPr sz="1400">
+                <a:solidFill>
+                  <a:srgbClr val="000000"/>
+                </a:solidFill>
+                <a:latin typeface="Courier New"/>
+              </a:rPr>
+              <a:t>I_I4</a:t>
+            </a:r>
+            <a:r>
+              <a:rPr sz="1400">
+                <a:solidFill>
+                  <a:srgbClr val="000000"/>
+                </a:solidFill>
+                <a:latin typeface="Courier New"/>
+              </a:rPr>
+              <a:t> </a:t>
+            </a:r>
+            <a:r>
+              <a:rPr sz="1400">
+                <a:solidFill>
+                  <a:srgbClr val="000000"/>
+                </a:solidFill>
+                <a:latin typeface="Courier New"/>
+              </a:rPr>
+              <a:t>0</a:t>
+            </a:r>
+            <a:r>
+              <a:rPr sz="1400">
+                <a:solidFill>
+                  <a:srgbClr val="000000"/>
+                </a:solidFill>
+                <a:latin typeface="Courier New"/>
+              </a:rPr>
+              <a:t> </a:t>
+            </a:r>
+            <a:r>
+              <a:rPr sz="1400">
+                <a:solidFill>
+                  <a:srgbClr val="000000"/>
+                </a:solidFill>
+                <a:latin typeface="Courier New"/>
+              </a:rPr>
+              <a:t>5</a:t>
+            </a:r>
+            <a:r>
+              <a:rPr sz="1400">
+                <a:solidFill>
+                  <a:srgbClr val="000000"/>
+                </a:solidFill>
+                <a:latin typeface="Courier New"/>
+              </a:rPr>
+              <a:t> </a:t>
+            </a:r>
+            <a:r>
+              <a:rPr sz="1400">
+                <a:solidFill>
+                  <a:srgbClr val="000000"/>
+                </a:solidFill>
+                <a:latin typeface="Courier New"/>
+              </a:rPr>
+              <a:t>SIN</a:t>
+            </a:r>
+            <a:r>
+              <a:rPr sz="1400">
+                <a:solidFill>
+                  <a:srgbClr val="000000"/>
+                </a:solidFill>
+                <a:latin typeface="Courier New"/>
+              </a:rPr>
+              <a:t>(</a:t>
+            </a:r>
+            <a:r>
+              <a:rPr sz="1400">
+                <a:solidFill>
+                  <a:srgbClr val="000000"/>
+                </a:solidFill>
+                <a:latin typeface="Courier New"/>
+              </a:rPr>
+              <a:t>17</a:t>
+            </a:r>
+            <a:r>
+              <a:rPr sz="1400">
+                <a:solidFill>
+                  <a:srgbClr val="000000"/>
+                </a:solidFill>
+                <a:latin typeface="Courier New"/>
+              </a:rPr>
+              <a:t>m</a:t>
+            </a:r>
+            <a:r>
+              <a:rPr sz="1400">
+                <a:solidFill>
+                  <a:srgbClr val="000000"/>
+                </a:solidFill>
+                <a:latin typeface="Courier New"/>
+              </a:rPr>
+              <a:t> </a:t>
+            </a:r>
+            <a:r>
+              <a:rPr sz="1400">
+                <a:solidFill>
+                  <a:srgbClr val="000000"/>
+                </a:solidFill>
+                <a:latin typeface="Courier New"/>
+              </a:rPr>
+              <a:t>15</a:t>
+            </a:r>
+            <a:r>
+              <a:rPr sz="1400">
+                <a:solidFill>
+                  <a:srgbClr val="000000"/>
+                </a:solidFill>
+                <a:latin typeface="Courier New"/>
+              </a:rPr>
+              <a:t>m</a:t>
+            </a:r>
+            <a:r>
+              <a:rPr sz="1400">
+                <a:solidFill>
+                  <a:srgbClr val="000000"/>
+                </a:solidFill>
+                <a:latin typeface="Courier New"/>
+              </a:rPr>
+              <a:t> </a:t>
+            </a:r>
+            <a:r>
+              <a:rPr sz="1400">
+                <a:solidFill>
+                  <a:srgbClr val="000000"/>
+                </a:solidFill>
+                <a:latin typeface="Courier New"/>
+              </a:rPr>
+              <a:t>10</a:t>
+            </a:r>
+            <a:r>
+              <a:rPr sz="1400">
+                <a:solidFill>
+                  <a:srgbClr val="000000"/>
+                </a:solidFill>
+                <a:latin typeface="Courier New"/>
+              </a:rPr>
+              <a:t>k</a:t>
+            </a:r>
+            <a:r>
+              <a:rPr sz="1400">
+                <a:solidFill>
+                  <a:srgbClr val="000000"/>
+                </a:solidFill>
+                <a:latin typeface="Courier New"/>
+              </a:rPr>
+              <a:t>)</a:t>
+            </a:r>
+            <a:r>
+              <a:rPr sz="1400">
+                <a:solidFill>
+                  <a:srgbClr val="000000"/>
+                </a:solidFill>
+                <a:latin typeface="Courier New"/>
+              </a:rPr>
+              <a:t> </a:t>
+            </a:r>
+            <a:r>
+              <a:rPr sz="1400">
+                <a:solidFill>
+                  <a:srgbClr val="000000"/>
+                </a:solidFill>
+                <a:latin typeface="Courier New"/>
+              </a:rPr>
+              <a:t>DC</a:t>
+            </a:r>
+            <a:r>
+              <a:rPr sz="1400">
+                <a:solidFill>
+                  <a:srgbClr val="000000"/>
+                </a:solidFill>
+                <a:latin typeface="Courier New"/>
+              </a:rPr>
+              <a:t>=</a:t>
+            </a:r>
+            <a:r>
+              <a:rPr sz="1400">
+                <a:solidFill>
+                  <a:srgbClr val="000000"/>
+                </a:solidFill>
+                <a:latin typeface="Courier New"/>
+              </a:rPr>
+              <a:t>17</a:t>
+            </a:r>
+            <a:r>
+              <a:rPr sz="1400">
+                <a:solidFill>
+                  <a:srgbClr val="000000"/>
+                </a:solidFill>
+                <a:latin typeface="Courier New"/>
+              </a:rPr>
+              <a:t>m</a:t>
+            </a:r>
+            <a:r>
+              <a:rPr sz="1400">
+                <a:solidFill>
+                  <a:srgbClr val="000000"/>
+                </a:solidFill>
+                <a:latin typeface="Courier New"/>
+              </a:rPr>
+              <a:t>V_VDD</a:t>
+            </a:r>
+            <a:r>
+              <a:rPr sz="1400">
+                <a:solidFill>
+                  <a:srgbClr val="000000"/>
+                </a:solidFill>
+                <a:latin typeface="Courier New"/>
+              </a:rPr>
+              <a:t> </a:t>
+            </a:r>
+            <a:r>
+              <a:rPr sz="1400">
+                <a:solidFill>
+                  <a:srgbClr val="000000"/>
+                </a:solidFill>
+                <a:latin typeface="Courier New"/>
+              </a:rPr>
+              <a:t>2</a:t>
+            </a:r>
+            <a:r>
+              <a:rPr sz="1400">
+                <a:solidFill>
+                  <a:srgbClr val="000000"/>
+                </a:solidFill>
+                <a:latin typeface="Courier New"/>
+              </a:rPr>
+              <a:t> </a:t>
+            </a:r>
+            <a:r>
+              <a:rPr sz="1400">
+                <a:solidFill>
+                  <a:srgbClr val="000000"/>
+                </a:solidFill>
+                <a:latin typeface="Courier New"/>
+              </a:rPr>
+              <a:t>0</a:t>
+            </a:r>
+            <a:r>
+              <a:rPr sz="1400">
+                <a:solidFill>
+                  <a:srgbClr val="000000"/>
+                </a:solidFill>
+                <a:latin typeface="Courier New"/>
+              </a:rPr>
+              <a:t> </a:t>
+            </a:r>
+            <a:r>
+              <a:rPr sz="1400">
+                <a:solidFill>
+                  <a:srgbClr val="000000"/>
+                </a:solidFill>
+                <a:latin typeface="Courier New"/>
+              </a:rPr>
+              <a:t>66</a:t>
+            </a:r>
+            <a:r>
+              <a:rPr sz="1400">
+                <a:solidFill>
+                  <a:srgbClr val="000000"/>
+                </a:solidFill>
+                <a:latin typeface="Courier New"/>
+              </a:rPr>
+              <a:t>V</a:t>
+            </a:r>
+            <a:r>
+              <a:rPr sz="1400">
+                <a:solidFill>
+                  <a:srgbClr val="000000"/>
+                </a:solidFill>
+                <a:latin typeface="Courier New"/>
+              </a:rPr>
+              <a:t>.</a:t>
+            </a:r>
+            <a:r>
+              <a:rPr sz="1400">
+                <a:solidFill>
+                  <a:srgbClr val="000000"/>
+                </a:solidFill>
+                <a:latin typeface="Courier New"/>
+              </a:rPr>
+              <a:t>model</a:t>
+            </a:r>
+            <a:r>
+              <a:rPr sz="1400">
+                <a:solidFill>
+                  <a:srgbClr val="000000"/>
+                </a:solidFill>
+                <a:latin typeface="Courier New"/>
+              </a:rPr>
+              <a:t> </a:t>
+            </a:r>
+            <a:r>
+              <a:rPr sz="1400">
+                <a:solidFill>
+                  <a:srgbClr val="000000"/>
+                </a:solidFill>
+                <a:latin typeface="Courier New"/>
+              </a:rPr>
+              <a:t>Q2</a:t>
+            </a:r>
+            <a:r>
+              <a:rPr sz="1400">
+                <a:solidFill>
+                  <a:srgbClr val="000000"/>
+                </a:solidFill>
+                <a:latin typeface="Courier New"/>
+              </a:rPr>
+              <a:t> </a:t>
+            </a:r>
+            <a:r>
+              <a:rPr sz="1400">
+                <a:solidFill>
+                  <a:srgbClr val="000000"/>
+                </a:solidFill>
+                <a:latin typeface="Courier New"/>
+              </a:rPr>
+              <a:t>NPN</a:t>
+            </a:r>
+            <a:r>
+              <a:rPr sz="1400">
+                <a:solidFill>
+                  <a:srgbClr val="000000"/>
+                </a:solidFill>
+                <a:latin typeface="Courier New"/>
+              </a:rPr>
+              <a:t>(</a:t>
+            </a:r>
+            <a:r>
+              <a:rPr sz="1400">
+                <a:solidFill>
+                  <a:srgbClr val="000000"/>
+                </a:solidFill>
+                <a:latin typeface="Courier New"/>
+              </a:rPr>
+              <a:t>Is</a:t>
+            </a:r>
+            <a:r>
+              <a:rPr sz="1400">
+                <a:solidFill>
+                  <a:srgbClr val="000000"/>
+                </a:solidFill>
+                <a:latin typeface="Courier New"/>
+              </a:rPr>
+              <a:t>=</a:t>
+            </a:r>
+            <a:r>
+              <a:rPr sz="1400">
+                <a:solidFill>
+                  <a:srgbClr val="000000"/>
+                </a:solidFill>
+                <a:latin typeface="Courier New"/>
+              </a:rPr>
+              <a:t>14.34</a:t>
+            </a:r>
+            <a:r>
+              <a:rPr sz="1400">
+                <a:solidFill>
+                  <a:srgbClr val="000000"/>
+                </a:solidFill>
+                <a:latin typeface="Courier New"/>
+              </a:rPr>
+              <a:t>p</a:t>
+            </a:r>
+            <a:r>
+              <a:rPr sz="1400">
+                <a:solidFill>
+                  <a:srgbClr val="000000"/>
+                </a:solidFill>
+                <a:latin typeface="Courier New"/>
+              </a:rPr>
+              <a:t> </a:t>
+            </a:r>
+            <a:r>
+              <a:rPr sz="1400">
+                <a:solidFill>
+                  <a:srgbClr val="000000"/>
+                </a:solidFill>
+                <a:latin typeface="Courier New"/>
+              </a:rPr>
+              <a:t>BF</a:t>
+            </a:r>
+            <a:r>
+              <a:rPr sz="1400">
+                <a:solidFill>
+                  <a:srgbClr val="000000"/>
+                </a:solidFill>
+                <a:latin typeface="Courier New"/>
+              </a:rPr>
+              <a:t>=</a:t>
+            </a:r>
+            <a:r>
+              <a:rPr sz="1400">
+                <a:solidFill>
+                  <a:srgbClr val="000000"/>
+                </a:solidFill>
+                <a:latin typeface="Courier New"/>
+              </a:rPr>
+              <a:t>20</a:t>
+            </a:r>
+            <a:r>
+              <a:rPr sz="1400">
+                <a:solidFill>
+                  <a:srgbClr val="000000"/>
+                </a:solidFill>
+                <a:latin typeface="Courier New"/>
+              </a:rPr>
+              <a:t> </a:t>
+            </a:r>
+            <a:r>
+              <a:rPr sz="1400">
+                <a:solidFill>
+                  <a:srgbClr val="000000"/>
+                </a:solidFill>
+                <a:latin typeface="Courier New"/>
+              </a:rPr>
+              <a:t>)</a:t>
+            </a:r>
+          </a:p>
+        </p:txBody>
+      </p:sp>
+      <p:sp>
+        <p:nvSpPr>
+          <p:cNvPr id="3" name="Title 2"/>
+          <p:cNvSpPr>
+            <a:spLocks noGrp="1"/>
+          </p:cNvSpPr>
+          <p:nvPr>
+            <p:ph type="title"/>
+          </p:nvPr>
+        </p:nvSpPr>
+        <p:spPr/>
+        <p:txBody>
+          <a:bodyPr wrap="square">
+            <a:noAutofit/>
+          </a:bodyPr>
+          <a:lstStyle/>
+          <a:p>
+            <a:r>
+              <a:rPr sz="3200" b="1" i="0">
+                <a:latin typeface="Arial"/>
+              </a:rPr>
+              <a:t>SPICE code</a:t>
+            </a:r>
+            <a:endParaRPr sz="3200" b="1" i="0">
+              <a:latin typeface="Arial"/>
+            </a:endParaRPr>
+          </a:p>
+        </p:txBody>
+      </p:sp>
+    </p:spTree>
+  </p:cSld>
+  <p:clrMapOvr>
+    <a:masterClrMapping/>
+  </p:clrMapOvr>
+</p:sld>
+</file>
+
+<file path=ppt/slides/slide13.xml><?xml version="1.0" encoding="utf-8"?>
+<p:sld xmlns:a="http://schemas.openxmlformats.org/drawingml/2006/main" xmlns:p="http://schemas.openxmlformats.org/presentationml/2006/main" xmlns:r="http://schemas.openxmlformats.org/officeDocument/2006/relationships">
+  <p:cSld>
+    <p:spTree>
+      <p:nvGrpSpPr>
+        <p:cNvPr id="1" name=""/>
+        <p:cNvGrpSpPr/>
+        <p:nvPr/>
+      </p:nvGrpSpPr>
+      <p:grpSpPr/>
+      <p:sp>
+        <p:nvSpPr>
+          <p:cNvPr id="2" name="Title 1"/>
+          <p:cNvSpPr>
+            <a:spLocks noGrp="1"/>
+          </p:cNvSpPr>
+          <p:nvPr>
+            <p:ph type="title"/>
+          </p:nvPr>
+        </p:nvSpPr>
+        <p:spPr/>
+        <p:txBody>
+          <a:bodyPr wrap="square">
+            <a:noAutofit/>
+          </a:bodyPr>
+          <a:lstStyle/>
+          <a:p>
+            <a:r>
+              <a:rPr sz="3200" b="1" i="0">
+                <a:latin typeface="Arial"/>
+              </a:rPr>
+              <a:t>Stromen en Spanningen als functie van de tijd</a:t>
+            </a:r>
+            <a:endParaRPr sz="3200" b="1" i="0">
+              <a:latin typeface="Arial"/>
+            </a:endParaRPr>
+          </a:p>
+        </p:txBody>
+      </p:sp>
+      <p:pic>
+        <p:nvPicPr>
+          <p:cNvPr id="3" name="Picture 2" descr="image.png"/>
+          <p:cNvPicPr>
+            <a:picLocks noChangeAspect="1"/>
+          </p:cNvPicPr>
+          <p:nvPr/>
+        </p:nvPicPr>
+        <p:blipFill>
+          <a:blip r:embed="rId2"/>
+          <a:stretch>
+            <a:fillRect/>
+          </a:stretch>
+        </p:blipFill>
+        <p:spPr>
+          <a:xfrm>
+            <a:off x="2633221" y="566928"/>
+            <a:ext cx="6925558" cy="5577840"/>
+          </a:xfrm>
+          <a:prstGeom prst="rect">
+            <a:avLst/>
+          </a:prstGeom>
+        </p:spPr>
+      </p:pic>
+    </p:spTree>
+  </p:cSld>
+  <p:clrMapOvr>
+    <a:masterClrMapping/>
+  </p:clrMapOvr>
+</p:sld>
+</file>
+
+<file path=ppt/slides/slide14.xml><?xml version="1.0" encoding="utf-8"?>
+<p:sld xmlns:a="http://schemas.openxmlformats.org/drawingml/2006/main" xmlns:p="http://schemas.openxmlformats.org/presentationml/2006/main" xmlns:r="http://schemas.openxmlformats.org/officeDocument/2006/relationships">
+  <p:cSld>
+    <p:spTree>
+      <p:nvGrpSpPr>
+        <p:cNvPr id="1" name=""/>
+        <p:cNvGrpSpPr/>
+        <p:nvPr/>
+      </p:nvGrpSpPr>
+      <p:grpSpPr/>
+      <p:sp>
+        <p:nvSpPr>
+          <p:cNvPr id="2" name="Title 1"/>
+          <p:cNvSpPr>
+            <a:spLocks noGrp="1"/>
+          </p:cNvSpPr>
+          <p:nvPr>
+            <p:ph type="title"/>
+          </p:nvPr>
+        </p:nvSpPr>
+        <p:spPr/>
+        <p:txBody>
+          <a:bodyPr wrap="square">
+            <a:noAutofit/>
+          </a:bodyPr>
+          <a:lstStyle/>
+          <a:p>
+            <a:r>
+              <a:rPr sz="3200" b="1" i="0">
+                <a:latin typeface="Arial"/>
+              </a:rPr>
+              <a:t>Belastingskarakteristiek</a:t>
             </a:r>
             <a:endParaRPr sz="3200" b="1" i="0">
               <a:latin typeface="Arial"/>
@@ -6034,7 +7038,3304 @@
 </p:sld>
 </file>
 
-<file path=ppt/slides/slide12.xml><?xml version="1.0" encoding="utf-8"?>
+<file path=ppt/slides/slide15.xml><?xml version="1.0" encoding="utf-8"?>
+<p:sld xmlns:a="http://schemas.openxmlformats.org/drawingml/2006/main" xmlns:p="http://schemas.openxmlformats.org/presentationml/2006/main" xmlns:r="http://schemas.openxmlformats.org/officeDocument/2006/relationships">
+  <p:cSld>
+    <p:spTree>
+      <p:nvGrpSpPr>
+        <p:cNvPr id="1" name=""/>
+        <p:cNvGrpSpPr/>
+        <p:nvPr/>
+      </p:nvGrpSpPr>
+      <p:grpSpPr/>
+      <p:sp>
+        <p:nvSpPr>
+          <p:cNvPr id="2" name="Content Placeholder 1"/>
+          <p:cNvSpPr>
+            <a:spLocks noGrp="1"/>
+          </p:cNvSpPr>
+          <p:nvPr>
+            <p:ph idx="1"/>
+          </p:nvPr>
+        </p:nvSpPr>
+        <p:spPr/>
+        <p:txBody>
+          <a:bodyPr/>
+          <a:lstStyle/>
+          <a:p/>
+        </p:txBody>
+      </p:sp>
+      <p:sp>
+        <p:nvSpPr>
+          <p:cNvPr id="3" name="Title 2"/>
+          <p:cNvSpPr>
+            <a:spLocks noGrp="1"/>
+          </p:cNvSpPr>
+          <p:nvPr>
+            <p:ph type="title"/>
+          </p:nvPr>
+        </p:nvSpPr>
+        <p:spPr/>
+        <p:txBody>
+          <a:bodyPr wrap="square">
+            <a:noAutofit/>
+          </a:bodyPr>
+          <a:lstStyle/>
+          <a:p>
+            <a:r>
+              <a:rPr sz="3200" b="1" i="0">
+                <a:latin typeface="Arial"/>
+              </a:rPr>
+              <a:t>SPICE code</a:t>
+            </a:r>
+            <a:endParaRPr sz="3200" b="1" i="0">
+              <a:latin typeface="Arial"/>
+            </a:endParaRPr>
+          </a:p>
+        </p:txBody>
+      </p:sp>
+    </p:spTree>
+  </p:cSld>
+  <p:clrMapOvr>
+    <a:masterClrMapping/>
+  </p:clrMapOvr>
+</p:sld>
+</file>
+
+<file path=ppt/slides/slide16.xml><?xml version="1.0" encoding="utf-8"?>
+<p:sld xmlns:a="http://schemas.openxmlformats.org/drawingml/2006/main" xmlns:p="http://schemas.openxmlformats.org/presentationml/2006/main" xmlns:r="http://schemas.openxmlformats.org/officeDocument/2006/relationships">
+  <p:cSld>
+    <p:spTree>
+      <p:nvGrpSpPr>
+        <p:cNvPr id="1" name=""/>
+        <p:cNvGrpSpPr/>
+        <p:nvPr/>
+      </p:nvGrpSpPr>
+      <p:grpSpPr/>
+      <p:sp>
+        <p:nvSpPr>
+          <p:cNvPr id="2" name="Content Placeholder 1"/>
+          <p:cNvSpPr>
+            <a:spLocks noGrp="1"/>
+          </p:cNvSpPr>
+          <p:nvPr>
+            <p:ph idx="1"/>
+          </p:nvPr>
+        </p:nvSpPr>
+        <p:spPr/>
+        <p:txBody>
+          <a:bodyPr/>
+          <a:lstStyle/>
+          <a:p/>
+        </p:txBody>
+      </p:sp>
+      <p:sp>
+        <p:nvSpPr>
+          <p:cNvPr id="3" name="Title 2"/>
+          <p:cNvSpPr>
+            <a:spLocks noGrp="1"/>
+          </p:cNvSpPr>
+          <p:nvPr>
+            <p:ph type="title"/>
+          </p:nvPr>
+        </p:nvSpPr>
+        <p:spPr/>
+        <p:txBody>
+          <a:bodyPr wrap="square">
+            <a:noAutofit/>
+          </a:bodyPr>
+          <a:lstStyle/>
+          <a:p>
+            <a:r>
+              <a:rPr sz="3200" b="1" i="0">
+                <a:latin typeface="Arial"/>
+              </a:rPr>
+              <a:t>SPICE code</a:t>
+            </a:r>
+            <a:endParaRPr sz="3200" b="1" i="0">
+              <a:latin typeface="Arial"/>
+            </a:endParaRPr>
+          </a:p>
+        </p:txBody>
+      </p:sp>
+    </p:spTree>
+  </p:cSld>
+  <p:clrMapOvr>
+    <a:masterClrMapping/>
+  </p:clrMapOvr>
+</p:sld>
+</file>
+
+<file path=ppt/slides/slide17.xml><?xml version="1.0" encoding="utf-8"?>
+<p:sld xmlns:a="http://schemas.openxmlformats.org/drawingml/2006/main" xmlns:p="http://schemas.openxmlformats.org/presentationml/2006/main" xmlns:r="http://schemas.openxmlformats.org/officeDocument/2006/relationships">
+  <p:cSld>
+    <p:spTree>
+      <p:nvGrpSpPr>
+        <p:cNvPr id="1" name=""/>
+        <p:cNvGrpSpPr/>
+        <p:nvPr/>
+      </p:nvGrpSpPr>
+      <p:grpSpPr/>
+      <p:sp>
+        <p:nvSpPr>
+          <p:cNvPr id="2" name="Content Placeholder 1"/>
+          <p:cNvSpPr>
+            <a:spLocks noGrp="1"/>
+          </p:cNvSpPr>
+          <p:nvPr>
+            <p:ph idx="1"/>
+          </p:nvPr>
+        </p:nvSpPr>
+        <p:spPr/>
+        <p:txBody>
+          <a:bodyPr/>
+          <a:lstStyle/>
+          <a:p/>
+        </p:txBody>
+      </p:sp>
+      <p:sp>
+        <p:nvSpPr>
+          <p:cNvPr id="3" name="Title 2"/>
+          <p:cNvSpPr>
+            <a:spLocks noGrp="1"/>
+          </p:cNvSpPr>
+          <p:nvPr>
+            <p:ph type="title"/>
+          </p:nvPr>
+        </p:nvSpPr>
+        <p:spPr/>
+        <p:txBody>
+          <a:bodyPr wrap="square">
+            <a:noAutofit/>
+          </a:bodyPr>
+          <a:lstStyle/>
+          <a:p>
+            <a:r>
+              <a:rPr sz="3200" b="1" i="0">
+                <a:latin typeface="Arial"/>
+              </a:rPr>
+              <a:t>SPICE code</a:t>
+            </a:r>
+            <a:endParaRPr sz="3200" b="1" i="0">
+              <a:latin typeface="Arial"/>
+            </a:endParaRPr>
+          </a:p>
+        </p:txBody>
+      </p:sp>
+    </p:spTree>
+  </p:cSld>
+  <p:clrMapOvr>
+    <a:masterClrMapping/>
+  </p:clrMapOvr>
+</p:sld>
+</file>
+
+<file path=ppt/slides/slide18.xml><?xml version="1.0" encoding="utf-8"?>
+<p:sld xmlns:a="http://schemas.openxmlformats.org/drawingml/2006/main" xmlns:p="http://schemas.openxmlformats.org/presentationml/2006/main" xmlns:r="http://schemas.openxmlformats.org/officeDocument/2006/relationships">
+  <p:cSld>
+    <p:spTree>
+      <p:nvGrpSpPr>
+        <p:cNvPr id="1" name=""/>
+        <p:cNvGrpSpPr/>
+        <p:nvPr/>
+      </p:nvGrpSpPr>
+      <p:grpSpPr/>
+      <p:sp>
+        <p:nvSpPr>
+          <p:cNvPr id="2" name="Content Placeholder 1"/>
+          <p:cNvSpPr>
+            <a:spLocks noGrp="1"/>
+          </p:cNvSpPr>
+          <p:nvPr>
+            <p:ph idx="1"/>
+          </p:nvPr>
+        </p:nvSpPr>
+        <p:spPr/>
+        <p:txBody>
+          <a:bodyPr/>
+          <a:lstStyle/>
+          <a:p/>
+        </p:txBody>
+      </p:sp>
+      <p:sp>
+        <p:nvSpPr>
+          <p:cNvPr id="3" name="Title 2"/>
+          <p:cNvSpPr>
+            <a:spLocks noGrp="1"/>
+          </p:cNvSpPr>
+          <p:nvPr>
+            <p:ph type="title"/>
+          </p:nvPr>
+        </p:nvSpPr>
+        <p:spPr/>
+        <p:txBody>
+          <a:bodyPr wrap="square">
+            <a:noAutofit/>
+          </a:bodyPr>
+          <a:lstStyle/>
+          <a:p>
+            <a:r>
+              <a:rPr sz="3200" b="1" i="0">
+                <a:latin typeface="Arial"/>
+              </a:rPr>
+              <a:t>SPICE code</a:t>
+            </a:r>
+            <a:endParaRPr sz="3200" b="1" i="0">
+              <a:latin typeface="Arial"/>
+            </a:endParaRPr>
+          </a:p>
+        </p:txBody>
+      </p:sp>
+    </p:spTree>
+  </p:cSld>
+  <p:clrMapOvr>
+    <a:masterClrMapping/>
+  </p:clrMapOvr>
+</p:sld>
+</file>
+
+<file path=ppt/slides/slide19.xml><?xml version="1.0" encoding="utf-8"?>
+<p:sld xmlns:a="http://schemas.openxmlformats.org/drawingml/2006/main" xmlns:p="http://schemas.openxmlformats.org/presentationml/2006/main" xmlns:r="http://schemas.openxmlformats.org/officeDocument/2006/relationships">
+  <p:cSld>
+    <p:spTree>
+      <p:nvGrpSpPr>
+        <p:cNvPr id="1" name=""/>
+        <p:cNvGrpSpPr/>
+        <p:nvPr/>
+      </p:nvGrpSpPr>
+      <p:grpSpPr/>
+      <p:sp>
+        <p:nvSpPr>
+          <p:cNvPr id="2" name="Content Placeholder 1"/>
+          <p:cNvSpPr>
+            <a:spLocks noGrp="1"/>
+          </p:cNvSpPr>
+          <p:nvPr>
+            <p:ph idx="1"/>
+          </p:nvPr>
+        </p:nvSpPr>
+        <p:spPr/>
+        <p:txBody>
+          <a:bodyPr/>
+          <a:lstStyle/>
+          <a:p/>
+        </p:txBody>
+      </p:sp>
+      <p:sp>
+        <p:nvSpPr>
+          <p:cNvPr id="3" name="Title 2"/>
+          <p:cNvSpPr>
+            <a:spLocks noGrp="1"/>
+          </p:cNvSpPr>
+          <p:nvPr>
+            <p:ph type="title"/>
+          </p:nvPr>
+        </p:nvSpPr>
+        <p:spPr/>
+        <p:txBody>
+          <a:bodyPr wrap="square">
+            <a:noAutofit/>
+          </a:bodyPr>
+          <a:lstStyle/>
+          <a:p>
+            <a:r>
+              <a:rPr sz="3200" b="1" i="0">
+                <a:latin typeface="Arial"/>
+              </a:rPr>
+              <a:t>SPICE code</a:t>
+            </a:r>
+            <a:endParaRPr sz="3200" b="1" i="0">
+              <a:latin typeface="Arial"/>
+            </a:endParaRPr>
+          </a:p>
+        </p:txBody>
+      </p:sp>
+    </p:spTree>
+  </p:cSld>
+  <p:clrMapOvr>
+    <a:masterClrMapping/>
+  </p:clrMapOvr>
+</p:sld>
+</file>
+
+<file path=ppt/slides/slide2.xml><?xml version="1.0" encoding="utf-8"?>
+<p:sld xmlns:a="http://schemas.openxmlformats.org/drawingml/2006/main" xmlns:p="http://schemas.openxmlformats.org/presentationml/2006/main" xmlns:r="http://schemas.openxmlformats.org/officeDocument/2006/relationships">
+  <p:cSld>
+    <p:spTree>
+      <p:nvGrpSpPr>
+        <p:cNvPr id="1" name=""/>
+        <p:cNvGrpSpPr/>
+        <p:nvPr/>
+      </p:nvGrpSpPr>
+      <p:grpSpPr/>
+      <p:sp>
+        <p:nvSpPr>
+          <p:cNvPr id="2" name="Content Placeholder 1"/>
+          <p:cNvSpPr>
+            <a:spLocks noGrp="1"/>
+          </p:cNvSpPr>
+          <p:nvPr>
+            <p:ph idx="1"/>
+          </p:nvPr>
+        </p:nvSpPr>
+        <p:spPr/>
+        <p:txBody>
+          <a:bodyPr/>
+          <a:lstStyle/>
+          <a:p/>
+          <a:p>
+            <a:pPr/>
+            <a:r>
+              <a:t># Klasse A versterkers</a:t>
+            </a:r>
+          </a:p>
+        </p:txBody>
+      </p:sp>
+      <p:sp>
+        <p:nvSpPr>
+          <p:cNvPr id="3" name="Title 2"/>
+          <p:cNvSpPr>
+            <a:spLocks noGrp="1"/>
+          </p:cNvSpPr>
+          <p:nvPr>
+            <p:ph type="title"/>
+          </p:nvPr>
+        </p:nvSpPr>
+        <p:spPr/>
+        <p:txBody>
+          <a:bodyPr/>
+          <a:lstStyle/>
+          <a:p/>
+        </p:txBody>
+      </p:sp>
+    </p:spTree>
+  </p:cSld>
+  <p:clrMapOvr>
+    <a:masterClrMapping/>
+  </p:clrMapOvr>
+</p:sld>
+</file>
+
+<file path=ppt/slides/slide20.xml><?xml version="1.0" encoding="utf-8"?>
+<p:sld xmlns:a="http://schemas.openxmlformats.org/drawingml/2006/main" xmlns:p="http://schemas.openxmlformats.org/presentationml/2006/main" xmlns:r="http://schemas.openxmlformats.org/officeDocument/2006/relationships">
+  <p:cSld>
+    <p:spTree>
+      <p:nvGrpSpPr>
+        <p:cNvPr id="1" name=""/>
+        <p:cNvGrpSpPr/>
+        <p:nvPr/>
+      </p:nvGrpSpPr>
+      <p:grpSpPr/>
+      <p:sp>
+        <p:nvSpPr>
+          <p:cNvPr id="2" name="Content Placeholder 1"/>
+          <p:cNvSpPr>
+            <a:spLocks noGrp="1"/>
+          </p:cNvSpPr>
+          <p:nvPr>
+            <p:ph idx="1"/>
+          </p:nvPr>
+        </p:nvSpPr>
+        <p:spPr/>
+        <p:txBody>
+          <a:bodyPr/>
+          <a:lstStyle/>
+          <a:p/>
+        </p:txBody>
+      </p:sp>
+      <p:sp>
+        <p:nvSpPr>
+          <p:cNvPr id="3" name="Title 2"/>
+          <p:cNvSpPr>
+            <a:spLocks noGrp="1"/>
+          </p:cNvSpPr>
+          <p:nvPr>
+            <p:ph type="title"/>
+          </p:nvPr>
+        </p:nvSpPr>
+        <p:spPr/>
+        <p:txBody>
+          <a:bodyPr wrap="square">
+            <a:noAutofit/>
+          </a:bodyPr>
+          <a:lstStyle/>
+          <a:p>
+            <a:r>
+              <a:rPr sz="3200" b="1" i="0">
+                <a:latin typeface="Arial"/>
+              </a:rPr>
+              <a:t>SPICE code</a:t>
+            </a:r>
+            <a:endParaRPr sz="3200" b="1" i="0">
+              <a:latin typeface="Arial"/>
+            </a:endParaRPr>
+          </a:p>
+        </p:txBody>
+      </p:sp>
+    </p:spTree>
+  </p:cSld>
+  <p:clrMapOvr>
+    <a:masterClrMapping/>
+  </p:clrMapOvr>
+</p:sld>
+</file>
+
+<file path=ppt/slides/slide21.xml><?xml version="1.0" encoding="utf-8"?>
+<p:sld xmlns:a="http://schemas.openxmlformats.org/drawingml/2006/main" xmlns:p="http://schemas.openxmlformats.org/presentationml/2006/main" xmlns:r="http://schemas.openxmlformats.org/officeDocument/2006/relationships">
+  <p:cSld>
+    <p:spTree>
+      <p:nvGrpSpPr>
+        <p:cNvPr id="1" name=""/>
+        <p:cNvGrpSpPr/>
+        <p:nvPr/>
+      </p:nvGrpSpPr>
+      <p:grpSpPr/>
+      <p:sp>
+        <p:nvSpPr>
+          <p:cNvPr id="2" name="Content Placeholder 1"/>
+          <p:cNvSpPr>
+            <a:spLocks noGrp="1"/>
+          </p:cNvSpPr>
+          <p:nvPr>
+            <p:ph idx="1"/>
+          </p:nvPr>
+        </p:nvSpPr>
+        <p:spPr/>
+        <p:txBody>
+          <a:bodyPr/>
+          <a:lstStyle/>
+          <a:p>
+            <a:r>
+              <a:rPr sz="1400">
+                <a:solidFill>
+                  <a:srgbClr val="000000"/>
+                </a:solidFill>
+                <a:latin typeface="Courier New"/>
+              </a:rPr>
+              <a:t/>
+            </a:r>
+            <a:r>
+              <a:rPr sz="1400">
+                <a:solidFill>
+                  <a:srgbClr val="000000"/>
+                </a:solidFill>
+                <a:latin typeface="Courier New"/>
+              </a:rPr>
+              <a:t>*</a:t>
+            </a:r>
+            <a:r>
+              <a:rPr sz="1400">
+                <a:solidFill>
+                  <a:srgbClr val="000000"/>
+                </a:solidFill>
+                <a:latin typeface="Courier New"/>
+              </a:rPr>
+              <a:t> </a:t>
+            </a:r>
+            <a:r>
+              <a:rPr sz="1400">
+                <a:solidFill>
+                  <a:srgbClr val="000000"/>
+                </a:solidFill>
+                <a:latin typeface="Courier New"/>
+              </a:rPr>
+              <a:t>Spice</a:t>
+            </a:r>
+            <a:r>
+              <a:rPr sz="1400">
+                <a:solidFill>
+                  <a:srgbClr val="000000"/>
+                </a:solidFill>
+                <a:latin typeface="Courier New"/>
+              </a:rPr>
+              <a:t> </a:t>
+            </a:r>
+            <a:r>
+              <a:rPr sz="1400">
+                <a:solidFill>
+                  <a:srgbClr val="000000"/>
+                </a:solidFill>
+                <a:latin typeface="Courier New"/>
+              </a:rPr>
+              <a:t>file</a:t>
+            </a:r>
+            <a:r>
+              <a:rPr sz="1400">
+                <a:solidFill>
+                  <a:srgbClr val="000000"/>
+                </a:solidFill>
+                <a:latin typeface="Courier New"/>
+              </a:rPr>
+              <a:t> </a:t>
+            </a:r>
+            <a:r>
+              <a:rPr sz="1400">
+                <a:solidFill>
+                  <a:srgbClr val="000000"/>
+                </a:solidFill>
+                <a:latin typeface="Courier New"/>
+              </a:rPr>
+              <a:t>van</a:t>
+            </a:r>
+            <a:r>
+              <a:rPr sz="1400">
+                <a:solidFill>
+                  <a:srgbClr val="000000"/>
+                </a:solidFill>
+                <a:latin typeface="Courier New"/>
+              </a:rPr>
+              <a:t> </a:t>
+            </a:r>
+            <a:r>
+              <a:rPr sz="1400">
+                <a:solidFill>
+                  <a:srgbClr val="000000"/>
+                </a:solidFill>
+                <a:latin typeface="Courier New"/>
+              </a:rPr>
+              <a:t>een</a:t>
+            </a:r>
+            <a:r>
+              <a:rPr sz="1400">
+                <a:solidFill>
+                  <a:srgbClr val="000000"/>
+                </a:solidFill>
+                <a:latin typeface="Courier New"/>
+              </a:rPr>
+              <a:t> </a:t>
+            </a:r>
+            <a:r>
+              <a:rPr sz="1400">
+                <a:solidFill>
+                  <a:srgbClr val="000000"/>
+                </a:solidFill>
+                <a:latin typeface="Courier New"/>
+              </a:rPr>
+              <a:t>eenvoudige</a:t>
+            </a:r>
+            <a:r>
+              <a:rPr sz="1400">
+                <a:solidFill>
+                  <a:srgbClr val="000000"/>
+                </a:solidFill>
+                <a:latin typeface="Courier New"/>
+              </a:rPr>
+              <a:t> </a:t>
+            </a:r>
+            <a:r>
+              <a:rPr sz="1400">
+                <a:solidFill>
+                  <a:srgbClr val="000000"/>
+                </a:solidFill>
+                <a:latin typeface="Courier New"/>
+              </a:rPr>
+              <a:t>Klasse</a:t>
+            </a:r>
+            <a:r>
+              <a:rPr sz="1400">
+                <a:solidFill>
+                  <a:srgbClr val="000000"/>
+                </a:solidFill>
+                <a:latin typeface="Courier New"/>
+              </a:rPr>
+              <a:t> </a:t>
+            </a:r>
+            <a:r>
+              <a:rPr sz="1400">
+                <a:solidFill>
+                  <a:srgbClr val="000000"/>
+                </a:solidFill>
+                <a:latin typeface="Courier New"/>
+              </a:rPr>
+              <a:t>A</a:t>
+            </a:r>
+            <a:r>
+              <a:rPr sz="1400">
+                <a:solidFill>
+                  <a:srgbClr val="000000"/>
+                </a:solidFill>
+                <a:latin typeface="Courier New"/>
+              </a:rPr>
+              <a:t> </a:t>
+            </a:r>
+            <a:r>
+              <a:rPr sz="1400">
+                <a:solidFill>
+                  <a:srgbClr val="000000"/>
+                </a:solidFill>
+                <a:latin typeface="Courier New"/>
+              </a:rPr>
+              <a:t>versterker</a:t>
+            </a:r>
+            <a:r>
+              <a:rPr sz="1400">
+                <a:solidFill>
+                  <a:srgbClr val="000000"/>
+                </a:solidFill>
+                <a:latin typeface="Courier New"/>
+              </a:rPr>
+              <a:t>R_R6</a:t>
+            </a:r>
+            <a:r>
+              <a:rPr sz="1400">
+                <a:solidFill>
+                  <a:srgbClr val="000000"/>
+                </a:solidFill>
+                <a:latin typeface="Courier New"/>
+              </a:rPr>
+              <a:t>         </a:t>
+            </a:r>
+            <a:r>
+              <a:rPr sz="1400">
+                <a:solidFill>
+                  <a:srgbClr val="000000"/>
+                </a:solidFill>
+                <a:latin typeface="Courier New"/>
+              </a:rPr>
+              <a:t>0</a:t>
+            </a:r>
+            <a:r>
+              <a:rPr sz="1400">
+                <a:solidFill>
+                  <a:srgbClr val="000000"/>
+                </a:solidFill>
+                <a:latin typeface="Courier New"/>
+              </a:rPr>
+              <a:t> </a:t>
+            </a:r>
+            <a:r>
+              <a:rPr sz="1400">
+                <a:solidFill>
+                  <a:srgbClr val="000000"/>
+                </a:solidFill>
+                <a:latin typeface="Courier New"/>
+              </a:rPr>
+              <a:t>1</a:t>
+            </a:r>
+            <a:r>
+              <a:rPr sz="1400">
+                <a:solidFill>
+                  <a:srgbClr val="000000"/>
+                </a:solidFill>
+                <a:latin typeface="Courier New"/>
+              </a:rPr>
+              <a:t>  </a:t>
+            </a:r>
+            <a:r>
+              <a:rPr sz="1400">
+                <a:solidFill>
+                  <a:srgbClr val="000000"/>
+                </a:solidFill>
+                <a:latin typeface="Courier New"/>
+              </a:rPr>
+              <a:t>8</a:t>
+            </a:r>
+            <a:r>
+              <a:rPr sz="1400">
+                <a:solidFill>
+                  <a:srgbClr val="000000"/>
+                </a:solidFill>
+                <a:latin typeface="Courier New"/>
+              </a:rPr>
+              <a:t>R_R7</a:t>
+            </a:r>
+            <a:r>
+              <a:rPr sz="1400">
+                <a:solidFill>
+                  <a:srgbClr val="000000"/>
+                </a:solidFill>
+                <a:latin typeface="Courier New"/>
+              </a:rPr>
+              <a:t>         </a:t>
+            </a:r>
+            <a:r>
+              <a:rPr sz="1400">
+                <a:solidFill>
+                  <a:srgbClr val="000000"/>
+                </a:solidFill>
+                <a:latin typeface="Courier New"/>
+              </a:rPr>
+              <a:t>3</a:t>
+            </a:r>
+            <a:r>
+              <a:rPr sz="1400">
+                <a:solidFill>
+                  <a:srgbClr val="000000"/>
+                </a:solidFill>
+                <a:latin typeface="Courier New"/>
+              </a:rPr>
+              <a:t> </a:t>
+            </a:r>
+            <a:r>
+              <a:rPr sz="1400">
+                <a:solidFill>
+                  <a:srgbClr val="000000"/>
+                </a:solidFill>
+                <a:latin typeface="Courier New"/>
+              </a:rPr>
+              <a:t>2</a:t>
+            </a:r>
+            <a:r>
+              <a:rPr sz="1400">
+                <a:solidFill>
+                  <a:srgbClr val="000000"/>
+                </a:solidFill>
+                <a:latin typeface="Courier New"/>
+              </a:rPr>
+              <a:t>  </a:t>
+            </a:r>
+            <a:r>
+              <a:rPr sz="1400">
+                <a:solidFill>
+                  <a:srgbClr val="000000"/>
+                </a:solidFill>
+                <a:latin typeface="Courier New"/>
+              </a:rPr>
+              <a:t>1</a:t>
+            </a:r>
+          </a:p>
+        </p:txBody>
+      </p:sp>
+      <p:sp>
+        <p:nvSpPr>
+          <p:cNvPr id="3" name="Title 2"/>
+          <p:cNvSpPr>
+            <a:spLocks noGrp="1"/>
+          </p:cNvSpPr>
+          <p:nvPr>
+            <p:ph type="title"/>
+          </p:nvPr>
+        </p:nvSpPr>
+        <p:spPr/>
+        <p:txBody>
+          <a:bodyPr wrap="square">
+            <a:noAutofit/>
+          </a:bodyPr>
+          <a:lstStyle/>
+          <a:p>
+            <a:r>
+              <a:rPr sz="3200" b="1" i="0">
+                <a:latin typeface="Arial"/>
+              </a:rPr>
+              <a:t>SPICE code</a:t>
+            </a:r>
+            <a:endParaRPr sz="3200" b="1" i="0">
+              <a:latin typeface="Arial"/>
+            </a:endParaRPr>
+          </a:p>
+        </p:txBody>
+      </p:sp>
+    </p:spTree>
+  </p:cSld>
+  <p:clrMapOvr>
+    <a:masterClrMapping/>
+  </p:clrMapOvr>
+</p:sld>
+</file>
+
+<file path=ppt/slides/slide22.xml><?xml version="1.0" encoding="utf-8"?>
+<p:sld xmlns:a="http://schemas.openxmlformats.org/drawingml/2006/main" xmlns:p="http://schemas.openxmlformats.org/presentationml/2006/main" xmlns:r="http://schemas.openxmlformats.org/officeDocument/2006/relationships">
+  <p:cSld>
+    <p:spTree>
+      <p:nvGrpSpPr>
+        <p:cNvPr id="1" name=""/>
+        <p:cNvGrpSpPr/>
+        <p:nvPr/>
+      </p:nvGrpSpPr>
+      <p:grpSpPr/>
+      <p:sp>
+        <p:nvSpPr>
+          <p:cNvPr id="2" name="Content Placeholder 1"/>
+          <p:cNvSpPr>
+            <a:spLocks noGrp="1"/>
+          </p:cNvSpPr>
+          <p:nvPr>
+            <p:ph idx="1"/>
+          </p:nvPr>
+        </p:nvSpPr>
+        <p:spPr/>
+        <p:txBody>
+          <a:bodyPr/>
+          <a:lstStyle/>
+          <a:p>
+            <a:r>
+              <a:rPr sz="1400">
+                <a:solidFill>
+                  <a:srgbClr val="000000"/>
+                </a:solidFill>
+                <a:latin typeface="Courier New"/>
+              </a:rPr>
+              <a:t>L1_TX1</a:t>
+            </a:r>
+            <a:r>
+              <a:rPr sz="1400">
+                <a:solidFill>
+                  <a:srgbClr val="000000"/>
+                </a:solidFill>
+                <a:latin typeface="Courier New"/>
+              </a:rPr>
+              <a:t> </a:t>
+            </a:r>
+            <a:r>
+              <a:rPr sz="1400">
+                <a:solidFill>
+                  <a:srgbClr val="000000"/>
+                </a:solidFill>
+                <a:latin typeface="Courier New"/>
+              </a:rPr>
+              <a:t>3</a:t>
+            </a:r>
+            <a:r>
+              <a:rPr sz="1400">
+                <a:solidFill>
+                  <a:srgbClr val="000000"/>
+                </a:solidFill>
+                <a:latin typeface="Courier New"/>
+              </a:rPr>
+              <a:t> </a:t>
+            </a:r>
+            <a:r>
+              <a:rPr sz="1400">
+                <a:solidFill>
+                  <a:srgbClr val="000000"/>
+                </a:solidFill>
+                <a:latin typeface="Courier New"/>
+              </a:rPr>
+              <a:t>4</a:t>
+            </a:r>
+            <a:r>
+              <a:rPr sz="1400">
+                <a:solidFill>
+                  <a:srgbClr val="000000"/>
+                </a:solidFill>
+                <a:latin typeface="Courier New"/>
+              </a:rPr>
+              <a:t> </a:t>
+            </a:r>
+            <a:r>
+              <a:rPr sz="1400">
+                <a:solidFill>
+                  <a:srgbClr val="000000"/>
+                </a:solidFill>
+                <a:latin typeface="Courier New"/>
+              </a:rPr>
+              <a:t>25</a:t>
+            </a:r>
+            <a:r>
+              <a:rPr sz="1400">
+                <a:solidFill>
+                  <a:srgbClr val="000000"/>
+                </a:solidFill>
+                <a:latin typeface="Courier New"/>
+              </a:rPr>
+              <a:t>L2_TX1</a:t>
+            </a:r>
+            <a:r>
+              <a:rPr sz="1400">
+                <a:solidFill>
+                  <a:srgbClr val="000000"/>
+                </a:solidFill>
+                <a:latin typeface="Courier New"/>
+              </a:rPr>
+              <a:t> </a:t>
+            </a:r>
+            <a:r>
+              <a:rPr sz="1400">
+                <a:solidFill>
+                  <a:srgbClr val="000000"/>
+                </a:solidFill>
+                <a:latin typeface="Courier New"/>
+              </a:rPr>
+              <a:t>1</a:t>
+            </a:r>
+            <a:r>
+              <a:rPr sz="1400">
+                <a:solidFill>
+                  <a:srgbClr val="000000"/>
+                </a:solidFill>
+                <a:latin typeface="Courier New"/>
+              </a:rPr>
+              <a:t> </a:t>
+            </a:r>
+            <a:r>
+              <a:rPr sz="1400">
+                <a:solidFill>
+                  <a:srgbClr val="000000"/>
+                </a:solidFill>
+                <a:latin typeface="Courier New"/>
+              </a:rPr>
+              <a:t>0</a:t>
+            </a:r>
+            <a:r>
+              <a:rPr sz="1400">
+                <a:solidFill>
+                  <a:srgbClr val="000000"/>
+                </a:solidFill>
+                <a:latin typeface="Courier New"/>
+              </a:rPr>
+              <a:t> </a:t>
+            </a:r>
+            <a:r>
+              <a:rPr sz="1400">
+                <a:solidFill>
+                  <a:srgbClr val="000000"/>
+                </a:solidFill>
+                <a:latin typeface="Courier New"/>
+              </a:rPr>
+              <a:t>1</a:t>
+            </a:r>
+            <a:r>
+              <a:rPr sz="1400">
+                <a:solidFill>
+                  <a:srgbClr val="000000"/>
+                </a:solidFill>
+                <a:latin typeface="Courier New"/>
+              </a:rPr>
+              <a:t>K_TX1</a:t>
+            </a:r>
+            <a:r>
+              <a:rPr sz="1400">
+                <a:solidFill>
+                  <a:srgbClr val="000000"/>
+                </a:solidFill>
+                <a:latin typeface="Courier New"/>
+              </a:rPr>
+              <a:t> </a:t>
+            </a:r>
+            <a:r>
+              <a:rPr sz="1400">
+                <a:solidFill>
+                  <a:srgbClr val="000000"/>
+                </a:solidFill>
+                <a:latin typeface="Courier New"/>
+              </a:rPr>
+              <a:t>L1_TX1</a:t>
+            </a:r>
+            <a:r>
+              <a:rPr sz="1400">
+                <a:solidFill>
+                  <a:srgbClr val="000000"/>
+                </a:solidFill>
+                <a:latin typeface="Courier New"/>
+              </a:rPr>
+              <a:t> </a:t>
+            </a:r>
+            <a:r>
+              <a:rPr sz="1400">
+                <a:solidFill>
+                  <a:srgbClr val="000000"/>
+                </a:solidFill>
+                <a:latin typeface="Courier New"/>
+              </a:rPr>
+              <a:t>L2_TX1</a:t>
+            </a:r>
+            <a:r>
+              <a:rPr sz="1400">
+                <a:solidFill>
+                  <a:srgbClr val="000000"/>
+                </a:solidFill>
+                <a:latin typeface="Courier New"/>
+              </a:rPr>
+              <a:t> </a:t>
+            </a:r>
+            <a:r>
+              <a:rPr sz="1400">
+                <a:solidFill>
+                  <a:srgbClr val="000000"/>
+                </a:solidFill>
+                <a:latin typeface="Courier New"/>
+              </a:rPr>
+              <a:t>1</a:t>
+            </a:r>
+            <a:r>
+              <a:rPr sz="1400">
+                <a:solidFill>
+                  <a:srgbClr val="000000"/>
+                </a:solidFill>
+                <a:latin typeface="Courier New"/>
+              </a:rPr>
+              <a:t>.</a:t>
+            </a:r>
+            <a:r>
+              <a:rPr sz="1400">
+                <a:solidFill>
+                  <a:srgbClr val="000000"/>
+                </a:solidFill>
+                <a:latin typeface="Courier New"/>
+              </a:rPr>
+              <a:t>Q_Q5</a:t>
+            </a:r>
+            <a:r>
+              <a:rPr sz="1400">
+                <a:solidFill>
+                  <a:srgbClr val="000000"/>
+                </a:solidFill>
+                <a:latin typeface="Courier New"/>
+              </a:rPr>
+              <a:t> </a:t>
+            </a:r>
+            <a:r>
+              <a:rPr sz="1400">
+                <a:solidFill>
+                  <a:srgbClr val="000000"/>
+                </a:solidFill>
+                <a:latin typeface="Courier New"/>
+              </a:rPr>
+              <a:t>4</a:t>
+            </a:r>
+            <a:r>
+              <a:rPr sz="1400">
+                <a:solidFill>
+                  <a:srgbClr val="000000"/>
+                </a:solidFill>
+                <a:latin typeface="Courier New"/>
+              </a:rPr>
+              <a:t> </a:t>
+            </a:r>
+            <a:r>
+              <a:rPr sz="1400">
+                <a:solidFill>
+                  <a:srgbClr val="000000"/>
+                </a:solidFill>
+                <a:latin typeface="Courier New"/>
+              </a:rPr>
+              <a:t>5</a:t>
+            </a:r>
+            <a:r>
+              <a:rPr sz="1400">
+                <a:solidFill>
+                  <a:srgbClr val="000000"/>
+                </a:solidFill>
+                <a:latin typeface="Courier New"/>
+              </a:rPr>
+              <a:t> </a:t>
+            </a:r>
+            <a:r>
+              <a:rPr sz="1400">
+                <a:solidFill>
+                  <a:srgbClr val="000000"/>
+                </a:solidFill>
+                <a:latin typeface="Courier New"/>
+              </a:rPr>
+              <a:t>0</a:t>
+            </a:r>
+            <a:r>
+              <a:rPr sz="1400">
+                <a:solidFill>
+                  <a:srgbClr val="000000"/>
+                </a:solidFill>
+                <a:latin typeface="Courier New"/>
+              </a:rPr>
+              <a:t> </a:t>
+            </a:r>
+            <a:r>
+              <a:rPr sz="1400">
+                <a:solidFill>
+                  <a:srgbClr val="000000"/>
+                </a:solidFill>
+                <a:latin typeface="Courier New"/>
+              </a:rPr>
+              <a:t>Q2</a:t>
+            </a:r>
+            <a:r>
+              <a:rPr sz="1400">
+                <a:solidFill>
+                  <a:srgbClr val="000000"/>
+                </a:solidFill>
+                <a:latin typeface="Courier New"/>
+              </a:rPr>
+              <a:t>I_I4</a:t>
+            </a:r>
+            <a:r>
+              <a:rPr sz="1400">
+                <a:solidFill>
+                  <a:srgbClr val="000000"/>
+                </a:solidFill>
+                <a:latin typeface="Courier New"/>
+              </a:rPr>
+              <a:t> </a:t>
+            </a:r>
+            <a:r>
+              <a:rPr sz="1400">
+                <a:solidFill>
+                  <a:srgbClr val="000000"/>
+                </a:solidFill>
+                <a:latin typeface="Courier New"/>
+              </a:rPr>
+              <a:t>0</a:t>
+            </a:r>
+            <a:r>
+              <a:rPr sz="1400">
+                <a:solidFill>
+                  <a:srgbClr val="000000"/>
+                </a:solidFill>
+                <a:latin typeface="Courier New"/>
+              </a:rPr>
+              <a:t> </a:t>
+            </a:r>
+            <a:r>
+              <a:rPr sz="1400">
+                <a:solidFill>
+                  <a:srgbClr val="000000"/>
+                </a:solidFill>
+                <a:latin typeface="Courier New"/>
+              </a:rPr>
+              <a:t>5</a:t>
+            </a:r>
+            <a:r>
+              <a:rPr sz="1400">
+                <a:solidFill>
+                  <a:srgbClr val="000000"/>
+                </a:solidFill>
+                <a:latin typeface="Courier New"/>
+              </a:rPr>
+              <a:t> </a:t>
+            </a:r>
+            <a:r>
+              <a:rPr sz="1400">
+                <a:solidFill>
+                  <a:srgbClr val="000000"/>
+                </a:solidFill>
+                <a:latin typeface="Courier New"/>
+              </a:rPr>
+              <a:t>SIN</a:t>
+            </a:r>
+            <a:r>
+              <a:rPr sz="1400">
+                <a:solidFill>
+                  <a:srgbClr val="000000"/>
+                </a:solidFill>
+                <a:latin typeface="Courier New"/>
+              </a:rPr>
+              <a:t>(</a:t>
+            </a:r>
+            <a:r>
+              <a:rPr sz="1400">
+                <a:solidFill>
+                  <a:srgbClr val="000000"/>
+                </a:solidFill>
+                <a:latin typeface="Courier New"/>
+              </a:rPr>
+              <a:t>17</a:t>
+            </a:r>
+            <a:r>
+              <a:rPr sz="1400">
+                <a:solidFill>
+                  <a:srgbClr val="000000"/>
+                </a:solidFill>
+                <a:latin typeface="Courier New"/>
+              </a:rPr>
+              <a:t>m</a:t>
+            </a:r>
+            <a:r>
+              <a:rPr sz="1400">
+                <a:solidFill>
+                  <a:srgbClr val="000000"/>
+                </a:solidFill>
+                <a:latin typeface="Courier New"/>
+              </a:rPr>
+              <a:t> </a:t>
+            </a:r>
+            <a:r>
+              <a:rPr sz="1400">
+                <a:solidFill>
+                  <a:srgbClr val="000000"/>
+                </a:solidFill>
+                <a:latin typeface="Courier New"/>
+              </a:rPr>
+              <a:t>15</a:t>
+            </a:r>
+            <a:r>
+              <a:rPr sz="1400">
+                <a:solidFill>
+                  <a:srgbClr val="000000"/>
+                </a:solidFill>
+                <a:latin typeface="Courier New"/>
+              </a:rPr>
+              <a:t>m</a:t>
+            </a:r>
+            <a:r>
+              <a:rPr sz="1400">
+                <a:solidFill>
+                  <a:srgbClr val="000000"/>
+                </a:solidFill>
+                <a:latin typeface="Courier New"/>
+              </a:rPr>
+              <a:t> </a:t>
+            </a:r>
+            <a:r>
+              <a:rPr sz="1400">
+                <a:solidFill>
+                  <a:srgbClr val="000000"/>
+                </a:solidFill>
+                <a:latin typeface="Courier New"/>
+              </a:rPr>
+              <a:t>10</a:t>
+            </a:r>
+            <a:r>
+              <a:rPr sz="1400">
+                <a:solidFill>
+                  <a:srgbClr val="000000"/>
+                </a:solidFill>
+                <a:latin typeface="Courier New"/>
+              </a:rPr>
+              <a:t>k</a:t>
+            </a:r>
+            <a:r>
+              <a:rPr sz="1400">
+                <a:solidFill>
+                  <a:srgbClr val="000000"/>
+                </a:solidFill>
+                <a:latin typeface="Courier New"/>
+              </a:rPr>
+              <a:t>)</a:t>
+            </a:r>
+            <a:r>
+              <a:rPr sz="1400">
+                <a:solidFill>
+                  <a:srgbClr val="000000"/>
+                </a:solidFill>
+                <a:latin typeface="Courier New"/>
+              </a:rPr>
+              <a:t> </a:t>
+            </a:r>
+            <a:r>
+              <a:rPr sz="1400">
+                <a:solidFill>
+                  <a:srgbClr val="000000"/>
+                </a:solidFill>
+                <a:latin typeface="Courier New"/>
+              </a:rPr>
+              <a:t>DC</a:t>
+            </a:r>
+            <a:r>
+              <a:rPr sz="1400">
+                <a:solidFill>
+                  <a:srgbClr val="000000"/>
+                </a:solidFill>
+                <a:latin typeface="Courier New"/>
+              </a:rPr>
+              <a:t>=</a:t>
+            </a:r>
+            <a:r>
+              <a:rPr sz="1400">
+                <a:solidFill>
+                  <a:srgbClr val="000000"/>
+                </a:solidFill>
+                <a:latin typeface="Courier New"/>
+              </a:rPr>
+              <a:t>17</a:t>
+            </a:r>
+            <a:r>
+              <a:rPr sz="1400">
+                <a:solidFill>
+                  <a:srgbClr val="000000"/>
+                </a:solidFill>
+                <a:latin typeface="Courier New"/>
+              </a:rPr>
+              <a:t>m</a:t>
+            </a:r>
+            <a:r>
+              <a:rPr sz="1400">
+                <a:solidFill>
+                  <a:srgbClr val="000000"/>
+                </a:solidFill>
+                <a:latin typeface="Courier New"/>
+              </a:rPr>
+              <a:t>V_VDD</a:t>
+            </a:r>
+            <a:r>
+              <a:rPr sz="1400">
+                <a:solidFill>
+                  <a:srgbClr val="000000"/>
+                </a:solidFill>
+                <a:latin typeface="Courier New"/>
+              </a:rPr>
+              <a:t> </a:t>
+            </a:r>
+            <a:r>
+              <a:rPr sz="1400">
+                <a:solidFill>
+                  <a:srgbClr val="000000"/>
+                </a:solidFill>
+                <a:latin typeface="Courier New"/>
+              </a:rPr>
+              <a:t>2</a:t>
+            </a:r>
+            <a:r>
+              <a:rPr sz="1400">
+                <a:solidFill>
+                  <a:srgbClr val="000000"/>
+                </a:solidFill>
+                <a:latin typeface="Courier New"/>
+              </a:rPr>
+              <a:t> </a:t>
+            </a:r>
+            <a:r>
+              <a:rPr sz="1400">
+                <a:solidFill>
+                  <a:srgbClr val="000000"/>
+                </a:solidFill>
+                <a:latin typeface="Courier New"/>
+              </a:rPr>
+              <a:t>0</a:t>
+            </a:r>
+            <a:r>
+              <a:rPr sz="1400">
+                <a:solidFill>
+                  <a:srgbClr val="000000"/>
+                </a:solidFill>
+                <a:latin typeface="Courier New"/>
+              </a:rPr>
+              <a:t> </a:t>
+            </a:r>
+            <a:r>
+              <a:rPr sz="1400">
+                <a:solidFill>
+                  <a:srgbClr val="000000"/>
+                </a:solidFill>
+                <a:latin typeface="Courier New"/>
+              </a:rPr>
+              <a:t>66</a:t>
+            </a:r>
+            <a:r>
+              <a:rPr sz="1400">
+                <a:solidFill>
+                  <a:srgbClr val="000000"/>
+                </a:solidFill>
+                <a:latin typeface="Courier New"/>
+              </a:rPr>
+              <a:t>V</a:t>
+            </a:r>
+            <a:r>
+              <a:rPr sz="1400">
+                <a:solidFill>
+                  <a:srgbClr val="000000"/>
+                </a:solidFill>
+                <a:latin typeface="Courier New"/>
+              </a:rPr>
+              <a:t>.</a:t>
+            </a:r>
+            <a:r>
+              <a:rPr sz="1400">
+                <a:solidFill>
+                  <a:srgbClr val="000000"/>
+                </a:solidFill>
+                <a:latin typeface="Courier New"/>
+              </a:rPr>
+              <a:t>model</a:t>
+            </a:r>
+            <a:r>
+              <a:rPr sz="1400">
+                <a:solidFill>
+                  <a:srgbClr val="000000"/>
+                </a:solidFill>
+                <a:latin typeface="Courier New"/>
+              </a:rPr>
+              <a:t> </a:t>
+            </a:r>
+            <a:r>
+              <a:rPr sz="1400">
+                <a:solidFill>
+                  <a:srgbClr val="000000"/>
+                </a:solidFill>
+                <a:latin typeface="Courier New"/>
+              </a:rPr>
+              <a:t>Q2</a:t>
+            </a:r>
+            <a:r>
+              <a:rPr sz="1400">
+                <a:solidFill>
+                  <a:srgbClr val="000000"/>
+                </a:solidFill>
+                <a:latin typeface="Courier New"/>
+              </a:rPr>
+              <a:t> </a:t>
+            </a:r>
+            <a:r>
+              <a:rPr sz="1400">
+                <a:solidFill>
+                  <a:srgbClr val="000000"/>
+                </a:solidFill>
+                <a:latin typeface="Courier New"/>
+              </a:rPr>
+              <a:t>NPN</a:t>
+            </a:r>
+            <a:r>
+              <a:rPr sz="1400">
+                <a:solidFill>
+                  <a:srgbClr val="000000"/>
+                </a:solidFill>
+                <a:latin typeface="Courier New"/>
+              </a:rPr>
+              <a:t>(</a:t>
+            </a:r>
+            <a:r>
+              <a:rPr sz="1400">
+                <a:solidFill>
+                  <a:srgbClr val="000000"/>
+                </a:solidFill>
+                <a:latin typeface="Courier New"/>
+              </a:rPr>
+              <a:t>Is</a:t>
+            </a:r>
+            <a:r>
+              <a:rPr sz="1400">
+                <a:solidFill>
+                  <a:srgbClr val="000000"/>
+                </a:solidFill>
+                <a:latin typeface="Courier New"/>
+              </a:rPr>
+              <a:t>=</a:t>
+            </a:r>
+            <a:r>
+              <a:rPr sz="1400">
+                <a:solidFill>
+                  <a:srgbClr val="000000"/>
+                </a:solidFill>
+                <a:latin typeface="Courier New"/>
+              </a:rPr>
+              <a:t>14.34</a:t>
+            </a:r>
+            <a:r>
+              <a:rPr sz="1400">
+                <a:solidFill>
+                  <a:srgbClr val="000000"/>
+                </a:solidFill>
+                <a:latin typeface="Courier New"/>
+              </a:rPr>
+              <a:t>p</a:t>
+            </a:r>
+            <a:r>
+              <a:rPr sz="1400">
+                <a:solidFill>
+                  <a:srgbClr val="000000"/>
+                </a:solidFill>
+                <a:latin typeface="Courier New"/>
+              </a:rPr>
+              <a:t> </a:t>
+            </a:r>
+            <a:r>
+              <a:rPr sz="1400">
+                <a:solidFill>
+                  <a:srgbClr val="000000"/>
+                </a:solidFill>
+                <a:latin typeface="Courier New"/>
+              </a:rPr>
+              <a:t>BF</a:t>
+            </a:r>
+            <a:r>
+              <a:rPr sz="1400">
+                <a:solidFill>
+                  <a:srgbClr val="000000"/>
+                </a:solidFill>
+                <a:latin typeface="Courier New"/>
+              </a:rPr>
+              <a:t>=</a:t>
+            </a:r>
+            <a:r>
+              <a:rPr sz="1400">
+                <a:solidFill>
+                  <a:srgbClr val="000000"/>
+                </a:solidFill>
+                <a:latin typeface="Courier New"/>
+              </a:rPr>
+              <a:t>20</a:t>
+            </a:r>
+            <a:r>
+              <a:rPr sz="1400">
+                <a:solidFill>
+                  <a:srgbClr val="000000"/>
+                </a:solidFill>
+                <a:latin typeface="Courier New"/>
+              </a:rPr>
+              <a:t> </a:t>
+            </a:r>
+            <a:r>
+              <a:rPr sz="1400">
+                <a:solidFill>
+                  <a:srgbClr val="000000"/>
+                </a:solidFill>
+                <a:latin typeface="Courier New"/>
+              </a:rPr>
+              <a:t>)</a:t>
+            </a:r>
+          </a:p>
+        </p:txBody>
+      </p:sp>
+      <p:sp>
+        <p:nvSpPr>
+          <p:cNvPr id="3" name="Title 2"/>
+          <p:cNvSpPr>
+            <a:spLocks noGrp="1"/>
+          </p:cNvSpPr>
+          <p:nvPr>
+            <p:ph type="title"/>
+          </p:nvPr>
+        </p:nvSpPr>
+        <p:spPr/>
+        <p:txBody>
+          <a:bodyPr wrap="square">
+            <a:noAutofit/>
+          </a:bodyPr>
+          <a:lstStyle/>
+          <a:p>
+            <a:r>
+              <a:rPr sz="3200" b="1" i="0">
+                <a:latin typeface="Arial"/>
+              </a:rPr>
+              <a:t>SPICE code</a:t>
+            </a:r>
+            <a:endParaRPr sz="3200" b="1" i="0">
+              <a:latin typeface="Arial"/>
+            </a:endParaRPr>
+          </a:p>
+        </p:txBody>
+      </p:sp>
+    </p:spTree>
+  </p:cSld>
+  <p:clrMapOvr>
+    <a:masterClrMapping/>
+  </p:clrMapOvr>
+</p:sld>
+</file>
+
+<file path=ppt/slides/slide23.xml><?xml version="1.0" encoding="utf-8"?>
+<p:sld xmlns:a="http://schemas.openxmlformats.org/drawingml/2006/main" xmlns:p="http://schemas.openxmlformats.org/presentationml/2006/main" xmlns:r="http://schemas.openxmlformats.org/officeDocument/2006/relationships">
+  <p:cSld>
+    <p:spTree>
+      <p:nvGrpSpPr>
+        <p:cNvPr id="1" name=""/>
+        <p:cNvGrpSpPr/>
+        <p:nvPr/>
+      </p:nvGrpSpPr>
+      <p:grpSpPr/>
+      <p:sp>
+        <p:nvSpPr>
+          <p:cNvPr id="2" name="Title 1"/>
+          <p:cNvSpPr>
+            <a:spLocks noGrp="1"/>
+          </p:cNvSpPr>
+          <p:nvPr>
+            <p:ph type="title"/>
+          </p:nvPr>
+        </p:nvSpPr>
+        <p:spPr/>
+        <p:txBody>
+          <a:bodyPr wrap="square">
+            <a:noAutofit/>
+          </a:bodyPr>
+          <a:lstStyle/>
+          <a:p>
+            <a:r>
+              <a:rPr sz="3200" b="1" i="0">
+                <a:latin typeface="Arial"/>
+              </a:rPr>
+              <a:t>Stroom-spanning</a:t>
+            </a:r>
+            <a:endParaRPr sz="3200" b="1" i="0">
+              <a:latin typeface="Arial"/>
+            </a:endParaRPr>
+          </a:p>
+        </p:txBody>
+      </p:sp>
+      <p:pic>
+        <p:nvPicPr>
+          <p:cNvPr id="3" name="Picture 2" descr="image.png"/>
+          <p:cNvPicPr>
+            <a:picLocks noChangeAspect="1"/>
+          </p:cNvPicPr>
+          <p:nvPr/>
+        </p:nvPicPr>
+        <p:blipFill>
+          <a:blip r:embed="rId2"/>
+          <a:stretch>
+            <a:fillRect/>
+          </a:stretch>
+        </p:blipFill>
+        <p:spPr>
+          <a:xfrm>
+            <a:off x="2518460" y="566928"/>
+            <a:ext cx="7155079" cy="5577840"/>
+          </a:xfrm>
+          <a:prstGeom prst="rect">
+            <a:avLst/>
+          </a:prstGeom>
+        </p:spPr>
+      </p:pic>
+    </p:spTree>
+  </p:cSld>
+  <p:clrMapOvr>
+    <a:masterClrMapping/>
+  </p:clrMapOvr>
+</p:sld>
+</file>
+
+<file path=ppt/slides/slide24.xml><?xml version="1.0" encoding="utf-8"?>
+<p:sld xmlns:a="http://schemas.openxmlformats.org/drawingml/2006/main" xmlns:p="http://schemas.openxmlformats.org/presentationml/2006/main" xmlns:r="http://schemas.openxmlformats.org/officeDocument/2006/relationships">
+  <p:cSld>
+    <p:spTree>
+      <p:nvGrpSpPr>
+        <p:cNvPr id="1" name=""/>
+        <p:cNvGrpSpPr/>
+        <p:nvPr/>
+      </p:nvGrpSpPr>
+      <p:grpSpPr/>
+      <p:sp>
+        <p:nvSpPr>
+          <p:cNvPr id="2" name="Content Placeholder 1"/>
+          <p:cNvSpPr>
+            <a:spLocks noGrp="1"/>
+          </p:cNvSpPr>
+          <p:nvPr>
+            <p:ph idx="1"/>
+          </p:nvPr>
+        </p:nvSpPr>
+        <p:spPr/>
+        <p:txBody>
+          <a:bodyPr/>
+          <a:lstStyle/>
+          <a:p/>
+        </p:txBody>
+      </p:sp>
+      <p:sp>
+        <p:nvSpPr>
+          <p:cNvPr id="3" name="Title 2"/>
+          <p:cNvSpPr>
+            <a:spLocks noGrp="1"/>
+          </p:cNvSpPr>
+          <p:nvPr>
+            <p:ph type="title"/>
+          </p:nvPr>
+        </p:nvSpPr>
+        <p:spPr/>
+        <p:txBody>
+          <a:bodyPr wrap="square">
+            <a:noAutofit/>
+          </a:bodyPr>
+          <a:lstStyle/>
+          <a:p>
+            <a:r>
+              <a:rPr sz="3200" b="1" i="0">
+                <a:latin typeface="Arial"/>
+              </a:rPr>
+              <a:t>spice code 100 kHz aansturing</a:t>
+            </a:r>
+            <a:endParaRPr sz="3200" b="1" i="0">
+              <a:latin typeface="Arial"/>
+            </a:endParaRPr>
+          </a:p>
+        </p:txBody>
+      </p:sp>
+    </p:spTree>
+  </p:cSld>
+  <p:clrMapOvr>
+    <a:masterClrMapping/>
+  </p:clrMapOvr>
+</p:sld>
+</file>
+
+<file path=ppt/slides/slide25.xml><?xml version="1.0" encoding="utf-8"?>
+<p:sld xmlns:a="http://schemas.openxmlformats.org/drawingml/2006/main" xmlns:p="http://schemas.openxmlformats.org/presentationml/2006/main" xmlns:r="http://schemas.openxmlformats.org/officeDocument/2006/relationships">
+  <p:cSld>
+    <p:spTree>
+      <p:nvGrpSpPr>
+        <p:cNvPr id="1" name=""/>
+        <p:cNvGrpSpPr/>
+        <p:nvPr/>
+      </p:nvGrpSpPr>
+      <p:grpSpPr/>
+      <p:sp>
+        <p:nvSpPr>
+          <p:cNvPr id="2" name="Content Placeholder 1"/>
+          <p:cNvSpPr>
+            <a:spLocks noGrp="1"/>
+          </p:cNvSpPr>
+          <p:nvPr>
+            <p:ph idx="1"/>
+          </p:nvPr>
+        </p:nvSpPr>
+        <p:spPr/>
+        <p:txBody>
+          <a:bodyPr/>
+          <a:lstStyle/>
+          <a:p/>
+        </p:txBody>
+      </p:sp>
+      <p:sp>
+        <p:nvSpPr>
+          <p:cNvPr id="3" name="Title 2"/>
+          <p:cNvSpPr>
+            <a:spLocks noGrp="1"/>
+          </p:cNvSpPr>
+          <p:nvPr>
+            <p:ph type="title"/>
+          </p:nvPr>
+        </p:nvSpPr>
+        <p:spPr/>
+        <p:txBody>
+          <a:bodyPr wrap="square">
+            <a:noAutofit/>
+          </a:bodyPr>
+          <a:lstStyle/>
+          <a:p>
+            <a:r>
+              <a:rPr sz="3200" b="1" i="0">
+                <a:latin typeface="Arial"/>
+              </a:rPr>
+              <a:t>spice code 100 kHz aansturing</a:t>
+            </a:r>
+            <a:endParaRPr sz="3200" b="1" i="0">
+              <a:latin typeface="Arial"/>
+            </a:endParaRPr>
+          </a:p>
+        </p:txBody>
+      </p:sp>
+    </p:spTree>
+  </p:cSld>
+  <p:clrMapOvr>
+    <a:masterClrMapping/>
+  </p:clrMapOvr>
+</p:sld>
+</file>
+
+<file path=ppt/slides/slide26.xml><?xml version="1.0" encoding="utf-8"?>
+<p:sld xmlns:a="http://schemas.openxmlformats.org/drawingml/2006/main" xmlns:p="http://schemas.openxmlformats.org/presentationml/2006/main" xmlns:r="http://schemas.openxmlformats.org/officeDocument/2006/relationships">
+  <p:cSld>
+    <p:spTree>
+      <p:nvGrpSpPr>
+        <p:cNvPr id="1" name=""/>
+        <p:cNvGrpSpPr/>
+        <p:nvPr/>
+      </p:nvGrpSpPr>
+      <p:grpSpPr/>
+      <p:sp>
+        <p:nvSpPr>
+          <p:cNvPr id="2" name="Content Placeholder 1"/>
+          <p:cNvSpPr>
+            <a:spLocks noGrp="1"/>
+          </p:cNvSpPr>
+          <p:nvPr>
+            <p:ph idx="1"/>
+          </p:nvPr>
+        </p:nvSpPr>
+        <p:spPr/>
+        <p:txBody>
+          <a:bodyPr/>
+          <a:lstStyle/>
+          <a:p/>
+        </p:txBody>
+      </p:sp>
+      <p:sp>
+        <p:nvSpPr>
+          <p:cNvPr id="3" name="Title 2"/>
+          <p:cNvSpPr>
+            <a:spLocks noGrp="1"/>
+          </p:cNvSpPr>
+          <p:nvPr>
+            <p:ph type="title"/>
+          </p:nvPr>
+        </p:nvSpPr>
+        <p:spPr/>
+        <p:txBody>
+          <a:bodyPr wrap="square">
+            <a:noAutofit/>
+          </a:bodyPr>
+          <a:lstStyle/>
+          <a:p>
+            <a:r>
+              <a:rPr sz="3200" b="1" i="0">
+                <a:latin typeface="Arial"/>
+              </a:rPr>
+              <a:t>spice code 100 kHz aansturing</a:t>
+            </a:r>
+            <a:endParaRPr sz="3200" b="1" i="0">
+              <a:latin typeface="Arial"/>
+            </a:endParaRPr>
+          </a:p>
+        </p:txBody>
+      </p:sp>
+    </p:spTree>
+  </p:cSld>
+  <p:clrMapOvr>
+    <a:masterClrMapping/>
+  </p:clrMapOvr>
+</p:sld>
+</file>
+
+<file path=ppt/slides/slide27.xml><?xml version="1.0" encoding="utf-8"?>
+<p:sld xmlns:a="http://schemas.openxmlformats.org/drawingml/2006/main" xmlns:p="http://schemas.openxmlformats.org/presentationml/2006/main" xmlns:r="http://schemas.openxmlformats.org/officeDocument/2006/relationships">
+  <p:cSld>
+    <p:spTree>
+      <p:nvGrpSpPr>
+        <p:cNvPr id="1" name=""/>
+        <p:cNvGrpSpPr/>
+        <p:nvPr/>
+      </p:nvGrpSpPr>
+      <p:grpSpPr/>
+      <p:sp>
+        <p:nvSpPr>
+          <p:cNvPr id="2" name="Content Placeholder 1"/>
+          <p:cNvSpPr>
+            <a:spLocks noGrp="1"/>
+          </p:cNvSpPr>
+          <p:nvPr>
+            <p:ph idx="1"/>
+          </p:nvPr>
+        </p:nvSpPr>
+        <p:spPr/>
+        <p:txBody>
+          <a:bodyPr/>
+          <a:lstStyle/>
+          <a:p/>
+        </p:txBody>
+      </p:sp>
+      <p:sp>
+        <p:nvSpPr>
+          <p:cNvPr id="3" name="Title 2"/>
+          <p:cNvSpPr>
+            <a:spLocks noGrp="1"/>
+          </p:cNvSpPr>
+          <p:nvPr>
+            <p:ph type="title"/>
+          </p:nvPr>
+        </p:nvSpPr>
+        <p:spPr/>
+        <p:txBody>
+          <a:bodyPr wrap="square">
+            <a:noAutofit/>
+          </a:bodyPr>
+          <a:lstStyle/>
+          <a:p>
+            <a:r>
+              <a:rPr sz="3200" b="1" i="0">
+                <a:latin typeface="Arial"/>
+              </a:rPr>
+              <a:t>spice code 100 kHz aansturing</a:t>
+            </a:r>
+            <a:endParaRPr sz="3200" b="1" i="0">
+              <a:latin typeface="Arial"/>
+            </a:endParaRPr>
+          </a:p>
+        </p:txBody>
+      </p:sp>
+    </p:spTree>
+  </p:cSld>
+  <p:clrMapOvr>
+    <a:masterClrMapping/>
+  </p:clrMapOvr>
+</p:sld>
+</file>
+
+<file path=ppt/slides/slide28.xml><?xml version="1.0" encoding="utf-8"?>
+<p:sld xmlns:a="http://schemas.openxmlformats.org/drawingml/2006/main" xmlns:p="http://schemas.openxmlformats.org/presentationml/2006/main" xmlns:r="http://schemas.openxmlformats.org/officeDocument/2006/relationships">
+  <p:cSld>
+    <p:spTree>
+      <p:nvGrpSpPr>
+        <p:cNvPr id="1" name=""/>
+        <p:cNvGrpSpPr/>
+        <p:nvPr/>
+      </p:nvGrpSpPr>
+      <p:grpSpPr/>
+      <p:sp>
+        <p:nvSpPr>
+          <p:cNvPr id="2" name="Content Placeholder 1"/>
+          <p:cNvSpPr>
+            <a:spLocks noGrp="1"/>
+          </p:cNvSpPr>
+          <p:nvPr>
+            <p:ph idx="1"/>
+          </p:nvPr>
+        </p:nvSpPr>
+        <p:spPr/>
+        <p:txBody>
+          <a:bodyPr/>
+          <a:lstStyle/>
+          <a:p/>
+        </p:txBody>
+      </p:sp>
+      <p:sp>
+        <p:nvSpPr>
+          <p:cNvPr id="3" name="Title 2"/>
+          <p:cNvSpPr>
+            <a:spLocks noGrp="1"/>
+          </p:cNvSpPr>
+          <p:nvPr>
+            <p:ph type="title"/>
+          </p:nvPr>
+        </p:nvSpPr>
+        <p:spPr/>
+        <p:txBody>
+          <a:bodyPr wrap="square">
+            <a:noAutofit/>
+          </a:bodyPr>
+          <a:lstStyle/>
+          <a:p>
+            <a:r>
+              <a:rPr sz="3200" b="1" i="0">
+                <a:latin typeface="Arial"/>
+              </a:rPr>
+              <a:t>spice code 100 kHz aansturing</a:t>
+            </a:r>
+            <a:endParaRPr sz="3200" b="1" i="0">
+              <a:latin typeface="Arial"/>
+            </a:endParaRPr>
+          </a:p>
+        </p:txBody>
+      </p:sp>
+    </p:spTree>
+  </p:cSld>
+  <p:clrMapOvr>
+    <a:masterClrMapping/>
+  </p:clrMapOvr>
+</p:sld>
+</file>
+
+<file path=ppt/slides/slide29.xml><?xml version="1.0" encoding="utf-8"?>
+<p:sld xmlns:a="http://schemas.openxmlformats.org/drawingml/2006/main" xmlns:p="http://schemas.openxmlformats.org/presentationml/2006/main" xmlns:r="http://schemas.openxmlformats.org/officeDocument/2006/relationships">
+  <p:cSld>
+    <p:spTree>
+      <p:nvGrpSpPr>
+        <p:cNvPr id="1" name=""/>
+        <p:cNvGrpSpPr/>
+        <p:nvPr/>
+      </p:nvGrpSpPr>
+      <p:grpSpPr/>
+      <p:sp>
+        <p:nvSpPr>
+          <p:cNvPr id="2" name="Content Placeholder 1"/>
+          <p:cNvSpPr>
+            <a:spLocks noGrp="1"/>
+          </p:cNvSpPr>
+          <p:nvPr>
+            <p:ph idx="1"/>
+          </p:nvPr>
+        </p:nvSpPr>
+        <p:spPr/>
+        <p:txBody>
+          <a:bodyPr/>
+          <a:lstStyle/>
+          <a:p/>
+        </p:txBody>
+      </p:sp>
+      <p:sp>
+        <p:nvSpPr>
+          <p:cNvPr id="3" name="Title 2"/>
+          <p:cNvSpPr>
+            <a:spLocks noGrp="1"/>
+          </p:cNvSpPr>
+          <p:nvPr>
+            <p:ph type="title"/>
+          </p:nvPr>
+        </p:nvSpPr>
+        <p:spPr/>
+        <p:txBody>
+          <a:bodyPr wrap="square">
+            <a:noAutofit/>
+          </a:bodyPr>
+          <a:lstStyle/>
+          <a:p>
+            <a:r>
+              <a:rPr sz="3200" b="1" i="0">
+                <a:latin typeface="Arial"/>
+              </a:rPr>
+              <a:t>spice code 100 kHz aansturing</a:t>
+            </a:r>
+            <a:endParaRPr sz="3200" b="1" i="0">
+              <a:latin typeface="Arial"/>
+            </a:endParaRPr>
+          </a:p>
+        </p:txBody>
+      </p:sp>
+    </p:spTree>
+  </p:cSld>
+  <p:clrMapOvr>
+    <a:masterClrMapping/>
+  </p:clrMapOvr>
+</p:sld>
+</file>
+
+<file path=ppt/slides/slide3.xml><?xml version="1.0" encoding="utf-8"?>
+<p:sld xmlns:a="http://schemas.openxmlformats.org/drawingml/2006/main" xmlns:p="http://schemas.openxmlformats.org/presentationml/2006/main" xmlns:r="http://schemas.openxmlformats.org/officeDocument/2006/relationships">
+  <p:cSld>
+    <p:spTree>
+      <p:nvGrpSpPr>
+        <p:cNvPr id="1" name=""/>
+        <p:cNvGrpSpPr/>
+        <p:nvPr/>
+      </p:nvGrpSpPr>
+      <p:grpSpPr/>
+      <p:sp>
+        <p:nvSpPr>
+          <p:cNvPr id="2" name="Title 1"/>
+          <p:cNvSpPr>
+            <a:spLocks noGrp="1"/>
+          </p:cNvSpPr>
+          <p:nvPr>
+            <p:ph type="title"/>
+          </p:nvPr>
+        </p:nvSpPr>
+        <p:spPr/>
+        <p:txBody>
+          <a:bodyPr wrap="square">
+            <a:noAutofit/>
+          </a:bodyPr>
+          <a:lstStyle/>
+          <a:p>
+            <a:r>
+              <a:rPr sz="3200" b="1" i="0">
+                <a:latin typeface="Arial"/>
+              </a:rPr>
+              <a:t>Basisschema van de klasse A versterker</a:t>
+            </a:r>
+            <a:endParaRPr sz="3200" b="1" i="0">
+              <a:latin typeface="Arial"/>
+            </a:endParaRPr>
+          </a:p>
+        </p:txBody>
+      </p:sp>
+      <p:pic>
+        <p:nvPicPr>
+          <p:cNvPr id="3" name="Picture 2" descr="image.png"/>
+          <p:cNvPicPr>
+            <a:picLocks noChangeAspect="1"/>
+          </p:cNvPicPr>
+          <p:nvPr/>
+        </p:nvPicPr>
+        <p:blipFill>
+          <a:blip r:embed="rId2"/>
+          <a:stretch>
+            <a:fillRect/>
+          </a:stretch>
+        </p:blipFill>
+        <p:spPr>
+          <a:xfrm>
+            <a:off x="4218610" y="566928"/>
+            <a:ext cx="3754780" cy="5577840"/>
+          </a:xfrm>
+          <a:prstGeom prst="rect">
+            <a:avLst/>
+          </a:prstGeom>
+        </p:spPr>
+      </p:pic>
+    </p:spTree>
+  </p:cSld>
+  <p:clrMapOvr>
+    <a:masterClrMapping/>
+  </p:clrMapOvr>
+</p:sld>
+</file>
+
+<file path=ppt/slides/slide30.xml><?xml version="1.0" encoding="utf-8"?>
+<p:sld xmlns:a="http://schemas.openxmlformats.org/drawingml/2006/main" xmlns:p="http://schemas.openxmlformats.org/presentationml/2006/main" xmlns:r="http://schemas.openxmlformats.org/officeDocument/2006/relationships">
+  <p:cSld>
+    <p:spTree>
+      <p:nvGrpSpPr>
+        <p:cNvPr id="1" name=""/>
+        <p:cNvGrpSpPr/>
+        <p:nvPr/>
+      </p:nvGrpSpPr>
+      <p:grpSpPr/>
+      <p:sp>
+        <p:nvSpPr>
+          <p:cNvPr id="2" name="Content Placeholder 1"/>
+          <p:cNvSpPr>
+            <a:spLocks noGrp="1"/>
+          </p:cNvSpPr>
+          <p:nvPr>
+            <p:ph idx="1"/>
+          </p:nvPr>
+        </p:nvSpPr>
+        <p:spPr/>
+        <p:txBody>
+          <a:bodyPr/>
+          <a:lstStyle/>
+          <a:p>
+            <a:r>
+              <a:rPr sz="1400">
+                <a:solidFill>
+                  <a:srgbClr val="000000"/>
+                </a:solidFill>
+                <a:latin typeface="Courier New"/>
+              </a:rPr>
+              <a:t/>
+            </a:r>
+            <a:r>
+              <a:rPr sz="1400">
+                <a:solidFill>
+                  <a:srgbClr val="000000"/>
+                </a:solidFill>
+                <a:latin typeface="Courier New"/>
+              </a:rPr>
+              <a:t>*</a:t>
+            </a:r>
+            <a:r>
+              <a:rPr sz="1400">
+                <a:solidFill>
+                  <a:srgbClr val="000000"/>
+                </a:solidFill>
+                <a:latin typeface="Courier New"/>
+              </a:rPr>
+              <a:t> </a:t>
+            </a:r>
+            <a:r>
+              <a:rPr sz="1400">
+                <a:solidFill>
+                  <a:srgbClr val="000000"/>
+                </a:solidFill>
+                <a:latin typeface="Courier New"/>
+              </a:rPr>
+              <a:t>Spice</a:t>
+            </a:r>
+            <a:r>
+              <a:rPr sz="1400">
+                <a:solidFill>
+                  <a:srgbClr val="000000"/>
+                </a:solidFill>
+                <a:latin typeface="Courier New"/>
+              </a:rPr>
+              <a:t> </a:t>
+            </a:r>
+            <a:r>
+              <a:rPr sz="1400">
+                <a:solidFill>
+                  <a:srgbClr val="000000"/>
+                </a:solidFill>
+                <a:latin typeface="Courier New"/>
+              </a:rPr>
+              <a:t>file</a:t>
+            </a:r>
+            <a:r>
+              <a:rPr sz="1400">
+                <a:solidFill>
+                  <a:srgbClr val="000000"/>
+                </a:solidFill>
+                <a:latin typeface="Courier New"/>
+              </a:rPr>
+              <a:t> </a:t>
+            </a:r>
+            <a:r>
+              <a:rPr sz="1400">
+                <a:solidFill>
+                  <a:srgbClr val="000000"/>
+                </a:solidFill>
+                <a:latin typeface="Courier New"/>
+              </a:rPr>
+              <a:t>van</a:t>
+            </a:r>
+            <a:r>
+              <a:rPr sz="1400">
+                <a:solidFill>
+                  <a:srgbClr val="000000"/>
+                </a:solidFill>
+                <a:latin typeface="Courier New"/>
+              </a:rPr>
+              <a:t> </a:t>
+            </a:r>
+            <a:r>
+              <a:rPr sz="1400">
+                <a:solidFill>
+                  <a:srgbClr val="000000"/>
+                </a:solidFill>
+                <a:latin typeface="Courier New"/>
+              </a:rPr>
+              <a:t>een</a:t>
+            </a:r>
+            <a:r>
+              <a:rPr sz="1400">
+                <a:solidFill>
+                  <a:srgbClr val="000000"/>
+                </a:solidFill>
+                <a:latin typeface="Courier New"/>
+              </a:rPr>
+              <a:t> </a:t>
+            </a:r>
+            <a:r>
+              <a:rPr sz="1400">
+                <a:solidFill>
+                  <a:srgbClr val="000000"/>
+                </a:solidFill>
+                <a:latin typeface="Courier New"/>
+              </a:rPr>
+              <a:t>eenvoudige</a:t>
+            </a:r>
+            <a:r>
+              <a:rPr sz="1400">
+                <a:solidFill>
+                  <a:srgbClr val="000000"/>
+                </a:solidFill>
+                <a:latin typeface="Courier New"/>
+              </a:rPr>
+              <a:t> </a:t>
+            </a:r>
+            <a:r>
+              <a:rPr sz="1400">
+                <a:solidFill>
+                  <a:srgbClr val="000000"/>
+                </a:solidFill>
+                <a:latin typeface="Courier New"/>
+              </a:rPr>
+              <a:t>Klasse</a:t>
+            </a:r>
+            <a:r>
+              <a:rPr sz="1400">
+                <a:solidFill>
+                  <a:srgbClr val="000000"/>
+                </a:solidFill>
+                <a:latin typeface="Courier New"/>
+              </a:rPr>
+              <a:t> </a:t>
+            </a:r>
+            <a:r>
+              <a:rPr sz="1400">
+                <a:solidFill>
+                  <a:srgbClr val="000000"/>
+                </a:solidFill>
+                <a:latin typeface="Courier New"/>
+              </a:rPr>
+              <a:t>A</a:t>
+            </a:r>
+            <a:r>
+              <a:rPr sz="1400">
+                <a:solidFill>
+                  <a:srgbClr val="000000"/>
+                </a:solidFill>
+                <a:latin typeface="Courier New"/>
+              </a:rPr>
+              <a:t> </a:t>
+            </a:r>
+            <a:r>
+              <a:rPr sz="1400">
+                <a:solidFill>
+                  <a:srgbClr val="000000"/>
+                </a:solidFill>
+                <a:latin typeface="Courier New"/>
+              </a:rPr>
+              <a:t>versterker</a:t>
+            </a:r>
+            <a:r>
+              <a:rPr sz="1400">
+                <a:solidFill>
+                  <a:srgbClr val="000000"/>
+                </a:solidFill>
+                <a:latin typeface="Courier New"/>
+              </a:rPr>
+              <a:t>R_R6</a:t>
+            </a:r>
+            <a:r>
+              <a:rPr sz="1400">
+                <a:solidFill>
+                  <a:srgbClr val="000000"/>
+                </a:solidFill>
+                <a:latin typeface="Courier New"/>
+              </a:rPr>
+              <a:t>         </a:t>
+            </a:r>
+            <a:r>
+              <a:rPr sz="1400">
+                <a:solidFill>
+                  <a:srgbClr val="000000"/>
+                </a:solidFill>
+                <a:latin typeface="Courier New"/>
+              </a:rPr>
+              <a:t>0</a:t>
+            </a:r>
+            <a:r>
+              <a:rPr sz="1400">
+                <a:solidFill>
+                  <a:srgbClr val="000000"/>
+                </a:solidFill>
+                <a:latin typeface="Courier New"/>
+              </a:rPr>
+              <a:t> </a:t>
+            </a:r>
+            <a:r>
+              <a:rPr sz="1400">
+                <a:solidFill>
+                  <a:srgbClr val="000000"/>
+                </a:solidFill>
+                <a:latin typeface="Courier New"/>
+              </a:rPr>
+              <a:t>1</a:t>
+            </a:r>
+            <a:r>
+              <a:rPr sz="1400">
+                <a:solidFill>
+                  <a:srgbClr val="000000"/>
+                </a:solidFill>
+                <a:latin typeface="Courier New"/>
+              </a:rPr>
+              <a:t>  </a:t>
+            </a:r>
+            <a:r>
+              <a:rPr sz="1400">
+                <a:solidFill>
+                  <a:srgbClr val="000000"/>
+                </a:solidFill>
+                <a:latin typeface="Courier New"/>
+              </a:rPr>
+              <a:t>8</a:t>
+            </a:r>
+            <a:r>
+              <a:rPr sz="1400">
+                <a:solidFill>
+                  <a:srgbClr val="000000"/>
+                </a:solidFill>
+                <a:latin typeface="Courier New"/>
+              </a:rPr>
+              <a:t>R_R7</a:t>
+            </a:r>
+            <a:r>
+              <a:rPr sz="1400">
+                <a:solidFill>
+                  <a:srgbClr val="000000"/>
+                </a:solidFill>
+                <a:latin typeface="Courier New"/>
+              </a:rPr>
+              <a:t>         </a:t>
+            </a:r>
+            <a:r>
+              <a:rPr sz="1400">
+                <a:solidFill>
+                  <a:srgbClr val="000000"/>
+                </a:solidFill>
+                <a:latin typeface="Courier New"/>
+              </a:rPr>
+              <a:t>3</a:t>
+            </a:r>
+            <a:r>
+              <a:rPr sz="1400">
+                <a:solidFill>
+                  <a:srgbClr val="000000"/>
+                </a:solidFill>
+                <a:latin typeface="Courier New"/>
+              </a:rPr>
+              <a:t> </a:t>
+            </a:r>
+            <a:r>
+              <a:rPr sz="1400">
+                <a:solidFill>
+                  <a:srgbClr val="000000"/>
+                </a:solidFill>
+                <a:latin typeface="Courier New"/>
+              </a:rPr>
+              <a:t>2</a:t>
+            </a:r>
+            <a:r>
+              <a:rPr sz="1400">
+                <a:solidFill>
+                  <a:srgbClr val="000000"/>
+                </a:solidFill>
+                <a:latin typeface="Courier New"/>
+              </a:rPr>
+              <a:t>  </a:t>
+            </a:r>
+            <a:r>
+              <a:rPr sz="1400">
+                <a:solidFill>
+                  <a:srgbClr val="000000"/>
+                </a:solidFill>
+                <a:latin typeface="Courier New"/>
+              </a:rPr>
+              <a:t>1</a:t>
+            </a:r>
+          </a:p>
+        </p:txBody>
+      </p:sp>
+      <p:sp>
+        <p:nvSpPr>
+          <p:cNvPr id="3" name="Title 2"/>
+          <p:cNvSpPr>
+            <a:spLocks noGrp="1"/>
+          </p:cNvSpPr>
+          <p:nvPr>
+            <p:ph type="title"/>
+          </p:nvPr>
+        </p:nvSpPr>
+        <p:spPr/>
+        <p:txBody>
+          <a:bodyPr wrap="square">
+            <a:noAutofit/>
+          </a:bodyPr>
+          <a:lstStyle/>
+          <a:p>
+            <a:r>
+              <a:rPr sz="3200" b="1" i="0">
+                <a:latin typeface="Arial"/>
+              </a:rPr>
+              <a:t>spice code 100 kHz aansturing</a:t>
+            </a:r>
+            <a:endParaRPr sz="3200" b="1" i="0">
+              <a:latin typeface="Arial"/>
+            </a:endParaRPr>
+          </a:p>
+        </p:txBody>
+      </p:sp>
+    </p:spTree>
+  </p:cSld>
+  <p:clrMapOvr>
+    <a:masterClrMapping/>
+  </p:clrMapOvr>
+</p:sld>
+</file>
+
+<file path=ppt/slides/slide31.xml><?xml version="1.0" encoding="utf-8"?>
+<p:sld xmlns:a="http://schemas.openxmlformats.org/drawingml/2006/main" xmlns:p="http://schemas.openxmlformats.org/presentationml/2006/main" xmlns:r="http://schemas.openxmlformats.org/officeDocument/2006/relationships">
+  <p:cSld>
+    <p:spTree>
+      <p:nvGrpSpPr>
+        <p:cNvPr id="1" name=""/>
+        <p:cNvGrpSpPr/>
+        <p:nvPr/>
+      </p:nvGrpSpPr>
+      <p:grpSpPr/>
+      <p:sp>
+        <p:nvSpPr>
+          <p:cNvPr id="2" name="Content Placeholder 1"/>
+          <p:cNvSpPr>
+            <a:spLocks noGrp="1"/>
+          </p:cNvSpPr>
+          <p:nvPr>
+            <p:ph idx="1"/>
+          </p:nvPr>
+        </p:nvSpPr>
+        <p:spPr/>
+        <p:txBody>
+          <a:bodyPr/>
+          <a:lstStyle/>
+          <a:p>
+            <a:r>
+              <a:rPr sz="1400">
+                <a:solidFill>
+                  <a:srgbClr val="000000"/>
+                </a:solidFill>
+                <a:latin typeface="Courier New"/>
+              </a:rPr>
+              <a:t>L1_TX1</a:t>
+            </a:r>
+            <a:r>
+              <a:rPr sz="1400">
+                <a:solidFill>
+                  <a:srgbClr val="000000"/>
+                </a:solidFill>
+                <a:latin typeface="Courier New"/>
+              </a:rPr>
+              <a:t> </a:t>
+            </a:r>
+            <a:r>
+              <a:rPr sz="1400">
+                <a:solidFill>
+                  <a:srgbClr val="000000"/>
+                </a:solidFill>
+                <a:latin typeface="Courier New"/>
+              </a:rPr>
+              <a:t>3</a:t>
+            </a:r>
+            <a:r>
+              <a:rPr sz="1400">
+                <a:solidFill>
+                  <a:srgbClr val="000000"/>
+                </a:solidFill>
+                <a:latin typeface="Courier New"/>
+              </a:rPr>
+              <a:t> </a:t>
+            </a:r>
+            <a:r>
+              <a:rPr sz="1400">
+                <a:solidFill>
+                  <a:srgbClr val="000000"/>
+                </a:solidFill>
+                <a:latin typeface="Courier New"/>
+              </a:rPr>
+              <a:t>4</a:t>
+            </a:r>
+            <a:r>
+              <a:rPr sz="1400">
+                <a:solidFill>
+                  <a:srgbClr val="000000"/>
+                </a:solidFill>
+                <a:latin typeface="Courier New"/>
+              </a:rPr>
+              <a:t> </a:t>
+            </a:r>
+            <a:r>
+              <a:rPr sz="1400">
+                <a:solidFill>
+                  <a:srgbClr val="000000"/>
+                </a:solidFill>
+                <a:latin typeface="Courier New"/>
+              </a:rPr>
+              <a:t>25</a:t>
+            </a:r>
+            <a:r>
+              <a:rPr sz="1400">
+                <a:solidFill>
+                  <a:srgbClr val="000000"/>
+                </a:solidFill>
+                <a:latin typeface="Courier New"/>
+              </a:rPr>
+              <a:t>m</a:t>
+            </a:r>
+            <a:r>
+              <a:rPr sz="1400">
+                <a:solidFill>
+                  <a:srgbClr val="000000"/>
+                </a:solidFill>
+                <a:latin typeface="Courier New"/>
+              </a:rPr>
+              <a:t>L2_TX1</a:t>
+            </a:r>
+            <a:r>
+              <a:rPr sz="1400">
+                <a:solidFill>
+                  <a:srgbClr val="000000"/>
+                </a:solidFill>
+                <a:latin typeface="Courier New"/>
+              </a:rPr>
+              <a:t> </a:t>
+            </a:r>
+            <a:r>
+              <a:rPr sz="1400">
+                <a:solidFill>
+                  <a:srgbClr val="000000"/>
+                </a:solidFill>
+                <a:latin typeface="Courier New"/>
+              </a:rPr>
+              <a:t>1</a:t>
+            </a:r>
+            <a:r>
+              <a:rPr sz="1400">
+                <a:solidFill>
+                  <a:srgbClr val="000000"/>
+                </a:solidFill>
+                <a:latin typeface="Courier New"/>
+              </a:rPr>
+              <a:t> </a:t>
+            </a:r>
+            <a:r>
+              <a:rPr sz="1400">
+                <a:solidFill>
+                  <a:srgbClr val="000000"/>
+                </a:solidFill>
+                <a:latin typeface="Courier New"/>
+              </a:rPr>
+              <a:t>0</a:t>
+            </a:r>
+            <a:r>
+              <a:rPr sz="1400">
+                <a:solidFill>
+                  <a:srgbClr val="000000"/>
+                </a:solidFill>
+                <a:latin typeface="Courier New"/>
+              </a:rPr>
+              <a:t> </a:t>
+            </a:r>
+            <a:r>
+              <a:rPr sz="1400">
+                <a:solidFill>
+                  <a:srgbClr val="000000"/>
+                </a:solidFill>
+                <a:latin typeface="Courier New"/>
+              </a:rPr>
+              <a:t>1</a:t>
+            </a:r>
+            <a:r>
+              <a:rPr sz="1400">
+                <a:solidFill>
+                  <a:srgbClr val="000000"/>
+                </a:solidFill>
+                <a:latin typeface="Courier New"/>
+              </a:rPr>
+              <a:t>m</a:t>
+            </a:r>
+            <a:r>
+              <a:rPr sz="1400">
+                <a:solidFill>
+                  <a:srgbClr val="000000"/>
+                </a:solidFill>
+                <a:latin typeface="Courier New"/>
+              </a:rPr>
+              <a:t>K_TX1</a:t>
+            </a:r>
+            <a:r>
+              <a:rPr sz="1400">
+                <a:solidFill>
+                  <a:srgbClr val="000000"/>
+                </a:solidFill>
+                <a:latin typeface="Courier New"/>
+              </a:rPr>
+              <a:t> </a:t>
+            </a:r>
+            <a:r>
+              <a:rPr sz="1400">
+                <a:solidFill>
+                  <a:srgbClr val="000000"/>
+                </a:solidFill>
+                <a:latin typeface="Courier New"/>
+              </a:rPr>
+              <a:t>L1_TX1</a:t>
+            </a:r>
+            <a:r>
+              <a:rPr sz="1400">
+                <a:solidFill>
+                  <a:srgbClr val="000000"/>
+                </a:solidFill>
+                <a:latin typeface="Courier New"/>
+              </a:rPr>
+              <a:t> </a:t>
+            </a:r>
+            <a:r>
+              <a:rPr sz="1400">
+                <a:solidFill>
+                  <a:srgbClr val="000000"/>
+                </a:solidFill>
+                <a:latin typeface="Courier New"/>
+              </a:rPr>
+              <a:t>L2_TX1</a:t>
+            </a:r>
+            <a:r>
+              <a:rPr sz="1400">
+                <a:solidFill>
+                  <a:srgbClr val="000000"/>
+                </a:solidFill>
+                <a:latin typeface="Courier New"/>
+              </a:rPr>
+              <a:t> </a:t>
+            </a:r>
+            <a:r>
+              <a:rPr sz="1400">
+                <a:solidFill>
+                  <a:srgbClr val="000000"/>
+                </a:solidFill>
+                <a:latin typeface="Courier New"/>
+              </a:rPr>
+              <a:t>1</a:t>
+            </a:r>
+            <a:r>
+              <a:rPr sz="1400">
+                <a:solidFill>
+                  <a:srgbClr val="000000"/>
+                </a:solidFill>
+                <a:latin typeface="Courier New"/>
+              </a:rPr>
+              <a:t>.</a:t>
+            </a:r>
+            <a:r>
+              <a:rPr sz="1400">
+                <a:solidFill>
+                  <a:srgbClr val="000000"/>
+                </a:solidFill>
+                <a:latin typeface="Courier New"/>
+              </a:rPr>
+              <a:t>Q_Q5</a:t>
+            </a:r>
+            <a:r>
+              <a:rPr sz="1400">
+                <a:solidFill>
+                  <a:srgbClr val="000000"/>
+                </a:solidFill>
+                <a:latin typeface="Courier New"/>
+              </a:rPr>
+              <a:t> </a:t>
+            </a:r>
+            <a:r>
+              <a:rPr sz="1400">
+                <a:solidFill>
+                  <a:srgbClr val="000000"/>
+                </a:solidFill>
+                <a:latin typeface="Courier New"/>
+              </a:rPr>
+              <a:t>4</a:t>
+            </a:r>
+            <a:r>
+              <a:rPr sz="1400">
+                <a:solidFill>
+                  <a:srgbClr val="000000"/>
+                </a:solidFill>
+                <a:latin typeface="Courier New"/>
+              </a:rPr>
+              <a:t> </a:t>
+            </a:r>
+            <a:r>
+              <a:rPr sz="1400">
+                <a:solidFill>
+                  <a:srgbClr val="000000"/>
+                </a:solidFill>
+                <a:latin typeface="Courier New"/>
+              </a:rPr>
+              <a:t>5</a:t>
+            </a:r>
+            <a:r>
+              <a:rPr sz="1400">
+                <a:solidFill>
+                  <a:srgbClr val="000000"/>
+                </a:solidFill>
+                <a:latin typeface="Courier New"/>
+              </a:rPr>
+              <a:t> </a:t>
+            </a:r>
+            <a:r>
+              <a:rPr sz="1400">
+                <a:solidFill>
+                  <a:srgbClr val="000000"/>
+                </a:solidFill>
+                <a:latin typeface="Courier New"/>
+              </a:rPr>
+              <a:t>0</a:t>
+            </a:r>
+            <a:r>
+              <a:rPr sz="1400">
+                <a:solidFill>
+                  <a:srgbClr val="000000"/>
+                </a:solidFill>
+                <a:latin typeface="Courier New"/>
+              </a:rPr>
+              <a:t> </a:t>
+            </a:r>
+            <a:r>
+              <a:rPr sz="1400">
+                <a:solidFill>
+                  <a:srgbClr val="000000"/>
+                </a:solidFill>
+                <a:latin typeface="Courier New"/>
+              </a:rPr>
+              <a:t>Q2</a:t>
+            </a:r>
+            <a:r>
+              <a:rPr sz="1400">
+                <a:solidFill>
+                  <a:srgbClr val="000000"/>
+                </a:solidFill>
+                <a:latin typeface="Courier New"/>
+              </a:rPr>
+              <a:t>I_I4</a:t>
+            </a:r>
+            <a:r>
+              <a:rPr sz="1400">
+                <a:solidFill>
+                  <a:srgbClr val="000000"/>
+                </a:solidFill>
+                <a:latin typeface="Courier New"/>
+              </a:rPr>
+              <a:t> </a:t>
+            </a:r>
+            <a:r>
+              <a:rPr sz="1400">
+                <a:solidFill>
+                  <a:srgbClr val="000000"/>
+                </a:solidFill>
+                <a:latin typeface="Courier New"/>
+              </a:rPr>
+              <a:t>0</a:t>
+            </a:r>
+            <a:r>
+              <a:rPr sz="1400">
+                <a:solidFill>
+                  <a:srgbClr val="000000"/>
+                </a:solidFill>
+                <a:latin typeface="Courier New"/>
+              </a:rPr>
+              <a:t> </a:t>
+            </a:r>
+            <a:r>
+              <a:rPr sz="1400">
+                <a:solidFill>
+                  <a:srgbClr val="000000"/>
+                </a:solidFill>
+                <a:latin typeface="Courier New"/>
+              </a:rPr>
+              <a:t>5</a:t>
+            </a:r>
+            <a:r>
+              <a:rPr sz="1400">
+                <a:solidFill>
+                  <a:srgbClr val="000000"/>
+                </a:solidFill>
+                <a:latin typeface="Courier New"/>
+              </a:rPr>
+              <a:t> </a:t>
+            </a:r>
+            <a:r>
+              <a:rPr sz="1400">
+                <a:solidFill>
+                  <a:srgbClr val="000000"/>
+                </a:solidFill>
+                <a:latin typeface="Courier New"/>
+              </a:rPr>
+              <a:t>SIN</a:t>
+            </a:r>
+            <a:r>
+              <a:rPr sz="1400">
+                <a:solidFill>
+                  <a:srgbClr val="000000"/>
+                </a:solidFill>
+                <a:latin typeface="Courier New"/>
+              </a:rPr>
+              <a:t>(</a:t>
+            </a:r>
+            <a:r>
+              <a:rPr sz="1400">
+                <a:solidFill>
+                  <a:srgbClr val="000000"/>
+                </a:solidFill>
+                <a:latin typeface="Courier New"/>
+              </a:rPr>
+              <a:t>17</a:t>
+            </a:r>
+            <a:r>
+              <a:rPr sz="1400">
+                <a:solidFill>
+                  <a:srgbClr val="000000"/>
+                </a:solidFill>
+                <a:latin typeface="Courier New"/>
+              </a:rPr>
+              <a:t>m</a:t>
+            </a:r>
+            <a:r>
+              <a:rPr sz="1400">
+                <a:solidFill>
+                  <a:srgbClr val="000000"/>
+                </a:solidFill>
+                <a:latin typeface="Courier New"/>
+              </a:rPr>
+              <a:t> </a:t>
+            </a:r>
+            <a:r>
+              <a:rPr sz="1400">
+                <a:solidFill>
+                  <a:srgbClr val="000000"/>
+                </a:solidFill>
+                <a:latin typeface="Courier New"/>
+              </a:rPr>
+              <a:t>15</a:t>
+            </a:r>
+            <a:r>
+              <a:rPr sz="1400">
+                <a:solidFill>
+                  <a:srgbClr val="000000"/>
+                </a:solidFill>
+                <a:latin typeface="Courier New"/>
+              </a:rPr>
+              <a:t>m</a:t>
+            </a:r>
+            <a:r>
+              <a:rPr sz="1400">
+                <a:solidFill>
+                  <a:srgbClr val="000000"/>
+                </a:solidFill>
+                <a:latin typeface="Courier New"/>
+              </a:rPr>
+              <a:t> </a:t>
+            </a:r>
+            <a:r>
+              <a:rPr sz="1400">
+                <a:solidFill>
+                  <a:srgbClr val="000000"/>
+                </a:solidFill>
+                <a:latin typeface="Courier New"/>
+              </a:rPr>
+              <a:t>100</a:t>
+            </a:r>
+            <a:r>
+              <a:rPr sz="1400">
+                <a:solidFill>
+                  <a:srgbClr val="000000"/>
+                </a:solidFill>
+                <a:latin typeface="Courier New"/>
+              </a:rPr>
+              <a:t>k</a:t>
+            </a:r>
+            <a:r>
+              <a:rPr sz="1400">
+                <a:solidFill>
+                  <a:srgbClr val="000000"/>
+                </a:solidFill>
+                <a:latin typeface="Courier New"/>
+              </a:rPr>
+              <a:t>)</a:t>
+            </a:r>
+            <a:r>
+              <a:rPr sz="1400">
+                <a:solidFill>
+                  <a:srgbClr val="000000"/>
+                </a:solidFill>
+                <a:latin typeface="Courier New"/>
+              </a:rPr>
+              <a:t> </a:t>
+            </a:r>
+            <a:r>
+              <a:rPr sz="1400">
+                <a:solidFill>
+                  <a:srgbClr val="000000"/>
+                </a:solidFill>
+                <a:latin typeface="Courier New"/>
+              </a:rPr>
+              <a:t>DC</a:t>
+            </a:r>
+            <a:r>
+              <a:rPr sz="1400">
+                <a:solidFill>
+                  <a:srgbClr val="000000"/>
+                </a:solidFill>
+                <a:latin typeface="Courier New"/>
+              </a:rPr>
+              <a:t>=</a:t>
+            </a:r>
+            <a:r>
+              <a:rPr sz="1400">
+                <a:solidFill>
+                  <a:srgbClr val="000000"/>
+                </a:solidFill>
+                <a:latin typeface="Courier New"/>
+              </a:rPr>
+              <a:t>17</a:t>
+            </a:r>
+            <a:r>
+              <a:rPr sz="1400">
+                <a:solidFill>
+                  <a:srgbClr val="000000"/>
+                </a:solidFill>
+                <a:latin typeface="Courier New"/>
+              </a:rPr>
+              <a:t>m</a:t>
+            </a:r>
+            <a:r>
+              <a:rPr sz="1400">
+                <a:solidFill>
+                  <a:srgbClr val="000000"/>
+                </a:solidFill>
+                <a:latin typeface="Courier New"/>
+              </a:rPr>
+              <a:t>V_VDD</a:t>
+            </a:r>
+            <a:r>
+              <a:rPr sz="1400">
+                <a:solidFill>
+                  <a:srgbClr val="000000"/>
+                </a:solidFill>
+                <a:latin typeface="Courier New"/>
+              </a:rPr>
+              <a:t> </a:t>
+            </a:r>
+            <a:r>
+              <a:rPr sz="1400">
+                <a:solidFill>
+                  <a:srgbClr val="000000"/>
+                </a:solidFill>
+                <a:latin typeface="Courier New"/>
+              </a:rPr>
+              <a:t>2</a:t>
+            </a:r>
+            <a:r>
+              <a:rPr sz="1400">
+                <a:solidFill>
+                  <a:srgbClr val="000000"/>
+                </a:solidFill>
+                <a:latin typeface="Courier New"/>
+              </a:rPr>
+              <a:t> </a:t>
+            </a:r>
+            <a:r>
+              <a:rPr sz="1400">
+                <a:solidFill>
+                  <a:srgbClr val="000000"/>
+                </a:solidFill>
+                <a:latin typeface="Courier New"/>
+              </a:rPr>
+              <a:t>0</a:t>
+            </a:r>
+            <a:r>
+              <a:rPr sz="1400">
+                <a:solidFill>
+                  <a:srgbClr val="000000"/>
+                </a:solidFill>
+                <a:latin typeface="Courier New"/>
+              </a:rPr>
+              <a:t> </a:t>
+            </a:r>
+            <a:r>
+              <a:rPr sz="1400">
+                <a:solidFill>
+                  <a:srgbClr val="000000"/>
+                </a:solidFill>
+                <a:latin typeface="Courier New"/>
+              </a:rPr>
+              <a:t>66</a:t>
+            </a:r>
+            <a:r>
+              <a:rPr sz="1400">
+                <a:solidFill>
+                  <a:srgbClr val="000000"/>
+                </a:solidFill>
+                <a:latin typeface="Courier New"/>
+              </a:rPr>
+              <a:t>V</a:t>
+            </a:r>
+            <a:r>
+              <a:rPr sz="1400">
+                <a:solidFill>
+                  <a:srgbClr val="000000"/>
+                </a:solidFill>
+                <a:latin typeface="Courier New"/>
+              </a:rPr>
+              <a:t>.</a:t>
+            </a:r>
+            <a:r>
+              <a:rPr sz="1400">
+                <a:solidFill>
+                  <a:srgbClr val="000000"/>
+                </a:solidFill>
+                <a:latin typeface="Courier New"/>
+              </a:rPr>
+              <a:t>model</a:t>
+            </a:r>
+            <a:r>
+              <a:rPr sz="1400">
+                <a:solidFill>
+                  <a:srgbClr val="000000"/>
+                </a:solidFill>
+                <a:latin typeface="Courier New"/>
+              </a:rPr>
+              <a:t> </a:t>
+            </a:r>
+            <a:r>
+              <a:rPr sz="1400">
+                <a:solidFill>
+                  <a:srgbClr val="000000"/>
+                </a:solidFill>
+                <a:latin typeface="Courier New"/>
+              </a:rPr>
+              <a:t>Q2</a:t>
+            </a:r>
+            <a:r>
+              <a:rPr sz="1400">
+                <a:solidFill>
+                  <a:srgbClr val="000000"/>
+                </a:solidFill>
+                <a:latin typeface="Courier New"/>
+              </a:rPr>
+              <a:t> </a:t>
+            </a:r>
+            <a:r>
+              <a:rPr sz="1400">
+                <a:solidFill>
+                  <a:srgbClr val="000000"/>
+                </a:solidFill>
+                <a:latin typeface="Courier New"/>
+              </a:rPr>
+              <a:t>NPN</a:t>
+            </a:r>
+            <a:r>
+              <a:rPr sz="1400">
+                <a:solidFill>
+                  <a:srgbClr val="000000"/>
+                </a:solidFill>
+                <a:latin typeface="Courier New"/>
+              </a:rPr>
+              <a:t>(</a:t>
+            </a:r>
+            <a:r>
+              <a:rPr sz="1400">
+                <a:solidFill>
+                  <a:srgbClr val="000000"/>
+                </a:solidFill>
+                <a:latin typeface="Courier New"/>
+              </a:rPr>
+              <a:t>Is</a:t>
+            </a:r>
+            <a:r>
+              <a:rPr sz="1400">
+                <a:solidFill>
+                  <a:srgbClr val="000000"/>
+                </a:solidFill>
+                <a:latin typeface="Courier New"/>
+              </a:rPr>
+              <a:t>=</a:t>
+            </a:r>
+            <a:r>
+              <a:rPr sz="1400">
+                <a:solidFill>
+                  <a:srgbClr val="000000"/>
+                </a:solidFill>
+                <a:latin typeface="Courier New"/>
+              </a:rPr>
+              <a:t>14.34</a:t>
+            </a:r>
+            <a:r>
+              <a:rPr sz="1400">
+                <a:solidFill>
+                  <a:srgbClr val="000000"/>
+                </a:solidFill>
+                <a:latin typeface="Courier New"/>
+              </a:rPr>
+              <a:t>p</a:t>
+            </a:r>
+            <a:r>
+              <a:rPr sz="1400">
+                <a:solidFill>
+                  <a:srgbClr val="000000"/>
+                </a:solidFill>
+                <a:latin typeface="Courier New"/>
+              </a:rPr>
+              <a:t> </a:t>
+            </a:r>
+            <a:r>
+              <a:rPr sz="1400">
+                <a:solidFill>
+                  <a:srgbClr val="000000"/>
+                </a:solidFill>
+                <a:latin typeface="Courier New"/>
+              </a:rPr>
+              <a:t>BF</a:t>
+            </a:r>
+            <a:r>
+              <a:rPr sz="1400">
+                <a:solidFill>
+                  <a:srgbClr val="000000"/>
+                </a:solidFill>
+                <a:latin typeface="Courier New"/>
+              </a:rPr>
+              <a:t>=</a:t>
+            </a:r>
+            <a:r>
+              <a:rPr sz="1400">
+                <a:solidFill>
+                  <a:srgbClr val="000000"/>
+                </a:solidFill>
+                <a:latin typeface="Courier New"/>
+              </a:rPr>
+              <a:t>20</a:t>
+            </a:r>
+            <a:r>
+              <a:rPr sz="1400">
+                <a:solidFill>
+                  <a:srgbClr val="000000"/>
+                </a:solidFill>
+                <a:latin typeface="Courier New"/>
+              </a:rPr>
+              <a:t> </a:t>
+            </a:r>
+            <a:r>
+              <a:rPr sz="1400">
+                <a:solidFill>
+                  <a:srgbClr val="000000"/>
+                </a:solidFill>
+                <a:latin typeface="Courier New"/>
+              </a:rPr>
+              <a:t>)</a:t>
+            </a:r>
+          </a:p>
+        </p:txBody>
+      </p:sp>
+      <p:sp>
+        <p:nvSpPr>
+          <p:cNvPr id="3" name="Title 2"/>
+          <p:cNvSpPr>
+            <a:spLocks noGrp="1"/>
+          </p:cNvSpPr>
+          <p:nvPr>
+            <p:ph type="title"/>
+          </p:nvPr>
+        </p:nvSpPr>
+        <p:spPr/>
+        <p:txBody>
+          <a:bodyPr wrap="square">
+            <a:noAutofit/>
+          </a:bodyPr>
+          <a:lstStyle/>
+          <a:p>
+            <a:r>
+              <a:rPr sz="3200" b="1" i="0">
+                <a:latin typeface="Arial"/>
+              </a:rPr>
+              <a:t>spice code 100 kHz aansturing</a:t>
+            </a:r>
+            <a:endParaRPr sz="3200" b="1" i="0">
+              <a:latin typeface="Arial"/>
+            </a:endParaRPr>
+          </a:p>
+        </p:txBody>
+      </p:sp>
+    </p:spTree>
+  </p:cSld>
+  <p:clrMapOvr>
+    <a:masterClrMapping/>
+  </p:clrMapOvr>
+</p:sld>
+</file>
+
+<file path=ppt/slides/slide32.xml><?xml version="1.0" encoding="utf-8"?>
+<p:sld xmlns:a="http://schemas.openxmlformats.org/drawingml/2006/main" xmlns:p="http://schemas.openxmlformats.org/presentationml/2006/main" xmlns:r="http://schemas.openxmlformats.org/officeDocument/2006/relationships">
+  <p:cSld>
+    <p:spTree>
+      <p:nvGrpSpPr>
+        <p:cNvPr id="1" name=""/>
+        <p:cNvGrpSpPr/>
+        <p:nvPr/>
+      </p:nvGrpSpPr>
+      <p:grpSpPr/>
+      <p:sp>
+        <p:nvSpPr>
+          <p:cNvPr id="2" name="Title 1"/>
+          <p:cNvSpPr>
+            <a:spLocks noGrp="1"/>
+          </p:cNvSpPr>
+          <p:nvPr>
+            <p:ph type="title"/>
+          </p:nvPr>
+        </p:nvSpPr>
+        <p:spPr/>
+        <p:txBody>
+          <a:bodyPr wrap="square">
+            <a:noAutofit/>
+          </a:bodyPr>
+          <a:lstStyle/>
+          <a:p>
+            <a:r>
+              <a:rPr sz="3200" b="1" i="0">
+                <a:latin typeface="Arial"/>
+              </a:rPr>
+              <a:t>100 kHz aansturing</a:t>
+            </a:r>
+            <a:endParaRPr sz="3200" b="1" i="0">
+              <a:latin typeface="Arial"/>
+            </a:endParaRPr>
+          </a:p>
+        </p:txBody>
+      </p:sp>
+      <p:pic>
+        <p:nvPicPr>
+          <p:cNvPr id="3" name="Picture 2" descr="image.png"/>
+          <p:cNvPicPr>
+            <a:picLocks noChangeAspect="1"/>
+          </p:cNvPicPr>
+          <p:nvPr/>
+        </p:nvPicPr>
+        <p:blipFill>
+          <a:blip r:embed="rId2"/>
+          <a:stretch>
+            <a:fillRect/>
+          </a:stretch>
+        </p:blipFill>
+        <p:spPr>
+          <a:xfrm>
+            <a:off x="2604716" y="566928"/>
+            <a:ext cx="6982568" cy="5577840"/>
+          </a:xfrm>
+          <a:prstGeom prst="rect">
+            <a:avLst/>
+          </a:prstGeom>
+        </p:spPr>
+      </p:pic>
+    </p:spTree>
+  </p:cSld>
+  <p:clrMapOvr>
+    <a:masterClrMapping/>
+  </p:clrMapOvr>
+</p:sld>
+</file>
+
+<file path=ppt/slides/slide33.xml><?xml version="1.0" encoding="utf-8"?>
 <p:sld xmlns:a="http://schemas.openxmlformats.org/drawingml/2006/main" xmlns:p="http://schemas.openxmlformats.org/presentationml/2006/main" xmlns:r="http://schemas.openxmlformats.org/officeDocument/2006/relationships">
   <p:cSld>
     <p:spTree>
@@ -6105,7 +10406,7 @@
 </p:sld>
 </file>
 
-<file path=ppt/slides/slide13.xml><?xml version="1.0" encoding="utf-8"?>
+<file path=ppt/slides/slide34.xml><?xml version="1.0" encoding="utf-8"?>
 <p:sld xmlns:a="http://schemas.openxmlformats.org/drawingml/2006/main" xmlns:p="http://schemas.openxmlformats.org/presentationml/2006/main" xmlns:r="http://schemas.openxmlformats.org/officeDocument/2006/relationships">
   <p:cSld>
     <p:spTree>
@@ -6123,7 +10424,7 @@
 </p:sld>
 </file>
 
-<file path=ppt/slides/slide14.xml><?xml version="1.0" encoding="utf-8"?>
+<file path=ppt/slides/slide35.xml><?xml version="1.0" encoding="utf-8"?>
 <p:sld xmlns:a="http://schemas.openxmlformats.org/drawingml/2006/main" xmlns:p="http://schemas.openxmlformats.org/presentationml/2006/main" xmlns:r="http://schemas.openxmlformats.org/officeDocument/2006/relationships">
   <p:cSld>
     <p:spTree>
@@ -6133,135 +10434,6 @@
         <p:nvPr/>
       </p:nvGrpSpPr>
       <p:grpSpPr/>
-    </p:spTree>
-  </p:cSld>
-  <p:clrMapOvr>
-    <a:masterClrMapping/>
-  </p:clrMapOvr>
-</p:sld>
-</file>
-
-<file path=ppt/slides/slide2.xml><?xml version="1.0" encoding="utf-8"?>
-<p:sld xmlns:a="http://schemas.openxmlformats.org/drawingml/2006/main" xmlns:p="http://schemas.openxmlformats.org/presentationml/2006/main" xmlns:r="http://schemas.openxmlformats.org/officeDocument/2006/relationships">
-  <p:cSld>
-    <p:spTree>
-      <p:nvGrpSpPr>
-        <p:cNvPr id="1" name=""/>
-        <p:cNvGrpSpPr/>
-        <p:nvPr/>
-      </p:nvGrpSpPr>
-      <p:grpSpPr/>
-      <p:sp>
-        <p:nvSpPr>
-          <p:cNvPr id="2" name="Content Placeholder 1"/>
-          <p:cNvSpPr>
-            <a:spLocks noGrp="1"/>
-          </p:cNvSpPr>
-          <p:nvPr>
-            <p:ph idx="1"/>
-          </p:nvPr>
-        </p:nvSpPr>
-        <p:spPr/>
-        <p:txBody>
-          <a:bodyPr/>
-          <a:lstStyle/>
-          <a:p/>
-          <a:p>
-            <a:pPr/>
-            <a:r>
-              <a:t># Klasse A versterkers</a:t>
-            </a:r>
-          </a:p>
-        </p:txBody>
-      </p:sp>
-      <p:sp>
-        <p:nvSpPr>
-          <p:cNvPr id="3" name="Title 2"/>
-          <p:cNvSpPr>
-            <a:spLocks noGrp="1"/>
-          </p:cNvSpPr>
-          <p:nvPr>
-            <p:ph type="title"/>
-          </p:nvPr>
-        </p:nvSpPr>
-        <p:spPr/>
-        <p:txBody>
-          <a:bodyPr/>
-          <a:lstStyle/>
-          <a:p/>
-        </p:txBody>
-      </p:sp>
-    </p:spTree>
-  </p:cSld>
-  <p:clrMapOvr>
-    <a:masterClrMapping/>
-  </p:clrMapOvr>
-</p:sld>
-</file>
-
-<file path=ppt/slides/slide3.xml><?xml version="1.0" encoding="utf-8"?>
-<p:sld xmlns:a="http://schemas.openxmlformats.org/drawingml/2006/main" xmlns:p="http://schemas.openxmlformats.org/presentationml/2006/main" xmlns:r="http://schemas.openxmlformats.org/officeDocument/2006/relationships">
-  <p:cSld>
-    <p:spTree>
-      <p:nvGrpSpPr>
-        <p:cNvPr id="1" name=""/>
-        <p:cNvGrpSpPr/>
-        <p:nvPr/>
-      </p:nvGrpSpPr>
-      <p:grpSpPr/>
-      <p:sp>
-        <p:nvSpPr>
-          <p:cNvPr id="2" name="Title 1"/>
-          <p:cNvSpPr>
-            <a:spLocks noGrp="1"/>
-          </p:cNvSpPr>
-          <p:nvPr>
-            <p:ph type="title"/>
-          </p:nvPr>
-        </p:nvSpPr>
-        <p:spPr/>
-        <p:txBody>
-          <a:bodyPr wrap="square">
-            <a:noAutofit/>
-          </a:bodyPr>
-          <a:lstStyle/>
-          <a:p>
-            <a:r>
-              <a:rPr sz="3200" b="1" i="0">
-                <a:latin typeface="Arial"/>
-              </a:rPr>
-              <a:t>Basisschema van de klasse A versterker</a:t>
-            </a:r>
-            <a:endParaRPr sz="3200" b="1" i="0">
-              <a:latin typeface="Arial"/>
-            </a:endParaRPr>
-          </a:p>
-        </p:txBody>
-      </p:sp>
-      <p:pic>
-        <p:nvPicPr>
-          <p:cNvPr id="3" name="Picture 2" descr="image.png"/>
-          <p:cNvPicPr>
-            <a:picLocks noChangeAspect="1"/>
-          </p:cNvPicPr>
-          <p:nvPr/>
-        </p:nvPicPr>
-        <p:blipFill>
-          <a:blip r:embed="rId2"/>
-          <a:stretch>
-            <a:fillRect/>
-          </a:stretch>
-        </p:blipFill>
-        <p:spPr>
-          <a:xfrm>
-            <a:off x="4218610" y="566928"/>
-            <a:ext cx="3754780" cy="5577840"/>
-          </a:xfrm>
-          <a:prstGeom prst="rect">
-            <a:avLst/>
-          </a:prstGeom>
-        </p:spPr>
-      </p:pic>
     </p:spTree>
   </p:cSld>
   <p:clrMapOvr>
@@ -6363,235 +10535,9 @@
         </p:nvSpPr>
         <p:spPr/>
         <p:txBody>
-          <a:bodyPr wrap="square">
-            <a:noAutofit/>
-          </a:bodyPr>
+          <a:bodyPr/>
           <a:lstStyle/>
-          <a:p>
-            <a:pPr>
-              <a:lnSpc>
-                <a:spcPts val="2400"/>
-              </a:lnSpc>
-              <a:defRPr>
-                <a:solidFill>
-                  <a:srgbClr val="FFFFFF"/>
-                </a:solidFill>
-              </a:defRPr>
-            </a:pPr>
-            <a:r>
-              <a:rPr sz="2400" b="0" i="0">
-                <a:latin typeface="Courier"/>
-              </a:rPr>
-              <a:t>* Spice file van een eenvoudige Klasse A versterker</a:t>
-            </a:r>
-            <a:endParaRPr sz="2400" b="0" i="0">
-              <a:latin typeface="Courier"/>
-            </a:endParaRPr>
-          </a:p>
-          <a:p>
-            <a:pPr>
-              <a:lnSpc>
-                <a:spcPts val="2400"/>
-              </a:lnSpc>
-              <a:defRPr>
-                <a:solidFill>
-                  <a:srgbClr val="FFFFFF"/>
-                </a:solidFill>
-              </a:defRPr>
-            </a:pPr>
-            <a:r>
-              <a:rPr sz="2400" b="0" i="0">
-                <a:latin typeface="Courier"/>
-              </a:rPr>
-              <a:t>R_R6         0 1  8</a:t>
-            </a:r>
-            <a:endParaRPr sz="2400" b="0" i="0">
-              <a:latin typeface="Courier"/>
-            </a:endParaRPr>
-          </a:p>
-          <a:p>
-            <a:pPr>
-              <a:lnSpc>
-                <a:spcPts val="2400"/>
-              </a:lnSpc>
-              <a:defRPr>
-                <a:solidFill>
-                  <a:srgbClr val="FFFFFF"/>
-                </a:solidFill>
-              </a:defRPr>
-            </a:pPr>
-            <a:r>
-              <a:rPr sz="2400" b="0" i="0">
-                <a:latin typeface="Courier"/>
-              </a:rPr>
-              <a:t>R_R7         3 2  1</a:t>
-            </a:r>
-            <a:endParaRPr sz="2400" b="0" i="0">
-              <a:latin typeface="Courier"/>
-            </a:endParaRPr>
-          </a:p>
-          <a:p>
-            <a:pPr>
-              <a:lnSpc>
-                <a:spcPts val="2400"/>
-              </a:lnSpc>
-              <a:defRPr>
-                <a:solidFill>
-                  <a:srgbClr val="FFFFFF"/>
-                </a:solidFill>
-              </a:defRPr>
-            </a:pPr>
-            <a:r>
-              <a:rPr sz="2400" b="0" i="0">
-                <a:latin typeface="Courier"/>
-              </a:rPr>
-              <a:t>L1_TX1       3 4 25m</a:t>
-            </a:r>
-            <a:endParaRPr sz="2400" b="0" i="0">
-              <a:latin typeface="Courier"/>
-            </a:endParaRPr>
-          </a:p>
-          <a:p>
-            <a:pPr>
-              <a:lnSpc>
-                <a:spcPts val="2400"/>
-              </a:lnSpc>
-              <a:defRPr>
-                <a:solidFill>
-                  <a:srgbClr val="FFFFFF"/>
-                </a:solidFill>
-              </a:defRPr>
-            </a:pPr>
-            <a:r>
-              <a:rPr sz="2400" b="0" i="0">
-                <a:latin typeface="Courier"/>
-              </a:rPr>
-              <a:t>L2_TX1       1 0 1m</a:t>
-            </a:r>
-            <a:endParaRPr sz="2400" b="0" i="0">
-              <a:latin typeface="Courier"/>
-            </a:endParaRPr>
-          </a:p>
-          <a:p>
-            <a:pPr>
-              <a:lnSpc>
-                <a:spcPts val="2400"/>
-              </a:lnSpc>
-              <a:defRPr>
-                <a:solidFill>
-                  <a:srgbClr val="FFFFFF"/>
-                </a:solidFill>
-              </a:defRPr>
-            </a:pPr>
-            <a:r>
-              <a:rPr sz="2400" b="0" i="0">
-                <a:latin typeface="Courier"/>
-              </a:rPr>
-              <a:t>K_TX1        L1_TX1 L2_TX1 1.</a:t>
-            </a:r>
-            <a:endParaRPr sz="2400" b="0" i="0">
-              <a:latin typeface="Courier"/>
-            </a:endParaRPr>
-          </a:p>
-          <a:p>
-            <a:pPr>
-              <a:lnSpc>
-                <a:spcPts val="2400"/>
-              </a:lnSpc>
-              <a:defRPr>
-                <a:solidFill>
-                  <a:srgbClr val="FFFFFF"/>
-                </a:solidFill>
-              </a:defRPr>
-            </a:pPr>
-            <a:r>
-              <a:rPr sz="2400" b="0" i="0">
-                <a:latin typeface="Courier"/>
-              </a:rPr>
-              <a:t>Q_Q5         4 5 0 Q2</a:t>
-            </a:r>
-            <a:endParaRPr sz="2400" b="0" i="0">
-              <a:latin typeface="Courier"/>
-            </a:endParaRPr>
-          </a:p>
-          <a:p>
-            <a:pPr>
-              <a:lnSpc>
-                <a:spcPts val="2400"/>
-              </a:lnSpc>
-              <a:defRPr>
-                <a:solidFill>
-                  <a:srgbClr val="FFFFFF"/>
-                </a:solidFill>
-              </a:defRPr>
-            </a:pPr>
-            <a:r>
-              <a:rPr sz="2400" b="0" i="0">
-                <a:latin typeface="Courier"/>
-              </a:rPr>
-              <a:t>I_I4         0 5  SIN(17m 15m 10k) DC=17m</a:t>
-            </a:r>
-            <a:endParaRPr sz="2400" b="0" i="0">
-              <a:latin typeface="Courier"/>
-            </a:endParaRPr>
-          </a:p>
-          <a:p>
-            <a:pPr>
-              <a:lnSpc>
-                <a:spcPts val="2400"/>
-              </a:lnSpc>
-              <a:defRPr>
-                <a:solidFill>
-                  <a:srgbClr val="FFFFFF"/>
-                </a:solidFill>
-              </a:defRPr>
-            </a:pPr>
-            <a:r>
-              <a:rPr sz="2400" b="0" i="0">
-                <a:latin typeface="Courier"/>
-              </a:rPr>
-              <a:t>V_VDD        2 0 66V</a:t>
-            </a:r>
-            <a:endParaRPr sz="2400" b="0" i="0">
-              <a:latin typeface="Courier"/>
-            </a:endParaRPr>
-          </a:p>
-          <a:p>
-            <a:pPr>
-              <a:lnSpc>
-                <a:spcPts val="2400"/>
-              </a:lnSpc>
-              <a:defRPr>
-                <a:solidFill>
-                  <a:srgbClr val="FFFFFF"/>
-                </a:solidFill>
-              </a:defRPr>
-            </a:pPr>
-            <a:endParaRPr sz="2400" b="0" i="0">
-              <a:latin typeface="Courier"/>
-            </a:endParaRPr>
-          </a:p>
-          <a:p>
-            <a:pPr>
-              <a:lnSpc>
-                <a:spcPts val="2400"/>
-              </a:lnSpc>
-              <a:defRPr>
-                <a:solidFill>
-                  <a:srgbClr val="FFFFFF"/>
-                </a:solidFill>
-              </a:defRPr>
-            </a:pPr>
-            <a:r>
-              <a:rPr sz="2400" b="0" i="0">
-                <a:latin typeface="Courier"/>
-              </a:rPr>
-              <a:t>.model Q2  NPN(Is=14.34p BF=20 )</a:t>
-            </a:r>
-            <a:endParaRPr sz="2400" b="0" i="0">
-              <a:latin typeface="Courier"/>
-            </a:endParaRPr>
-          </a:p>
+          <a:p/>
         </p:txBody>
       </p:sp>
       <p:sp>
@@ -6643,7 +10589,24 @@
       <p:grpSpPr/>
       <p:sp>
         <p:nvSpPr>
-          <p:cNvPr id="2" name="Title 1"/>
+          <p:cNvPr id="2" name="Content Placeholder 1"/>
+          <p:cNvSpPr>
+            <a:spLocks noGrp="1"/>
+          </p:cNvSpPr>
+          <p:nvPr>
+            <p:ph idx="1"/>
+          </p:nvPr>
+        </p:nvSpPr>
+        <p:spPr/>
+        <p:txBody>
+          <a:bodyPr/>
+          <a:lstStyle/>
+          <a:p/>
+        </p:txBody>
+      </p:sp>
+      <p:sp>
+        <p:nvSpPr>
+          <p:cNvPr id="3" name="Title 2"/>
           <p:cNvSpPr>
             <a:spLocks noGrp="1"/>
           </p:cNvSpPr>
@@ -6662,7 +10625,7 @@
               <a:rPr sz="3200" b="1" i="0">
                 <a:latin typeface="Arial"/>
               </a:rPr>
-              <a:t>Stromen en Spanningen als functie van de tijd</a:t>
+              <a:t>SPICE code</a:t>
             </a:r>
             <a:endParaRPr sz="3200" b="1" i="0">
               <a:latin typeface="Arial"/>
@@ -6670,30 +10633,6 @@
           </a:p>
         </p:txBody>
       </p:sp>
-      <p:pic>
-        <p:nvPicPr>
-          <p:cNvPr id="3" name="Picture 2" descr="image.png"/>
-          <p:cNvPicPr>
-            <a:picLocks noChangeAspect="1"/>
-          </p:cNvPicPr>
-          <p:nvPr/>
-        </p:nvPicPr>
-        <p:blipFill>
-          <a:blip r:embed="rId2"/>
-          <a:stretch>
-            <a:fillRect/>
-          </a:stretch>
-        </p:blipFill>
-        <p:spPr>
-          <a:xfrm>
-            <a:off x="2633221" y="566928"/>
-            <a:ext cx="6925558" cy="5577840"/>
-          </a:xfrm>
-          <a:prstGeom prst="rect">
-            <a:avLst/>
-          </a:prstGeom>
-        </p:spPr>
-      </p:pic>
     </p:spTree>
   </p:cSld>
   <p:clrMapOvr>
@@ -6714,7 +10653,24 @@
       <p:grpSpPr/>
       <p:sp>
         <p:nvSpPr>
-          <p:cNvPr id="2" name="Title 1"/>
+          <p:cNvPr id="2" name="Content Placeholder 1"/>
+          <p:cNvSpPr>
+            <a:spLocks noGrp="1"/>
+          </p:cNvSpPr>
+          <p:nvPr>
+            <p:ph idx="1"/>
+          </p:nvPr>
+        </p:nvSpPr>
+        <p:spPr/>
+        <p:txBody>
+          <a:bodyPr/>
+          <a:lstStyle/>
+          <a:p/>
+        </p:txBody>
+      </p:sp>
+      <p:sp>
+        <p:nvSpPr>
+          <p:cNvPr id="3" name="Title 2"/>
           <p:cNvSpPr>
             <a:spLocks noGrp="1"/>
           </p:cNvSpPr>
@@ -6733,7 +10689,7 @@
               <a:rPr sz="3200" b="1" i="0">
                 <a:latin typeface="Arial"/>
               </a:rPr>
-              <a:t>Belastingskarakteristiek</a:t>
+              <a:t>SPICE code</a:t>
             </a:r>
             <a:endParaRPr sz="3200" b="1" i="0">
               <a:latin typeface="Arial"/>
@@ -6741,30 +10697,6 @@
           </a:p>
         </p:txBody>
       </p:sp>
-      <p:pic>
-        <p:nvPicPr>
-          <p:cNvPr id="3" name="Picture 2" descr="image.png"/>
-          <p:cNvPicPr>
-            <a:picLocks noChangeAspect="1"/>
-          </p:cNvPicPr>
-          <p:nvPr/>
-        </p:nvPicPr>
-        <p:blipFill>
-          <a:blip r:embed="rId2"/>
-          <a:stretch>
-            <a:fillRect/>
-          </a:stretch>
-        </p:blipFill>
-        <p:spPr>
-          <a:xfrm>
-            <a:off x="2604716" y="566928"/>
-            <a:ext cx="6982568" cy="5577840"/>
-          </a:xfrm>
-          <a:prstGeom prst="rect">
-            <a:avLst/>
-          </a:prstGeom>
-        </p:spPr>
-      </p:pic>
     </p:spTree>
   </p:cSld>
   <p:clrMapOvr>
@@ -6795,235 +10727,9 @@
         </p:nvSpPr>
         <p:spPr/>
         <p:txBody>
-          <a:bodyPr wrap="square">
-            <a:noAutofit/>
-          </a:bodyPr>
+          <a:bodyPr/>
           <a:lstStyle/>
-          <a:p>
-            <a:pPr>
-              <a:lnSpc>
-                <a:spcPts val="2400"/>
-              </a:lnSpc>
-              <a:defRPr>
-                <a:solidFill>
-                  <a:srgbClr val="FFFFFF"/>
-                </a:solidFill>
-              </a:defRPr>
-            </a:pPr>
-            <a:r>
-              <a:rPr sz="2400" b="0" i="0">
-                <a:latin typeface="Courier"/>
-              </a:rPr>
-              <a:t>* Spice file van een eenvoudige Klasse A versterker</a:t>
-            </a:r>
-            <a:endParaRPr sz="2400" b="0" i="0">
-              <a:latin typeface="Courier"/>
-            </a:endParaRPr>
-          </a:p>
-          <a:p>
-            <a:pPr>
-              <a:lnSpc>
-                <a:spcPts val="2400"/>
-              </a:lnSpc>
-              <a:defRPr>
-                <a:solidFill>
-                  <a:srgbClr val="FFFFFF"/>
-                </a:solidFill>
-              </a:defRPr>
-            </a:pPr>
-            <a:r>
-              <a:rPr sz="2400" b="0" i="0">
-                <a:latin typeface="Courier"/>
-              </a:rPr>
-              <a:t>R_R6         0 1  8</a:t>
-            </a:r>
-            <a:endParaRPr sz="2400" b="0" i="0">
-              <a:latin typeface="Courier"/>
-            </a:endParaRPr>
-          </a:p>
-          <a:p>
-            <a:pPr>
-              <a:lnSpc>
-                <a:spcPts val="2400"/>
-              </a:lnSpc>
-              <a:defRPr>
-                <a:solidFill>
-                  <a:srgbClr val="FFFFFF"/>
-                </a:solidFill>
-              </a:defRPr>
-            </a:pPr>
-            <a:r>
-              <a:rPr sz="2400" b="0" i="0">
-                <a:latin typeface="Courier"/>
-              </a:rPr>
-              <a:t>R_R7         3 2  1</a:t>
-            </a:r>
-            <a:endParaRPr sz="2400" b="0" i="0">
-              <a:latin typeface="Courier"/>
-            </a:endParaRPr>
-          </a:p>
-          <a:p>
-            <a:pPr>
-              <a:lnSpc>
-                <a:spcPts val="2400"/>
-              </a:lnSpc>
-              <a:defRPr>
-                <a:solidFill>
-                  <a:srgbClr val="FFFFFF"/>
-                </a:solidFill>
-              </a:defRPr>
-            </a:pPr>
-            <a:r>
-              <a:rPr sz="2400" b="0" i="0">
-                <a:latin typeface="Courier"/>
-              </a:rPr>
-              <a:t>L1_TX1       3 4 25</a:t>
-            </a:r>
-            <a:endParaRPr sz="2400" b="0" i="0">
-              <a:latin typeface="Courier"/>
-            </a:endParaRPr>
-          </a:p>
-          <a:p>
-            <a:pPr>
-              <a:lnSpc>
-                <a:spcPts val="2400"/>
-              </a:lnSpc>
-              <a:defRPr>
-                <a:solidFill>
-                  <a:srgbClr val="FFFFFF"/>
-                </a:solidFill>
-              </a:defRPr>
-            </a:pPr>
-            <a:r>
-              <a:rPr sz="2400" b="0" i="0">
-                <a:latin typeface="Courier"/>
-              </a:rPr>
-              <a:t>L2_TX1       1 0 1</a:t>
-            </a:r>
-            <a:endParaRPr sz="2400" b="0" i="0">
-              <a:latin typeface="Courier"/>
-            </a:endParaRPr>
-          </a:p>
-          <a:p>
-            <a:pPr>
-              <a:lnSpc>
-                <a:spcPts val="2400"/>
-              </a:lnSpc>
-              <a:defRPr>
-                <a:solidFill>
-                  <a:srgbClr val="FFFFFF"/>
-                </a:solidFill>
-              </a:defRPr>
-            </a:pPr>
-            <a:r>
-              <a:rPr sz="2400" b="0" i="0">
-                <a:latin typeface="Courier"/>
-              </a:rPr>
-              <a:t>K_TX1        L1_TX1 L2_TX1 1.</a:t>
-            </a:r>
-            <a:endParaRPr sz="2400" b="0" i="0">
-              <a:latin typeface="Courier"/>
-            </a:endParaRPr>
-          </a:p>
-          <a:p>
-            <a:pPr>
-              <a:lnSpc>
-                <a:spcPts val="2400"/>
-              </a:lnSpc>
-              <a:defRPr>
-                <a:solidFill>
-                  <a:srgbClr val="FFFFFF"/>
-                </a:solidFill>
-              </a:defRPr>
-            </a:pPr>
-            <a:r>
-              <a:rPr sz="2400" b="0" i="0">
-                <a:latin typeface="Courier"/>
-              </a:rPr>
-              <a:t>Q_Q5         4 5 0 Q2</a:t>
-            </a:r>
-            <a:endParaRPr sz="2400" b="0" i="0">
-              <a:latin typeface="Courier"/>
-            </a:endParaRPr>
-          </a:p>
-          <a:p>
-            <a:pPr>
-              <a:lnSpc>
-                <a:spcPts val="2400"/>
-              </a:lnSpc>
-              <a:defRPr>
-                <a:solidFill>
-                  <a:srgbClr val="FFFFFF"/>
-                </a:solidFill>
-              </a:defRPr>
-            </a:pPr>
-            <a:r>
-              <a:rPr sz="2400" b="0" i="0">
-                <a:latin typeface="Courier"/>
-              </a:rPr>
-              <a:t>I_I4         0 5  SIN(17m 15m 10k) DC=17m</a:t>
-            </a:r>
-            <a:endParaRPr sz="2400" b="0" i="0">
-              <a:latin typeface="Courier"/>
-            </a:endParaRPr>
-          </a:p>
-          <a:p>
-            <a:pPr>
-              <a:lnSpc>
-                <a:spcPts val="2400"/>
-              </a:lnSpc>
-              <a:defRPr>
-                <a:solidFill>
-                  <a:srgbClr val="FFFFFF"/>
-                </a:solidFill>
-              </a:defRPr>
-            </a:pPr>
-            <a:r>
-              <a:rPr sz="2400" b="0" i="0">
-                <a:latin typeface="Courier"/>
-              </a:rPr>
-              <a:t>V_VDD        2 0 66V</a:t>
-            </a:r>
-            <a:endParaRPr sz="2400" b="0" i="0">
-              <a:latin typeface="Courier"/>
-            </a:endParaRPr>
-          </a:p>
-          <a:p>
-            <a:pPr>
-              <a:lnSpc>
-                <a:spcPts val="2400"/>
-              </a:lnSpc>
-              <a:defRPr>
-                <a:solidFill>
-                  <a:srgbClr val="FFFFFF"/>
-                </a:solidFill>
-              </a:defRPr>
-            </a:pPr>
-            <a:endParaRPr sz="2400" b="0" i="0">
-              <a:latin typeface="Courier"/>
-            </a:endParaRPr>
-          </a:p>
-          <a:p>
-            <a:pPr>
-              <a:lnSpc>
-                <a:spcPts val="2400"/>
-              </a:lnSpc>
-              <a:defRPr>
-                <a:solidFill>
-                  <a:srgbClr val="FFFFFF"/>
-                </a:solidFill>
-              </a:defRPr>
-            </a:pPr>
-            <a:r>
-              <a:rPr sz="2400" b="0" i="0">
-                <a:latin typeface="Courier"/>
-              </a:rPr>
-              <a:t>.model Q2  NPN(Is=14.34p BF=20 )</a:t>
-            </a:r>
-            <a:endParaRPr sz="2400" b="0" i="0">
-              <a:latin typeface="Courier"/>
-            </a:endParaRPr>
-          </a:p>
+          <a:p/>
         </p:txBody>
       </p:sp>
       <p:sp>
@@ -7075,7 +10781,24 @@
       <p:grpSpPr/>
       <p:sp>
         <p:nvSpPr>
-          <p:cNvPr id="2" name="Title 1"/>
+          <p:cNvPr id="2" name="Content Placeholder 1"/>
+          <p:cNvSpPr>
+            <a:spLocks noGrp="1"/>
+          </p:cNvSpPr>
+          <p:nvPr>
+            <p:ph idx="1"/>
+          </p:nvPr>
+        </p:nvSpPr>
+        <p:spPr/>
+        <p:txBody>
+          <a:bodyPr/>
+          <a:lstStyle/>
+          <a:p/>
+        </p:txBody>
+      </p:sp>
+      <p:sp>
+        <p:nvSpPr>
+          <p:cNvPr id="3" name="Title 2"/>
           <p:cNvSpPr>
             <a:spLocks noGrp="1"/>
           </p:cNvSpPr>
@@ -7094,7 +10817,7 @@
               <a:rPr sz="3200" b="1" i="0">
                 <a:latin typeface="Arial"/>
               </a:rPr>
-              <a:t>Stroom-spanning</a:t>
+              <a:t>SPICE code</a:t>
             </a:r>
             <a:endParaRPr sz="3200" b="1" i="0">
               <a:latin typeface="Arial"/>
@@ -7102,30 +10825,6 @@
           </a:p>
         </p:txBody>
       </p:sp>
-      <p:pic>
-        <p:nvPicPr>
-          <p:cNvPr id="3" name="Picture 2" descr="image.png"/>
-          <p:cNvPicPr>
-            <a:picLocks noChangeAspect="1"/>
-          </p:cNvPicPr>
-          <p:nvPr/>
-        </p:nvPicPr>
-        <p:blipFill>
-          <a:blip r:embed="rId2"/>
-          <a:stretch>
-            <a:fillRect/>
-          </a:stretch>
-        </p:blipFill>
-        <p:spPr>
-          <a:xfrm>
-            <a:off x="2518460" y="566928"/>
-            <a:ext cx="7155079" cy="5577840"/>
-          </a:xfrm>
-          <a:prstGeom prst="rect">
-            <a:avLst/>
-          </a:prstGeom>
-        </p:spPr>
-      </p:pic>
     </p:spTree>
   </p:cSld>
   <p:clrMapOvr>

--- a/AnalogeElektronica2/PowerPoint/Klasse-A.pptx
+++ b/AnalogeElektronica2/PowerPoint/Klasse-A.pptx
@@ -25,27 +25,6 @@
     <p:sldId id="267" r:id="rId24"/>
     <p:sldId id="268" r:id="rId25"/>
     <p:sldId id="269" r:id="rId26"/>
-    <p:sldId id="270" r:id="rId27"/>
-    <p:sldId id="271" r:id="rId28"/>
-    <p:sldId id="272" r:id="rId29"/>
-    <p:sldId id="273" r:id="rId30"/>
-    <p:sldId id="274" r:id="rId31"/>
-    <p:sldId id="275" r:id="rId32"/>
-    <p:sldId id="276" r:id="rId33"/>
-    <p:sldId id="277" r:id="rId34"/>
-    <p:sldId id="278" r:id="rId35"/>
-    <p:sldId id="279" r:id="rId36"/>
-    <p:sldId id="280" r:id="rId37"/>
-    <p:sldId id="281" r:id="rId38"/>
-    <p:sldId id="282" r:id="rId39"/>
-    <p:sldId id="283" r:id="rId40"/>
-    <p:sldId id="284" r:id="rId41"/>
-    <p:sldId id="285" r:id="rId42"/>
-    <p:sldId id="286" r:id="rId43"/>
-    <p:sldId id="287" r:id="rId44"/>
-    <p:sldId id="288" r:id="rId45"/>
-    <p:sldId id="289" r:id="rId46"/>
-    <p:sldId id="290" r:id="rId47"/>
   </p:sldIdLst>
   <p:sldSz cx="12192000" cy="6858000"/>
   <p:notesSz cx="6858000" cy="9144000"/>
@@ -5716,9 +5695,235 @@
         </p:nvSpPr>
         <p:spPr/>
         <p:txBody>
-          <a:bodyPr/>
+          <a:bodyPr wrap="square">
+            <a:noAutofit/>
+          </a:bodyPr>
           <a:lstStyle/>
-          <a:p/>
+          <a:p>
+            <a:pPr>
+              <a:lnSpc>
+                <a:spcPts val="2400"/>
+              </a:lnSpc>
+              <a:defRPr>
+                <a:solidFill>
+                  <a:srgbClr val="FFFFFF"/>
+                </a:solidFill>
+              </a:defRPr>
+            </a:pPr>
+            <a:r>
+              <a:rPr sz="2400" b="0" i="0">
+                <a:latin typeface="Courier"/>
+              </a:rPr>
+              <a:t>* Spice file van een eenvoudige Klasse A versterker</a:t>
+            </a:r>
+            <a:endParaRPr sz="2400" b="0" i="0">
+              <a:latin typeface="Courier"/>
+            </a:endParaRPr>
+          </a:p>
+          <a:p>
+            <a:pPr>
+              <a:lnSpc>
+                <a:spcPts val="2400"/>
+              </a:lnSpc>
+              <a:defRPr>
+                <a:solidFill>
+                  <a:srgbClr val="FFFFFF"/>
+                </a:solidFill>
+              </a:defRPr>
+            </a:pPr>
+            <a:r>
+              <a:rPr sz="2400" b="0" i="0">
+                <a:latin typeface="Courier"/>
+              </a:rPr>
+              <a:t>R_R6         0 1  8</a:t>
+            </a:r>
+            <a:endParaRPr sz="2400" b="0" i="0">
+              <a:latin typeface="Courier"/>
+            </a:endParaRPr>
+          </a:p>
+          <a:p>
+            <a:pPr>
+              <a:lnSpc>
+                <a:spcPts val="2400"/>
+              </a:lnSpc>
+              <a:defRPr>
+                <a:solidFill>
+                  <a:srgbClr val="FFFFFF"/>
+                </a:solidFill>
+              </a:defRPr>
+            </a:pPr>
+            <a:r>
+              <a:rPr sz="2400" b="0" i="0">
+                <a:latin typeface="Courier"/>
+              </a:rPr>
+              <a:t>R_R7         3 2  1</a:t>
+            </a:r>
+            <a:endParaRPr sz="2400" b="0" i="0">
+              <a:latin typeface="Courier"/>
+            </a:endParaRPr>
+          </a:p>
+          <a:p>
+            <a:pPr>
+              <a:lnSpc>
+                <a:spcPts val="2400"/>
+              </a:lnSpc>
+              <a:defRPr>
+                <a:solidFill>
+                  <a:srgbClr val="FFFFFF"/>
+                </a:solidFill>
+              </a:defRPr>
+            </a:pPr>
+            <a:r>
+              <a:rPr sz="2400" b="0" i="0">
+                <a:latin typeface="Courier"/>
+              </a:rPr>
+              <a:t>L1_TX1       3 4 25m</a:t>
+            </a:r>
+            <a:endParaRPr sz="2400" b="0" i="0">
+              <a:latin typeface="Courier"/>
+            </a:endParaRPr>
+          </a:p>
+          <a:p>
+            <a:pPr>
+              <a:lnSpc>
+                <a:spcPts val="2400"/>
+              </a:lnSpc>
+              <a:defRPr>
+                <a:solidFill>
+                  <a:srgbClr val="FFFFFF"/>
+                </a:solidFill>
+              </a:defRPr>
+            </a:pPr>
+            <a:r>
+              <a:rPr sz="2400" b="0" i="0">
+                <a:latin typeface="Courier"/>
+              </a:rPr>
+              <a:t>L2_TX1       1 0 1m</a:t>
+            </a:r>
+            <a:endParaRPr sz="2400" b="0" i="0">
+              <a:latin typeface="Courier"/>
+            </a:endParaRPr>
+          </a:p>
+          <a:p>
+            <a:pPr>
+              <a:lnSpc>
+                <a:spcPts val="2400"/>
+              </a:lnSpc>
+              <a:defRPr>
+                <a:solidFill>
+                  <a:srgbClr val="FFFFFF"/>
+                </a:solidFill>
+              </a:defRPr>
+            </a:pPr>
+            <a:r>
+              <a:rPr sz="2400" b="0" i="0">
+                <a:latin typeface="Courier"/>
+              </a:rPr>
+              <a:t>K_TX1        L1_TX1 L2_TX1 1.</a:t>
+            </a:r>
+            <a:endParaRPr sz="2400" b="0" i="0">
+              <a:latin typeface="Courier"/>
+            </a:endParaRPr>
+          </a:p>
+          <a:p>
+            <a:pPr>
+              <a:lnSpc>
+                <a:spcPts val="2400"/>
+              </a:lnSpc>
+              <a:defRPr>
+                <a:solidFill>
+                  <a:srgbClr val="FFFFFF"/>
+                </a:solidFill>
+              </a:defRPr>
+            </a:pPr>
+            <a:r>
+              <a:rPr sz="2400" b="0" i="0">
+                <a:latin typeface="Courier"/>
+              </a:rPr>
+              <a:t>Q_Q5         4 5 0 Q2</a:t>
+            </a:r>
+            <a:endParaRPr sz="2400" b="0" i="0">
+              <a:latin typeface="Courier"/>
+            </a:endParaRPr>
+          </a:p>
+          <a:p>
+            <a:pPr>
+              <a:lnSpc>
+                <a:spcPts val="2400"/>
+              </a:lnSpc>
+              <a:defRPr>
+                <a:solidFill>
+                  <a:srgbClr val="FFFFFF"/>
+                </a:solidFill>
+              </a:defRPr>
+            </a:pPr>
+            <a:r>
+              <a:rPr sz="2400" b="0" i="0">
+                <a:latin typeface="Courier"/>
+              </a:rPr>
+              <a:t>I_I4         0 5  SIN(17m 15m 100k) DC=17m</a:t>
+            </a:r>
+            <a:endParaRPr sz="2400" b="0" i="0">
+              <a:latin typeface="Courier"/>
+            </a:endParaRPr>
+          </a:p>
+          <a:p>
+            <a:pPr>
+              <a:lnSpc>
+                <a:spcPts val="2400"/>
+              </a:lnSpc>
+              <a:defRPr>
+                <a:solidFill>
+                  <a:srgbClr val="FFFFFF"/>
+                </a:solidFill>
+              </a:defRPr>
+            </a:pPr>
+            <a:r>
+              <a:rPr sz="2400" b="0" i="0">
+                <a:latin typeface="Courier"/>
+              </a:rPr>
+              <a:t>V_VDD        2 0 66V</a:t>
+            </a:r>
+            <a:endParaRPr sz="2400" b="0" i="0">
+              <a:latin typeface="Courier"/>
+            </a:endParaRPr>
+          </a:p>
+          <a:p>
+            <a:pPr>
+              <a:lnSpc>
+                <a:spcPts val="2400"/>
+              </a:lnSpc>
+              <a:defRPr>
+                <a:solidFill>
+                  <a:srgbClr val="FFFFFF"/>
+                </a:solidFill>
+              </a:defRPr>
+            </a:pPr>
+            <a:endParaRPr sz="2400" b="0" i="0">
+              <a:latin typeface="Courier"/>
+            </a:endParaRPr>
+          </a:p>
+          <a:p>
+            <a:pPr>
+              <a:lnSpc>
+                <a:spcPts val="2400"/>
+              </a:lnSpc>
+              <a:defRPr>
+                <a:solidFill>
+                  <a:srgbClr val="FFFFFF"/>
+                </a:solidFill>
+              </a:defRPr>
+            </a:pPr>
+            <a:r>
+              <a:rPr sz="2400" b="0" i="0">
+                <a:latin typeface="Courier"/>
+              </a:rPr>
+              <a:t>.model Q2  NPN(Is=14.34p BF=20 )</a:t>
+            </a:r>
+            <a:endParaRPr sz="2400" b="0" i="0">
+              <a:latin typeface="Courier"/>
+            </a:endParaRPr>
+          </a:p>
         </p:txBody>
       </p:sp>
       <p:sp>
@@ -5742,7 +5947,7 @@
               <a:rPr sz="3200" b="1" i="0">
                 <a:latin typeface="Arial"/>
               </a:rPr>
-              <a:t>SPICE code</a:t>
+              <a:t>spice code 100 kHz aansturing</a:t>
             </a:r>
             <a:endParaRPr sz="3200" b="1" i="0">
               <a:latin typeface="Arial"/>
@@ -5770,313 +5975,7 @@
       <p:grpSpPr/>
       <p:sp>
         <p:nvSpPr>
-          <p:cNvPr id="2" name="Content Placeholder 1"/>
-          <p:cNvSpPr>
-            <a:spLocks noGrp="1"/>
-          </p:cNvSpPr>
-          <p:nvPr>
-            <p:ph idx="1"/>
-          </p:nvPr>
-        </p:nvSpPr>
-        <p:spPr/>
-        <p:txBody>
-          <a:bodyPr/>
-          <a:lstStyle/>
-          <a:p>
-            <a:r>
-              <a:rPr sz="1400">
-                <a:solidFill>
-                  <a:srgbClr val="000000"/>
-                </a:solidFill>
-                <a:latin typeface="Courier New"/>
-              </a:rPr>
-              <a:t/>
-            </a:r>
-            <a:r>
-              <a:rPr sz="1400">
-                <a:solidFill>
-                  <a:srgbClr val="000000"/>
-                </a:solidFill>
-                <a:latin typeface="Courier New"/>
-              </a:rPr>
-              <a:t>*</a:t>
-            </a:r>
-            <a:r>
-              <a:rPr sz="1400">
-                <a:solidFill>
-                  <a:srgbClr val="000000"/>
-                </a:solidFill>
-                <a:latin typeface="Courier New"/>
-              </a:rPr>
-              <a:t> </a:t>
-            </a:r>
-            <a:r>
-              <a:rPr sz="1400">
-                <a:solidFill>
-                  <a:srgbClr val="000000"/>
-                </a:solidFill>
-                <a:latin typeface="Courier New"/>
-              </a:rPr>
-              <a:t>Spice</a:t>
-            </a:r>
-            <a:r>
-              <a:rPr sz="1400">
-                <a:solidFill>
-                  <a:srgbClr val="000000"/>
-                </a:solidFill>
-                <a:latin typeface="Courier New"/>
-              </a:rPr>
-              <a:t> </a:t>
-            </a:r>
-            <a:r>
-              <a:rPr sz="1400">
-                <a:solidFill>
-                  <a:srgbClr val="000000"/>
-                </a:solidFill>
-                <a:latin typeface="Courier New"/>
-              </a:rPr>
-              <a:t>file</a:t>
-            </a:r>
-            <a:r>
-              <a:rPr sz="1400">
-                <a:solidFill>
-                  <a:srgbClr val="000000"/>
-                </a:solidFill>
-                <a:latin typeface="Courier New"/>
-              </a:rPr>
-              <a:t> </a:t>
-            </a:r>
-            <a:r>
-              <a:rPr sz="1400">
-                <a:solidFill>
-                  <a:srgbClr val="000000"/>
-                </a:solidFill>
-                <a:latin typeface="Courier New"/>
-              </a:rPr>
-              <a:t>van</a:t>
-            </a:r>
-            <a:r>
-              <a:rPr sz="1400">
-                <a:solidFill>
-                  <a:srgbClr val="000000"/>
-                </a:solidFill>
-                <a:latin typeface="Courier New"/>
-              </a:rPr>
-              <a:t> </a:t>
-            </a:r>
-            <a:r>
-              <a:rPr sz="1400">
-                <a:solidFill>
-                  <a:srgbClr val="000000"/>
-                </a:solidFill>
-                <a:latin typeface="Courier New"/>
-              </a:rPr>
-              <a:t>een</a:t>
-            </a:r>
-            <a:r>
-              <a:rPr sz="1400">
-                <a:solidFill>
-                  <a:srgbClr val="000000"/>
-                </a:solidFill>
-                <a:latin typeface="Courier New"/>
-              </a:rPr>
-              <a:t> </a:t>
-            </a:r>
-            <a:r>
-              <a:rPr sz="1400">
-                <a:solidFill>
-                  <a:srgbClr val="000000"/>
-                </a:solidFill>
-                <a:latin typeface="Courier New"/>
-              </a:rPr>
-              <a:t>eenvoudige</a:t>
-            </a:r>
-            <a:r>
-              <a:rPr sz="1400">
-                <a:solidFill>
-                  <a:srgbClr val="000000"/>
-                </a:solidFill>
-                <a:latin typeface="Courier New"/>
-              </a:rPr>
-              <a:t> </a:t>
-            </a:r>
-            <a:r>
-              <a:rPr sz="1400">
-                <a:solidFill>
-                  <a:srgbClr val="000000"/>
-                </a:solidFill>
-                <a:latin typeface="Courier New"/>
-              </a:rPr>
-              <a:t>Klasse</a:t>
-            </a:r>
-            <a:r>
-              <a:rPr sz="1400">
-                <a:solidFill>
-                  <a:srgbClr val="000000"/>
-                </a:solidFill>
-                <a:latin typeface="Courier New"/>
-              </a:rPr>
-              <a:t> </a:t>
-            </a:r>
-            <a:r>
-              <a:rPr sz="1400">
-                <a:solidFill>
-                  <a:srgbClr val="000000"/>
-                </a:solidFill>
-                <a:latin typeface="Courier New"/>
-              </a:rPr>
-              <a:t>A</a:t>
-            </a:r>
-            <a:r>
-              <a:rPr sz="1400">
-                <a:solidFill>
-                  <a:srgbClr val="000000"/>
-                </a:solidFill>
-                <a:latin typeface="Courier New"/>
-              </a:rPr>
-              <a:t> </a:t>
-            </a:r>
-            <a:r>
-              <a:rPr sz="1400">
-                <a:solidFill>
-                  <a:srgbClr val="000000"/>
-                </a:solidFill>
-                <a:latin typeface="Courier New"/>
-              </a:rPr>
-              <a:t>versterker</a:t>
-            </a:r>
-            <a:r>
-              <a:rPr sz="1400">
-                <a:solidFill>
-                  <a:srgbClr val="000000"/>
-                </a:solidFill>
-                <a:latin typeface="Courier New"/>
-              </a:rPr>
-              <a:t>R_R6</a:t>
-            </a:r>
-            <a:r>
-              <a:rPr sz="1400">
-                <a:solidFill>
-                  <a:srgbClr val="000000"/>
-                </a:solidFill>
-                <a:latin typeface="Courier New"/>
-              </a:rPr>
-              <a:t>         </a:t>
-            </a:r>
-            <a:r>
-              <a:rPr sz="1400">
-                <a:solidFill>
-                  <a:srgbClr val="000000"/>
-                </a:solidFill>
-                <a:latin typeface="Courier New"/>
-              </a:rPr>
-              <a:t>0</a:t>
-            </a:r>
-            <a:r>
-              <a:rPr sz="1400">
-                <a:solidFill>
-                  <a:srgbClr val="000000"/>
-                </a:solidFill>
-                <a:latin typeface="Courier New"/>
-              </a:rPr>
-              <a:t> </a:t>
-            </a:r>
-            <a:r>
-              <a:rPr sz="1400">
-                <a:solidFill>
-                  <a:srgbClr val="000000"/>
-                </a:solidFill>
-                <a:latin typeface="Courier New"/>
-              </a:rPr>
-              <a:t>1</a:t>
-            </a:r>
-            <a:r>
-              <a:rPr sz="1400">
-                <a:solidFill>
-                  <a:srgbClr val="000000"/>
-                </a:solidFill>
-                <a:latin typeface="Courier New"/>
-              </a:rPr>
-              <a:t>  </a:t>
-            </a:r>
-            <a:r>
-              <a:rPr sz="1400">
-                <a:solidFill>
-                  <a:srgbClr val="000000"/>
-                </a:solidFill>
-                <a:latin typeface="Courier New"/>
-              </a:rPr>
-              <a:t>8</a:t>
-            </a:r>
-            <a:r>
-              <a:rPr sz="1400">
-                <a:solidFill>
-                  <a:srgbClr val="000000"/>
-                </a:solidFill>
-                <a:latin typeface="Courier New"/>
-              </a:rPr>
-              <a:t>R_R7</a:t>
-            </a:r>
-            <a:r>
-              <a:rPr sz="1400">
-                <a:solidFill>
-                  <a:srgbClr val="000000"/>
-                </a:solidFill>
-                <a:latin typeface="Courier New"/>
-              </a:rPr>
-              <a:t>         </a:t>
-            </a:r>
-            <a:r>
-              <a:rPr sz="1400">
-                <a:solidFill>
-                  <a:srgbClr val="000000"/>
-                </a:solidFill>
-                <a:latin typeface="Courier New"/>
-              </a:rPr>
-              <a:t>3</a:t>
-            </a:r>
-            <a:r>
-              <a:rPr sz="1400">
-                <a:solidFill>
-                  <a:srgbClr val="000000"/>
-                </a:solidFill>
-                <a:latin typeface="Courier New"/>
-              </a:rPr>
-              <a:t> </a:t>
-            </a:r>
-            <a:r>
-              <a:rPr sz="1400">
-                <a:solidFill>
-                  <a:srgbClr val="000000"/>
-                </a:solidFill>
-                <a:latin typeface="Courier New"/>
-              </a:rPr>
-              <a:t>2</a:t>
-            </a:r>
-            <a:r>
-              <a:rPr sz="1400">
-                <a:solidFill>
-                  <a:srgbClr val="000000"/>
-                </a:solidFill>
-                <a:latin typeface="Courier New"/>
-              </a:rPr>
-              <a:t>  </a:t>
-            </a:r>
-            <a:r>
-              <a:rPr sz="1400">
-                <a:solidFill>
-                  <a:srgbClr val="000000"/>
-                </a:solidFill>
-                <a:latin typeface="Courier New"/>
-              </a:rPr>
-              <a:t>1</a:t>
-            </a:r>
-          </a:p>
-        </p:txBody>
-      </p:sp>
-      <p:sp>
-        <p:nvSpPr>
-          <p:cNvPr id="3" name="Title 2"/>
+          <p:cNvPr id="2" name="Title 1"/>
           <p:cNvSpPr>
             <a:spLocks noGrp="1"/>
           </p:cNvSpPr>
@@ -6095,7 +5994,7 @@
               <a:rPr sz="3200" b="1" i="0">
                 <a:latin typeface="Arial"/>
               </a:rPr>
-              <a:t>SPICE code</a:t>
+              <a:t>100 kHz aansturing</a:t>
             </a:r>
             <a:endParaRPr sz="3200" b="1" i="0">
               <a:latin typeface="Arial"/>
@@ -6103,6 +6002,30 @@
           </a:p>
         </p:txBody>
       </p:sp>
+      <p:pic>
+        <p:nvPicPr>
+          <p:cNvPr id="3" name="Picture 2" descr="image.png"/>
+          <p:cNvPicPr>
+            <a:picLocks noChangeAspect="1"/>
+          </p:cNvPicPr>
+          <p:nvPr/>
+        </p:nvPicPr>
+        <p:blipFill>
+          <a:blip r:embed="rId2"/>
+          <a:stretch>
+            <a:fillRect/>
+          </a:stretch>
+        </p:blipFill>
+        <p:spPr>
+          <a:xfrm>
+            <a:off x="2604716" y="566928"/>
+            <a:ext cx="6982568" cy="5577840"/>
+          </a:xfrm>
+          <a:prstGeom prst="rect">
+            <a:avLst/>
+          </a:prstGeom>
+        </p:spPr>
+      </p:pic>
     </p:spTree>
   </p:cSld>
   <p:clrMapOvr>
@@ -6123,745 +6046,7 @@
       <p:grpSpPr/>
       <p:sp>
         <p:nvSpPr>
-          <p:cNvPr id="2" name="Content Placeholder 1"/>
-          <p:cNvSpPr>
-            <a:spLocks noGrp="1"/>
-          </p:cNvSpPr>
-          <p:nvPr>
-            <p:ph idx="1"/>
-          </p:nvPr>
-        </p:nvSpPr>
-        <p:spPr/>
-        <p:txBody>
-          <a:bodyPr/>
-          <a:lstStyle/>
-          <a:p>
-            <a:r>
-              <a:rPr sz="1400">
-                <a:solidFill>
-                  <a:srgbClr val="000000"/>
-                </a:solidFill>
-                <a:latin typeface="Courier New"/>
-              </a:rPr>
-              <a:t>L1_TX1</a:t>
-            </a:r>
-            <a:r>
-              <a:rPr sz="1400">
-                <a:solidFill>
-                  <a:srgbClr val="000000"/>
-                </a:solidFill>
-                <a:latin typeface="Courier New"/>
-              </a:rPr>
-              <a:t> </a:t>
-            </a:r>
-            <a:r>
-              <a:rPr sz="1400">
-                <a:solidFill>
-                  <a:srgbClr val="000000"/>
-                </a:solidFill>
-                <a:latin typeface="Courier New"/>
-              </a:rPr>
-              <a:t>3</a:t>
-            </a:r>
-            <a:r>
-              <a:rPr sz="1400">
-                <a:solidFill>
-                  <a:srgbClr val="000000"/>
-                </a:solidFill>
-                <a:latin typeface="Courier New"/>
-              </a:rPr>
-              <a:t> </a:t>
-            </a:r>
-            <a:r>
-              <a:rPr sz="1400">
-                <a:solidFill>
-                  <a:srgbClr val="000000"/>
-                </a:solidFill>
-                <a:latin typeface="Courier New"/>
-              </a:rPr>
-              <a:t>4</a:t>
-            </a:r>
-            <a:r>
-              <a:rPr sz="1400">
-                <a:solidFill>
-                  <a:srgbClr val="000000"/>
-                </a:solidFill>
-                <a:latin typeface="Courier New"/>
-              </a:rPr>
-              <a:t> </a:t>
-            </a:r>
-            <a:r>
-              <a:rPr sz="1400">
-                <a:solidFill>
-                  <a:srgbClr val="000000"/>
-                </a:solidFill>
-                <a:latin typeface="Courier New"/>
-              </a:rPr>
-              <a:t>25</a:t>
-            </a:r>
-            <a:r>
-              <a:rPr sz="1400">
-                <a:solidFill>
-                  <a:srgbClr val="000000"/>
-                </a:solidFill>
-                <a:latin typeface="Courier New"/>
-              </a:rPr>
-              <a:t>m</a:t>
-            </a:r>
-            <a:r>
-              <a:rPr sz="1400">
-                <a:solidFill>
-                  <a:srgbClr val="000000"/>
-                </a:solidFill>
-                <a:latin typeface="Courier New"/>
-              </a:rPr>
-              <a:t>L2_TX1</a:t>
-            </a:r>
-            <a:r>
-              <a:rPr sz="1400">
-                <a:solidFill>
-                  <a:srgbClr val="000000"/>
-                </a:solidFill>
-                <a:latin typeface="Courier New"/>
-              </a:rPr>
-              <a:t> </a:t>
-            </a:r>
-            <a:r>
-              <a:rPr sz="1400">
-                <a:solidFill>
-                  <a:srgbClr val="000000"/>
-                </a:solidFill>
-                <a:latin typeface="Courier New"/>
-              </a:rPr>
-              <a:t>1</a:t>
-            </a:r>
-            <a:r>
-              <a:rPr sz="1400">
-                <a:solidFill>
-                  <a:srgbClr val="000000"/>
-                </a:solidFill>
-                <a:latin typeface="Courier New"/>
-              </a:rPr>
-              <a:t> </a:t>
-            </a:r>
-            <a:r>
-              <a:rPr sz="1400">
-                <a:solidFill>
-                  <a:srgbClr val="000000"/>
-                </a:solidFill>
-                <a:latin typeface="Courier New"/>
-              </a:rPr>
-              <a:t>0</a:t>
-            </a:r>
-            <a:r>
-              <a:rPr sz="1400">
-                <a:solidFill>
-                  <a:srgbClr val="000000"/>
-                </a:solidFill>
-                <a:latin typeface="Courier New"/>
-              </a:rPr>
-              <a:t> </a:t>
-            </a:r>
-            <a:r>
-              <a:rPr sz="1400">
-                <a:solidFill>
-                  <a:srgbClr val="000000"/>
-                </a:solidFill>
-                <a:latin typeface="Courier New"/>
-              </a:rPr>
-              <a:t>1</a:t>
-            </a:r>
-            <a:r>
-              <a:rPr sz="1400">
-                <a:solidFill>
-                  <a:srgbClr val="000000"/>
-                </a:solidFill>
-                <a:latin typeface="Courier New"/>
-              </a:rPr>
-              <a:t>m</a:t>
-            </a:r>
-            <a:r>
-              <a:rPr sz="1400">
-                <a:solidFill>
-                  <a:srgbClr val="000000"/>
-                </a:solidFill>
-                <a:latin typeface="Courier New"/>
-              </a:rPr>
-              <a:t>K_TX1</a:t>
-            </a:r>
-            <a:r>
-              <a:rPr sz="1400">
-                <a:solidFill>
-                  <a:srgbClr val="000000"/>
-                </a:solidFill>
-                <a:latin typeface="Courier New"/>
-              </a:rPr>
-              <a:t> </a:t>
-            </a:r>
-            <a:r>
-              <a:rPr sz="1400">
-                <a:solidFill>
-                  <a:srgbClr val="000000"/>
-                </a:solidFill>
-                <a:latin typeface="Courier New"/>
-              </a:rPr>
-              <a:t>L1_TX1</a:t>
-            </a:r>
-            <a:r>
-              <a:rPr sz="1400">
-                <a:solidFill>
-                  <a:srgbClr val="000000"/>
-                </a:solidFill>
-                <a:latin typeface="Courier New"/>
-              </a:rPr>
-              <a:t> </a:t>
-            </a:r>
-            <a:r>
-              <a:rPr sz="1400">
-                <a:solidFill>
-                  <a:srgbClr val="000000"/>
-                </a:solidFill>
-                <a:latin typeface="Courier New"/>
-              </a:rPr>
-              <a:t>L2_TX1</a:t>
-            </a:r>
-            <a:r>
-              <a:rPr sz="1400">
-                <a:solidFill>
-                  <a:srgbClr val="000000"/>
-                </a:solidFill>
-                <a:latin typeface="Courier New"/>
-              </a:rPr>
-              <a:t> </a:t>
-            </a:r>
-            <a:r>
-              <a:rPr sz="1400">
-                <a:solidFill>
-                  <a:srgbClr val="000000"/>
-                </a:solidFill>
-                <a:latin typeface="Courier New"/>
-              </a:rPr>
-              <a:t>1</a:t>
-            </a:r>
-            <a:r>
-              <a:rPr sz="1400">
-                <a:solidFill>
-                  <a:srgbClr val="000000"/>
-                </a:solidFill>
-                <a:latin typeface="Courier New"/>
-              </a:rPr>
-              <a:t>.</a:t>
-            </a:r>
-            <a:r>
-              <a:rPr sz="1400">
-                <a:solidFill>
-                  <a:srgbClr val="000000"/>
-                </a:solidFill>
-                <a:latin typeface="Courier New"/>
-              </a:rPr>
-              <a:t>Q_Q5</a:t>
-            </a:r>
-            <a:r>
-              <a:rPr sz="1400">
-                <a:solidFill>
-                  <a:srgbClr val="000000"/>
-                </a:solidFill>
-                <a:latin typeface="Courier New"/>
-              </a:rPr>
-              <a:t> </a:t>
-            </a:r>
-            <a:r>
-              <a:rPr sz="1400">
-                <a:solidFill>
-                  <a:srgbClr val="000000"/>
-                </a:solidFill>
-                <a:latin typeface="Courier New"/>
-              </a:rPr>
-              <a:t>4</a:t>
-            </a:r>
-            <a:r>
-              <a:rPr sz="1400">
-                <a:solidFill>
-                  <a:srgbClr val="000000"/>
-                </a:solidFill>
-                <a:latin typeface="Courier New"/>
-              </a:rPr>
-              <a:t> </a:t>
-            </a:r>
-            <a:r>
-              <a:rPr sz="1400">
-                <a:solidFill>
-                  <a:srgbClr val="000000"/>
-                </a:solidFill>
-                <a:latin typeface="Courier New"/>
-              </a:rPr>
-              <a:t>5</a:t>
-            </a:r>
-            <a:r>
-              <a:rPr sz="1400">
-                <a:solidFill>
-                  <a:srgbClr val="000000"/>
-                </a:solidFill>
-                <a:latin typeface="Courier New"/>
-              </a:rPr>
-              <a:t> </a:t>
-            </a:r>
-            <a:r>
-              <a:rPr sz="1400">
-                <a:solidFill>
-                  <a:srgbClr val="000000"/>
-                </a:solidFill>
-                <a:latin typeface="Courier New"/>
-              </a:rPr>
-              <a:t>0</a:t>
-            </a:r>
-            <a:r>
-              <a:rPr sz="1400">
-                <a:solidFill>
-                  <a:srgbClr val="000000"/>
-                </a:solidFill>
-                <a:latin typeface="Courier New"/>
-              </a:rPr>
-              <a:t> </a:t>
-            </a:r>
-            <a:r>
-              <a:rPr sz="1400">
-                <a:solidFill>
-                  <a:srgbClr val="000000"/>
-                </a:solidFill>
-                <a:latin typeface="Courier New"/>
-              </a:rPr>
-              <a:t>Q2</a:t>
-            </a:r>
-            <a:r>
-              <a:rPr sz="1400">
-                <a:solidFill>
-                  <a:srgbClr val="000000"/>
-                </a:solidFill>
-                <a:latin typeface="Courier New"/>
-              </a:rPr>
-              <a:t>I_I4</a:t>
-            </a:r>
-            <a:r>
-              <a:rPr sz="1400">
-                <a:solidFill>
-                  <a:srgbClr val="000000"/>
-                </a:solidFill>
-                <a:latin typeface="Courier New"/>
-              </a:rPr>
-              <a:t> </a:t>
-            </a:r>
-            <a:r>
-              <a:rPr sz="1400">
-                <a:solidFill>
-                  <a:srgbClr val="000000"/>
-                </a:solidFill>
-                <a:latin typeface="Courier New"/>
-              </a:rPr>
-              <a:t>0</a:t>
-            </a:r>
-            <a:r>
-              <a:rPr sz="1400">
-                <a:solidFill>
-                  <a:srgbClr val="000000"/>
-                </a:solidFill>
-                <a:latin typeface="Courier New"/>
-              </a:rPr>
-              <a:t> </a:t>
-            </a:r>
-            <a:r>
-              <a:rPr sz="1400">
-                <a:solidFill>
-                  <a:srgbClr val="000000"/>
-                </a:solidFill>
-                <a:latin typeface="Courier New"/>
-              </a:rPr>
-              <a:t>5</a:t>
-            </a:r>
-            <a:r>
-              <a:rPr sz="1400">
-                <a:solidFill>
-                  <a:srgbClr val="000000"/>
-                </a:solidFill>
-                <a:latin typeface="Courier New"/>
-              </a:rPr>
-              <a:t> </a:t>
-            </a:r>
-            <a:r>
-              <a:rPr sz="1400">
-                <a:solidFill>
-                  <a:srgbClr val="000000"/>
-                </a:solidFill>
-                <a:latin typeface="Courier New"/>
-              </a:rPr>
-              <a:t>SIN</a:t>
-            </a:r>
-            <a:r>
-              <a:rPr sz="1400">
-                <a:solidFill>
-                  <a:srgbClr val="000000"/>
-                </a:solidFill>
-                <a:latin typeface="Courier New"/>
-              </a:rPr>
-              <a:t>(</a:t>
-            </a:r>
-            <a:r>
-              <a:rPr sz="1400">
-                <a:solidFill>
-                  <a:srgbClr val="000000"/>
-                </a:solidFill>
-                <a:latin typeface="Courier New"/>
-              </a:rPr>
-              <a:t>17</a:t>
-            </a:r>
-            <a:r>
-              <a:rPr sz="1400">
-                <a:solidFill>
-                  <a:srgbClr val="000000"/>
-                </a:solidFill>
-                <a:latin typeface="Courier New"/>
-              </a:rPr>
-              <a:t>m</a:t>
-            </a:r>
-            <a:r>
-              <a:rPr sz="1400">
-                <a:solidFill>
-                  <a:srgbClr val="000000"/>
-                </a:solidFill>
-                <a:latin typeface="Courier New"/>
-              </a:rPr>
-              <a:t> </a:t>
-            </a:r>
-            <a:r>
-              <a:rPr sz="1400">
-                <a:solidFill>
-                  <a:srgbClr val="000000"/>
-                </a:solidFill>
-                <a:latin typeface="Courier New"/>
-              </a:rPr>
-              <a:t>15</a:t>
-            </a:r>
-            <a:r>
-              <a:rPr sz="1400">
-                <a:solidFill>
-                  <a:srgbClr val="000000"/>
-                </a:solidFill>
-                <a:latin typeface="Courier New"/>
-              </a:rPr>
-              <a:t>m</a:t>
-            </a:r>
-            <a:r>
-              <a:rPr sz="1400">
-                <a:solidFill>
-                  <a:srgbClr val="000000"/>
-                </a:solidFill>
-                <a:latin typeface="Courier New"/>
-              </a:rPr>
-              <a:t> </a:t>
-            </a:r>
-            <a:r>
-              <a:rPr sz="1400">
-                <a:solidFill>
-                  <a:srgbClr val="000000"/>
-                </a:solidFill>
-                <a:latin typeface="Courier New"/>
-              </a:rPr>
-              <a:t>10</a:t>
-            </a:r>
-            <a:r>
-              <a:rPr sz="1400">
-                <a:solidFill>
-                  <a:srgbClr val="000000"/>
-                </a:solidFill>
-                <a:latin typeface="Courier New"/>
-              </a:rPr>
-              <a:t>k</a:t>
-            </a:r>
-            <a:r>
-              <a:rPr sz="1400">
-                <a:solidFill>
-                  <a:srgbClr val="000000"/>
-                </a:solidFill>
-                <a:latin typeface="Courier New"/>
-              </a:rPr>
-              <a:t>)</a:t>
-            </a:r>
-            <a:r>
-              <a:rPr sz="1400">
-                <a:solidFill>
-                  <a:srgbClr val="000000"/>
-                </a:solidFill>
-                <a:latin typeface="Courier New"/>
-              </a:rPr>
-              <a:t> </a:t>
-            </a:r>
-            <a:r>
-              <a:rPr sz="1400">
-                <a:solidFill>
-                  <a:srgbClr val="000000"/>
-                </a:solidFill>
-                <a:latin typeface="Courier New"/>
-              </a:rPr>
-              <a:t>DC</a:t>
-            </a:r>
-            <a:r>
-              <a:rPr sz="1400">
-                <a:solidFill>
-                  <a:srgbClr val="000000"/>
-                </a:solidFill>
-                <a:latin typeface="Courier New"/>
-              </a:rPr>
-              <a:t>=</a:t>
-            </a:r>
-            <a:r>
-              <a:rPr sz="1400">
-                <a:solidFill>
-                  <a:srgbClr val="000000"/>
-                </a:solidFill>
-                <a:latin typeface="Courier New"/>
-              </a:rPr>
-              <a:t>17</a:t>
-            </a:r>
-            <a:r>
-              <a:rPr sz="1400">
-                <a:solidFill>
-                  <a:srgbClr val="000000"/>
-                </a:solidFill>
-                <a:latin typeface="Courier New"/>
-              </a:rPr>
-              <a:t>m</a:t>
-            </a:r>
-            <a:r>
-              <a:rPr sz="1400">
-                <a:solidFill>
-                  <a:srgbClr val="000000"/>
-                </a:solidFill>
-                <a:latin typeface="Courier New"/>
-              </a:rPr>
-              <a:t>V_VDD</a:t>
-            </a:r>
-            <a:r>
-              <a:rPr sz="1400">
-                <a:solidFill>
-                  <a:srgbClr val="000000"/>
-                </a:solidFill>
-                <a:latin typeface="Courier New"/>
-              </a:rPr>
-              <a:t> </a:t>
-            </a:r>
-            <a:r>
-              <a:rPr sz="1400">
-                <a:solidFill>
-                  <a:srgbClr val="000000"/>
-                </a:solidFill>
-                <a:latin typeface="Courier New"/>
-              </a:rPr>
-              <a:t>2</a:t>
-            </a:r>
-            <a:r>
-              <a:rPr sz="1400">
-                <a:solidFill>
-                  <a:srgbClr val="000000"/>
-                </a:solidFill>
-                <a:latin typeface="Courier New"/>
-              </a:rPr>
-              <a:t> </a:t>
-            </a:r>
-            <a:r>
-              <a:rPr sz="1400">
-                <a:solidFill>
-                  <a:srgbClr val="000000"/>
-                </a:solidFill>
-                <a:latin typeface="Courier New"/>
-              </a:rPr>
-              <a:t>0</a:t>
-            </a:r>
-            <a:r>
-              <a:rPr sz="1400">
-                <a:solidFill>
-                  <a:srgbClr val="000000"/>
-                </a:solidFill>
-                <a:latin typeface="Courier New"/>
-              </a:rPr>
-              <a:t> </a:t>
-            </a:r>
-            <a:r>
-              <a:rPr sz="1400">
-                <a:solidFill>
-                  <a:srgbClr val="000000"/>
-                </a:solidFill>
-                <a:latin typeface="Courier New"/>
-              </a:rPr>
-              <a:t>66</a:t>
-            </a:r>
-            <a:r>
-              <a:rPr sz="1400">
-                <a:solidFill>
-                  <a:srgbClr val="000000"/>
-                </a:solidFill>
-                <a:latin typeface="Courier New"/>
-              </a:rPr>
-              <a:t>V</a:t>
-            </a:r>
-            <a:r>
-              <a:rPr sz="1400">
-                <a:solidFill>
-                  <a:srgbClr val="000000"/>
-                </a:solidFill>
-                <a:latin typeface="Courier New"/>
-              </a:rPr>
-              <a:t>.</a:t>
-            </a:r>
-            <a:r>
-              <a:rPr sz="1400">
-                <a:solidFill>
-                  <a:srgbClr val="000000"/>
-                </a:solidFill>
-                <a:latin typeface="Courier New"/>
-              </a:rPr>
-              <a:t>model</a:t>
-            </a:r>
-            <a:r>
-              <a:rPr sz="1400">
-                <a:solidFill>
-                  <a:srgbClr val="000000"/>
-                </a:solidFill>
-                <a:latin typeface="Courier New"/>
-              </a:rPr>
-              <a:t> </a:t>
-            </a:r>
-            <a:r>
-              <a:rPr sz="1400">
-                <a:solidFill>
-                  <a:srgbClr val="000000"/>
-                </a:solidFill>
-                <a:latin typeface="Courier New"/>
-              </a:rPr>
-              <a:t>Q2</a:t>
-            </a:r>
-            <a:r>
-              <a:rPr sz="1400">
-                <a:solidFill>
-                  <a:srgbClr val="000000"/>
-                </a:solidFill>
-                <a:latin typeface="Courier New"/>
-              </a:rPr>
-              <a:t> </a:t>
-            </a:r>
-            <a:r>
-              <a:rPr sz="1400">
-                <a:solidFill>
-                  <a:srgbClr val="000000"/>
-                </a:solidFill>
-                <a:latin typeface="Courier New"/>
-              </a:rPr>
-              <a:t>NPN</a:t>
-            </a:r>
-            <a:r>
-              <a:rPr sz="1400">
-                <a:solidFill>
-                  <a:srgbClr val="000000"/>
-                </a:solidFill>
-                <a:latin typeface="Courier New"/>
-              </a:rPr>
-              <a:t>(</a:t>
-            </a:r>
-            <a:r>
-              <a:rPr sz="1400">
-                <a:solidFill>
-                  <a:srgbClr val="000000"/>
-                </a:solidFill>
-                <a:latin typeface="Courier New"/>
-              </a:rPr>
-              <a:t>Is</a:t>
-            </a:r>
-            <a:r>
-              <a:rPr sz="1400">
-                <a:solidFill>
-                  <a:srgbClr val="000000"/>
-                </a:solidFill>
-                <a:latin typeface="Courier New"/>
-              </a:rPr>
-              <a:t>=</a:t>
-            </a:r>
-            <a:r>
-              <a:rPr sz="1400">
-                <a:solidFill>
-                  <a:srgbClr val="000000"/>
-                </a:solidFill>
-                <a:latin typeface="Courier New"/>
-              </a:rPr>
-              <a:t>14.34</a:t>
-            </a:r>
-            <a:r>
-              <a:rPr sz="1400">
-                <a:solidFill>
-                  <a:srgbClr val="000000"/>
-                </a:solidFill>
-                <a:latin typeface="Courier New"/>
-              </a:rPr>
-              <a:t>p</a:t>
-            </a:r>
-            <a:r>
-              <a:rPr sz="1400">
-                <a:solidFill>
-                  <a:srgbClr val="000000"/>
-                </a:solidFill>
-                <a:latin typeface="Courier New"/>
-              </a:rPr>
-              <a:t> </a:t>
-            </a:r>
-            <a:r>
-              <a:rPr sz="1400">
-                <a:solidFill>
-                  <a:srgbClr val="000000"/>
-                </a:solidFill>
-                <a:latin typeface="Courier New"/>
-              </a:rPr>
-              <a:t>BF</a:t>
-            </a:r>
-            <a:r>
-              <a:rPr sz="1400">
-                <a:solidFill>
-                  <a:srgbClr val="000000"/>
-                </a:solidFill>
-                <a:latin typeface="Courier New"/>
-              </a:rPr>
-              <a:t>=</a:t>
-            </a:r>
-            <a:r>
-              <a:rPr sz="1400">
-                <a:solidFill>
-                  <a:srgbClr val="000000"/>
-                </a:solidFill>
-                <a:latin typeface="Courier New"/>
-              </a:rPr>
-              <a:t>20</a:t>
-            </a:r>
-            <a:r>
-              <a:rPr sz="1400">
-                <a:solidFill>
-                  <a:srgbClr val="000000"/>
-                </a:solidFill>
-                <a:latin typeface="Courier New"/>
-              </a:rPr>
-              <a:t> </a:t>
-            </a:r>
-            <a:r>
-              <a:rPr sz="1400">
-                <a:solidFill>
-                  <a:srgbClr val="000000"/>
-                </a:solidFill>
-                <a:latin typeface="Courier New"/>
-              </a:rPr>
-              <a:t>)</a:t>
-            </a:r>
-          </a:p>
-        </p:txBody>
-      </p:sp>
-      <p:sp>
-        <p:nvSpPr>
-          <p:cNvPr id="3" name="Title 2"/>
+          <p:cNvPr id="2" name="Title 1"/>
           <p:cNvSpPr>
             <a:spLocks noGrp="1"/>
           </p:cNvSpPr>
@@ -6880,7 +6065,7 @@
               <a:rPr sz="3200" b="1" i="0">
                 <a:latin typeface="Arial"/>
               </a:rPr>
-              <a:t>SPICE code</a:t>
+              <a:t>Ogenblikkelijk vermogen</a:t>
             </a:r>
             <a:endParaRPr sz="3200" b="1" i="0">
               <a:latin typeface="Arial"/>
@@ -6888,6 +6073,30 @@
           </a:p>
         </p:txBody>
       </p:sp>
+      <p:pic>
+        <p:nvPicPr>
+          <p:cNvPr id="3" name="Picture 2" descr="image.png"/>
+          <p:cNvPicPr>
+            <a:picLocks noChangeAspect="1"/>
+          </p:cNvPicPr>
+          <p:nvPr/>
+        </p:nvPicPr>
+        <p:blipFill>
+          <a:blip r:embed="rId2"/>
+          <a:stretch>
+            <a:fillRect/>
+          </a:stretch>
+        </p:blipFill>
+        <p:spPr>
+          <a:xfrm>
+            <a:off x="2584179" y="566928"/>
+            <a:ext cx="7023642" cy="5577840"/>
+          </a:xfrm>
+          <a:prstGeom prst="rect">
+            <a:avLst/>
+          </a:prstGeom>
+        </p:spPr>
+      </p:pic>
     </p:spTree>
   </p:cSld>
   <p:clrMapOvr>
@@ -6906,59 +6115,6 @@
         <p:nvPr/>
       </p:nvGrpSpPr>
       <p:grpSpPr/>
-      <p:sp>
-        <p:nvSpPr>
-          <p:cNvPr id="2" name="Title 1"/>
-          <p:cNvSpPr>
-            <a:spLocks noGrp="1"/>
-          </p:cNvSpPr>
-          <p:nvPr>
-            <p:ph type="title"/>
-          </p:nvPr>
-        </p:nvSpPr>
-        <p:spPr/>
-        <p:txBody>
-          <a:bodyPr wrap="square">
-            <a:noAutofit/>
-          </a:bodyPr>
-          <a:lstStyle/>
-          <a:p>
-            <a:r>
-              <a:rPr sz="3200" b="1" i="0">
-                <a:latin typeface="Arial"/>
-              </a:rPr>
-              <a:t>Stromen en Spanningen als functie van de tijd</a:t>
-            </a:r>
-            <a:endParaRPr sz="3200" b="1" i="0">
-              <a:latin typeface="Arial"/>
-            </a:endParaRPr>
-          </a:p>
-        </p:txBody>
-      </p:sp>
-      <p:pic>
-        <p:nvPicPr>
-          <p:cNvPr id="3" name="Picture 2" descr="image.png"/>
-          <p:cNvPicPr>
-            <a:picLocks noChangeAspect="1"/>
-          </p:cNvPicPr>
-          <p:nvPr/>
-        </p:nvPicPr>
-        <p:blipFill>
-          <a:blip r:embed="rId2"/>
-          <a:stretch>
-            <a:fillRect/>
-          </a:stretch>
-        </p:blipFill>
-        <p:spPr>
-          <a:xfrm>
-            <a:off x="2633221" y="566928"/>
-            <a:ext cx="6925558" cy="5577840"/>
-          </a:xfrm>
-          <a:prstGeom prst="rect">
-            <a:avLst/>
-          </a:prstGeom>
-        </p:spPr>
-      </p:pic>
     </p:spTree>
   </p:cSld>
   <p:clrMapOvr>
@@ -6977,379 +6133,6 @@
         <p:nvPr/>
       </p:nvGrpSpPr>
       <p:grpSpPr/>
-      <p:sp>
-        <p:nvSpPr>
-          <p:cNvPr id="2" name="Title 1"/>
-          <p:cNvSpPr>
-            <a:spLocks noGrp="1"/>
-          </p:cNvSpPr>
-          <p:nvPr>
-            <p:ph type="title"/>
-          </p:nvPr>
-        </p:nvSpPr>
-        <p:spPr/>
-        <p:txBody>
-          <a:bodyPr wrap="square">
-            <a:noAutofit/>
-          </a:bodyPr>
-          <a:lstStyle/>
-          <a:p>
-            <a:r>
-              <a:rPr sz="3200" b="1" i="0">
-                <a:latin typeface="Arial"/>
-              </a:rPr>
-              <a:t>Belastingskarakteristiek</a:t>
-            </a:r>
-            <a:endParaRPr sz="3200" b="1" i="0">
-              <a:latin typeface="Arial"/>
-            </a:endParaRPr>
-          </a:p>
-        </p:txBody>
-      </p:sp>
-      <p:pic>
-        <p:nvPicPr>
-          <p:cNvPr id="3" name="Picture 2" descr="image.png"/>
-          <p:cNvPicPr>
-            <a:picLocks noChangeAspect="1"/>
-          </p:cNvPicPr>
-          <p:nvPr/>
-        </p:nvPicPr>
-        <p:blipFill>
-          <a:blip r:embed="rId2"/>
-          <a:stretch>
-            <a:fillRect/>
-          </a:stretch>
-        </p:blipFill>
-        <p:spPr>
-          <a:xfrm>
-            <a:off x="2604716" y="566928"/>
-            <a:ext cx="6982568" cy="5577840"/>
-          </a:xfrm>
-          <a:prstGeom prst="rect">
-            <a:avLst/>
-          </a:prstGeom>
-        </p:spPr>
-      </p:pic>
-    </p:spTree>
-  </p:cSld>
-  <p:clrMapOvr>
-    <a:masterClrMapping/>
-  </p:clrMapOvr>
-</p:sld>
-</file>
-
-<file path=ppt/slides/slide15.xml><?xml version="1.0" encoding="utf-8"?>
-<p:sld xmlns:a="http://schemas.openxmlformats.org/drawingml/2006/main" xmlns:p="http://schemas.openxmlformats.org/presentationml/2006/main" xmlns:r="http://schemas.openxmlformats.org/officeDocument/2006/relationships">
-  <p:cSld>
-    <p:spTree>
-      <p:nvGrpSpPr>
-        <p:cNvPr id="1" name=""/>
-        <p:cNvGrpSpPr/>
-        <p:nvPr/>
-      </p:nvGrpSpPr>
-      <p:grpSpPr/>
-      <p:sp>
-        <p:nvSpPr>
-          <p:cNvPr id="2" name="Content Placeholder 1"/>
-          <p:cNvSpPr>
-            <a:spLocks noGrp="1"/>
-          </p:cNvSpPr>
-          <p:nvPr>
-            <p:ph idx="1"/>
-          </p:nvPr>
-        </p:nvSpPr>
-        <p:spPr/>
-        <p:txBody>
-          <a:bodyPr/>
-          <a:lstStyle/>
-          <a:p/>
-        </p:txBody>
-      </p:sp>
-      <p:sp>
-        <p:nvSpPr>
-          <p:cNvPr id="3" name="Title 2"/>
-          <p:cNvSpPr>
-            <a:spLocks noGrp="1"/>
-          </p:cNvSpPr>
-          <p:nvPr>
-            <p:ph type="title"/>
-          </p:nvPr>
-        </p:nvSpPr>
-        <p:spPr/>
-        <p:txBody>
-          <a:bodyPr wrap="square">
-            <a:noAutofit/>
-          </a:bodyPr>
-          <a:lstStyle/>
-          <a:p>
-            <a:r>
-              <a:rPr sz="3200" b="1" i="0">
-                <a:latin typeface="Arial"/>
-              </a:rPr>
-              <a:t>SPICE code</a:t>
-            </a:r>
-            <a:endParaRPr sz="3200" b="1" i="0">
-              <a:latin typeface="Arial"/>
-            </a:endParaRPr>
-          </a:p>
-        </p:txBody>
-      </p:sp>
-    </p:spTree>
-  </p:cSld>
-  <p:clrMapOvr>
-    <a:masterClrMapping/>
-  </p:clrMapOvr>
-</p:sld>
-</file>
-
-<file path=ppt/slides/slide16.xml><?xml version="1.0" encoding="utf-8"?>
-<p:sld xmlns:a="http://schemas.openxmlformats.org/drawingml/2006/main" xmlns:p="http://schemas.openxmlformats.org/presentationml/2006/main" xmlns:r="http://schemas.openxmlformats.org/officeDocument/2006/relationships">
-  <p:cSld>
-    <p:spTree>
-      <p:nvGrpSpPr>
-        <p:cNvPr id="1" name=""/>
-        <p:cNvGrpSpPr/>
-        <p:nvPr/>
-      </p:nvGrpSpPr>
-      <p:grpSpPr/>
-      <p:sp>
-        <p:nvSpPr>
-          <p:cNvPr id="2" name="Content Placeholder 1"/>
-          <p:cNvSpPr>
-            <a:spLocks noGrp="1"/>
-          </p:cNvSpPr>
-          <p:nvPr>
-            <p:ph idx="1"/>
-          </p:nvPr>
-        </p:nvSpPr>
-        <p:spPr/>
-        <p:txBody>
-          <a:bodyPr/>
-          <a:lstStyle/>
-          <a:p/>
-        </p:txBody>
-      </p:sp>
-      <p:sp>
-        <p:nvSpPr>
-          <p:cNvPr id="3" name="Title 2"/>
-          <p:cNvSpPr>
-            <a:spLocks noGrp="1"/>
-          </p:cNvSpPr>
-          <p:nvPr>
-            <p:ph type="title"/>
-          </p:nvPr>
-        </p:nvSpPr>
-        <p:spPr/>
-        <p:txBody>
-          <a:bodyPr wrap="square">
-            <a:noAutofit/>
-          </a:bodyPr>
-          <a:lstStyle/>
-          <a:p>
-            <a:r>
-              <a:rPr sz="3200" b="1" i="0">
-                <a:latin typeface="Arial"/>
-              </a:rPr>
-              <a:t>SPICE code</a:t>
-            </a:r>
-            <a:endParaRPr sz="3200" b="1" i="0">
-              <a:latin typeface="Arial"/>
-            </a:endParaRPr>
-          </a:p>
-        </p:txBody>
-      </p:sp>
-    </p:spTree>
-  </p:cSld>
-  <p:clrMapOvr>
-    <a:masterClrMapping/>
-  </p:clrMapOvr>
-</p:sld>
-</file>
-
-<file path=ppt/slides/slide17.xml><?xml version="1.0" encoding="utf-8"?>
-<p:sld xmlns:a="http://schemas.openxmlformats.org/drawingml/2006/main" xmlns:p="http://schemas.openxmlformats.org/presentationml/2006/main" xmlns:r="http://schemas.openxmlformats.org/officeDocument/2006/relationships">
-  <p:cSld>
-    <p:spTree>
-      <p:nvGrpSpPr>
-        <p:cNvPr id="1" name=""/>
-        <p:cNvGrpSpPr/>
-        <p:nvPr/>
-      </p:nvGrpSpPr>
-      <p:grpSpPr/>
-      <p:sp>
-        <p:nvSpPr>
-          <p:cNvPr id="2" name="Content Placeholder 1"/>
-          <p:cNvSpPr>
-            <a:spLocks noGrp="1"/>
-          </p:cNvSpPr>
-          <p:nvPr>
-            <p:ph idx="1"/>
-          </p:nvPr>
-        </p:nvSpPr>
-        <p:spPr/>
-        <p:txBody>
-          <a:bodyPr/>
-          <a:lstStyle/>
-          <a:p/>
-        </p:txBody>
-      </p:sp>
-      <p:sp>
-        <p:nvSpPr>
-          <p:cNvPr id="3" name="Title 2"/>
-          <p:cNvSpPr>
-            <a:spLocks noGrp="1"/>
-          </p:cNvSpPr>
-          <p:nvPr>
-            <p:ph type="title"/>
-          </p:nvPr>
-        </p:nvSpPr>
-        <p:spPr/>
-        <p:txBody>
-          <a:bodyPr wrap="square">
-            <a:noAutofit/>
-          </a:bodyPr>
-          <a:lstStyle/>
-          <a:p>
-            <a:r>
-              <a:rPr sz="3200" b="1" i="0">
-                <a:latin typeface="Arial"/>
-              </a:rPr>
-              <a:t>SPICE code</a:t>
-            </a:r>
-            <a:endParaRPr sz="3200" b="1" i="0">
-              <a:latin typeface="Arial"/>
-            </a:endParaRPr>
-          </a:p>
-        </p:txBody>
-      </p:sp>
-    </p:spTree>
-  </p:cSld>
-  <p:clrMapOvr>
-    <a:masterClrMapping/>
-  </p:clrMapOvr>
-</p:sld>
-</file>
-
-<file path=ppt/slides/slide18.xml><?xml version="1.0" encoding="utf-8"?>
-<p:sld xmlns:a="http://schemas.openxmlformats.org/drawingml/2006/main" xmlns:p="http://schemas.openxmlformats.org/presentationml/2006/main" xmlns:r="http://schemas.openxmlformats.org/officeDocument/2006/relationships">
-  <p:cSld>
-    <p:spTree>
-      <p:nvGrpSpPr>
-        <p:cNvPr id="1" name=""/>
-        <p:cNvGrpSpPr/>
-        <p:nvPr/>
-      </p:nvGrpSpPr>
-      <p:grpSpPr/>
-      <p:sp>
-        <p:nvSpPr>
-          <p:cNvPr id="2" name="Content Placeholder 1"/>
-          <p:cNvSpPr>
-            <a:spLocks noGrp="1"/>
-          </p:cNvSpPr>
-          <p:nvPr>
-            <p:ph idx="1"/>
-          </p:nvPr>
-        </p:nvSpPr>
-        <p:spPr/>
-        <p:txBody>
-          <a:bodyPr/>
-          <a:lstStyle/>
-          <a:p/>
-        </p:txBody>
-      </p:sp>
-      <p:sp>
-        <p:nvSpPr>
-          <p:cNvPr id="3" name="Title 2"/>
-          <p:cNvSpPr>
-            <a:spLocks noGrp="1"/>
-          </p:cNvSpPr>
-          <p:nvPr>
-            <p:ph type="title"/>
-          </p:nvPr>
-        </p:nvSpPr>
-        <p:spPr/>
-        <p:txBody>
-          <a:bodyPr wrap="square">
-            <a:noAutofit/>
-          </a:bodyPr>
-          <a:lstStyle/>
-          <a:p>
-            <a:r>
-              <a:rPr sz="3200" b="1" i="0">
-                <a:latin typeface="Arial"/>
-              </a:rPr>
-              <a:t>SPICE code</a:t>
-            </a:r>
-            <a:endParaRPr sz="3200" b="1" i="0">
-              <a:latin typeface="Arial"/>
-            </a:endParaRPr>
-          </a:p>
-        </p:txBody>
-      </p:sp>
-    </p:spTree>
-  </p:cSld>
-  <p:clrMapOvr>
-    <a:masterClrMapping/>
-  </p:clrMapOvr>
-</p:sld>
-</file>
-
-<file path=ppt/slides/slide19.xml><?xml version="1.0" encoding="utf-8"?>
-<p:sld xmlns:a="http://schemas.openxmlformats.org/drawingml/2006/main" xmlns:p="http://schemas.openxmlformats.org/presentationml/2006/main" xmlns:r="http://schemas.openxmlformats.org/officeDocument/2006/relationships">
-  <p:cSld>
-    <p:spTree>
-      <p:nvGrpSpPr>
-        <p:cNvPr id="1" name=""/>
-        <p:cNvGrpSpPr/>
-        <p:nvPr/>
-      </p:nvGrpSpPr>
-      <p:grpSpPr/>
-      <p:sp>
-        <p:nvSpPr>
-          <p:cNvPr id="2" name="Content Placeholder 1"/>
-          <p:cNvSpPr>
-            <a:spLocks noGrp="1"/>
-          </p:cNvSpPr>
-          <p:nvPr>
-            <p:ph idx="1"/>
-          </p:nvPr>
-        </p:nvSpPr>
-        <p:spPr/>
-        <p:txBody>
-          <a:bodyPr/>
-          <a:lstStyle/>
-          <a:p/>
-        </p:txBody>
-      </p:sp>
-      <p:sp>
-        <p:nvSpPr>
-          <p:cNvPr id="3" name="Title 2"/>
-          <p:cNvSpPr>
-            <a:spLocks noGrp="1"/>
-          </p:cNvSpPr>
-          <p:nvPr>
-            <p:ph type="title"/>
-          </p:nvPr>
-        </p:nvSpPr>
-        <p:spPr/>
-        <p:txBody>
-          <a:bodyPr wrap="square">
-            <a:noAutofit/>
-          </a:bodyPr>
-          <a:lstStyle/>
-          <a:p>
-            <a:r>
-              <a:rPr sz="3200" b="1" i="0">
-                <a:latin typeface="Arial"/>
-              </a:rPr>
-              <a:t>SPICE code</a:t>
-            </a:r>
-            <a:endParaRPr sz="3200" b="1" i="0">
-              <a:latin typeface="Arial"/>
-            </a:endParaRPr>
-          </a:p>
-        </p:txBody>
-      </p:sp>
     </p:spTree>
   </p:cSld>
   <p:clrMapOvr>
@@ -7416,7 +6199,7 @@
 </p:sld>
 </file>
 
-<file path=ppt/slides/slide20.xml><?xml version="1.0" encoding="utf-8"?>
+<file path=ppt/slides/slide3.xml><?xml version="1.0" encoding="utf-8"?>
 <p:sld xmlns:a="http://schemas.openxmlformats.org/drawingml/2006/main" xmlns:p="http://schemas.openxmlformats.org/presentationml/2006/main" xmlns:r="http://schemas.openxmlformats.org/officeDocument/2006/relationships">
   <p:cSld>
     <p:spTree>
@@ -7428,1190 +6211,6 @@
       <p:grpSpPr/>
       <p:sp>
         <p:nvSpPr>
-          <p:cNvPr id="2" name="Content Placeholder 1"/>
-          <p:cNvSpPr>
-            <a:spLocks noGrp="1"/>
-          </p:cNvSpPr>
-          <p:nvPr>
-            <p:ph idx="1"/>
-          </p:nvPr>
-        </p:nvSpPr>
-        <p:spPr/>
-        <p:txBody>
-          <a:bodyPr/>
-          <a:lstStyle/>
-          <a:p/>
-        </p:txBody>
-      </p:sp>
-      <p:sp>
-        <p:nvSpPr>
-          <p:cNvPr id="3" name="Title 2"/>
-          <p:cNvSpPr>
-            <a:spLocks noGrp="1"/>
-          </p:cNvSpPr>
-          <p:nvPr>
-            <p:ph type="title"/>
-          </p:nvPr>
-        </p:nvSpPr>
-        <p:spPr/>
-        <p:txBody>
-          <a:bodyPr wrap="square">
-            <a:noAutofit/>
-          </a:bodyPr>
-          <a:lstStyle/>
-          <a:p>
-            <a:r>
-              <a:rPr sz="3200" b="1" i="0">
-                <a:latin typeface="Arial"/>
-              </a:rPr>
-              <a:t>SPICE code</a:t>
-            </a:r>
-            <a:endParaRPr sz="3200" b="1" i="0">
-              <a:latin typeface="Arial"/>
-            </a:endParaRPr>
-          </a:p>
-        </p:txBody>
-      </p:sp>
-    </p:spTree>
-  </p:cSld>
-  <p:clrMapOvr>
-    <a:masterClrMapping/>
-  </p:clrMapOvr>
-</p:sld>
-</file>
-
-<file path=ppt/slides/slide21.xml><?xml version="1.0" encoding="utf-8"?>
-<p:sld xmlns:a="http://schemas.openxmlformats.org/drawingml/2006/main" xmlns:p="http://schemas.openxmlformats.org/presentationml/2006/main" xmlns:r="http://schemas.openxmlformats.org/officeDocument/2006/relationships">
-  <p:cSld>
-    <p:spTree>
-      <p:nvGrpSpPr>
-        <p:cNvPr id="1" name=""/>
-        <p:cNvGrpSpPr/>
-        <p:nvPr/>
-      </p:nvGrpSpPr>
-      <p:grpSpPr/>
-      <p:sp>
-        <p:nvSpPr>
-          <p:cNvPr id="2" name="Content Placeholder 1"/>
-          <p:cNvSpPr>
-            <a:spLocks noGrp="1"/>
-          </p:cNvSpPr>
-          <p:nvPr>
-            <p:ph idx="1"/>
-          </p:nvPr>
-        </p:nvSpPr>
-        <p:spPr/>
-        <p:txBody>
-          <a:bodyPr/>
-          <a:lstStyle/>
-          <a:p>
-            <a:r>
-              <a:rPr sz="1400">
-                <a:solidFill>
-                  <a:srgbClr val="000000"/>
-                </a:solidFill>
-                <a:latin typeface="Courier New"/>
-              </a:rPr>
-              <a:t/>
-            </a:r>
-            <a:r>
-              <a:rPr sz="1400">
-                <a:solidFill>
-                  <a:srgbClr val="000000"/>
-                </a:solidFill>
-                <a:latin typeface="Courier New"/>
-              </a:rPr>
-              <a:t>*</a:t>
-            </a:r>
-            <a:r>
-              <a:rPr sz="1400">
-                <a:solidFill>
-                  <a:srgbClr val="000000"/>
-                </a:solidFill>
-                <a:latin typeface="Courier New"/>
-              </a:rPr>
-              <a:t> </a:t>
-            </a:r>
-            <a:r>
-              <a:rPr sz="1400">
-                <a:solidFill>
-                  <a:srgbClr val="000000"/>
-                </a:solidFill>
-                <a:latin typeface="Courier New"/>
-              </a:rPr>
-              <a:t>Spice</a:t>
-            </a:r>
-            <a:r>
-              <a:rPr sz="1400">
-                <a:solidFill>
-                  <a:srgbClr val="000000"/>
-                </a:solidFill>
-                <a:latin typeface="Courier New"/>
-              </a:rPr>
-              <a:t> </a:t>
-            </a:r>
-            <a:r>
-              <a:rPr sz="1400">
-                <a:solidFill>
-                  <a:srgbClr val="000000"/>
-                </a:solidFill>
-                <a:latin typeface="Courier New"/>
-              </a:rPr>
-              <a:t>file</a:t>
-            </a:r>
-            <a:r>
-              <a:rPr sz="1400">
-                <a:solidFill>
-                  <a:srgbClr val="000000"/>
-                </a:solidFill>
-                <a:latin typeface="Courier New"/>
-              </a:rPr>
-              <a:t> </a:t>
-            </a:r>
-            <a:r>
-              <a:rPr sz="1400">
-                <a:solidFill>
-                  <a:srgbClr val="000000"/>
-                </a:solidFill>
-                <a:latin typeface="Courier New"/>
-              </a:rPr>
-              <a:t>van</a:t>
-            </a:r>
-            <a:r>
-              <a:rPr sz="1400">
-                <a:solidFill>
-                  <a:srgbClr val="000000"/>
-                </a:solidFill>
-                <a:latin typeface="Courier New"/>
-              </a:rPr>
-              <a:t> </a:t>
-            </a:r>
-            <a:r>
-              <a:rPr sz="1400">
-                <a:solidFill>
-                  <a:srgbClr val="000000"/>
-                </a:solidFill>
-                <a:latin typeface="Courier New"/>
-              </a:rPr>
-              <a:t>een</a:t>
-            </a:r>
-            <a:r>
-              <a:rPr sz="1400">
-                <a:solidFill>
-                  <a:srgbClr val="000000"/>
-                </a:solidFill>
-                <a:latin typeface="Courier New"/>
-              </a:rPr>
-              <a:t> </a:t>
-            </a:r>
-            <a:r>
-              <a:rPr sz="1400">
-                <a:solidFill>
-                  <a:srgbClr val="000000"/>
-                </a:solidFill>
-                <a:latin typeface="Courier New"/>
-              </a:rPr>
-              <a:t>eenvoudige</a:t>
-            </a:r>
-            <a:r>
-              <a:rPr sz="1400">
-                <a:solidFill>
-                  <a:srgbClr val="000000"/>
-                </a:solidFill>
-                <a:latin typeface="Courier New"/>
-              </a:rPr>
-              <a:t> </a:t>
-            </a:r>
-            <a:r>
-              <a:rPr sz="1400">
-                <a:solidFill>
-                  <a:srgbClr val="000000"/>
-                </a:solidFill>
-                <a:latin typeface="Courier New"/>
-              </a:rPr>
-              <a:t>Klasse</a:t>
-            </a:r>
-            <a:r>
-              <a:rPr sz="1400">
-                <a:solidFill>
-                  <a:srgbClr val="000000"/>
-                </a:solidFill>
-                <a:latin typeface="Courier New"/>
-              </a:rPr>
-              <a:t> </a:t>
-            </a:r>
-            <a:r>
-              <a:rPr sz="1400">
-                <a:solidFill>
-                  <a:srgbClr val="000000"/>
-                </a:solidFill>
-                <a:latin typeface="Courier New"/>
-              </a:rPr>
-              <a:t>A</a:t>
-            </a:r>
-            <a:r>
-              <a:rPr sz="1400">
-                <a:solidFill>
-                  <a:srgbClr val="000000"/>
-                </a:solidFill>
-                <a:latin typeface="Courier New"/>
-              </a:rPr>
-              <a:t> </a:t>
-            </a:r>
-            <a:r>
-              <a:rPr sz="1400">
-                <a:solidFill>
-                  <a:srgbClr val="000000"/>
-                </a:solidFill>
-                <a:latin typeface="Courier New"/>
-              </a:rPr>
-              <a:t>versterker</a:t>
-            </a:r>
-            <a:r>
-              <a:rPr sz="1400">
-                <a:solidFill>
-                  <a:srgbClr val="000000"/>
-                </a:solidFill>
-                <a:latin typeface="Courier New"/>
-              </a:rPr>
-              <a:t>R_R6</a:t>
-            </a:r>
-            <a:r>
-              <a:rPr sz="1400">
-                <a:solidFill>
-                  <a:srgbClr val="000000"/>
-                </a:solidFill>
-                <a:latin typeface="Courier New"/>
-              </a:rPr>
-              <a:t>         </a:t>
-            </a:r>
-            <a:r>
-              <a:rPr sz="1400">
-                <a:solidFill>
-                  <a:srgbClr val="000000"/>
-                </a:solidFill>
-                <a:latin typeface="Courier New"/>
-              </a:rPr>
-              <a:t>0</a:t>
-            </a:r>
-            <a:r>
-              <a:rPr sz="1400">
-                <a:solidFill>
-                  <a:srgbClr val="000000"/>
-                </a:solidFill>
-                <a:latin typeface="Courier New"/>
-              </a:rPr>
-              <a:t> </a:t>
-            </a:r>
-            <a:r>
-              <a:rPr sz="1400">
-                <a:solidFill>
-                  <a:srgbClr val="000000"/>
-                </a:solidFill>
-                <a:latin typeface="Courier New"/>
-              </a:rPr>
-              <a:t>1</a:t>
-            </a:r>
-            <a:r>
-              <a:rPr sz="1400">
-                <a:solidFill>
-                  <a:srgbClr val="000000"/>
-                </a:solidFill>
-                <a:latin typeface="Courier New"/>
-              </a:rPr>
-              <a:t>  </a:t>
-            </a:r>
-            <a:r>
-              <a:rPr sz="1400">
-                <a:solidFill>
-                  <a:srgbClr val="000000"/>
-                </a:solidFill>
-                <a:latin typeface="Courier New"/>
-              </a:rPr>
-              <a:t>8</a:t>
-            </a:r>
-            <a:r>
-              <a:rPr sz="1400">
-                <a:solidFill>
-                  <a:srgbClr val="000000"/>
-                </a:solidFill>
-                <a:latin typeface="Courier New"/>
-              </a:rPr>
-              <a:t>R_R7</a:t>
-            </a:r>
-            <a:r>
-              <a:rPr sz="1400">
-                <a:solidFill>
-                  <a:srgbClr val="000000"/>
-                </a:solidFill>
-                <a:latin typeface="Courier New"/>
-              </a:rPr>
-              <a:t>         </a:t>
-            </a:r>
-            <a:r>
-              <a:rPr sz="1400">
-                <a:solidFill>
-                  <a:srgbClr val="000000"/>
-                </a:solidFill>
-                <a:latin typeface="Courier New"/>
-              </a:rPr>
-              <a:t>3</a:t>
-            </a:r>
-            <a:r>
-              <a:rPr sz="1400">
-                <a:solidFill>
-                  <a:srgbClr val="000000"/>
-                </a:solidFill>
-                <a:latin typeface="Courier New"/>
-              </a:rPr>
-              <a:t> </a:t>
-            </a:r>
-            <a:r>
-              <a:rPr sz="1400">
-                <a:solidFill>
-                  <a:srgbClr val="000000"/>
-                </a:solidFill>
-                <a:latin typeface="Courier New"/>
-              </a:rPr>
-              <a:t>2</a:t>
-            </a:r>
-            <a:r>
-              <a:rPr sz="1400">
-                <a:solidFill>
-                  <a:srgbClr val="000000"/>
-                </a:solidFill>
-                <a:latin typeface="Courier New"/>
-              </a:rPr>
-              <a:t>  </a:t>
-            </a:r>
-            <a:r>
-              <a:rPr sz="1400">
-                <a:solidFill>
-                  <a:srgbClr val="000000"/>
-                </a:solidFill>
-                <a:latin typeface="Courier New"/>
-              </a:rPr>
-              <a:t>1</a:t>
-            </a:r>
-          </a:p>
-        </p:txBody>
-      </p:sp>
-      <p:sp>
-        <p:nvSpPr>
-          <p:cNvPr id="3" name="Title 2"/>
-          <p:cNvSpPr>
-            <a:spLocks noGrp="1"/>
-          </p:cNvSpPr>
-          <p:nvPr>
-            <p:ph type="title"/>
-          </p:nvPr>
-        </p:nvSpPr>
-        <p:spPr/>
-        <p:txBody>
-          <a:bodyPr wrap="square">
-            <a:noAutofit/>
-          </a:bodyPr>
-          <a:lstStyle/>
-          <a:p>
-            <a:r>
-              <a:rPr sz="3200" b="1" i="0">
-                <a:latin typeface="Arial"/>
-              </a:rPr>
-              <a:t>SPICE code</a:t>
-            </a:r>
-            <a:endParaRPr sz="3200" b="1" i="0">
-              <a:latin typeface="Arial"/>
-            </a:endParaRPr>
-          </a:p>
-        </p:txBody>
-      </p:sp>
-    </p:spTree>
-  </p:cSld>
-  <p:clrMapOvr>
-    <a:masterClrMapping/>
-  </p:clrMapOvr>
-</p:sld>
-</file>
-
-<file path=ppt/slides/slide22.xml><?xml version="1.0" encoding="utf-8"?>
-<p:sld xmlns:a="http://schemas.openxmlformats.org/drawingml/2006/main" xmlns:p="http://schemas.openxmlformats.org/presentationml/2006/main" xmlns:r="http://schemas.openxmlformats.org/officeDocument/2006/relationships">
-  <p:cSld>
-    <p:spTree>
-      <p:nvGrpSpPr>
-        <p:cNvPr id="1" name=""/>
-        <p:cNvGrpSpPr/>
-        <p:nvPr/>
-      </p:nvGrpSpPr>
-      <p:grpSpPr/>
-      <p:sp>
-        <p:nvSpPr>
-          <p:cNvPr id="2" name="Content Placeholder 1"/>
-          <p:cNvSpPr>
-            <a:spLocks noGrp="1"/>
-          </p:cNvSpPr>
-          <p:nvPr>
-            <p:ph idx="1"/>
-          </p:nvPr>
-        </p:nvSpPr>
-        <p:spPr/>
-        <p:txBody>
-          <a:bodyPr/>
-          <a:lstStyle/>
-          <a:p>
-            <a:r>
-              <a:rPr sz="1400">
-                <a:solidFill>
-                  <a:srgbClr val="000000"/>
-                </a:solidFill>
-                <a:latin typeface="Courier New"/>
-              </a:rPr>
-              <a:t>L1_TX1</a:t>
-            </a:r>
-            <a:r>
-              <a:rPr sz="1400">
-                <a:solidFill>
-                  <a:srgbClr val="000000"/>
-                </a:solidFill>
-                <a:latin typeface="Courier New"/>
-              </a:rPr>
-              <a:t> </a:t>
-            </a:r>
-            <a:r>
-              <a:rPr sz="1400">
-                <a:solidFill>
-                  <a:srgbClr val="000000"/>
-                </a:solidFill>
-                <a:latin typeface="Courier New"/>
-              </a:rPr>
-              <a:t>3</a:t>
-            </a:r>
-            <a:r>
-              <a:rPr sz="1400">
-                <a:solidFill>
-                  <a:srgbClr val="000000"/>
-                </a:solidFill>
-                <a:latin typeface="Courier New"/>
-              </a:rPr>
-              <a:t> </a:t>
-            </a:r>
-            <a:r>
-              <a:rPr sz="1400">
-                <a:solidFill>
-                  <a:srgbClr val="000000"/>
-                </a:solidFill>
-                <a:latin typeface="Courier New"/>
-              </a:rPr>
-              <a:t>4</a:t>
-            </a:r>
-            <a:r>
-              <a:rPr sz="1400">
-                <a:solidFill>
-                  <a:srgbClr val="000000"/>
-                </a:solidFill>
-                <a:latin typeface="Courier New"/>
-              </a:rPr>
-              <a:t> </a:t>
-            </a:r>
-            <a:r>
-              <a:rPr sz="1400">
-                <a:solidFill>
-                  <a:srgbClr val="000000"/>
-                </a:solidFill>
-                <a:latin typeface="Courier New"/>
-              </a:rPr>
-              <a:t>25</a:t>
-            </a:r>
-            <a:r>
-              <a:rPr sz="1400">
-                <a:solidFill>
-                  <a:srgbClr val="000000"/>
-                </a:solidFill>
-                <a:latin typeface="Courier New"/>
-              </a:rPr>
-              <a:t>L2_TX1</a:t>
-            </a:r>
-            <a:r>
-              <a:rPr sz="1400">
-                <a:solidFill>
-                  <a:srgbClr val="000000"/>
-                </a:solidFill>
-                <a:latin typeface="Courier New"/>
-              </a:rPr>
-              <a:t> </a:t>
-            </a:r>
-            <a:r>
-              <a:rPr sz="1400">
-                <a:solidFill>
-                  <a:srgbClr val="000000"/>
-                </a:solidFill>
-                <a:latin typeface="Courier New"/>
-              </a:rPr>
-              <a:t>1</a:t>
-            </a:r>
-            <a:r>
-              <a:rPr sz="1400">
-                <a:solidFill>
-                  <a:srgbClr val="000000"/>
-                </a:solidFill>
-                <a:latin typeface="Courier New"/>
-              </a:rPr>
-              <a:t> </a:t>
-            </a:r>
-            <a:r>
-              <a:rPr sz="1400">
-                <a:solidFill>
-                  <a:srgbClr val="000000"/>
-                </a:solidFill>
-                <a:latin typeface="Courier New"/>
-              </a:rPr>
-              <a:t>0</a:t>
-            </a:r>
-            <a:r>
-              <a:rPr sz="1400">
-                <a:solidFill>
-                  <a:srgbClr val="000000"/>
-                </a:solidFill>
-                <a:latin typeface="Courier New"/>
-              </a:rPr>
-              <a:t> </a:t>
-            </a:r>
-            <a:r>
-              <a:rPr sz="1400">
-                <a:solidFill>
-                  <a:srgbClr val="000000"/>
-                </a:solidFill>
-                <a:latin typeface="Courier New"/>
-              </a:rPr>
-              <a:t>1</a:t>
-            </a:r>
-            <a:r>
-              <a:rPr sz="1400">
-                <a:solidFill>
-                  <a:srgbClr val="000000"/>
-                </a:solidFill>
-                <a:latin typeface="Courier New"/>
-              </a:rPr>
-              <a:t>K_TX1</a:t>
-            </a:r>
-            <a:r>
-              <a:rPr sz="1400">
-                <a:solidFill>
-                  <a:srgbClr val="000000"/>
-                </a:solidFill>
-                <a:latin typeface="Courier New"/>
-              </a:rPr>
-              <a:t> </a:t>
-            </a:r>
-            <a:r>
-              <a:rPr sz="1400">
-                <a:solidFill>
-                  <a:srgbClr val="000000"/>
-                </a:solidFill>
-                <a:latin typeface="Courier New"/>
-              </a:rPr>
-              <a:t>L1_TX1</a:t>
-            </a:r>
-            <a:r>
-              <a:rPr sz="1400">
-                <a:solidFill>
-                  <a:srgbClr val="000000"/>
-                </a:solidFill>
-                <a:latin typeface="Courier New"/>
-              </a:rPr>
-              <a:t> </a:t>
-            </a:r>
-            <a:r>
-              <a:rPr sz="1400">
-                <a:solidFill>
-                  <a:srgbClr val="000000"/>
-                </a:solidFill>
-                <a:latin typeface="Courier New"/>
-              </a:rPr>
-              <a:t>L2_TX1</a:t>
-            </a:r>
-            <a:r>
-              <a:rPr sz="1400">
-                <a:solidFill>
-                  <a:srgbClr val="000000"/>
-                </a:solidFill>
-                <a:latin typeface="Courier New"/>
-              </a:rPr>
-              <a:t> </a:t>
-            </a:r>
-            <a:r>
-              <a:rPr sz="1400">
-                <a:solidFill>
-                  <a:srgbClr val="000000"/>
-                </a:solidFill>
-                <a:latin typeface="Courier New"/>
-              </a:rPr>
-              <a:t>1</a:t>
-            </a:r>
-            <a:r>
-              <a:rPr sz="1400">
-                <a:solidFill>
-                  <a:srgbClr val="000000"/>
-                </a:solidFill>
-                <a:latin typeface="Courier New"/>
-              </a:rPr>
-              <a:t>.</a:t>
-            </a:r>
-            <a:r>
-              <a:rPr sz="1400">
-                <a:solidFill>
-                  <a:srgbClr val="000000"/>
-                </a:solidFill>
-                <a:latin typeface="Courier New"/>
-              </a:rPr>
-              <a:t>Q_Q5</a:t>
-            </a:r>
-            <a:r>
-              <a:rPr sz="1400">
-                <a:solidFill>
-                  <a:srgbClr val="000000"/>
-                </a:solidFill>
-                <a:latin typeface="Courier New"/>
-              </a:rPr>
-              <a:t> </a:t>
-            </a:r>
-            <a:r>
-              <a:rPr sz="1400">
-                <a:solidFill>
-                  <a:srgbClr val="000000"/>
-                </a:solidFill>
-                <a:latin typeface="Courier New"/>
-              </a:rPr>
-              <a:t>4</a:t>
-            </a:r>
-            <a:r>
-              <a:rPr sz="1400">
-                <a:solidFill>
-                  <a:srgbClr val="000000"/>
-                </a:solidFill>
-                <a:latin typeface="Courier New"/>
-              </a:rPr>
-              <a:t> </a:t>
-            </a:r>
-            <a:r>
-              <a:rPr sz="1400">
-                <a:solidFill>
-                  <a:srgbClr val="000000"/>
-                </a:solidFill>
-                <a:latin typeface="Courier New"/>
-              </a:rPr>
-              <a:t>5</a:t>
-            </a:r>
-            <a:r>
-              <a:rPr sz="1400">
-                <a:solidFill>
-                  <a:srgbClr val="000000"/>
-                </a:solidFill>
-                <a:latin typeface="Courier New"/>
-              </a:rPr>
-              <a:t> </a:t>
-            </a:r>
-            <a:r>
-              <a:rPr sz="1400">
-                <a:solidFill>
-                  <a:srgbClr val="000000"/>
-                </a:solidFill>
-                <a:latin typeface="Courier New"/>
-              </a:rPr>
-              <a:t>0</a:t>
-            </a:r>
-            <a:r>
-              <a:rPr sz="1400">
-                <a:solidFill>
-                  <a:srgbClr val="000000"/>
-                </a:solidFill>
-                <a:latin typeface="Courier New"/>
-              </a:rPr>
-              <a:t> </a:t>
-            </a:r>
-            <a:r>
-              <a:rPr sz="1400">
-                <a:solidFill>
-                  <a:srgbClr val="000000"/>
-                </a:solidFill>
-                <a:latin typeface="Courier New"/>
-              </a:rPr>
-              <a:t>Q2</a:t>
-            </a:r>
-            <a:r>
-              <a:rPr sz="1400">
-                <a:solidFill>
-                  <a:srgbClr val="000000"/>
-                </a:solidFill>
-                <a:latin typeface="Courier New"/>
-              </a:rPr>
-              <a:t>I_I4</a:t>
-            </a:r>
-            <a:r>
-              <a:rPr sz="1400">
-                <a:solidFill>
-                  <a:srgbClr val="000000"/>
-                </a:solidFill>
-                <a:latin typeface="Courier New"/>
-              </a:rPr>
-              <a:t> </a:t>
-            </a:r>
-            <a:r>
-              <a:rPr sz="1400">
-                <a:solidFill>
-                  <a:srgbClr val="000000"/>
-                </a:solidFill>
-                <a:latin typeface="Courier New"/>
-              </a:rPr>
-              <a:t>0</a:t>
-            </a:r>
-            <a:r>
-              <a:rPr sz="1400">
-                <a:solidFill>
-                  <a:srgbClr val="000000"/>
-                </a:solidFill>
-                <a:latin typeface="Courier New"/>
-              </a:rPr>
-              <a:t> </a:t>
-            </a:r>
-            <a:r>
-              <a:rPr sz="1400">
-                <a:solidFill>
-                  <a:srgbClr val="000000"/>
-                </a:solidFill>
-                <a:latin typeface="Courier New"/>
-              </a:rPr>
-              <a:t>5</a:t>
-            </a:r>
-            <a:r>
-              <a:rPr sz="1400">
-                <a:solidFill>
-                  <a:srgbClr val="000000"/>
-                </a:solidFill>
-                <a:latin typeface="Courier New"/>
-              </a:rPr>
-              <a:t> </a:t>
-            </a:r>
-            <a:r>
-              <a:rPr sz="1400">
-                <a:solidFill>
-                  <a:srgbClr val="000000"/>
-                </a:solidFill>
-                <a:latin typeface="Courier New"/>
-              </a:rPr>
-              <a:t>SIN</a:t>
-            </a:r>
-            <a:r>
-              <a:rPr sz="1400">
-                <a:solidFill>
-                  <a:srgbClr val="000000"/>
-                </a:solidFill>
-                <a:latin typeface="Courier New"/>
-              </a:rPr>
-              <a:t>(</a:t>
-            </a:r>
-            <a:r>
-              <a:rPr sz="1400">
-                <a:solidFill>
-                  <a:srgbClr val="000000"/>
-                </a:solidFill>
-                <a:latin typeface="Courier New"/>
-              </a:rPr>
-              <a:t>17</a:t>
-            </a:r>
-            <a:r>
-              <a:rPr sz="1400">
-                <a:solidFill>
-                  <a:srgbClr val="000000"/>
-                </a:solidFill>
-                <a:latin typeface="Courier New"/>
-              </a:rPr>
-              <a:t>m</a:t>
-            </a:r>
-            <a:r>
-              <a:rPr sz="1400">
-                <a:solidFill>
-                  <a:srgbClr val="000000"/>
-                </a:solidFill>
-                <a:latin typeface="Courier New"/>
-              </a:rPr>
-              <a:t> </a:t>
-            </a:r>
-            <a:r>
-              <a:rPr sz="1400">
-                <a:solidFill>
-                  <a:srgbClr val="000000"/>
-                </a:solidFill>
-                <a:latin typeface="Courier New"/>
-              </a:rPr>
-              <a:t>15</a:t>
-            </a:r>
-            <a:r>
-              <a:rPr sz="1400">
-                <a:solidFill>
-                  <a:srgbClr val="000000"/>
-                </a:solidFill>
-                <a:latin typeface="Courier New"/>
-              </a:rPr>
-              <a:t>m</a:t>
-            </a:r>
-            <a:r>
-              <a:rPr sz="1400">
-                <a:solidFill>
-                  <a:srgbClr val="000000"/>
-                </a:solidFill>
-                <a:latin typeface="Courier New"/>
-              </a:rPr>
-              <a:t> </a:t>
-            </a:r>
-            <a:r>
-              <a:rPr sz="1400">
-                <a:solidFill>
-                  <a:srgbClr val="000000"/>
-                </a:solidFill>
-                <a:latin typeface="Courier New"/>
-              </a:rPr>
-              <a:t>10</a:t>
-            </a:r>
-            <a:r>
-              <a:rPr sz="1400">
-                <a:solidFill>
-                  <a:srgbClr val="000000"/>
-                </a:solidFill>
-                <a:latin typeface="Courier New"/>
-              </a:rPr>
-              <a:t>k</a:t>
-            </a:r>
-            <a:r>
-              <a:rPr sz="1400">
-                <a:solidFill>
-                  <a:srgbClr val="000000"/>
-                </a:solidFill>
-                <a:latin typeface="Courier New"/>
-              </a:rPr>
-              <a:t>)</a:t>
-            </a:r>
-            <a:r>
-              <a:rPr sz="1400">
-                <a:solidFill>
-                  <a:srgbClr val="000000"/>
-                </a:solidFill>
-                <a:latin typeface="Courier New"/>
-              </a:rPr>
-              <a:t> </a:t>
-            </a:r>
-            <a:r>
-              <a:rPr sz="1400">
-                <a:solidFill>
-                  <a:srgbClr val="000000"/>
-                </a:solidFill>
-                <a:latin typeface="Courier New"/>
-              </a:rPr>
-              <a:t>DC</a:t>
-            </a:r>
-            <a:r>
-              <a:rPr sz="1400">
-                <a:solidFill>
-                  <a:srgbClr val="000000"/>
-                </a:solidFill>
-                <a:latin typeface="Courier New"/>
-              </a:rPr>
-              <a:t>=</a:t>
-            </a:r>
-            <a:r>
-              <a:rPr sz="1400">
-                <a:solidFill>
-                  <a:srgbClr val="000000"/>
-                </a:solidFill>
-                <a:latin typeface="Courier New"/>
-              </a:rPr>
-              <a:t>17</a:t>
-            </a:r>
-            <a:r>
-              <a:rPr sz="1400">
-                <a:solidFill>
-                  <a:srgbClr val="000000"/>
-                </a:solidFill>
-                <a:latin typeface="Courier New"/>
-              </a:rPr>
-              <a:t>m</a:t>
-            </a:r>
-            <a:r>
-              <a:rPr sz="1400">
-                <a:solidFill>
-                  <a:srgbClr val="000000"/>
-                </a:solidFill>
-                <a:latin typeface="Courier New"/>
-              </a:rPr>
-              <a:t>V_VDD</a:t>
-            </a:r>
-            <a:r>
-              <a:rPr sz="1400">
-                <a:solidFill>
-                  <a:srgbClr val="000000"/>
-                </a:solidFill>
-                <a:latin typeface="Courier New"/>
-              </a:rPr>
-              <a:t> </a:t>
-            </a:r>
-            <a:r>
-              <a:rPr sz="1400">
-                <a:solidFill>
-                  <a:srgbClr val="000000"/>
-                </a:solidFill>
-                <a:latin typeface="Courier New"/>
-              </a:rPr>
-              <a:t>2</a:t>
-            </a:r>
-            <a:r>
-              <a:rPr sz="1400">
-                <a:solidFill>
-                  <a:srgbClr val="000000"/>
-                </a:solidFill>
-                <a:latin typeface="Courier New"/>
-              </a:rPr>
-              <a:t> </a:t>
-            </a:r>
-            <a:r>
-              <a:rPr sz="1400">
-                <a:solidFill>
-                  <a:srgbClr val="000000"/>
-                </a:solidFill>
-                <a:latin typeface="Courier New"/>
-              </a:rPr>
-              <a:t>0</a:t>
-            </a:r>
-            <a:r>
-              <a:rPr sz="1400">
-                <a:solidFill>
-                  <a:srgbClr val="000000"/>
-                </a:solidFill>
-                <a:latin typeface="Courier New"/>
-              </a:rPr>
-              <a:t> </a:t>
-            </a:r>
-            <a:r>
-              <a:rPr sz="1400">
-                <a:solidFill>
-                  <a:srgbClr val="000000"/>
-                </a:solidFill>
-                <a:latin typeface="Courier New"/>
-              </a:rPr>
-              <a:t>66</a:t>
-            </a:r>
-            <a:r>
-              <a:rPr sz="1400">
-                <a:solidFill>
-                  <a:srgbClr val="000000"/>
-                </a:solidFill>
-                <a:latin typeface="Courier New"/>
-              </a:rPr>
-              <a:t>V</a:t>
-            </a:r>
-            <a:r>
-              <a:rPr sz="1400">
-                <a:solidFill>
-                  <a:srgbClr val="000000"/>
-                </a:solidFill>
-                <a:latin typeface="Courier New"/>
-              </a:rPr>
-              <a:t>.</a:t>
-            </a:r>
-            <a:r>
-              <a:rPr sz="1400">
-                <a:solidFill>
-                  <a:srgbClr val="000000"/>
-                </a:solidFill>
-                <a:latin typeface="Courier New"/>
-              </a:rPr>
-              <a:t>model</a:t>
-            </a:r>
-            <a:r>
-              <a:rPr sz="1400">
-                <a:solidFill>
-                  <a:srgbClr val="000000"/>
-                </a:solidFill>
-                <a:latin typeface="Courier New"/>
-              </a:rPr>
-              <a:t> </a:t>
-            </a:r>
-            <a:r>
-              <a:rPr sz="1400">
-                <a:solidFill>
-                  <a:srgbClr val="000000"/>
-                </a:solidFill>
-                <a:latin typeface="Courier New"/>
-              </a:rPr>
-              <a:t>Q2</a:t>
-            </a:r>
-            <a:r>
-              <a:rPr sz="1400">
-                <a:solidFill>
-                  <a:srgbClr val="000000"/>
-                </a:solidFill>
-                <a:latin typeface="Courier New"/>
-              </a:rPr>
-              <a:t> </a:t>
-            </a:r>
-            <a:r>
-              <a:rPr sz="1400">
-                <a:solidFill>
-                  <a:srgbClr val="000000"/>
-                </a:solidFill>
-                <a:latin typeface="Courier New"/>
-              </a:rPr>
-              <a:t>NPN</a:t>
-            </a:r>
-            <a:r>
-              <a:rPr sz="1400">
-                <a:solidFill>
-                  <a:srgbClr val="000000"/>
-                </a:solidFill>
-                <a:latin typeface="Courier New"/>
-              </a:rPr>
-              <a:t>(</a:t>
-            </a:r>
-            <a:r>
-              <a:rPr sz="1400">
-                <a:solidFill>
-                  <a:srgbClr val="000000"/>
-                </a:solidFill>
-                <a:latin typeface="Courier New"/>
-              </a:rPr>
-              <a:t>Is</a:t>
-            </a:r>
-            <a:r>
-              <a:rPr sz="1400">
-                <a:solidFill>
-                  <a:srgbClr val="000000"/>
-                </a:solidFill>
-                <a:latin typeface="Courier New"/>
-              </a:rPr>
-              <a:t>=</a:t>
-            </a:r>
-            <a:r>
-              <a:rPr sz="1400">
-                <a:solidFill>
-                  <a:srgbClr val="000000"/>
-                </a:solidFill>
-                <a:latin typeface="Courier New"/>
-              </a:rPr>
-              <a:t>14.34</a:t>
-            </a:r>
-            <a:r>
-              <a:rPr sz="1400">
-                <a:solidFill>
-                  <a:srgbClr val="000000"/>
-                </a:solidFill>
-                <a:latin typeface="Courier New"/>
-              </a:rPr>
-              <a:t>p</a:t>
-            </a:r>
-            <a:r>
-              <a:rPr sz="1400">
-                <a:solidFill>
-                  <a:srgbClr val="000000"/>
-                </a:solidFill>
-                <a:latin typeface="Courier New"/>
-              </a:rPr>
-              <a:t> </a:t>
-            </a:r>
-            <a:r>
-              <a:rPr sz="1400">
-                <a:solidFill>
-                  <a:srgbClr val="000000"/>
-                </a:solidFill>
-                <a:latin typeface="Courier New"/>
-              </a:rPr>
-              <a:t>BF</a:t>
-            </a:r>
-            <a:r>
-              <a:rPr sz="1400">
-                <a:solidFill>
-                  <a:srgbClr val="000000"/>
-                </a:solidFill>
-                <a:latin typeface="Courier New"/>
-              </a:rPr>
-              <a:t>=</a:t>
-            </a:r>
-            <a:r>
-              <a:rPr sz="1400">
-                <a:solidFill>
-                  <a:srgbClr val="000000"/>
-                </a:solidFill>
-                <a:latin typeface="Courier New"/>
-              </a:rPr>
-              <a:t>20</a:t>
-            </a:r>
-            <a:r>
-              <a:rPr sz="1400">
-                <a:solidFill>
-                  <a:srgbClr val="000000"/>
-                </a:solidFill>
-                <a:latin typeface="Courier New"/>
-              </a:rPr>
-              <a:t> </a:t>
-            </a:r>
-            <a:r>
-              <a:rPr sz="1400">
-                <a:solidFill>
-                  <a:srgbClr val="000000"/>
-                </a:solidFill>
-                <a:latin typeface="Courier New"/>
-              </a:rPr>
-              <a:t>)</a:t>
-            </a:r>
-          </a:p>
-        </p:txBody>
-      </p:sp>
-      <p:sp>
-        <p:nvSpPr>
-          <p:cNvPr id="3" name="Title 2"/>
-          <p:cNvSpPr>
-            <a:spLocks noGrp="1"/>
-          </p:cNvSpPr>
-          <p:nvPr>
-            <p:ph type="title"/>
-          </p:nvPr>
-        </p:nvSpPr>
-        <p:spPr/>
-        <p:txBody>
-          <a:bodyPr wrap="square">
-            <a:noAutofit/>
-          </a:bodyPr>
-          <a:lstStyle/>
-          <a:p>
-            <a:r>
-              <a:rPr sz="3200" b="1" i="0">
-                <a:latin typeface="Arial"/>
-              </a:rPr>
-              <a:t>SPICE code</a:t>
-            </a:r>
-            <a:endParaRPr sz="3200" b="1" i="0">
-              <a:latin typeface="Arial"/>
-            </a:endParaRPr>
-          </a:p>
-        </p:txBody>
-      </p:sp>
-    </p:spTree>
-  </p:cSld>
-  <p:clrMapOvr>
-    <a:masterClrMapping/>
-  </p:clrMapOvr>
-</p:sld>
-</file>
-
-<file path=ppt/slides/slide23.xml><?xml version="1.0" encoding="utf-8"?>
-<p:sld xmlns:a="http://schemas.openxmlformats.org/drawingml/2006/main" xmlns:p="http://schemas.openxmlformats.org/presentationml/2006/main" xmlns:r="http://schemas.openxmlformats.org/officeDocument/2006/relationships">
-  <p:cSld>
-    <p:spTree>
-      <p:nvGrpSpPr>
-        <p:cNvPr id="1" name=""/>
-        <p:cNvGrpSpPr/>
-        <p:nvPr/>
-      </p:nvGrpSpPr>
-      <p:grpSpPr/>
-      <p:sp>
-        <p:nvSpPr>
           <p:cNvPr id="2" name="Title 1"/>
           <p:cNvSpPr>
             <a:spLocks noGrp="1"/>
@@ -8631,7 +6230,7 @@
               <a:rPr sz="3200" b="1" i="0">
                 <a:latin typeface="Arial"/>
               </a:rPr>
-              <a:t>Stroom-spanning</a:t>
+              <a:t>Basisschema van de klasse A versterker</a:t>
             </a:r>
             <a:endParaRPr sz="3200" b="1" i="0">
               <a:latin typeface="Arial"/>
@@ -8655,1785 +6254,14 @@
         </p:blipFill>
         <p:spPr>
           <a:xfrm>
-            <a:off x="2518460" y="566928"/>
-            <a:ext cx="7155079" cy="5577840"/>
+            <a:off x="4218610" y="566928"/>
+            <a:ext cx="3754780" cy="5577840"/>
           </a:xfrm>
           <a:prstGeom prst="rect">
             <a:avLst/>
           </a:prstGeom>
         </p:spPr>
       </p:pic>
-    </p:spTree>
-  </p:cSld>
-  <p:clrMapOvr>
-    <a:masterClrMapping/>
-  </p:clrMapOvr>
-</p:sld>
-</file>
-
-<file path=ppt/slides/slide24.xml><?xml version="1.0" encoding="utf-8"?>
-<p:sld xmlns:a="http://schemas.openxmlformats.org/drawingml/2006/main" xmlns:p="http://schemas.openxmlformats.org/presentationml/2006/main" xmlns:r="http://schemas.openxmlformats.org/officeDocument/2006/relationships">
-  <p:cSld>
-    <p:spTree>
-      <p:nvGrpSpPr>
-        <p:cNvPr id="1" name=""/>
-        <p:cNvGrpSpPr/>
-        <p:nvPr/>
-      </p:nvGrpSpPr>
-      <p:grpSpPr/>
-      <p:sp>
-        <p:nvSpPr>
-          <p:cNvPr id="2" name="Content Placeholder 1"/>
-          <p:cNvSpPr>
-            <a:spLocks noGrp="1"/>
-          </p:cNvSpPr>
-          <p:nvPr>
-            <p:ph idx="1"/>
-          </p:nvPr>
-        </p:nvSpPr>
-        <p:spPr/>
-        <p:txBody>
-          <a:bodyPr/>
-          <a:lstStyle/>
-          <a:p/>
-        </p:txBody>
-      </p:sp>
-      <p:sp>
-        <p:nvSpPr>
-          <p:cNvPr id="3" name="Title 2"/>
-          <p:cNvSpPr>
-            <a:spLocks noGrp="1"/>
-          </p:cNvSpPr>
-          <p:nvPr>
-            <p:ph type="title"/>
-          </p:nvPr>
-        </p:nvSpPr>
-        <p:spPr/>
-        <p:txBody>
-          <a:bodyPr wrap="square">
-            <a:noAutofit/>
-          </a:bodyPr>
-          <a:lstStyle/>
-          <a:p>
-            <a:r>
-              <a:rPr sz="3200" b="1" i="0">
-                <a:latin typeface="Arial"/>
-              </a:rPr>
-              <a:t>spice code 100 kHz aansturing</a:t>
-            </a:r>
-            <a:endParaRPr sz="3200" b="1" i="0">
-              <a:latin typeface="Arial"/>
-            </a:endParaRPr>
-          </a:p>
-        </p:txBody>
-      </p:sp>
-    </p:spTree>
-  </p:cSld>
-  <p:clrMapOvr>
-    <a:masterClrMapping/>
-  </p:clrMapOvr>
-</p:sld>
-</file>
-
-<file path=ppt/slides/slide25.xml><?xml version="1.0" encoding="utf-8"?>
-<p:sld xmlns:a="http://schemas.openxmlformats.org/drawingml/2006/main" xmlns:p="http://schemas.openxmlformats.org/presentationml/2006/main" xmlns:r="http://schemas.openxmlformats.org/officeDocument/2006/relationships">
-  <p:cSld>
-    <p:spTree>
-      <p:nvGrpSpPr>
-        <p:cNvPr id="1" name=""/>
-        <p:cNvGrpSpPr/>
-        <p:nvPr/>
-      </p:nvGrpSpPr>
-      <p:grpSpPr/>
-      <p:sp>
-        <p:nvSpPr>
-          <p:cNvPr id="2" name="Content Placeholder 1"/>
-          <p:cNvSpPr>
-            <a:spLocks noGrp="1"/>
-          </p:cNvSpPr>
-          <p:nvPr>
-            <p:ph idx="1"/>
-          </p:nvPr>
-        </p:nvSpPr>
-        <p:spPr/>
-        <p:txBody>
-          <a:bodyPr/>
-          <a:lstStyle/>
-          <a:p/>
-        </p:txBody>
-      </p:sp>
-      <p:sp>
-        <p:nvSpPr>
-          <p:cNvPr id="3" name="Title 2"/>
-          <p:cNvSpPr>
-            <a:spLocks noGrp="1"/>
-          </p:cNvSpPr>
-          <p:nvPr>
-            <p:ph type="title"/>
-          </p:nvPr>
-        </p:nvSpPr>
-        <p:spPr/>
-        <p:txBody>
-          <a:bodyPr wrap="square">
-            <a:noAutofit/>
-          </a:bodyPr>
-          <a:lstStyle/>
-          <a:p>
-            <a:r>
-              <a:rPr sz="3200" b="1" i="0">
-                <a:latin typeface="Arial"/>
-              </a:rPr>
-              <a:t>spice code 100 kHz aansturing</a:t>
-            </a:r>
-            <a:endParaRPr sz="3200" b="1" i="0">
-              <a:latin typeface="Arial"/>
-            </a:endParaRPr>
-          </a:p>
-        </p:txBody>
-      </p:sp>
-    </p:spTree>
-  </p:cSld>
-  <p:clrMapOvr>
-    <a:masterClrMapping/>
-  </p:clrMapOvr>
-</p:sld>
-</file>
-
-<file path=ppt/slides/slide26.xml><?xml version="1.0" encoding="utf-8"?>
-<p:sld xmlns:a="http://schemas.openxmlformats.org/drawingml/2006/main" xmlns:p="http://schemas.openxmlformats.org/presentationml/2006/main" xmlns:r="http://schemas.openxmlformats.org/officeDocument/2006/relationships">
-  <p:cSld>
-    <p:spTree>
-      <p:nvGrpSpPr>
-        <p:cNvPr id="1" name=""/>
-        <p:cNvGrpSpPr/>
-        <p:nvPr/>
-      </p:nvGrpSpPr>
-      <p:grpSpPr/>
-      <p:sp>
-        <p:nvSpPr>
-          <p:cNvPr id="2" name="Content Placeholder 1"/>
-          <p:cNvSpPr>
-            <a:spLocks noGrp="1"/>
-          </p:cNvSpPr>
-          <p:nvPr>
-            <p:ph idx="1"/>
-          </p:nvPr>
-        </p:nvSpPr>
-        <p:spPr/>
-        <p:txBody>
-          <a:bodyPr/>
-          <a:lstStyle/>
-          <a:p/>
-        </p:txBody>
-      </p:sp>
-      <p:sp>
-        <p:nvSpPr>
-          <p:cNvPr id="3" name="Title 2"/>
-          <p:cNvSpPr>
-            <a:spLocks noGrp="1"/>
-          </p:cNvSpPr>
-          <p:nvPr>
-            <p:ph type="title"/>
-          </p:nvPr>
-        </p:nvSpPr>
-        <p:spPr/>
-        <p:txBody>
-          <a:bodyPr wrap="square">
-            <a:noAutofit/>
-          </a:bodyPr>
-          <a:lstStyle/>
-          <a:p>
-            <a:r>
-              <a:rPr sz="3200" b="1" i="0">
-                <a:latin typeface="Arial"/>
-              </a:rPr>
-              <a:t>spice code 100 kHz aansturing</a:t>
-            </a:r>
-            <a:endParaRPr sz="3200" b="1" i="0">
-              <a:latin typeface="Arial"/>
-            </a:endParaRPr>
-          </a:p>
-        </p:txBody>
-      </p:sp>
-    </p:spTree>
-  </p:cSld>
-  <p:clrMapOvr>
-    <a:masterClrMapping/>
-  </p:clrMapOvr>
-</p:sld>
-</file>
-
-<file path=ppt/slides/slide27.xml><?xml version="1.0" encoding="utf-8"?>
-<p:sld xmlns:a="http://schemas.openxmlformats.org/drawingml/2006/main" xmlns:p="http://schemas.openxmlformats.org/presentationml/2006/main" xmlns:r="http://schemas.openxmlformats.org/officeDocument/2006/relationships">
-  <p:cSld>
-    <p:spTree>
-      <p:nvGrpSpPr>
-        <p:cNvPr id="1" name=""/>
-        <p:cNvGrpSpPr/>
-        <p:nvPr/>
-      </p:nvGrpSpPr>
-      <p:grpSpPr/>
-      <p:sp>
-        <p:nvSpPr>
-          <p:cNvPr id="2" name="Content Placeholder 1"/>
-          <p:cNvSpPr>
-            <a:spLocks noGrp="1"/>
-          </p:cNvSpPr>
-          <p:nvPr>
-            <p:ph idx="1"/>
-          </p:nvPr>
-        </p:nvSpPr>
-        <p:spPr/>
-        <p:txBody>
-          <a:bodyPr/>
-          <a:lstStyle/>
-          <a:p/>
-        </p:txBody>
-      </p:sp>
-      <p:sp>
-        <p:nvSpPr>
-          <p:cNvPr id="3" name="Title 2"/>
-          <p:cNvSpPr>
-            <a:spLocks noGrp="1"/>
-          </p:cNvSpPr>
-          <p:nvPr>
-            <p:ph type="title"/>
-          </p:nvPr>
-        </p:nvSpPr>
-        <p:spPr/>
-        <p:txBody>
-          <a:bodyPr wrap="square">
-            <a:noAutofit/>
-          </a:bodyPr>
-          <a:lstStyle/>
-          <a:p>
-            <a:r>
-              <a:rPr sz="3200" b="1" i="0">
-                <a:latin typeface="Arial"/>
-              </a:rPr>
-              <a:t>spice code 100 kHz aansturing</a:t>
-            </a:r>
-            <a:endParaRPr sz="3200" b="1" i="0">
-              <a:latin typeface="Arial"/>
-            </a:endParaRPr>
-          </a:p>
-        </p:txBody>
-      </p:sp>
-    </p:spTree>
-  </p:cSld>
-  <p:clrMapOvr>
-    <a:masterClrMapping/>
-  </p:clrMapOvr>
-</p:sld>
-</file>
-
-<file path=ppt/slides/slide28.xml><?xml version="1.0" encoding="utf-8"?>
-<p:sld xmlns:a="http://schemas.openxmlformats.org/drawingml/2006/main" xmlns:p="http://schemas.openxmlformats.org/presentationml/2006/main" xmlns:r="http://schemas.openxmlformats.org/officeDocument/2006/relationships">
-  <p:cSld>
-    <p:spTree>
-      <p:nvGrpSpPr>
-        <p:cNvPr id="1" name=""/>
-        <p:cNvGrpSpPr/>
-        <p:nvPr/>
-      </p:nvGrpSpPr>
-      <p:grpSpPr/>
-      <p:sp>
-        <p:nvSpPr>
-          <p:cNvPr id="2" name="Content Placeholder 1"/>
-          <p:cNvSpPr>
-            <a:spLocks noGrp="1"/>
-          </p:cNvSpPr>
-          <p:nvPr>
-            <p:ph idx="1"/>
-          </p:nvPr>
-        </p:nvSpPr>
-        <p:spPr/>
-        <p:txBody>
-          <a:bodyPr/>
-          <a:lstStyle/>
-          <a:p/>
-        </p:txBody>
-      </p:sp>
-      <p:sp>
-        <p:nvSpPr>
-          <p:cNvPr id="3" name="Title 2"/>
-          <p:cNvSpPr>
-            <a:spLocks noGrp="1"/>
-          </p:cNvSpPr>
-          <p:nvPr>
-            <p:ph type="title"/>
-          </p:nvPr>
-        </p:nvSpPr>
-        <p:spPr/>
-        <p:txBody>
-          <a:bodyPr wrap="square">
-            <a:noAutofit/>
-          </a:bodyPr>
-          <a:lstStyle/>
-          <a:p>
-            <a:r>
-              <a:rPr sz="3200" b="1" i="0">
-                <a:latin typeface="Arial"/>
-              </a:rPr>
-              <a:t>spice code 100 kHz aansturing</a:t>
-            </a:r>
-            <a:endParaRPr sz="3200" b="1" i="0">
-              <a:latin typeface="Arial"/>
-            </a:endParaRPr>
-          </a:p>
-        </p:txBody>
-      </p:sp>
-    </p:spTree>
-  </p:cSld>
-  <p:clrMapOvr>
-    <a:masterClrMapping/>
-  </p:clrMapOvr>
-</p:sld>
-</file>
-
-<file path=ppt/slides/slide29.xml><?xml version="1.0" encoding="utf-8"?>
-<p:sld xmlns:a="http://schemas.openxmlformats.org/drawingml/2006/main" xmlns:p="http://schemas.openxmlformats.org/presentationml/2006/main" xmlns:r="http://schemas.openxmlformats.org/officeDocument/2006/relationships">
-  <p:cSld>
-    <p:spTree>
-      <p:nvGrpSpPr>
-        <p:cNvPr id="1" name=""/>
-        <p:cNvGrpSpPr/>
-        <p:nvPr/>
-      </p:nvGrpSpPr>
-      <p:grpSpPr/>
-      <p:sp>
-        <p:nvSpPr>
-          <p:cNvPr id="2" name="Content Placeholder 1"/>
-          <p:cNvSpPr>
-            <a:spLocks noGrp="1"/>
-          </p:cNvSpPr>
-          <p:nvPr>
-            <p:ph idx="1"/>
-          </p:nvPr>
-        </p:nvSpPr>
-        <p:spPr/>
-        <p:txBody>
-          <a:bodyPr/>
-          <a:lstStyle/>
-          <a:p/>
-        </p:txBody>
-      </p:sp>
-      <p:sp>
-        <p:nvSpPr>
-          <p:cNvPr id="3" name="Title 2"/>
-          <p:cNvSpPr>
-            <a:spLocks noGrp="1"/>
-          </p:cNvSpPr>
-          <p:nvPr>
-            <p:ph type="title"/>
-          </p:nvPr>
-        </p:nvSpPr>
-        <p:spPr/>
-        <p:txBody>
-          <a:bodyPr wrap="square">
-            <a:noAutofit/>
-          </a:bodyPr>
-          <a:lstStyle/>
-          <a:p>
-            <a:r>
-              <a:rPr sz="3200" b="1" i="0">
-                <a:latin typeface="Arial"/>
-              </a:rPr>
-              <a:t>spice code 100 kHz aansturing</a:t>
-            </a:r>
-            <a:endParaRPr sz="3200" b="1" i="0">
-              <a:latin typeface="Arial"/>
-            </a:endParaRPr>
-          </a:p>
-        </p:txBody>
-      </p:sp>
-    </p:spTree>
-  </p:cSld>
-  <p:clrMapOvr>
-    <a:masterClrMapping/>
-  </p:clrMapOvr>
-</p:sld>
-</file>
-
-<file path=ppt/slides/slide3.xml><?xml version="1.0" encoding="utf-8"?>
-<p:sld xmlns:a="http://schemas.openxmlformats.org/drawingml/2006/main" xmlns:p="http://schemas.openxmlformats.org/presentationml/2006/main" xmlns:r="http://schemas.openxmlformats.org/officeDocument/2006/relationships">
-  <p:cSld>
-    <p:spTree>
-      <p:nvGrpSpPr>
-        <p:cNvPr id="1" name=""/>
-        <p:cNvGrpSpPr/>
-        <p:nvPr/>
-      </p:nvGrpSpPr>
-      <p:grpSpPr/>
-      <p:sp>
-        <p:nvSpPr>
-          <p:cNvPr id="2" name="Title 1"/>
-          <p:cNvSpPr>
-            <a:spLocks noGrp="1"/>
-          </p:cNvSpPr>
-          <p:nvPr>
-            <p:ph type="title"/>
-          </p:nvPr>
-        </p:nvSpPr>
-        <p:spPr/>
-        <p:txBody>
-          <a:bodyPr wrap="square">
-            <a:noAutofit/>
-          </a:bodyPr>
-          <a:lstStyle/>
-          <a:p>
-            <a:r>
-              <a:rPr sz="3200" b="1" i="0">
-                <a:latin typeface="Arial"/>
-              </a:rPr>
-              <a:t>Basisschema van de klasse A versterker</a:t>
-            </a:r>
-            <a:endParaRPr sz="3200" b="1" i="0">
-              <a:latin typeface="Arial"/>
-            </a:endParaRPr>
-          </a:p>
-        </p:txBody>
-      </p:sp>
-      <p:pic>
-        <p:nvPicPr>
-          <p:cNvPr id="3" name="Picture 2" descr="image.png"/>
-          <p:cNvPicPr>
-            <a:picLocks noChangeAspect="1"/>
-          </p:cNvPicPr>
-          <p:nvPr/>
-        </p:nvPicPr>
-        <p:blipFill>
-          <a:blip r:embed="rId2"/>
-          <a:stretch>
-            <a:fillRect/>
-          </a:stretch>
-        </p:blipFill>
-        <p:spPr>
-          <a:xfrm>
-            <a:off x="4218610" y="566928"/>
-            <a:ext cx="3754780" cy="5577840"/>
-          </a:xfrm>
-          <a:prstGeom prst="rect">
-            <a:avLst/>
-          </a:prstGeom>
-        </p:spPr>
-      </p:pic>
-    </p:spTree>
-  </p:cSld>
-  <p:clrMapOvr>
-    <a:masterClrMapping/>
-  </p:clrMapOvr>
-</p:sld>
-</file>
-
-<file path=ppt/slides/slide30.xml><?xml version="1.0" encoding="utf-8"?>
-<p:sld xmlns:a="http://schemas.openxmlformats.org/drawingml/2006/main" xmlns:p="http://schemas.openxmlformats.org/presentationml/2006/main" xmlns:r="http://schemas.openxmlformats.org/officeDocument/2006/relationships">
-  <p:cSld>
-    <p:spTree>
-      <p:nvGrpSpPr>
-        <p:cNvPr id="1" name=""/>
-        <p:cNvGrpSpPr/>
-        <p:nvPr/>
-      </p:nvGrpSpPr>
-      <p:grpSpPr/>
-      <p:sp>
-        <p:nvSpPr>
-          <p:cNvPr id="2" name="Content Placeholder 1"/>
-          <p:cNvSpPr>
-            <a:spLocks noGrp="1"/>
-          </p:cNvSpPr>
-          <p:nvPr>
-            <p:ph idx="1"/>
-          </p:nvPr>
-        </p:nvSpPr>
-        <p:spPr/>
-        <p:txBody>
-          <a:bodyPr/>
-          <a:lstStyle/>
-          <a:p>
-            <a:r>
-              <a:rPr sz="1400">
-                <a:solidFill>
-                  <a:srgbClr val="000000"/>
-                </a:solidFill>
-                <a:latin typeface="Courier New"/>
-              </a:rPr>
-              <a:t/>
-            </a:r>
-            <a:r>
-              <a:rPr sz="1400">
-                <a:solidFill>
-                  <a:srgbClr val="000000"/>
-                </a:solidFill>
-                <a:latin typeface="Courier New"/>
-              </a:rPr>
-              <a:t>*</a:t>
-            </a:r>
-            <a:r>
-              <a:rPr sz="1400">
-                <a:solidFill>
-                  <a:srgbClr val="000000"/>
-                </a:solidFill>
-                <a:latin typeface="Courier New"/>
-              </a:rPr>
-              <a:t> </a:t>
-            </a:r>
-            <a:r>
-              <a:rPr sz="1400">
-                <a:solidFill>
-                  <a:srgbClr val="000000"/>
-                </a:solidFill>
-                <a:latin typeface="Courier New"/>
-              </a:rPr>
-              <a:t>Spice</a:t>
-            </a:r>
-            <a:r>
-              <a:rPr sz="1400">
-                <a:solidFill>
-                  <a:srgbClr val="000000"/>
-                </a:solidFill>
-                <a:latin typeface="Courier New"/>
-              </a:rPr>
-              <a:t> </a:t>
-            </a:r>
-            <a:r>
-              <a:rPr sz="1400">
-                <a:solidFill>
-                  <a:srgbClr val="000000"/>
-                </a:solidFill>
-                <a:latin typeface="Courier New"/>
-              </a:rPr>
-              <a:t>file</a:t>
-            </a:r>
-            <a:r>
-              <a:rPr sz="1400">
-                <a:solidFill>
-                  <a:srgbClr val="000000"/>
-                </a:solidFill>
-                <a:latin typeface="Courier New"/>
-              </a:rPr>
-              <a:t> </a:t>
-            </a:r>
-            <a:r>
-              <a:rPr sz="1400">
-                <a:solidFill>
-                  <a:srgbClr val="000000"/>
-                </a:solidFill>
-                <a:latin typeface="Courier New"/>
-              </a:rPr>
-              <a:t>van</a:t>
-            </a:r>
-            <a:r>
-              <a:rPr sz="1400">
-                <a:solidFill>
-                  <a:srgbClr val="000000"/>
-                </a:solidFill>
-                <a:latin typeface="Courier New"/>
-              </a:rPr>
-              <a:t> </a:t>
-            </a:r>
-            <a:r>
-              <a:rPr sz="1400">
-                <a:solidFill>
-                  <a:srgbClr val="000000"/>
-                </a:solidFill>
-                <a:latin typeface="Courier New"/>
-              </a:rPr>
-              <a:t>een</a:t>
-            </a:r>
-            <a:r>
-              <a:rPr sz="1400">
-                <a:solidFill>
-                  <a:srgbClr val="000000"/>
-                </a:solidFill>
-                <a:latin typeface="Courier New"/>
-              </a:rPr>
-              <a:t> </a:t>
-            </a:r>
-            <a:r>
-              <a:rPr sz="1400">
-                <a:solidFill>
-                  <a:srgbClr val="000000"/>
-                </a:solidFill>
-                <a:latin typeface="Courier New"/>
-              </a:rPr>
-              <a:t>eenvoudige</a:t>
-            </a:r>
-            <a:r>
-              <a:rPr sz="1400">
-                <a:solidFill>
-                  <a:srgbClr val="000000"/>
-                </a:solidFill>
-                <a:latin typeface="Courier New"/>
-              </a:rPr>
-              <a:t> </a:t>
-            </a:r>
-            <a:r>
-              <a:rPr sz="1400">
-                <a:solidFill>
-                  <a:srgbClr val="000000"/>
-                </a:solidFill>
-                <a:latin typeface="Courier New"/>
-              </a:rPr>
-              <a:t>Klasse</a:t>
-            </a:r>
-            <a:r>
-              <a:rPr sz="1400">
-                <a:solidFill>
-                  <a:srgbClr val="000000"/>
-                </a:solidFill>
-                <a:latin typeface="Courier New"/>
-              </a:rPr>
-              <a:t> </a:t>
-            </a:r>
-            <a:r>
-              <a:rPr sz="1400">
-                <a:solidFill>
-                  <a:srgbClr val="000000"/>
-                </a:solidFill>
-                <a:latin typeface="Courier New"/>
-              </a:rPr>
-              <a:t>A</a:t>
-            </a:r>
-            <a:r>
-              <a:rPr sz="1400">
-                <a:solidFill>
-                  <a:srgbClr val="000000"/>
-                </a:solidFill>
-                <a:latin typeface="Courier New"/>
-              </a:rPr>
-              <a:t> </a:t>
-            </a:r>
-            <a:r>
-              <a:rPr sz="1400">
-                <a:solidFill>
-                  <a:srgbClr val="000000"/>
-                </a:solidFill>
-                <a:latin typeface="Courier New"/>
-              </a:rPr>
-              <a:t>versterker</a:t>
-            </a:r>
-            <a:r>
-              <a:rPr sz="1400">
-                <a:solidFill>
-                  <a:srgbClr val="000000"/>
-                </a:solidFill>
-                <a:latin typeface="Courier New"/>
-              </a:rPr>
-              <a:t>R_R6</a:t>
-            </a:r>
-            <a:r>
-              <a:rPr sz="1400">
-                <a:solidFill>
-                  <a:srgbClr val="000000"/>
-                </a:solidFill>
-                <a:latin typeface="Courier New"/>
-              </a:rPr>
-              <a:t>         </a:t>
-            </a:r>
-            <a:r>
-              <a:rPr sz="1400">
-                <a:solidFill>
-                  <a:srgbClr val="000000"/>
-                </a:solidFill>
-                <a:latin typeface="Courier New"/>
-              </a:rPr>
-              <a:t>0</a:t>
-            </a:r>
-            <a:r>
-              <a:rPr sz="1400">
-                <a:solidFill>
-                  <a:srgbClr val="000000"/>
-                </a:solidFill>
-                <a:latin typeface="Courier New"/>
-              </a:rPr>
-              <a:t> </a:t>
-            </a:r>
-            <a:r>
-              <a:rPr sz="1400">
-                <a:solidFill>
-                  <a:srgbClr val="000000"/>
-                </a:solidFill>
-                <a:latin typeface="Courier New"/>
-              </a:rPr>
-              <a:t>1</a:t>
-            </a:r>
-            <a:r>
-              <a:rPr sz="1400">
-                <a:solidFill>
-                  <a:srgbClr val="000000"/>
-                </a:solidFill>
-                <a:latin typeface="Courier New"/>
-              </a:rPr>
-              <a:t>  </a:t>
-            </a:r>
-            <a:r>
-              <a:rPr sz="1400">
-                <a:solidFill>
-                  <a:srgbClr val="000000"/>
-                </a:solidFill>
-                <a:latin typeface="Courier New"/>
-              </a:rPr>
-              <a:t>8</a:t>
-            </a:r>
-            <a:r>
-              <a:rPr sz="1400">
-                <a:solidFill>
-                  <a:srgbClr val="000000"/>
-                </a:solidFill>
-                <a:latin typeface="Courier New"/>
-              </a:rPr>
-              <a:t>R_R7</a:t>
-            </a:r>
-            <a:r>
-              <a:rPr sz="1400">
-                <a:solidFill>
-                  <a:srgbClr val="000000"/>
-                </a:solidFill>
-                <a:latin typeface="Courier New"/>
-              </a:rPr>
-              <a:t>         </a:t>
-            </a:r>
-            <a:r>
-              <a:rPr sz="1400">
-                <a:solidFill>
-                  <a:srgbClr val="000000"/>
-                </a:solidFill>
-                <a:latin typeface="Courier New"/>
-              </a:rPr>
-              <a:t>3</a:t>
-            </a:r>
-            <a:r>
-              <a:rPr sz="1400">
-                <a:solidFill>
-                  <a:srgbClr val="000000"/>
-                </a:solidFill>
-                <a:latin typeface="Courier New"/>
-              </a:rPr>
-              <a:t> </a:t>
-            </a:r>
-            <a:r>
-              <a:rPr sz="1400">
-                <a:solidFill>
-                  <a:srgbClr val="000000"/>
-                </a:solidFill>
-                <a:latin typeface="Courier New"/>
-              </a:rPr>
-              <a:t>2</a:t>
-            </a:r>
-            <a:r>
-              <a:rPr sz="1400">
-                <a:solidFill>
-                  <a:srgbClr val="000000"/>
-                </a:solidFill>
-                <a:latin typeface="Courier New"/>
-              </a:rPr>
-              <a:t>  </a:t>
-            </a:r>
-            <a:r>
-              <a:rPr sz="1400">
-                <a:solidFill>
-                  <a:srgbClr val="000000"/>
-                </a:solidFill>
-                <a:latin typeface="Courier New"/>
-              </a:rPr>
-              <a:t>1</a:t>
-            </a:r>
-          </a:p>
-        </p:txBody>
-      </p:sp>
-      <p:sp>
-        <p:nvSpPr>
-          <p:cNvPr id="3" name="Title 2"/>
-          <p:cNvSpPr>
-            <a:spLocks noGrp="1"/>
-          </p:cNvSpPr>
-          <p:nvPr>
-            <p:ph type="title"/>
-          </p:nvPr>
-        </p:nvSpPr>
-        <p:spPr/>
-        <p:txBody>
-          <a:bodyPr wrap="square">
-            <a:noAutofit/>
-          </a:bodyPr>
-          <a:lstStyle/>
-          <a:p>
-            <a:r>
-              <a:rPr sz="3200" b="1" i="0">
-                <a:latin typeface="Arial"/>
-              </a:rPr>
-              <a:t>spice code 100 kHz aansturing</a:t>
-            </a:r>
-            <a:endParaRPr sz="3200" b="1" i="0">
-              <a:latin typeface="Arial"/>
-            </a:endParaRPr>
-          </a:p>
-        </p:txBody>
-      </p:sp>
-    </p:spTree>
-  </p:cSld>
-  <p:clrMapOvr>
-    <a:masterClrMapping/>
-  </p:clrMapOvr>
-</p:sld>
-</file>
-
-<file path=ppt/slides/slide31.xml><?xml version="1.0" encoding="utf-8"?>
-<p:sld xmlns:a="http://schemas.openxmlformats.org/drawingml/2006/main" xmlns:p="http://schemas.openxmlformats.org/presentationml/2006/main" xmlns:r="http://schemas.openxmlformats.org/officeDocument/2006/relationships">
-  <p:cSld>
-    <p:spTree>
-      <p:nvGrpSpPr>
-        <p:cNvPr id="1" name=""/>
-        <p:cNvGrpSpPr/>
-        <p:nvPr/>
-      </p:nvGrpSpPr>
-      <p:grpSpPr/>
-      <p:sp>
-        <p:nvSpPr>
-          <p:cNvPr id="2" name="Content Placeholder 1"/>
-          <p:cNvSpPr>
-            <a:spLocks noGrp="1"/>
-          </p:cNvSpPr>
-          <p:nvPr>
-            <p:ph idx="1"/>
-          </p:nvPr>
-        </p:nvSpPr>
-        <p:spPr/>
-        <p:txBody>
-          <a:bodyPr/>
-          <a:lstStyle/>
-          <a:p>
-            <a:r>
-              <a:rPr sz="1400">
-                <a:solidFill>
-                  <a:srgbClr val="000000"/>
-                </a:solidFill>
-                <a:latin typeface="Courier New"/>
-              </a:rPr>
-              <a:t>L1_TX1</a:t>
-            </a:r>
-            <a:r>
-              <a:rPr sz="1400">
-                <a:solidFill>
-                  <a:srgbClr val="000000"/>
-                </a:solidFill>
-                <a:latin typeface="Courier New"/>
-              </a:rPr>
-              <a:t> </a:t>
-            </a:r>
-            <a:r>
-              <a:rPr sz="1400">
-                <a:solidFill>
-                  <a:srgbClr val="000000"/>
-                </a:solidFill>
-                <a:latin typeface="Courier New"/>
-              </a:rPr>
-              <a:t>3</a:t>
-            </a:r>
-            <a:r>
-              <a:rPr sz="1400">
-                <a:solidFill>
-                  <a:srgbClr val="000000"/>
-                </a:solidFill>
-                <a:latin typeface="Courier New"/>
-              </a:rPr>
-              <a:t> </a:t>
-            </a:r>
-            <a:r>
-              <a:rPr sz="1400">
-                <a:solidFill>
-                  <a:srgbClr val="000000"/>
-                </a:solidFill>
-                <a:latin typeface="Courier New"/>
-              </a:rPr>
-              <a:t>4</a:t>
-            </a:r>
-            <a:r>
-              <a:rPr sz="1400">
-                <a:solidFill>
-                  <a:srgbClr val="000000"/>
-                </a:solidFill>
-                <a:latin typeface="Courier New"/>
-              </a:rPr>
-              <a:t> </a:t>
-            </a:r>
-            <a:r>
-              <a:rPr sz="1400">
-                <a:solidFill>
-                  <a:srgbClr val="000000"/>
-                </a:solidFill>
-                <a:latin typeface="Courier New"/>
-              </a:rPr>
-              <a:t>25</a:t>
-            </a:r>
-            <a:r>
-              <a:rPr sz="1400">
-                <a:solidFill>
-                  <a:srgbClr val="000000"/>
-                </a:solidFill>
-                <a:latin typeface="Courier New"/>
-              </a:rPr>
-              <a:t>m</a:t>
-            </a:r>
-            <a:r>
-              <a:rPr sz="1400">
-                <a:solidFill>
-                  <a:srgbClr val="000000"/>
-                </a:solidFill>
-                <a:latin typeface="Courier New"/>
-              </a:rPr>
-              <a:t>L2_TX1</a:t>
-            </a:r>
-            <a:r>
-              <a:rPr sz="1400">
-                <a:solidFill>
-                  <a:srgbClr val="000000"/>
-                </a:solidFill>
-                <a:latin typeface="Courier New"/>
-              </a:rPr>
-              <a:t> </a:t>
-            </a:r>
-            <a:r>
-              <a:rPr sz="1400">
-                <a:solidFill>
-                  <a:srgbClr val="000000"/>
-                </a:solidFill>
-                <a:latin typeface="Courier New"/>
-              </a:rPr>
-              <a:t>1</a:t>
-            </a:r>
-            <a:r>
-              <a:rPr sz="1400">
-                <a:solidFill>
-                  <a:srgbClr val="000000"/>
-                </a:solidFill>
-                <a:latin typeface="Courier New"/>
-              </a:rPr>
-              <a:t> </a:t>
-            </a:r>
-            <a:r>
-              <a:rPr sz="1400">
-                <a:solidFill>
-                  <a:srgbClr val="000000"/>
-                </a:solidFill>
-                <a:latin typeface="Courier New"/>
-              </a:rPr>
-              <a:t>0</a:t>
-            </a:r>
-            <a:r>
-              <a:rPr sz="1400">
-                <a:solidFill>
-                  <a:srgbClr val="000000"/>
-                </a:solidFill>
-                <a:latin typeface="Courier New"/>
-              </a:rPr>
-              <a:t> </a:t>
-            </a:r>
-            <a:r>
-              <a:rPr sz="1400">
-                <a:solidFill>
-                  <a:srgbClr val="000000"/>
-                </a:solidFill>
-                <a:latin typeface="Courier New"/>
-              </a:rPr>
-              <a:t>1</a:t>
-            </a:r>
-            <a:r>
-              <a:rPr sz="1400">
-                <a:solidFill>
-                  <a:srgbClr val="000000"/>
-                </a:solidFill>
-                <a:latin typeface="Courier New"/>
-              </a:rPr>
-              <a:t>m</a:t>
-            </a:r>
-            <a:r>
-              <a:rPr sz="1400">
-                <a:solidFill>
-                  <a:srgbClr val="000000"/>
-                </a:solidFill>
-                <a:latin typeface="Courier New"/>
-              </a:rPr>
-              <a:t>K_TX1</a:t>
-            </a:r>
-            <a:r>
-              <a:rPr sz="1400">
-                <a:solidFill>
-                  <a:srgbClr val="000000"/>
-                </a:solidFill>
-                <a:latin typeface="Courier New"/>
-              </a:rPr>
-              <a:t> </a:t>
-            </a:r>
-            <a:r>
-              <a:rPr sz="1400">
-                <a:solidFill>
-                  <a:srgbClr val="000000"/>
-                </a:solidFill>
-                <a:latin typeface="Courier New"/>
-              </a:rPr>
-              <a:t>L1_TX1</a:t>
-            </a:r>
-            <a:r>
-              <a:rPr sz="1400">
-                <a:solidFill>
-                  <a:srgbClr val="000000"/>
-                </a:solidFill>
-                <a:latin typeface="Courier New"/>
-              </a:rPr>
-              <a:t> </a:t>
-            </a:r>
-            <a:r>
-              <a:rPr sz="1400">
-                <a:solidFill>
-                  <a:srgbClr val="000000"/>
-                </a:solidFill>
-                <a:latin typeface="Courier New"/>
-              </a:rPr>
-              <a:t>L2_TX1</a:t>
-            </a:r>
-            <a:r>
-              <a:rPr sz="1400">
-                <a:solidFill>
-                  <a:srgbClr val="000000"/>
-                </a:solidFill>
-                <a:latin typeface="Courier New"/>
-              </a:rPr>
-              <a:t> </a:t>
-            </a:r>
-            <a:r>
-              <a:rPr sz="1400">
-                <a:solidFill>
-                  <a:srgbClr val="000000"/>
-                </a:solidFill>
-                <a:latin typeface="Courier New"/>
-              </a:rPr>
-              <a:t>1</a:t>
-            </a:r>
-            <a:r>
-              <a:rPr sz="1400">
-                <a:solidFill>
-                  <a:srgbClr val="000000"/>
-                </a:solidFill>
-                <a:latin typeface="Courier New"/>
-              </a:rPr>
-              <a:t>.</a:t>
-            </a:r>
-            <a:r>
-              <a:rPr sz="1400">
-                <a:solidFill>
-                  <a:srgbClr val="000000"/>
-                </a:solidFill>
-                <a:latin typeface="Courier New"/>
-              </a:rPr>
-              <a:t>Q_Q5</a:t>
-            </a:r>
-            <a:r>
-              <a:rPr sz="1400">
-                <a:solidFill>
-                  <a:srgbClr val="000000"/>
-                </a:solidFill>
-                <a:latin typeface="Courier New"/>
-              </a:rPr>
-              <a:t> </a:t>
-            </a:r>
-            <a:r>
-              <a:rPr sz="1400">
-                <a:solidFill>
-                  <a:srgbClr val="000000"/>
-                </a:solidFill>
-                <a:latin typeface="Courier New"/>
-              </a:rPr>
-              <a:t>4</a:t>
-            </a:r>
-            <a:r>
-              <a:rPr sz="1400">
-                <a:solidFill>
-                  <a:srgbClr val="000000"/>
-                </a:solidFill>
-                <a:latin typeface="Courier New"/>
-              </a:rPr>
-              <a:t> </a:t>
-            </a:r>
-            <a:r>
-              <a:rPr sz="1400">
-                <a:solidFill>
-                  <a:srgbClr val="000000"/>
-                </a:solidFill>
-                <a:latin typeface="Courier New"/>
-              </a:rPr>
-              <a:t>5</a:t>
-            </a:r>
-            <a:r>
-              <a:rPr sz="1400">
-                <a:solidFill>
-                  <a:srgbClr val="000000"/>
-                </a:solidFill>
-                <a:latin typeface="Courier New"/>
-              </a:rPr>
-              <a:t> </a:t>
-            </a:r>
-            <a:r>
-              <a:rPr sz="1400">
-                <a:solidFill>
-                  <a:srgbClr val="000000"/>
-                </a:solidFill>
-                <a:latin typeface="Courier New"/>
-              </a:rPr>
-              <a:t>0</a:t>
-            </a:r>
-            <a:r>
-              <a:rPr sz="1400">
-                <a:solidFill>
-                  <a:srgbClr val="000000"/>
-                </a:solidFill>
-                <a:latin typeface="Courier New"/>
-              </a:rPr>
-              <a:t> </a:t>
-            </a:r>
-            <a:r>
-              <a:rPr sz="1400">
-                <a:solidFill>
-                  <a:srgbClr val="000000"/>
-                </a:solidFill>
-                <a:latin typeface="Courier New"/>
-              </a:rPr>
-              <a:t>Q2</a:t>
-            </a:r>
-            <a:r>
-              <a:rPr sz="1400">
-                <a:solidFill>
-                  <a:srgbClr val="000000"/>
-                </a:solidFill>
-                <a:latin typeface="Courier New"/>
-              </a:rPr>
-              <a:t>I_I4</a:t>
-            </a:r>
-            <a:r>
-              <a:rPr sz="1400">
-                <a:solidFill>
-                  <a:srgbClr val="000000"/>
-                </a:solidFill>
-                <a:latin typeface="Courier New"/>
-              </a:rPr>
-              <a:t> </a:t>
-            </a:r>
-            <a:r>
-              <a:rPr sz="1400">
-                <a:solidFill>
-                  <a:srgbClr val="000000"/>
-                </a:solidFill>
-                <a:latin typeface="Courier New"/>
-              </a:rPr>
-              <a:t>0</a:t>
-            </a:r>
-            <a:r>
-              <a:rPr sz="1400">
-                <a:solidFill>
-                  <a:srgbClr val="000000"/>
-                </a:solidFill>
-                <a:latin typeface="Courier New"/>
-              </a:rPr>
-              <a:t> </a:t>
-            </a:r>
-            <a:r>
-              <a:rPr sz="1400">
-                <a:solidFill>
-                  <a:srgbClr val="000000"/>
-                </a:solidFill>
-                <a:latin typeface="Courier New"/>
-              </a:rPr>
-              <a:t>5</a:t>
-            </a:r>
-            <a:r>
-              <a:rPr sz="1400">
-                <a:solidFill>
-                  <a:srgbClr val="000000"/>
-                </a:solidFill>
-                <a:latin typeface="Courier New"/>
-              </a:rPr>
-              <a:t> </a:t>
-            </a:r>
-            <a:r>
-              <a:rPr sz="1400">
-                <a:solidFill>
-                  <a:srgbClr val="000000"/>
-                </a:solidFill>
-                <a:latin typeface="Courier New"/>
-              </a:rPr>
-              <a:t>SIN</a:t>
-            </a:r>
-            <a:r>
-              <a:rPr sz="1400">
-                <a:solidFill>
-                  <a:srgbClr val="000000"/>
-                </a:solidFill>
-                <a:latin typeface="Courier New"/>
-              </a:rPr>
-              <a:t>(</a:t>
-            </a:r>
-            <a:r>
-              <a:rPr sz="1400">
-                <a:solidFill>
-                  <a:srgbClr val="000000"/>
-                </a:solidFill>
-                <a:latin typeface="Courier New"/>
-              </a:rPr>
-              <a:t>17</a:t>
-            </a:r>
-            <a:r>
-              <a:rPr sz="1400">
-                <a:solidFill>
-                  <a:srgbClr val="000000"/>
-                </a:solidFill>
-                <a:latin typeface="Courier New"/>
-              </a:rPr>
-              <a:t>m</a:t>
-            </a:r>
-            <a:r>
-              <a:rPr sz="1400">
-                <a:solidFill>
-                  <a:srgbClr val="000000"/>
-                </a:solidFill>
-                <a:latin typeface="Courier New"/>
-              </a:rPr>
-              <a:t> </a:t>
-            </a:r>
-            <a:r>
-              <a:rPr sz="1400">
-                <a:solidFill>
-                  <a:srgbClr val="000000"/>
-                </a:solidFill>
-                <a:latin typeface="Courier New"/>
-              </a:rPr>
-              <a:t>15</a:t>
-            </a:r>
-            <a:r>
-              <a:rPr sz="1400">
-                <a:solidFill>
-                  <a:srgbClr val="000000"/>
-                </a:solidFill>
-                <a:latin typeface="Courier New"/>
-              </a:rPr>
-              <a:t>m</a:t>
-            </a:r>
-            <a:r>
-              <a:rPr sz="1400">
-                <a:solidFill>
-                  <a:srgbClr val="000000"/>
-                </a:solidFill>
-                <a:latin typeface="Courier New"/>
-              </a:rPr>
-              <a:t> </a:t>
-            </a:r>
-            <a:r>
-              <a:rPr sz="1400">
-                <a:solidFill>
-                  <a:srgbClr val="000000"/>
-                </a:solidFill>
-                <a:latin typeface="Courier New"/>
-              </a:rPr>
-              <a:t>100</a:t>
-            </a:r>
-            <a:r>
-              <a:rPr sz="1400">
-                <a:solidFill>
-                  <a:srgbClr val="000000"/>
-                </a:solidFill>
-                <a:latin typeface="Courier New"/>
-              </a:rPr>
-              <a:t>k</a:t>
-            </a:r>
-            <a:r>
-              <a:rPr sz="1400">
-                <a:solidFill>
-                  <a:srgbClr val="000000"/>
-                </a:solidFill>
-                <a:latin typeface="Courier New"/>
-              </a:rPr>
-              <a:t>)</a:t>
-            </a:r>
-            <a:r>
-              <a:rPr sz="1400">
-                <a:solidFill>
-                  <a:srgbClr val="000000"/>
-                </a:solidFill>
-                <a:latin typeface="Courier New"/>
-              </a:rPr>
-              <a:t> </a:t>
-            </a:r>
-            <a:r>
-              <a:rPr sz="1400">
-                <a:solidFill>
-                  <a:srgbClr val="000000"/>
-                </a:solidFill>
-                <a:latin typeface="Courier New"/>
-              </a:rPr>
-              <a:t>DC</a:t>
-            </a:r>
-            <a:r>
-              <a:rPr sz="1400">
-                <a:solidFill>
-                  <a:srgbClr val="000000"/>
-                </a:solidFill>
-                <a:latin typeface="Courier New"/>
-              </a:rPr>
-              <a:t>=</a:t>
-            </a:r>
-            <a:r>
-              <a:rPr sz="1400">
-                <a:solidFill>
-                  <a:srgbClr val="000000"/>
-                </a:solidFill>
-                <a:latin typeface="Courier New"/>
-              </a:rPr>
-              <a:t>17</a:t>
-            </a:r>
-            <a:r>
-              <a:rPr sz="1400">
-                <a:solidFill>
-                  <a:srgbClr val="000000"/>
-                </a:solidFill>
-                <a:latin typeface="Courier New"/>
-              </a:rPr>
-              <a:t>m</a:t>
-            </a:r>
-            <a:r>
-              <a:rPr sz="1400">
-                <a:solidFill>
-                  <a:srgbClr val="000000"/>
-                </a:solidFill>
-                <a:latin typeface="Courier New"/>
-              </a:rPr>
-              <a:t>V_VDD</a:t>
-            </a:r>
-            <a:r>
-              <a:rPr sz="1400">
-                <a:solidFill>
-                  <a:srgbClr val="000000"/>
-                </a:solidFill>
-                <a:latin typeface="Courier New"/>
-              </a:rPr>
-              <a:t> </a:t>
-            </a:r>
-            <a:r>
-              <a:rPr sz="1400">
-                <a:solidFill>
-                  <a:srgbClr val="000000"/>
-                </a:solidFill>
-                <a:latin typeface="Courier New"/>
-              </a:rPr>
-              <a:t>2</a:t>
-            </a:r>
-            <a:r>
-              <a:rPr sz="1400">
-                <a:solidFill>
-                  <a:srgbClr val="000000"/>
-                </a:solidFill>
-                <a:latin typeface="Courier New"/>
-              </a:rPr>
-              <a:t> </a:t>
-            </a:r>
-            <a:r>
-              <a:rPr sz="1400">
-                <a:solidFill>
-                  <a:srgbClr val="000000"/>
-                </a:solidFill>
-                <a:latin typeface="Courier New"/>
-              </a:rPr>
-              <a:t>0</a:t>
-            </a:r>
-            <a:r>
-              <a:rPr sz="1400">
-                <a:solidFill>
-                  <a:srgbClr val="000000"/>
-                </a:solidFill>
-                <a:latin typeface="Courier New"/>
-              </a:rPr>
-              <a:t> </a:t>
-            </a:r>
-            <a:r>
-              <a:rPr sz="1400">
-                <a:solidFill>
-                  <a:srgbClr val="000000"/>
-                </a:solidFill>
-                <a:latin typeface="Courier New"/>
-              </a:rPr>
-              <a:t>66</a:t>
-            </a:r>
-            <a:r>
-              <a:rPr sz="1400">
-                <a:solidFill>
-                  <a:srgbClr val="000000"/>
-                </a:solidFill>
-                <a:latin typeface="Courier New"/>
-              </a:rPr>
-              <a:t>V</a:t>
-            </a:r>
-            <a:r>
-              <a:rPr sz="1400">
-                <a:solidFill>
-                  <a:srgbClr val="000000"/>
-                </a:solidFill>
-                <a:latin typeface="Courier New"/>
-              </a:rPr>
-              <a:t>.</a:t>
-            </a:r>
-            <a:r>
-              <a:rPr sz="1400">
-                <a:solidFill>
-                  <a:srgbClr val="000000"/>
-                </a:solidFill>
-                <a:latin typeface="Courier New"/>
-              </a:rPr>
-              <a:t>model</a:t>
-            </a:r>
-            <a:r>
-              <a:rPr sz="1400">
-                <a:solidFill>
-                  <a:srgbClr val="000000"/>
-                </a:solidFill>
-                <a:latin typeface="Courier New"/>
-              </a:rPr>
-              <a:t> </a:t>
-            </a:r>
-            <a:r>
-              <a:rPr sz="1400">
-                <a:solidFill>
-                  <a:srgbClr val="000000"/>
-                </a:solidFill>
-                <a:latin typeface="Courier New"/>
-              </a:rPr>
-              <a:t>Q2</a:t>
-            </a:r>
-            <a:r>
-              <a:rPr sz="1400">
-                <a:solidFill>
-                  <a:srgbClr val="000000"/>
-                </a:solidFill>
-                <a:latin typeface="Courier New"/>
-              </a:rPr>
-              <a:t> </a:t>
-            </a:r>
-            <a:r>
-              <a:rPr sz="1400">
-                <a:solidFill>
-                  <a:srgbClr val="000000"/>
-                </a:solidFill>
-                <a:latin typeface="Courier New"/>
-              </a:rPr>
-              <a:t>NPN</a:t>
-            </a:r>
-            <a:r>
-              <a:rPr sz="1400">
-                <a:solidFill>
-                  <a:srgbClr val="000000"/>
-                </a:solidFill>
-                <a:latin typeface="Courier New"/>
-              </a:rPr>
-              <a:t>(</a:t>
-            </a:r>
-            <a:r>
-              <a:rPr sz="1400">
-                <a:solidFill>
-                  <a:srgbClr val="000000"/>
-                </a:solidFill>
-                <a:latin typeface="Courier New"/>
-              </a:rPr>
-              <a:t>Is</a:t>
-            </a:r>
-            <a:r>
-              <a:rPr sz="1400">
-                <a:solidFill>
-                  <a:srgbClr val="000000"/>
-                </a:solidFill>
-                <a:latin typeface="Courier New"/>
-              </a:rPr>
-              <a:t>=</a:t>
-            </a:r>
-            <a:r>
-              <a:rPr sz="1400">
-                <a:solidFill>
-                  <a:srgbClr val="000000"/>
-                </a:solidFill>
-                <a:latin typeface="Courier New"/>
-              </a:rPr>
-              <a:t>14.34</a:t>
-            </a:r>
-            <a:r>
-              <a:rPr sz="1400">
-                <a:solidFill>
-                  <a:srgbClr val="000000"/>
-                </a:solidFill>
-                <a:latin typeface="Courier New"/>
-              </a:rPr>
-              <a:t>p</a:t>
-            </a:r>
-            <a:r>
-              <a:rPr sz="1400">
-                <a:solidFill>
-                  <a:srgbClr val="000000"/>
-                </a:solidFill>
-                <a:latin typeface="Courier New"/>
-              </a:rPr>
-              <a:t> </a:t>
-            </a:r>
-            <a:r>
-              <a:rPr sz="1400">
-                <a:solidFill>
-                  <a:srgbClr val="000000"/>
-                </a:solidFill>
-                <a:latin typeface="Courier New"/>
-              </a:rPr>
-              <a:t>BF</a:t>
-            </a:r>
-            <a:r>
-              <a:rPr sz="1400">
-                <a:solidFill>
-                  <a:srgbClr val="000000"/>
-                </a:solidFill>
-                <a:latin typeface="Courier New"/>
-              </a:rPr>
-              <a:t>=</a:t>
-            </a:r>
-            <a:r>
-              <a:rPr sz="1400">
-                <a:solidFill>
-                  <a:srgbClr val="000000"/>
-                </a:solidFill>
-                <a:latin typeface="Courier New"/>
-              </a:rPr>
-              <a:t>20</a:t>
-            </a:r>
-            <a:r>
-              <a:rPr sz="1400">
-                <a:solidFill>
-                  <a:srgbClr val="000000"/>
-                </a:solidFill>
-                <a:latin typeface="Courier New"/>
-              </a:rPr>
-              <a:t> </a:t>
-            </a:r>
-            <a:r>
-              <a:rPr sz="1400">
-                <a:solidFill>
-                  <a:srgbClr val="000000"/>
-                </a:solidFill>
-                <a:latin typeface="Courier New"/>
-              </a:rPr>
-              <a:t>)</a:t>
-            </a:r>
-          </a:p>
-        </p:txBody>
-      </p:sp>
-      <p:sp>
-        <p:nvSpPr>
-          <p:cNvPr id="3" name="Title 2"/>
-          <p:cNvSpPr>
-            <a:spLocks noGrp="1"/>
-          </p:cNvSpPr>
-          <p:nvPr>
-            <p:ph type="title"/>
-          </p:nvPr>
-        </p:nvSpPr>
-        <p:spPr/>
-        <p:txBody>
-          <a:bodyPr wrap="square">
-            <a:noAutofit/>
-          </a:bodyPr>
-          <a:lstStyle/>
-          <a:p>
-            <a:r>
-              <a:rPr sz="3200" b="1" i="0">
-                <a:latin typeface="Arial"/>
-              </a:rPr>
-              <a:t>spice code 100 kHz aansturing</a:t>
-            </a:r>
-            <a:endParaRPr sz="3200" b="1" i="0">
-              <a:latin typeface="Arial"/>
-            </a:endParaRPr>
-          </a:p>
-        </p:txBody>
-      </p:sp>
-    </p:spTree>
-  </p:cSld>
-  <p:clrMapOvr>
-    <a:masterClrMapping/>
-  </p:clrMapOvr>
-</p:sld>
-</file>
-
-<file path=ppt/slides/slide32.xml><?xml version="1.0" encoding="utf-8"?>
-<p:sld xmlns:a="http://schemas.openxmlformats.org/drawingml/2006/main" xmlns:p="http://schemas.openxmlformats.org/presentationml/2006/main" xmlns:r="http://schemas.openxmlformats.org/officeDocument/2006/relationships">
-  <p:cSld>
-    <p:spTree>
-      <p:nvGrpSpPr>
-        <p:cNvPr id="1" name=""/>
-        <p:cNvGrpSpPr/>
-        <p:nvPr/>
-      </p:nvGrpSpPr>
-      <p:grpSpPr/>
-      <p:sp>
-        <p:nvSpPr>
-          <p:cNvPr id="2" name="Title 1"/>
-          <p:cNvSpPr>
-            <a:spLocks noGrp="1"/>
-          </p:cNvSpPr>
-          <p:nvPr>
-            <p:ph type="title"/>
-          </p:nvPr>
-        </p:nvSpPr>
-        <p:spPr/>
-        <p:txBody>
-          <a:bodyPr wrap="square">
-            <a:noAutofit/>
-          </a:bodyPr>
-          <a:lstStyle/>
-          <a:p>
-            <a:r>
-              <a:rPr sz="3200" b="1" i="0">
-                <a:latin typeface="Arial"/>
-              </a:rPr>
-              <a:t>100 kHz aansturing</a:t>
-            </a:r>
-            <a:endParaRPr sz="3200" b="1" i="0">
-              <a:latin typeface="Arial"/>
-            </a:endParaRPr>
-          </a:p>
-        </p:txBody>
-      </p:sp>
-      <p:pic>
-        <p:nvPicPr>
-          <p:cNvPr id="3" name="Picture 2" descr="image.png"/>
-          <p:cNvPicPr>
-            <a:picLocks noChangeAspect="1"/>
-          </p:cNvPicPr>
-          <p:nvPr/>
-        </p:nvPicPr>
-        <p:blipFill>
-          <a:blip r:embed="rId2"/>
-          <a:stretch>
-            <a:fillRect/>
-          </a:stretch>
-        </p:blipFill>
-        <p:spPr>
-          <a:xfrm>
-            <a:off x="2604716" y="566928"/>
-            <a:ext cx="6982568" cy="5577840"/>
-          </a:xfrm>
-          <a:prstGeom prst="rect">
-            <a:avLst/>
-          </a:prstGeom>
-        </p:spPr>
-      </p:pic>
-    </p:spTree>
-  </p:cSld>
-  <p:clrMapOvr>
-    <a:masterClrMapping/>
-  </p:clrMapOvr>
-</p:sld>
-</file>
-
-<file path=ppt/slides/slide33.xml><?xml version="1.0" encoding="utf-8"?>
-<p:sld xmlns:a="http://schemas.openxmlformats.org/drawingml/2006/main" xmlns:p="http://schemas.openxmlformats.org/presentationml/2006/main" xmlns:r="http://schemas.openxmlformats.org/officeDocument/2006/relationships">
-  <p:cSld>
-    <p:spTree>
-      <p:nvGrpSpPr>
-        <p:cNvPr id="1" name=""/>
-        <p:cNvGrpSpPr/>
-        <p:nvPr/>
-      </p:nvGrpSpPr>
-      <p:grpSpPr/>
-      <p:sp>
-        <p:nvSpPr>
-          <p:cNvPr id="2" name="Title 1"/>
-          <p:cNvSpPr>
-            <a:spLocks noGrp="1"/>
-          </p:cNvSpPr>
-          <p:nvPr>
-            <p:ph type="title"/>
-          </p:nvPr>
-        </p:nvSpPr>
-        <p:spPr/>
-        <p:txBody>
-          <a:bodyPr wrap="square">
-            <a:noAutofit/>
-          </a:bodyPr>
-          <a:lstStyle/>
-          <a:p>
-            <a:r>
-              <a:rPr sz="3200" b="1" i="0">
-                <a:latin typeface="Arial"/>
-              </a:rPr>
-              <a:t>Ogenblikkelijk vermogen</a:t>
-            </a:r>
-            <a:endParaRPr sz="3200" b="1" i="0">
-              <a:latin typeface="Arial"/>
-            </a:endParaRPr>
-          </a:p>
-        </p:txBody>
-      </p:sp>
-      <p:pic>
-        <p:nvPicPr>
-          <p:cNvPr id="3" name="Picture 2" descr="image.png"/>
-          <p:cNvPicPr>
-            <a:picLocks noChangeAspect="1"/>
-          </p:cNvPicPr>
-          <p:nvPr/>
-        </p:nvPicPr>
-        <p:blipFill>
-          <a:blip r:embed="rId2"/>
-          <a:stretch>
-            <a:fillRect/>
-          </a:stretch>
-        </p:blipFill>
-        <p:spPr>
-          <a:xfrm>
-            <a:off x="2584179" y="566928"/>
-            <a:ext cx="7023642" cy="5577840"/>
-          </a:xfrm>
-          <a:prstGeom prst="rect">
-            <a:avLst/>
-          </a:prstGeom>
-        </p:spPr>
-      </p:pic>
-    </p:spTree>
-  </p:cSld>
-  <p:clrMapOvr>
-    <a:masterClrMapping/>
-  </p:clrMapOvr>
-</p:sld>
-</file>
-
-<file path=ppt/slides/slide34.xml><?xml version="1.0" encoding="utf-8"?>
-<p:sld xmlns:a="http://schemas.openxmlformats.org/drawingml/2006/main" xmlns:p="http://schemas.openxmlformats.org/presentationml/2006/main" xmlns:r="http://schemas.openxmlformats.org/officeDocument/2006/relationships">
-  <p:cSld>
-    <p:spTree>
-      <p:nvGrpSpPr>
-        <p:cNvPr id="1" name=""/>
-        <p:cNvGrpSpPr/>
-        <p:nvPr/>
-      </p:nvGrpSpPr>
-      <p:grpSpPr/>
-    </p:spTree>
-  </p:cSld>
-  <p:clrMapOvr>
-    <a:masterClrMapping/>
-  </p:clrMapOvr>
-</p:sld>
-</file>
-
-<file path=ppt/slides/slide35.xml><?xml version="1.0" encoding="utf-8"?>
-<p:sld xmlns:a="http://schemas.openxmlformats.org/drawingml/2006/main" xmlns:p="http://schemas.openxmlformats.org/presentationml/2006/main" xmlns:r="http://schemas.openxmlformats.org/officeDocument/2006/relationships">
-  <p:cSld>
-    <p:spTree>
-      <p:nvGrpSpPr>
-        <p:cNvPr id="1" name=""/>
-        <p:cNvGrpSpPr/>
-        <p:nvPr/>
-      </p:nvGrpSpPr>
-      <p:grpSpPr/>
     </p:spTree>
   </p:cSld>
   <p:clrMapOvr>
@@ -10535,9 +6363,235 @@
         </p:nvSpPr>
         <p:spPr/>
         <p:txBody>
-          <a:bodyPr/>
+          <a:bodyPr wrap="square">
+            <a:noAutofit/>
+          </a:bodyPr>
           <a:lstStyle/>
-          <a:p/>
+          <a:p>
+            <a:pPr>
+              <a:lnSpc>
+                <a:spcPts val="2400"/>
+              </a:lnSpc>
+              <a:defRPr>
+                <a:solidFill>
+                  <a:srgbClr val="FFFFFF"/>
+                </a:solidFill>
+              </a:defRPr>
+            </a:pPr>
+            <a:r>
+              <a:rPr sz="2400" b="0" i="0">
+                <a:latin typeface="Courier"/>
+              </a:rPr>
+              <a:t>* Spice file van een eenvoudige Klasse A versterker</a:t>
+            </a:r>
+            <a:endParaRPr sz="2400" b="0" i="0">
+              <a:latin typeface="Courier"/>
+            </a:endParaRPr>
+          </a:p>
+          <a:p>
+            <a:pPr>
+              <a:lnSpc>
+                <a:spcPts val="2400"/>
+              </a:lnSpc>
+              <a:defRPr>
+                <a:solidFill>
+                  <a:srgbClr val="FFFFFF"/>
+                </a:solidFill>
+              </a:defRPr>
+            </a:pPr>
+            <a:r>
+              <a:rPr sz="2400" b="0" i="0">
+                <a:latin typeface="Courier"/>
+              </a:rPr>
+              <a:t>R_R6         0 1  8</a:t>
+            </a:r>
+            <a:endParaRPr sz="2400" b="0" i="0">
+              <a:latin typeface="Courier"/>
+            </a:endParaRPr>
+          </a:p>
+          <a:p>
+            <a:pPr>
+              <a:lnSpc>
+                <a:spcPts val="2400"/>
+              </a:lnSpc>
+              <a:defRPr>
+                <a:solidFill>
+                  <a:srgbClr val="FFFFFF"/>
+                </a:solidFill>
+              </a:defRPr>
+            </a:pPr>
+            <a:r>
+              <a:rPr sz="2400" b="0" i="0">
+                <a:latin typeface="Courier"/>
+              </a:rPr>
+              <a:t>R_R7         3 2  1</a:t>
+            </a:r>
+            <a:endParaRPr sz="2400" b="0" i="0">
+              <a:latin typeface="Courier"/>
+            </a:endParaRPr>
+          </a:p>
+          <a:p>
+            <a:pPr>
+              <a:lnSpc>
+                <a:spcPts val="2400"/>
+              </a:lnSpc>
+              <a:defRPr>
+                <a:solidFill>
+                  <a:srgbClr val="FFFFFF"/>
+                </a:solidFill>
+              </a:defRPr>
+            </a:pPr>
+            <a:r>
+              <a:rPr sz="2400" b="0" i="0">
+                <a:latin typeface="Courier"/>
+              </a:rPr>
+              <a:t>L1_TX1       3 4 25m</a:t>
+            </a:r>
+            <a:endParaRPr sz="2400" b="0" i="0">
+              <a:latin typeface="Courier"/>
+            </a:endParaRPr>
+          </a:p>
+          <a:p>
+            <a:pPr>
+              <a:lnSpc>
+                <a:spcPts val="2400"/>
+              </a:lnSpc>
+              <a:defRPr>
+                <a:solidFill>
+                  <a:srgbClr val="FFFFFF"/>
+                </a:solidFill>
+              </a:defRPr>
+            </a:pPr>
+            <a:r>
+              <a:rPr sz="2400" b="0" i="0">
+                <a:latin typeface="Courier"/>
+              </a:rPr>
+              <a:t>L2_TX1       1 0 1m</a:t>
+            </a:r>
+            <a:endParaRPr sz="2400" b="0" i="0">
+              <a:latin typeface="Courier"/>
+            </a:endParaRPr>
+          </a:p>
+          <a:p>
+            <a:pPr>
+              <a:lnSpc>
+                <a:spcPts val="2400"/>
+              </a:lnSpc>
+              <a:defRPr>
+                <a:solidFill>
+                  <a:srgbClr val="FFFFFF"/>
+                </a:solidFill>
+              </a:defRPr>
+            </a:pPr>
+            <a:r>
+              <a:rPr sz="2400" b="0" i="0">
+                <a:latin typeface="Courier"/>
+              </a:rPr>
+              <a:t>K_TX1        L1_TX1 L2_TX1 1.</a:t>
+            </a:r>
+            <a:endParaRPr sz="2400" b="0" i="0">
+              <a:latin typeface="Courier"/>
+            </a:endParaRPr>
+          </a:p>
+          <a:p>
+            <a:pPr>
+              <a:lnSpc>
+                <a:spcPts val="2400"/>
+              </a:lnSpc>
+              <a:defRPr>
+                <a:solidFill>
+                  <a:srgbClr val="FFFFFF"/>
+                </a:solidFill>
+              </a:defRPr>
+            </a:pPr>
+            <a:r>
+              <a:rPr sz="2400" b="0" i="0">
+                <a:latin typeface="Courier"/>
+              </a:rPr>
+              <a:t>Q_Q5         4 5 0 Q2</a:t>
+            </a:r>
+            <a:endParaRPr sz="2400" b="0" i="0">
+              <a:latin typeface="Courier"/>
+            </a:endParaRPr>
+          </a:p>
+          <a:p>
+            <a:pPr>
+              <a:lnSpc>
+                <a:spcPts val="2400"/>
+              </a:lnSpc>
+              <a:defRPr>
+                <a:solidFill>
+                  <a:srgbClr val="FFFFFF"/>
+                </a:solidFill>
+              </a:defRPr>
+            </a:pPr>
+            <a:r>
+              <a:rPr sz="2400" b="0" i="0">
+                <a:latin typeface="Courier"/>
+              </a:rPr>
+              <a:t>I_I4         0 5  SIN(17m 15m 10k) DC=17m</a:t>
+            </a:r>
+            <a:endParaRPr sz="2400" b="0" i="0">
+              <a:latin typeface="Courier"/>
+            </a:endParaRPr>
+          </a:p>
+          <a:p>
+            <a:pPr>
+              <a:lnSpc>
+                <a:spcPts val="2400"/>
+              </a:lnSpc>
+              <a:defRPr>
+                <a:solidFill>
+                  <a:srgbClr val="FFFFFF"/>
+                </a:solidFill>
+              </a:defRPr>
+            </a:pPr>
+            <a:r>
+              <a:rPr sz="2400" b="0" i="0">
+                <a:latin typeface="Courier"/>
+              </a:rPr>
+              <a:t>V_VDD        2 0 66V</a:t>
+            </a:r>
+            <a:endParaRPr sz="2400" b="0" i="0">
+              <a:latin typeface="Courier"/>
+            </a:endParaRPr>
+          </a:p>
+          <a:p>
+            <a:pPr>
+              <a:lnSpc>
+                <a:spcPts val="2400"/>
+              </a:lnSpc>
+              <a:defRPr>
+                <a:solidFill>
+                  <a:srgbClr val="FFFFFF"/>
+                </a:solidFill>
+              </a:defRPr>
+            </a:pPr>
+            <a:endParaRPr sz="2400" b="0" i="0">
+              <a:latin typeface="Courier"/>
+            </a:endParaRPr>
+          </a:p>
+          <a:p>
+            <a:pPr>
+              <a:lnSpc>
+                <a:spcPts val="2400"/>
+              </a:lnSpc>
+              <a:defRPr>
+                <a:solidFill>
+                  <a:srgbClr val="FFFFFF"/>
+                </a:solidFill>
+              </a:defRPr>
+            </a:pPr>
+            <a:r>
+              <a:rPr sz="2400" b="0" i="0">
+                <a:latin typeface="Courier"/>
+              </a:rPr>
+              <a:t>.model Q2  NPN(Is=14.34p BF=20 )</a:t>
+            </a:r>
+            <a:endParaRPr sz="2400" b="0" i="0">
+              <a:latin typeface="Courier"/>
+            </a:endParaRPr>
+          </a:p>
         </p:txBody>
       </p:sp>
       <p:sp>
@@ -10589,24 +6643,7 @@
       <p:grpSpPr/>
       <p:sp>
         <p:nvSpPr>
-          <p:cNvPr id="2" name="Content Placeholder 1"/>
-          <p:cNvSpPr>
-            <a:spLocks noGrp="1"/>
-          </p:cNvSpPr>
-          <p:nvPr>
-            <p:ph idx="1"/>
-          </p:nvPr>
-        </p:nvSpPr>
-        <p:spPr/>
-        <p:txBody>
-          <a:bodyPr/>
-          <a:lstStyle/>
-          <a:p/>
-        </p:txBody>
-      </p:sp>
-      <p:sp>
-        <p:nvSpPr>
-          <p:cNvPr id="3" name="Title 2"/>
+          <p:cNvPr id="2" name="Title 1"/>
           <p:cNvSpPr>
             <a:spLocks noGrp="1"/>
           </p:cNvSpPr>
@@ -10625,7 +6662,7 @@
               <a:rPr sz="3200" b="1" i="0">
                 <a:latin typeface="Arial"/>
               </a:rPr>
-              <a:t>SPICE code</a:t>
+              <a:t>Stromen en Spanningen als functie van de tijd</a:t>
             </a:r>
             <a:endParaRPr sz="3200" b="1" i="0">
               <a:latin typeface="Arial"/>
@@ -10633,6 +6670,30 @@
           </a:p>
         </p:txBody>
       </p:sp>
+      <p:pic>
+        <p:nvPicPr>
+          <p:cNvPr id="3" name="Picture 2" descr="image.png"/>
+          <p:cNvPicPr>
+            <a:picLocks noChangeAspect="1"/>
+          </p:cNvPicPr>
+          <p:nvPr/>
+        </p:nvPicPr>
+        <p:blipFill>
+          <a:blip r:embed="rId2"/>
+          <a:stretch>
+            <a:fillRect/>
+          </a:stretch>
+        </p:blipFill>
+        <p:spPr>
+          <a:xfrm>
+            <a:off x="2633221" y="566928"/>
+            <a:ext cx="6925558" cy="5577840"/>
+          </a:xfrm>
+          <a:prstGeom prst="rect">
+            <a:avLst/>
+          </a:prstGeom>
+        </p:spPr>
+      </p:pic>
     </p:spTree>
   </p:cSld>
   <p:clrMapOvr>
@@ -10653,24 +6714,7 @@
       <p:grpSpPr/>
       <p:sp>
         <p:nvSpPr>
-          <p:cNvPr id="2" name="Content Placeholder 1"/>
-          <p:cNvSpPr>
-            <a:spLocks noGrp="1"/>
-          </p:cNvSpPr>
-          <p:nvPr>
-            <p:ph idx="1"/>
-          </p:nvPr>
-        </p:nvSpPr>
-        <p:spPr/>
-        <p:txBody>
-          <a:bodyPr/>
-          <a:lstStyle/>
-          <a:p/>
-        </p:txBody>
-      </p:sp>
-      <p:sp>
-        <p:nvSpPr>
-          <p:cNvPr id="3" name="Title 2"/>
+          <p:cNvPr id="2" name="Title 1"/>
           <p:cNvSpPr>
             <a:spLocks noGrp="1"/>
           </p:cNvSpPr>
@@ -10689,7 +6733,7 @@
               <a:rPr sz="3200" b="1" i="0">
                 <a:latin typeface="Arial"/>
               </a:rPr>
-              <a:t>SPICE code</a:t>
+              <a:t>Belastingskarakteristiek</a:t>
             </a:r>
             <a:endParaRPr sz="3200" b="1" i="0">
               <a:latin typeface="Arial"/>
@@ -10697,6 +6741,30 @@
           </a:p>
         </p:txBody>
       </p:sp>
+      <p:pic>
+        <p:nvPicPr>
+          <p:cNvPr id="3" name="Picture 2" descr="image.png"/>
+          <p:cNvPicPr>
+            <a:picLocks noChangeAspect="1"/>
+          </p:cNvPicPr>
+          <p:nvPr/>
+        </p:nvPicPr>
+        <p:blipFill>
+          <a:blip r:embed="rId2"/>
+          <a:stretch>
+            <a:fillRect/>
+          </a:stretch>
+        </p:blipFill>
+        <p:spPr>
+          <a:xfrm>
+            <a:off x="2604716" y="566928"/>
+            <a:ext cx="6982568" cy="5577840"/>
+          </a:xfrm>
+          <a:prstGeom prst="rect">
+            <a:avLst/>
+          </a:prstGeom>
+        </p:spPr>
+      </p:pic>
     </p:spTree>
   </p:cSld>
   <p:clrMapOvr>
@@ -10727,9 +6795,235 @@
         </p:nvSpPr>
         <p:spPr/>
         <p:txBody>
-          <a:bodyPr/>
+          <a:bodyPr wrap="square">
+            <a:noAutofit/>
+          </a:bodyPr>
           <a:lstStyle/>
-          <a:p/>
+          <a:p>
+            <a:pPr>
+              <a:lnSpc>
+                <a:spcPts val="2400"/>
+              </a:lnSpc>
+              <a:defRPr>
+                <a:solidFill>
+                  <a:srgbClr val="FFFFFF"/>
+                </a:solidFill>
+              </a:defRPr>
+            </a:pPr>
+            <a:r>
+              <a:rPr sz="2400" b="0" i="0">
+                <a:latin typeface="Courier"/>
+              </a:rPr>
+              <a:t>* Spice file van een eenvoudige Klasse A versterker</a:t>
+            </a:r>
+            <a:endParaRPr sz="2400" b="0" i="0">
+              <a:latin typeface="Courier"/>
+            </a:endParaRPr>
+          </a:p>
+          <a:p>
+            <a:pPr>
+              <a:lnSpc>
+                <a:spcPts val="2400"/>
+              </a:lnSpc>
+              <a:defRPr>
+                <a:solidFill>
+                  <a:srgbClr val="FFFFFF"/>
+                </a:solidFill>
+              </a:defRPr>
+            </a:pPr>
+            <a:r>
+              <a:rPr sz="2400" b="0" i="0">
+                <a:latin typeface="Courier"/>
+              </a:rPr>
+              <a:t>R_R6         0 1  8</a:t>
+            </a:r>
+            <a:endParaRPr sz="2400" b="0" i="0">
+              <a:latin typeface="Courier"/>
+            </a:endParaRPr>
+          </a:p>
+          <a:p>
+            <a:pPr>
+              <a:lnSpc>
+                <a:spcPts val="2400"/>
+              </a:lnSpc>
+              <a:defRPr>
+                <a:solidFill>
+                  <a:srgbClr val="FFFFFF"/>
+                </a:solidFill>
+              </a:defRPr>
+            </a:pPr>
+            <a:r>
+              <a:rPr sz="2400" b="0" i="0">
+                <a:latin typeface="Courier"/>
+              </a:rPr>
+              <a:t>R_R7         3 2  1</a:t>
+            </a:r>
+            <a:endParaRPr sz="2400" b="0" i="0">
+              <a:latin typeface="Courier"/>
+            </a:endParaRPr>
+          </a:p>
+          <a:p>
+            <a:pPr>
+              <a:lnSpc>
+                <a:spcPts val="2400"/>
+              </a:lnSpc>
+              <a:defRPr>
+                <a:solidFill>
+                  <a:srgbClr val="FFFFFF"/>
+                </a:solidFill>
+              </a:defRPr>
+            </a:pPr>
+            <a:r>
+              <a:rPr sz="2400" b="0" i="0">
+                <a:latin typeface="Courier"/>
+              </a:rPr>
+              <a:t>L1_TX1       3 4 25</a:t>
+            </a:r>
+            <a:endParaRPr sz="2400" b="0" i="0">
+              <a:latin typeface="Courier"/>
+            </a:endParaRPr>
+          </a:p>
+          <a:p>
+            <a:pPr>
+              <a:lnSpc>
+                <a:spcPts val="2400"/>
+              </a:lnSpc>
+              <a:defRPr>
+                <a:solidFill>
+                  <a:srgbClr val="FFFFFF"/>
+                </a:solidFill>
+              </a:defRPr>
+            </a:pPr>
+            <a:r>
+              <a:rPr sz="2400" b="0" i="0">
+                <a:latin typeface="Courier"/>
+              </a:rPr>
+              <a:t>L2_TX1       1 0 1</a:t>
+            </a:r>
+            <a:endParaRPr sz="2400" b="0" i="0">
+              <a:latin typeface="Courier"/>
+            </a:endParaRPr>
+          </a:p>
+          <a:p>
+            <a:pPr>
+              <a:lnSpc>
+                <a:spcPts val="2400"/>
+              </a:lnSpc>
+              <a:defRPr>
+                <a:solidFill>
+                  <a:srgbClr val="FFFFFF"/>
+                </a:solidFill>
+              </a:defRPr>
+            </a:pPr>
+            <a:r>
+              <a:rPr sz="2400" b="0" i="0">
+                <a:latin typeface="Courier"/>
+              </a:rPr>
+              <a:t>K_TX1        L1_TX1 L2_TX1 1.</a:t>
+            </a:r>
+            <a:endParaRPr sz="2400" b="0" i="0">
+              <a:latin typeface="Courier"/>
+            </a:endParaRPr>
+          </a:p>
+          <a:p>
+            <a:pPr>
+              <a:lnSpc>
+                <a:spcPts val="2400"/>
+              </a:lnSpc>
+              <a:defRPr>
+                <a:solidFill>
+                  <a:srgbClr val="FFFFFF"/>
+                </a:solidFill>
+              </a:defRPr>
+            </a:pPr>
+            <a:r>
+              <a:rPr sz="2400" b="0" i="0">
+                <a:latin typeface="Courier"/>
+              </a:rPr>
+              <a:t>Q_Q5         4 5 0 Q2</a:t>
+            </a:r>
+            <a:endParaRPr sz="2400" b="0" i="0">
+              <a:latin typeface="Courier"/>
+            </a:endParaRPr>
+          </a:p>
+          <a:p>
+            <a:pPr>
+              <a:lnSpc>
+                <a:spcPts val="2400"/>
+              </a:lnSpc>
+              <a:defRPr>
+                <a:solidFill>
+                  <a:srgbClr val="FFFFFF"/>
+                </a:solidFill>
+              </a:defRPr>
+            </a:pPr>
+            <a:r>
+              <a:rPr sz="2400" b="0" i="0">
+                <a:latin typeface="Courier"/>
+              </a:rPr>
+              <a:t>I_I4         0 5  SIN(17m 15m 10k) DC=17m</a:t>
+            </a:r>
+            <a:endParaRPr sz="2400" b="0" i="0">
+              <a:latin typeface="Courier"/>
+            </a:endParaRPr>
+          </a:p>
+          <a:p>
+            <a:pPr>
+              <a:lnSpc>
+                <a:spcPts val="2400"/>
+              </a:lnSpc>
+              <a:defRPr>
+                <a:solidFill>
+                  <a:srgbClr val="FFFFFF"/>
+                </a:solidFill>
+              </a:defRPr>
+            </a:pPr>
+            <a:r>
+              <a:rPr sz="2400" b="0" i="0">
+                <a:latin typeface="Courier"/>
+              </a:rPr>
+              <a:t>V_VDD        2 0 66V</a:t>
+            </a:r>
+            <a:endParaRPr sz="2400" b="0" i="0">
+              <a:latin typeface="Courier"/>
+            </a:endParaRPr>
+          </a:p>
+          <a:p>
+            <a:pPr>
+              <a:lnSpc>
+                <a:spcPts val="2400"/>
+              </a:lnSpc>
+              <a:defRPr>
+                <a:solidFill>
+                  <a:srgbClr val="FFFFFF"/>
+                </a:solidFill>
+              </a:defRPr>
+            </a:pPr>
+            <a:endParaRPr sz="2400" b="0" i="0">
+              <a:latin typeface="Courier"/>
+            </a:endParaRPr>
+          </a:p>
+          <a:p>
+            <a:pPr>
+              <a:lnSpc>
+                <a:spcPts val="2400"/>
+              </a:lnSpc>
+              <a:defRPr>
+                <a:solidFill>
+                  <a:srgbClr val="FFFFFF"/>
+                </a:solidFill>
+              </a:defRPr>
+            </a:pPr>
+            <a:r>
+              <a:rPr sz="2400" b="0" i="0">
+                <a:latin typeface="Courier"/>
+              </a:rPr>
+              <a:t>.model Q2  NPN(Is=14.34p BF=20 )</a:t>
+            </a:r>
+            <a:endParaRPr sz="2400" b="0" i="0">
+              <a:latin typeface="Courier"/>
+            </a:endParaRPr>
+          </a:p>
         </p:txBody>
       </p:sp>
       <p:sp>
@@ -10781,24 +7075,7 @@
       <p:grpSpPr/>
       <p:sp>
         <p:nvSpPr>
-          <p:cNvPr id="2" name="Content Placeholder 1"/>
-          <p:cNvSpPr>
-            <a:spLocks noGrp="1"/>
-          </p:cNvSpPr>
-          <p:nvPr>
-            <p:ph idx="1"/>
-          </p:nvPr>
-        </p:nvSpPr>
-        <p:spPr/>
-        <p:txBody>
-          <a:bodyPr/>
-          <a:lstStyle/>
-          <a:p/>
-        </p:txBody>
-      </p:sp>
-      <p:sp>
-        <p:nvSpPr>
-          <p:cNvPr id="3" name="Title 2"/>
+          <p:cNvPr id="2" name="Title 1"/>
           <p:cNvSpPr>
             <a:spLocks noGrp="1"/>
           </p:cNvSpPr>
@@ -10817,7 +7094,7 @@
               <a:rPr sz="3200" b="1" i="0">
                 <a:latin typeface="Arial"/>
               </a:rPr>
-              <a:t>SPICE code</a:t>
+              <a:t>Stroom-spanning</a:t>
             </a:r>
             <a:endParaRPr sz="3200" b="1" i="0">
               <a:latin typeface="Arial"/>
@@ -10825,6 +7102,30 @@
           </a:p>
         </p:txBody>
       </p:sp>
+      <p:pic>
+        <p:nvPicPr>
+          <p:cNvPr id="3" name="Picture 2" descr="image.png"/>
+          <p:cNvPicPr>
+            <a:picLocks noChangeAspect="1"/>
+          </p:cNvPicPr>
+          <p:nvPr/>
+        </p:nvPicPr>
+        <p:blipFill>
+          <a:blip r:embed="rId2"/>
+          <a:stretch>
+            <a:fillRect/>
+          </a:stretch>
+        </p:blipFill>
+        <p:spPr>
+          <a:xfrm>
+            <a:off x="2518460" y="566928"/>
+            <a:ext cx="7155079" cy="5577840"/>
+          </a:xfrm>
+          <a:prstGeom prst="rect">
+            <a:avLst/>
+          </a:prstGeom>
+        </p:spPr>
+      </p:pic>
     </p:spTree>
   </p:cSld>
   <p:clrMapOvr>

--- a/AnalogeElektronica2/PowerPoint/Klasse-A.pptx
+++ b/AnalogeElektronica2/PowerPoint/Klasse-A.pptx
@@ -1,6 +1,6 @@
 
 <file path=ppt/presentation.xml><?xml version="1.0" encoding="utf-8"?>
-<p:presentation xmlns:a="http://schemas.openxmlformats.org/drawingml/2006/main" xmlns:r="http://schemas.openxmlformats.org/officeDocument/2006/relationships" xmlns:p="http://schemas.openxmlformats.org/presentationml/2006/main" saveSubsetFonts="1" autoCompressPictures="0">
+<p:presentation xmlns:a="http://schemas.openxmlformats.org/drawingml/2006/main" xmlns:r="http://schemas.openxmlformats.org/officeDocument/2006/relationships" xmlns:p="http://schemas.openxmlformats.org/presentationml/2006/main" showSpecialPlsOnTitleSld="0" saveSubsetFonts="1" autoCompressPictures="0">
   <p:sldMasterIdLst>
     <p:sldMasterId id="2147483648" r:id="rId4"/>
   </p:sldMasterIdLst>
@@ -687,7 +687,7 @@
           <a:p>
             <a:fld id="{8F591CCF-F6FD-734B-854A-5BC033593B1E}" type="datetimeFigureOut">
               <a:rPr lang="nl-NL" smtClean="0"/>
-              <a:t>21-9-2025</a:t>
+              <a:t>28-9-2025</a:t>
             </a:fld>
             <a:endParaRPr lang="nl-NL"/>
           </a:p>
@@ -852,7 +852,7 @@
           <a:p>
             <a:fld id="{23C66214-DB21-4647-B5DA-0D17CA592867}" type="datetimeFigureOut">
               <a:rPr lang="nl-NL" smtClean="0"/>
-              <a:t>21-9-2025</a:t>
+              <a:t>28-9-2025</a:t>
             </a:fld>
             <a:endParaRPr lang="nl-NL"/>
           </a:p>
@@ -1461,9 +1461,9 @@
           <a:bodyPr/>
           <a:lstStyle/>
           <a:p>
-            <a:fld id="{D15822B7-9EF6-9542-AF10-CD505E021A84}" type="datetime1">
+            <a:fld id="{39E7E716-59E8-42BC-97BF-DDA9E59ADEE7}" type="datetime1">
               <a:rPr lang="nl-BE" smtClean="0"/>
-              <a:t>21/09/2025</a:t>
+              <a:t>28/09/2025</a:t>
             </a:fld>
             <a:endParaRPr lang="nl-NL"/>
           </a:p>
@@ -1495,7 +1495,7 @@
           <a:bodyPr/>
           <a:lstStyle/>
           <a:p>
-            <a:endParaRPr lang="nl-NL"/>
+            <a:endParaRPr lang="nl-NL" dirty="0"/>
           </a:p>
         </p:txBody>
       </p:sp>
@@ -1711,9 +1711,9 @@
           <a:bodyPr/>
           <a:lstStyle/>
           <a:p>
-            <a:fld id="{D15822B7-9EF6-9542-AF10-CD505E021A84}" type="datetime1">
+            <a:fld id="{68285E84-F3E9-4DE0-AF5C-DC32311C51B6}" type="datetime1">
               <a:rPr lang="nl-BE" smtClean="0"/>
-              <a:t>21/09/2025</a:t>
+              <a:t>28/09/2025</a:t>
             </a:fld>
             <a:endParaRPr lang="nl-NL"/>
           </a:p>
@@ -1994,9 +1994,9 @@
           <a:bodyPr/>
           <a:lstStyle/>
           <a:p>
-            <a:fld id="{F52CA13D-CC20-034F-8D4D-5C3038626ED9}" type="datetime1">
+            <a:fld id="{86D712DB-13D1-48DF-8D74-EA2A0D6A1295}" type="datetime1">
               <a:rPr lang="nl-BE" smtClean="0"/>
-              <a:t>21/09/2025</a:t>
+              <a:t>28/09/2025</a:t>
             </a:fld>
             <a:endParaRPr lang="nl-NL"/>
           </a:p>
@@ -2346,9 +2346,9 @@
           <a:bodyPr/>
           <a:lstStyle/>
           <a:p>
-            <a:fld id="{F52CA13D-CC20-034F-8D4D-5C3038626ED9}" type="datetime1">
+            <a:fld id="{EE55F63B-E5C2-47C9-B767-96A09BC63624}" type="datetime1">
               <a:rPr lang="nl-BE" smtClean="0"/>
-              <a:t>21/09/2025</a:t>
+              <a:t>28/09/2025</a:t>
             </a:fld>
             <a:endParaRPr lang="nl-NL"/>
           </a:p>
@@ -3579,9 +3579,9 @@
           <a:bodyPr/>
           <a:lstStyle/>
           <a:p>
-            <a:fld id="{F52CA13D-CC20-034F-8D4D-5C3038626ED9}" type="datetime1">
+            <a:fld id="{0445AAF3-F212-43BB-932B-DD1A31841819}" type="datetime1">
               <a:rPr lang="nl-BE" smtClean="0"/>
-              <a:t>21/09/2025</a:t>
+              <a:t>28/09/2025</a:t>
             </a:fld>
             <a:endParaRPr lang="nl-NL"/>
           </a:p>
@@ -3800,9 +3800,9 @@
           <a:bodyPr/>
           <a:lstStyle/>
           <a:p>
-            <a:fld id="{F52CA13D-CC20-034F-8D4D-5C3038626ED9}" type="datetime1">
+            <a:fld id="{215EBCC0-C3A3-417F-962F-876AE60FF46F}" type="datetime1">
               <a:rPr lang="nl-BE" smtClean="0"/>
-              <a:t>21/09/2025</a:t>
+              <a:t>28/09/2025</a:t>
             </a:fld>
             <a:endParaRPr lang="nl-NL"/>
           </a:p>
@@ -4091,9 +4091,9 @@
           <a:bodyPr/>
           <a:lstStyle/>
           <a:p>
-            <a:fld id="{F52CA13D-CC20-034F-8D4D-5C3038626ED9}" type="datetime1">
+            <a:fld id="{5087A35E-C6EC-4A6C-A286-9B263B20AC20}" type="datetime1">
               <a:rPr lang="nl-BE" smtClean="0"/>
-              <a:t>21/09/2025</a:t>
+              <a:t>28/09/2025</a:t>
             </a:fld>
             <a:endParaRPr lang="nl-NL"/>
           </a:p>
@@ -4345,9 +4345,9 @@
           <a:bodyPr/>
           <a:lstStyle/>
           <a:p>
-            <a:fld id="{F52CA13D-CC20-034F-8D4D-5C3038626ED9}" type="datetime1">
+            <a:fld id="{4B9B00E3-DE57-4EA4-A886-8AA88F9577D7}" type="datetime1">
               <a:rPr lang="nl-BE" smtClean="0"/>
-              <a:t>21/09/2025</a:t>
+              <a:t>28/09/2025</a:t>
             </a:fld>
             <a:endParaRPr lang="nl-NL"/>
           </a:p>
@@ -4558,9 +4558,9 @@
           <a:bodyPr/>
           <a:lstStyle/>
           <a:p>
-            <a:fld id="{D15822B7-9EF6-9542-AF10-CD505E021A84}" type="datetime1">
+            <a:fld id="{1631A466-BC4F-407D-A3EA-76F6655478F0}" type="datetime1">
               <a:rPr lang="nl-BE" smtClean="0"/>
-              <a:t>21/09/2025</a:t>
+              <a:t>28/09/2025</a:t>
             </a:fld>
             <a:endParaRPr lang="nl-NL"/>
           </a:p>
@@ -4749,9 +4749,9 @@
           <a:bodyPr/>
           <a:lstStyle/>
           <a:p>
-            <a:fld id="{D15822B7-9EF6-9542-AF10-CD505E021A84}" type="datetime1">
+            <a:fld id="{7CF5F32B-E94B-420F-86D9-59A9E32E05E1}" type="datetime1">
               <a:rPr lang="nl-BE" smtClean="0"/>
-              <a:t>21/09/2025</a:t>
+              <a:t>28/09/2025</a:t>
             </a:fld>
             <a:endParaRPr lang="nl-NL"/>
           </a:p>
@@ -5107,9 +5107,9 @@
             </a:lvl1pPr>
           </a:lstStyle>
           <a:p>
-            <a:fld id="{0C33DDE8-63FF-C642-9F3A-0B773DD34821}" type="datetime1">
+            <a:fld id="{341CC9F9-C2CE-4031-804C-1F2576E1A82A}" type="datetime1">
               <a:rPr lang="nl-BE" smtClean="0"/>
-              <a:t>21/09/2025</a:t>
+              <a:t>28/09/2025</a:t>
             </a:fld>
             <a:endParaRPr lang="nl-NL"/>
           </a:p>
@@ -5245,7 +5245,7 @@
     <p:sldLayoutId id="2147483670" r:id="rId12"/>
     <p:sldLayoutId id="2147483651" r:id="rId13"/>
   </p:sldLayoutIdLst>
-  <p:hf hdr="0" ftr="0" dt="0"/>
+  <p:hf hdr="0" dt="0"/>
   <p:txStyles>
     <p:titleStyle>
       <a:lvl1pPr algn="l" defTabSz="914400" rtl="0" eaLnBrk="1" latinLnBrk="0" hangingPunct="1">
@@ -7918,26 +7918,6 @@
 </file>
 
 <file path=customXml/item1.xml><?xml version="1.0" encoding="utf-8"?>
-<p:properties xmlns:p="http://schemas.microsoft.com/office/2006/metadata/properties" xmlns:xsi="http://www.w3.org/2001/XMLSchema-instance" xmlns:pc="http://schemas.microsoft.com/office/infopath/2007/PartnerControls">
-  <documentManagement>
-    <lcf76f155ced4ddcb4097134ff3c332f xmlns="81d41a3b-f33d-4db6-b532-757106a7a2ae">
-      <Terms xmlns="http://schemas.microsoft.com/office/infopath/2007/PartnerControls"/>
-    </lcf76f155ced4ddcb4097134ff3c332f>
-    <TaxCatchAll xmlns="bf25a9bf-a811-4965-9d0a-b88059080fed" xsi:nil="true"/>
-  </documentManagement>
-</p:properties>
-</file>
-
-<file path=customXml/item2.xml><?xml version="1.0" encoding="utf-8"?>
-<?mso-contentType ?>
-<FormTemplates xmlns="http://schemas.microsoft.com/sharepoint/v3/contenttype/forms">
-  <Display>DocumentLibraryForm</Display>
-  <Edit>DocumentLibraryForm</Edit>
-  <New>DocumentLibraryForm</New>
-</FormTemplates>
-</file>
-
-<file path=customXml/item3.xml><?xml version="1.0" encoding="utf-8"?>
 <ct:contentTypeSchema xmlns:ct="http://schemas.microsoft.com/office/2006/metadata/contentType" xmlns:ma="http://schemas.microsoft.com/office/2006/metadata/properties/metaAttributes" ct:_="" ma:_="" ma:contentTypeName="Document" ma:contentTypeID="0x010100B8C495A181F81B4C9DE5AD85CD0F70D4" ma:contentTypeVersion="18" ma:contentTypeDescription="Een nieuw document maken." ma:contentTypeScope="" ma:versionID="6ba28a59cba4a02a693681f32745d77b">
   <xsd:schema xmlns:xsd="http://www.w3.org/2001/XMLSchema" xmlns:xs="http://www.w3.org/2001/XMLSchema" xmlns:p="http://schemas.microsoft.com/office/2006/metadata/properties" xmlns:ns2="81d41a3b-f33d-4db6-b532-757106a7a2ae" xmlns:ns3="bf25a9bf-a811-4965-9d0a-b88059080fed" targetNamespace="http://schemas.microsoft.com/office/2006/metadata/properties" ma:root="true" ma:fieldsID="b996b4a4c0d83f5cfec71b22aba921d2" ns2:_="" ns3:_="">
     <xsd:import namespace="81d41a3b-f33d-4db6-b532-757106a7a2ae"/>
@@ -8192,32 +8172,27 @@
 </ct:contentTypeSchema>
 </file>
 
-<file path=customXml/itemProps1.xml><?xml version="1.0" encoding="utf-8"?>
-<ds:datastoreItem xmlns:ds="http://schemas.openxmlformats.org/officeDocument/2006/customXml" ds:itemID="{5EE9034D-0B43-4AB0-9535-9A62DB37A999}">
-  <ds:schemaRefs>
-    <ds:schemaRef ds:uri="http://www.w3.org/XML/1998/namespace"/>
-    <ds:schemaRef ds:uri="81d41a3b-f33d-4db6-b532-757106a7a2ae"/>
-    <ds:schemaRef ds:uri="http://purl.org/dc/dcmitype/"/>
-    <ds:schemaRef ds:uri="http://purl.org/dc/elements/1.1/"/>
-    <ds:schemaRef ds:uri="http://schemas.microsoft.com/office/2006/documentManagement/types"/>
-    <ds:schemaRef ds:uri="bf25a9bf-a811-4965-9d0a-b88059080fed"/>
-    <ds:schemaRef ds:uri="http://purl.org/dc/terms/"/>
-    <ds:schemaRef ds:uri="http://schemas.microsoft.com/office/infopath/2007/PartnerControls"/>
-    <ds:schemaRef ds:uri="http://schemas.openxmlformats.org/package/2006/metadata/core-properties"/>
-    <ds:schemaRef ds:uri="http://schemas.microsoft.com/office/2006/metadata/properties"/>
-  </ds:schemaRefs>
-</ds:datastoreItem>
+<file path=customXml/item2.xml><?xml version="1.0" encoding="utf-8"?>
+<?mso-contentType ?>
+<FormTemplates xmlns="http://schemas.microsoft.com/sharepoint/v3/contenttype/forms">
+  <Display>DocumentLibraryForm</Display>
+  <Edit>DocumentLibraryForm</Edit>
+  <New>DocumentLibraryForm</New>
+</FormTemplates>
 </file>
 
-<file path=customXml/itemProps2.xml><?xml version="1.0" encoding="utf-8"?>
-<ds:datastoreItem xmlns:ds="http://schemas.openxmlformats.org/officeDocument/2006/customXml" ds:itemID="{263A7949-1B93-457F-8888-53CC8A016F77}">
-  <ds:schemaRefs>
-    <ds:schemaRef ds:uri="http://schemas.microsoft.com/sharepoint/v3/contenttype/forms"/>
-  </ds:schemaRefs>
-</ds:datastoreItem>
+<file path=customXml/item3.xml><?xml version="1.0" encoding="utf-8"?>
+<p:properties xmlns:p="http://schemas.microsoft.com/office/2006/metadata/properties" xmlns:xsi="http://www.w3.org/2001/XMLSchema-instance" xmlns:pc="http://schemas.microsoft.com/office/infopath/2007/PartnerControls">
+  <documentManagement>
+    <lcf76f155ced4ddcb4097134ff3c332f xmlns="81d41a3b-f33d-4db6-b532-757106a7a2ae">
+      <Terms xmlns="http://schemas.microsoft.com/office/infopath/2007/PartnerControls"/>
+    </lcf76f155ced4ddcb4097134ff3c332f>
+    <TaxCatchAll xmlns="bf25a9bf-a811-4965-9d0a-b88059080fed" xsi:nil="true"/>
+  </documentManagement>
+</p:properties>
 </file>
 
-<file path=customXml/itemProps3.xml><?xml version="1.0" encoding="utf-8"?>
+<file path=customXml/itemProps1.xml><?xml version="1.0" encoding="utf-8"?>
 <ds:datastoreItem xmlns:ds="http://schemas.openxmlformats.org/officeDocument/2006/customXml" ds:itemID="{2A270F01-48F1-4A41-8E26-ACAC66896963}">
   <ds:schemaRefs>
     <ds:schemaRef ds:uri="http://schemas.microsoft.com/office/2006/metadata/contentType"/>
@@ -8234,4 +8209,29 @@
     <ds:schemaRef ds:uri="http://schemas.microsoft.com/internal/obd"/>
   </ds:schemaRefs>
 </ds:datastoreItem>
+</file>
+
+<file path=customXml/itemProps2.xml><?xml version="1.0" encoding="utf-8"?>
+<ds:datastoreItem xmlns:ds="http://schemas.openxmlformats.org/officeDocument/2006/customXml" ds:itemID="{263A7949-1B93-457F-8888-53CC8A016F77}">
+  <ds:schemaRefs>
+    <ds:schemaRef ds:uri="http://schemas.microsoft.com/sharepoint/v3/contenttype/forms"/>
+  </ds:schemaRefs>
+</ds:datastoreItem>
+</file>
+
+<file path=customXml/itemProps3.xml><?xml version="1.0" encoding="utf-8"?>
+<ds:datastoreItem xmlns:ds="http://schemas.openxmlformats.org/officeDocument/2006/customXml" ds:itemID="{5EE9034D-0B43-4AB0-9535-9A62DB37A999}">
+  <ds:schemaRefs>
+    <ds:schemaRef ds:uri="http://www.w3.org/XML/1998/namespace"/>
+    <ds:schemaRef ds:uri="81d41a3b-f33d-4db6-b532-757106a7a2ae"/>
+    <ds:schemaRef ds:uri="http://purl.org/dc/dcmitype/"/>
+    <ds:schemaRef ds:uri="http://purl.org/dc/elements/1.1/"/>
+    <ds:schemaRef ds:uri="http://schemas.microsoft.com/office/2006/documentManagement/types"/>
+    <ds:schemaRef ds:uri="bf25a9bf-a811-4965-9d0a-b88059080fed"/>
+    <ds:schemaRef ds:uri="http://purl.org/dc/terms/"/>
+    <ds:schemaRef ds:uri="http://schemas.microsoft.com/office/infopath/2007/PartnerControls"/>
+    <ds:schemaRef ds:uri="http://schemas.openxmlformats.org/package/2006/metadata/core-properties"/>
+    <ds:schemaRef ds:uri="http://schemas.microsoft.com/office/2006/metadata/properties"/>
+  </ds:schemaRefs>
+</ds:datastoreItem>
 </file>
--- a/AnalogeElektronica2/PowerPoint/Klasse-A.pptx
+++ b/AnalogeElektronica2/PowerPoint/Klasse-A.pptx
@@ -6018,8 +6018,8 @@
         </p:blipFill>
         <p:spPr>
           <a:xfrm>
-            <a:off x="2604716" y="566928"/>
-            <a:ext cx="6982568" cy="5577840"/>
+            <a:off x="2547481" y="566928"/>
+            <a:ext cx="7097037" cy="5669280"/>
           </a:xfrm>
           <a:prstGeom prst="rect">
             <a:avLst/>
@@ -6089,8 +6089,8 @@
         </p:blipFill>
         <p:spPr>
           <a:xfrm>
-            <a:off x="2584179" y="566928"/>
-            <a:ext cx="7023642" cy="5577840"/>
+            <a:off x="2526608" y="566928"/>
+            <a:ext cx="7138784" cy="5669280"/>
           </a:xfrm>
           <a:prstGeom prst="rect">
             <a:avLst/>
@@ -6166,12 +6166,6 @@
           <a:bodyPr/>
           <a:lstStyle/>
           <a:p/>
-          <a:p>
-            <a:pPr/>
-            <a:r>
-              <a:t># Klasse A versterkers</a:t>
-            </a:r>
-          </a:p>
         </p:txBody>
       </p:sp>
       <p:sp>
@@ -6189,6 +6183,36 @@
           <a:bodyPr/>
           <a:lstStyle/>
           <a:p/>
+        </p:txBody>
+      </p:sp>
+      <p:sp>
+        <p:nvSpPr>
+          <p:cNvPr id="2" name="Content Placeholder 1"/>
+          <p:cNvSpPr>
+            <a:spLocks noGrp="1"/>
+          </p:cNvSpPr>
+          <p:nvPr>
+            <p:ph idx="1"/>
+          </p:nvPr>
+        </p:nvSpPr>
+        <p:spPr>
+          <a:xfrm>
+            <a:off x="914400" y="566928"/>
+            <a:ext cx="10820400" cy="5669280"/>
+          </a:xfrm>
+        </p:spPr>
+        <p:txBody>
+          <a:bodyPr>
+            <a:spAutoFit/>
+          </a:bodyPr>
+          <a:lstStyle/>
+          <a:p/>
+          <a:p>
+            <a:pPr/>
+            <a:r>
+              <a:t># Klasse A versterkers</a:t>
+            </a:r>
+          </a:p>
         </p:txBody>
       </p:sp>
     </p:spTree>
@@ -6254,8 +6278,8 @@
         </p:blipFill>
         <p:spPr>
           <a:xfrm>
-            <a:off x="4218610" y="566928"/>
-            <a:ext cx="3754780" cy="5577840"/>
+            <a:off x="4187833" y="566928"/>
+            <a:ext cx="3816334" cy="5669280"/>
           </a:xfrm>
           <a:prstGeom prst="rect">
             <a:avLst/>
@@ -6325,8 +6349,8 @@
         </p:blipFill>
         <p:spPr>
           <a:xfrm>
-            <a:off x="4218610" y="566928"/>
-            <a:ext cx="3754780" cy="5577840"/>
+            <a:off x="4187833" y="566928"/>
+            <a:ext cx="3816334" cy="5669280"/>
           </a:xfrm>
           <a:prstGeom prst="rect">
             <a:avLst/>
@@ -6686,8 +6710,8 @@
         </p:blipFill>
         <p:spPr>
           <a:xfrm>
-            <a:off x="2633221" y="566928"/>
-            <a:ext cx="6925558" cy="5577840"/>
+            <a:off x="2576454" y="566928"/>
+            <a:ext cx="7039092" cy="5669280"/>
           </a:xfrm>
           <a:prstGeom prst="rect">
             <a:avLst/>
@@ -6757,8 +6781,8 @@
         </p:blipFill>
         <p:spPr>
           <a:xfrm>
-            <a:off x="2604716" y="566928"/>
-            <a:ext cx="6982568" cy="5577840"/>
+            <a:off x="2547481" y="566928"/>
+            <a:ext cx="7097037" cy="5669280"/>
           </a:xfrm>
           <a:prstGeom prst="rect">
             <a:avLst/>
@@ -7118,8 +7142,8 @@
         </p:blipFill>
         <p:spPr>
           <a:xfrm>
-            <a:off x="2518460" y="566928"/>
-            <a:ext cx="7155079" cy="5577840"/>
+            <a:off x="2459812" y="566928"/>
+            <a:ext cx="7272375" cy="5669280"/>
           </a:xfrm>
           <a:prstGeom prst="rect">
             <a:avLst/>

--- a/AnalogeElektronica2/PowerPoint/Klasse-A.pptx
+++ b/AnalogeElektronica2/PowerPoint/Klasse-A.pptx
@@ -6163,9 +6163,17 @@
         </p:nvSpPr>
         <p:spPr/>
         <p:txBody>
-          <a:bodyPr/>
+          <a:bodyPr>
+            <a:spAutoFit/>
+          </a:bodyPr>
           <a:lstStyle/>
           <a:p/>
+          <a:p>
+            <a:pPr/>
+            <a:r>
+              <a:t># Klasse A versterkers</a:t>
+            </a:r>
+          </a:p>
         </p:txBody>
       </p:sp>
       <p:sp>
@@ -6183,36 +6191,6 @@
           <a:bodyPr/>
           <a:lstStyle/>
           <a:p/>
-        </p:txBody>
-      </p:sp>
-      <p:sp>
-        <p:nvSpPr>
-          <p:cNvPr id="2" name="Content Placeholder 1"/>
-          <p:cNvSpPr>
-            <a:spLocks noGrp="1"/>
-          </p:cNvSpPr>
-          <p:nvPr>
-            <p:ph idx="1"/>
-          </p:nvPr>
-        </p:nvSpPr>
-        <p:spPr>
-          <a:xfrm>
-            <a:off x="914400" y="566928"/>
-            <a:ext cx="10820400" cy="5669280"/>
-          </a:xfrm>
-        </p:spPr>
-        <p:txBody>
-          <a:bodyPr>
-            <a:spAutoFit/>
-          </a:bodyPr>
-          <a:lstStyle/>
-          <a:p/>
-          <a:p>
-            <a:pPr/>
-            <a:r>
-              <a:t># Klasse A versterkers</a:t>
-            </a:r>
-          </a:p>
         </p:txBody>
       </p:sp>
     </p:spTree>
